--- a/Aula3.pptx
+++ b/Aula3.pptx
@@ -47,9 +47,10 @@
     <p:sldId id="291" r:id="rId41"/>
     <p:sldId id="308" r:id="rId42"/>
     <p:sldId id="309" r:id="rId43"/>
-    <p:sldId id="290" r:id="rId44"/>
-    <p:sldId id="281" r:id="rId45"/>
-    <p:sldId id="289" r:id="rId46"/>
+    <p:sldId id="310" r:id="rId44"/>
+    <p:sldId id="290" r:id="rId45"/>
+    <p:sldId id="281" r:id="rId46"/>
+    <p:sldId id="289" r:id="rId47"/>
   </p:sldIdLst>
   <p:sldSz cx="12192000" cy="6858000"/>
   <p:notesSz cx="6858000" cy="9144000"/>
@@ -226,13 +227,18 @@
                 </a:schemeClr>
               </a:gs>
               <a:gs pos="22000">
-                <a:srgbClr val="FF0000"/>
+                <a:srgbClr val="FFC000"/>
               </a:gs>
               <a:gs pos="47000">
-                <a:srgbClr val="FF0000"/>
+                <a:schemeClr val="accent6">
+                  <a:lumMod val="75000"/>
+                </a:schemeClr>
               </a:gs>
-              <a:gs pos="84000">
-                <a:schemeClr val="accent2">
+              <a:gs pos="76000">
+                <a:schemeClr val="tx2"/>
+              </a:gs>
+              <a:gs pos="96000">
+                <a:schemeClr val="tx2">
                   <a:lumMod val="50000"/>
                 </a:schemeClr>
               </a:gs>
@@ -393,36 +399,6 @@
           <a:chExt cx="0" cy="0"/>
         </a:xfrm>
       </p:grpSpPr>
-      <p:pic>
-        <p:nvPicPr>
-          <p:cNvPr id="9" name="Imagem 8"/>
-          <p:cNvPicPr>
-            <a:picLocks noChangeAspect="1"/>
-          </p:cNvPicPr>
-          <p:nvPr userDrawn="1"/>
-        </p:nvPicPr>
-        <p:blipFill>
-          <a:blip r:embed="rId7">
-            <a:extLst>
-              <a:ext uri="{28A0092B-C50C-407E-A947-70E740481C1C}">
-                <a14:useLocalDpi xmlns:a14="http://schemas.microsoft.com/office/drawing/2010/main" val="0"/>
-              </a:ext>
-            </a:extLst>
-          </a:blip>
-          <a:stretch>
-            <a:fillRect/>
-          </a:stretch>
-        </p:blipFill>
-        <p:spPr>
-          <a:xfrm>
-            <a:off x="0" y="0"/>
-            <a:ext cx="12192000" cy="6858000"/>
-          </a:xfrm>
-          <a:prstGeom prst="rect">
-            <a:avLst/>
-          </a:prstGeom>
-        </p:spPr>
-      </p:pic>
       <p:graphicFrame>
         <p:nvGraphicFramePr>
           <p:cNvPr id="2" name="Objeto 1" hidden="1"/>
@@ -444,12 +420,12 @@
           <a:graphicData uri="http://schemas.openxmlformats.org/presentationml/2006/ole">
             <mc:AlternateContent xmlns:mc="http://schemas.openxmlformats.org/markup-compatibility/2006">
               <mc:Choice xmlns:v="urn:schemas-microsoft-com:vml" Requires="v">
-                <p:oleObj spid="_x0000_s1088" name="Slide do think-cell" r:id="rId8" imgW="270" imgH="270" progId="TCLayout.ActiveDocument.1">
+                <p:oleObj spid="_x0000_s1093" name="Slide do think-cell" r:id="rId7" imgW="270" imgH="270" progId="TCLayout.ActiveDocument.1">
                   <p:embed/>
                 </p:oleObj>
               </mc:Choice>
               <mc:Fallback>
-                <p:oleObj name="Slide do think-cell" r:id="rId8" imgW="270" imgH="270" progId="TCLayout.ActiveDocument.1">
+                <p:oleObj name="Slide do think-cell" r:id="rId7" imgW="270" imgH="270" progId="TCLayout.ActiveDocument.1">
                   <p:embed/>
                   <p:pic>
                     <p:nvPicPr>
@@ -458,7 +434,7 @@
                       <p:nvPr/>
                     </p:nvPicPr>
                     <p:blipFill>
-                      <a:blip r:embed="rId9"/>
+                      <a:blip r:embed="rId8"/>
                       <a:stretch>
                         <a:fillRect/>
                       </a:stretch>
@@ -525,6 +501,36 @@
           </a:p>
         </p:txBody>
       </p:sp>
+      <p:pic>
+        <p:nvPicPr>
+          <p:cNvPr id="3" name="Imagem 2"/>
+          <p:cNvPicPr>
+            <a:picLocks noChangeAspect="1"/>
+          </p:cNvPicPr>
+          <p:nvPr userDrawn="1"/>
+        </p:nvPicPr>
+        <p:blipFill>
+          <a:blip r:embed="rId9">
+            <a:extLst>
+              <a:ext uri="{28A0092B-C50C-407E-A947-70E740481C1C}">
+                <a14:useLocalDpi xmlns:a14="http://schemas.microsoft.com/office/drawing/2010/main" val="0"/>
+              </a:ext>
+            </a:extLst>
+          </a:blip>
+          <a:stretch>
+            <a:fillRect/>
+          </a:stretch>
+        </p:blipFill>
+        <p:spPr>
+          <a:xfrm>
+            <a:off x="1" y="-6684"/>
+            <a:ext cx="12192000" cy="6864684"/>
+          </a:xfrm>
+          <a:prstGeom prst="rect">
+            <a:avLst/>
+          </a:prstGeom>
+        </p:spPr>
+      </p:pic>
     </p:spTree>
     <p:extLst>
       <p:ext uri="{BB962C8B-B14F-4D97-AF65-F5344CB8AC3E}">
@@ -975,7 +981,9 @@
             <a:r>
               <a:rPr lang="pt-BR" sz="2400" b="1" dirty="0" smtClean="0">
                 <a:solidFill>
-                  <a:srgbClr val="C00000"/>
+                  <a:schemeClr val="accent6">
+                    <a:lumMod val="75000"/>
+                  </a:schemeClr>
                 </a:solidFill>
                 <a:latin typeface="Corbel" panose="020B0503020204020204" pitchFamily="34" charset="0"/>
               </a:rPr>
@@ -991,7 +999,9 @@
             </a:pPr>
             <a:endParaRPr lang="pt-BR" sz="2400" b="1" dirty="0">
               <a:solidFill>
-                <a:srgbClr val="C00000"/>
+                <a:schemeClr val="accent6">
+                  <a:lumMod val="75000"/>
+                </a:schemeClr>
               </a:solidFill>
               <a:latin typeface="Corbel" panose="020B0503020204020204" pitchFamily="34" charset="0"/>
             </a:endParaRPr>
@@ -1006,7 +1016,9 @@
             <a:r>
               <a:rPr lang="pt-BR" sz="2400" b="1" dirty="0" smtClean="0">
                 <a:solidFill>
-                  <a:srgbClr val="C00000"/>
+                  <a:schemeClr val="accent6">
+                    <a:lumMod val="75000"/>
+                  </a:schemeClr>
                 </a:solidFill>
                 <a:latin typeface="Corbel" panose="020B0503020204020204" pitchFamily="34" charset="0"/>
               </a:rPr>
@@ -1021,7 +1033,9 @@
             </a:pPr>
             <a:endParaRPr lang="pt-BR" sz="2400" b="1" dirty="0">
               <a:solidFill>
-                <a:srgbClr val="C00000"/>
+                <a:schemeClr val="accent6">
+                  <a:lumMod val="75000"/>
+                </a:schemeClr>
               </a:solidFill>
               <a:latin typeface="Corbel" panose="020B0503020204020204" pitchFamily="34" charset="0"/>
             </a:endParaRPr>
@@ -1382,7 +1396,9 @@
             <a:r>
               <a:rPr lang="pt-BR" sz="2400" b="1" dirty="0" smtClean="0">
                 <a:solidFill>
-                  <a:srgbClr val="C00000"/>
+                  <a:schemeClr val="accent6">
+                    <a:lumMod val="75000"/>
+                  </a:schemeClr>
                 </a:solidFill>
                 <a:latin typeface="Corbel" panose="020B0503020204020204" pitchFamily="34" charset="0"/>
               </a:rPr>
@@ -1397,7 +1413,9 @@
             </a:pPr>
             <a:endParaRPr lang="pt-BR" sz="2400" b="1" dirty="0">
               <a:solidFill>
-                <a:srgbClr val="C00000"/>
+                <a:schemeClr val="accent6">
+                  <a:lumMod val="75000"/>
+                </a:schemeClr>
               </a:solidFill>
               <a:latin typeface="Corbel" panose="020B0503020204020204" pitchFamily="34" charset="0"/>
             </a:endParaRPr>
@@ -1726,7 +1744,9 @@
             <a:r>
               <a:rPr lang="pt-BR" sz="2400" b="1" dirty="0" smtClean="0">
                 <a:solidFill>
-                  <a:srgbClr val="C00000"/>
+                  <a:schemeClr val="accent6">
+                    <a:lumMod val="75000"/>
+                  </a:schemeClr>
                 </a:solidFill>
                 <a:latin typeface="Corbel" panose="020B0503020204020204" pitchFamily="34" charset="0"/>
               </a:rPr>
@@ -1741,7 +1761,9 @@
             </a:pPr>
             <a:endParaRPr lang="pt-BR" sz="2400" b="1" dirty="0">
               <a:solidFill>
-                <a:srgbClr val="C00000"/>
+                <a:schemeClr val="accent6">
+                  <a:lumMod val="75000"/>
+                </a:schemeClr>
               </a:solidFill>
               <a:latin typeface="Corbel" panose="020B0503020204020204" pitchFamily="34" charset="0"/>
             </a:endParaRPr>
@@ -2536,7 +2558,9 @@
             <a:r>
               <a:rPr lang="pt-BR" sz="2400" b="1" dirty="0" smtClean="0">
                 <a:solidFill>
-                  <a:srgbClr val="C00000"/>
+                  <a:schemeClr val="accent6">
+                    <a:lumMod val="75000"/>
+                  </a:schemeClr>
                 </a:solidFill>
                 <a:latin typeface="Corbel" panose="020B0503020204020204" pitchFamily="34" charset="0"/>
               </a:rPr>
@@ -2551,7 +2575,9 @@
             </a:pPr>
             <a:endParaRPr lang="pt-BR" sz="2400" b="1" dirty="0">
               <a:solidFill>
-                <a:srgbClr val="C00000"/>
+                <a:schemeClr val="accent6">
+                  <a:lumMod val="75000"/>
+                </a:schemeClr>
               </a:solidFill>
               <a:latin typeface="Corbel" panose="020B0503020204020204" pitchFamily="34" charset="0"/>
             </a:endParaRPr>
@@ -3104,7 +3130,9 @@
             <a:r>
               <a:rPr lang="pt-BR" sz="2400" b="1" dirty="0" smtClean="0">
                 <a:solidFill>
-                  <a:srgbClr val="C00000"/>
+                  <a:schemeClr val="accent6">
+                    <a:lumMod val="75000"/>
+                  </a:schemeClr>
                 </a:solidFill>
                 <a:latin typeface="Corbel" panose="020B0503020204020204" pitchFamily="34" charset="0"/>
               </a:rPr>
@@ -3119,7 +3147,9 @@
             </a:pPr>
             <a:endParaRPr lang="pt-BR" sz="2400" b="1" dirty="0">
               <a:solidFill>
-                <a:srgbClr val="C00000"/>
+                <a:schemeClr val="accent6">
+                  <a:lumMod val="75000"/>
+                </a:schemeClr>
               </a:solidFill>
               <a:latin typeface="Corbel" panose="020B0503020204020204" pitchFamily="34" charset="0"/>
             </a:endParaRPr>
@@ -8090,7 +8120,9 @@
             <a:r>
               <a:rPr lang="pt-BR" sz="2400" b="1" dirty="0" smtClean="0">
                 <a:solidFill>
-                  <a:srgbClr val="C00000"/>
+                  <a:schemeClr val="accent6">
+                    <a:lumMod val="75000"/>
+                  </a:schemeClr>
                 </a:solidFill>
                 <a:latin typeface="Corbel" panose="020B0503020204020204" pitchFamily="34" charset="0"/>
               </a:rPr>
@@ -8105,7 +8137,9 @@
             </a:pPr>
             <a:endParaRPr lang="pt-BR" sz="2400" b="1" dirty="0">
               <a:solidFill>
-                <a:srgbClr val="C00000"/>
+                <a:schemeClr val="accent6">
+                  <a:lumMod val="75000"/>
+                </a:schemeClr>
               </a:solidFill>
               <a:latin typeface="Corbel" panose="020B0503020204020204" pitchFamily="34" charset="0"/>
             </a:endParaRPr>
@@ -13614,7 +13648,9 @@
             <a:r>
               <a:rPr lang="pt-BR" sz="2400" b="1" dirty="0" smtClean="0">
                 <a:solidFill>
-                  <a:srgbClr val="C00000"/>
+                  <a:schemeClr val="accent6">
+                    <a:lumMod val="75000"/>
+                  </a:schemeClr>
                 </a:solidFill>
                 <a:latin typeface="Corbel" panose="020B0503020204020204" pitchFamily="34" charset="0"/>
               </a:rPr>
@@ -13629,7 +13665,9 @@
             </a:pPr>
             <a:endParaRPr lang="pt-BR" sz="2400" b="1" dirty="0">
               <a:solidFill>
-                <a:srgbClr val="C00000"/>
+                <a:schemeClr val="accent6">
+                  <a:lumMod val="75000"/>
+                </a:schemeClr>
               </a:solidFill>
               <a:latin typeface="Corbel" panose="020B0503020204020204" pitchFamily="34" charset="0"/>
             </a:endParaRPr>
@@ -18061,7 +18099,9 @@
             <a:r>
               <a:rPr lang="pt-BR" sz="2400" b="1" dirty="0" smtClean="0">
                 <a:solidFill>
-                  <a:srgbClr val="C00000"/>
+                  <a:schemeClr val="accent6">
+                    <a:lumMod val="75000"/>
+                  </a:schemeClr>
                 </a:solidFill>
                 <a:latin typeface="Corbel" panose="020B0503020204020204" pitchFamily="34" charset="0"/>
               </a:rPr>
@@ -18076,7 +18116,9 @@
             </a:pPr>
             <a:endParaRPr lang="pt-BR" sz="2400" b="1" dirty="0">
               <a:solidFill>
-                <a:srgbClr val="C00000"/>
+                <a:schemeClr val="accent6">
+                  <a:lumMod val="75000"/>
+                </a:schemeClr>
               </a:solidFill>
               <a:latin typeface="Corbel" panose="020B0503020204020204" pitchFamily="34" charset="0"/>
             </a:endParaRPr>
@@ -19251,7 +19293,9 @@
             <a:r>
               <a:rPr lang="pt-BR" sz="2400" b="1" dirty="0" smtClean="0">
                 <a:solidFill>
-                  <a:srgbClr val="C00000"/>
+                  <a:schemeClr val="accent6">
+                    <a:lumMod val="75000"/>
+                  </a:schemeClr>
                 </a:solidFill>
                 <a:latin typeface="Corbel" panose="020B0503020204020204" pitchFamily="34" charset="0"/>
               </a:rPr>
@@ -19710,12 +19754,6 @@
               </a:rPr>
               <a:t>Atividade</a:t>
             </a:r>
-            <a:endParaRPr lang="pt-BR" sz="2400" b="1" dirty="0" smtClean="0">
-              <a:solidFill>
-                <a:srgbClr val="C00000"/>
-              </a:solidFill>
-              <a:latin typeface="Corbel" panose="020B0503020204020204" pitchFamily="34" charset="0"/>
-            </a:endParaRPr>
           </a:p>
         </p:txBody>
       </p:sp>
@@ -19922,7 +19960,7 @@
 </file>
 
 <file path=ppt/slides/slide43.xml><?xml version="1.0" encoding="utf-8"?>
-<p:sld xmlns:a="http://schemas.openxmlformats.org/drawingml/2006/main" xmlns:r="http://schemas.openxmlformats.org/officeDocument/2006/relationships" xmlns:p="http://schemas.openxmlformats.org/presentationml/2006/main" show="0">
+<p:sld xmlns:a="http://schemas.openxmlformats.org/drawingml/2006/main" xmlns:r="http://schemas.openxmlformats.org/officeDocument/2006/relationships" xmlns:p="http://schemas.openxmlformats.org/presentationml/2006/main">
   <p:cSld>
     <p:spTree>
       <p:nvGrpSpPr>
@@ -19940,239 +19978,7 @@
       </p:grpSpPr>
       <p:sp>
         <p:nvSpPr>
-          <p:cNvPr id="3" name="Subtítulo 1"/>
-          <p:cNvSpPr>
-            <a:spLocks noGrp="1"/>
-          </p:cNvSpPr>
-          <p:nvPr>
-            <p:ph type="subTitle" idx="4294967295"/>
-          </p:nvPr>
-        </p:nvSpPr>
-        <p:spPr>
-          <a:xfrm>
-            <a:off x="484095" y="754063"/>
-            <a:ext cx="11707906" cy="5495925"/>
-          </a:xfrm>
-        </p:spPr>
-        <p:txBody>
-          <a:bodyPr>
-            <a:noAutofit/>
-          </a:bodyPr>
-          <a:lstStyle/>
-          <a:p>
-            <a:pPr algn="just"/>
-            <a:endParaRPr lang="pt-BR" sz="2000" dirty="0" smtClean="0"/>
-          </a:p>
-          <a:p>
-            <a:pPr marL="0" indent="0" algn="just">
-              <a:buNone/>
-            </a:pPr>
-            <a:r>
-              <a:rPr lang="pt-BR" sz="2000" dirty="0" smtClean="0"/>
-              <a:t>Fazer </a:t>
-            </a:r>
-            <a:r>
-              <a:rPr lang="pt-BR" sz="2000" dirty="0"/>
-              <a:t>um relatório </a:t>
-            </a:r>
-            <a:r>
-              <a:rPr lang="pt-BR" sz="2000" dirty="0" smtClean="0"/>
-              <a:t>do </a:t>
-            </a:r>
-            <a:r>
-              <a:rPr lang="pt-BR" sz="2000" dirty="0"/>
-              <a:t>fluxo de caixa diário para 1 ano.</a:t>
-            </a:r>
-          </a:p>
-          <a:p>
-            <a:pPr algn="just"/>
-            <a:r>
-              <a:rPr lang="pt-BR" sz="2000" dirty="0" smtClean="0"/>
-              <a:t>1- Cada </a:t>
-            </a:r>
-            <a:r>
-              <a:rPr lang="pt-BR" sz="2000" dirty="0"/>
-              <a:t>mês será em uma Planilha diferente</a:t>
-            </a:r>
-          </a:p>
-          <a:p>
-            <a:pPr algn="just"/>
-            <a:r>
-              <a:rPr lang="pt-BR" sz="2000" dirty="0" smtClean="0"/>
-              <a:t>2 -Inicia </a:t>
-            </a:r>
-            <a:r>
-              <a:rPr lang="pt-BR" sz="2000" dirty="0"/>
-              <a:t>em </a:t>
-            </a:r>
-            <a:r>
-              <a:rPr lang="pt-BR" sz="2000" dirty="0" smtClean="0"/>
-              <a:t>01/01/2017 com 0 de saldo Inicial. </a:t>
-            </a:r>
-            <a:r>
-              <a:rPr lang="pt-BR" sz="2000" dirty="0"/>
-              <a:t>Termina em </a:t>
-            </a:r>
-            <a:r>
-              <a:rPr lang="pt-BR" sz="2000" dirty="0" smtClean="0"/>
-              <a:t>31/12/2017.</a:t>
-            </a:r>
-            <a:endParaRPr lang="pt-BR" sz="2000" dirty="0"/>
-          </a:p>
-          <a:p>
-            <a:pPr algn="just"/>
-            <a:r>
-              <a:rPr lang="pt-BR" sz="2000" dirty="0" smtClean="0"/>
-              <a:t>3- </a:t>
-            </a:r>
-            <a:r>
-              <a:rPr lang="pt-BR" sz="2000" dirty="0"/>
-              <a:t>Toda terça tem pagamento de fornecedor no valor de 9.000 e às terças de 8.000.</a:t>
-            </a:r>
-            <a:endParaRPr lang="pt-BR" sz="2000" dirty="0" smtClean="0"/>
-          </a:p>
-          <a:p>
-            <a:pPr algn="just"/>
-            <a:r>
-              <a:rPr lang="pt-BR" sz="2000" dirty="0" smtClean="0"/>
-              <a:t>4 -Todo </a:t>
-            </a:r>
-            <a:r>
-              <a:rPr lang="pt-BR" sz="2000" dirty="0"/>
-              <a:t>dia </a:t>
-            </a:r>
-            <a:r>
-              <a:rPr lang="pt-BR" sz="2000" dirty="0" smtClean="0"/>
-              <a:t>5 </a:t>
-            </a:r>
-            <a:r>
-              <a:rPr lang="pt-BR" sz="2000" dirty="0"/>
-              <a:t>e dia </a:t>
-            </a:r>
-            <a:r>
-              <a:rPr lang="pt-BR" sz="2000" dirty="0" smtClean="0"/>
-              <a:t>20 </a:t>
-            </a:r>
-            <a:r>
-              <a:rPr lang="pt-BR" sz="2000" dirty="0"/>
-              <a:t>de cada mês tem despesa adicional de </a:t>
-            </a:r>
-            <a:r>
-              <a:rPr lang="pt-BR" sz="2000" dirty="0" smtClean="0"/>
-              <a:t>15.000 </a:t>
-            </a:r>
-            <a:r>
-              <a:rPr lang="pt-BR" sz="2000" dirty="0"/>
-              <a:t>e </a:t>
-            </a:r>
-            <a:r>
-              <a:rPr lang="pt-BR" sz="2000" dirty="0" smtClean="0"/>
-              <a:t>7.000 </a:t>
-            </a:r>
-            <a:r>
-              <a:rPr lang="pt-BR" sz="2000" dirty="0"/>
-              <a:t>respectivamente.</a:t>
-            </a:r>
-          </a:p>
-          <a:p>
-            <a:pPr algn="just"/>
-            <a:r>
-              <a:rPr lang="pt-BR" sz="2000" dirty="0" smtClean="0"/>
-              <a:t>5- A </a:t>
-            </a:r>
-            <a:r>
-              <a:rPr lang="pt-BR" sz="2000" dirty="0"/>
-              <a:t>partir de setembro, todos os pagamentos aumentam 7%.</a:t>
-            </a:r>
-          </a:p>
-          <a:p>
-            <a:pPr algn="just"/>
-            <a:r>
-              <a:rPr lang="pt-BR" sz="2000" dirty="0" smtClean="0"/>
-              <a:t>6 – Os recebimentos de </a:t>
-            </a:r>
-            <a:r>
-              <a:rPr lang="pt-BR" sz="2000" dirty="0"/>
-              <a:t>vendas são depositadas todas as segundas no valor de </a:t>
-            </a:r>
-            <a:r>
-              <a:rPr lang="pt-BR" sz="2000" dirty="0" smtClean="0"/>
-              <a:t>21.000 (constantes o  ano inteiro)</a:t>
-            </a:r>
-          </a:p>
-          <a:p>
-            <a:pPr algn="just"/>
-            <a:r>
-              <a:rPr lang="pt-BR" sz="2000" dirty="0" smtClean="0"/>
-              <a:t>7- Os recebimentos de venda de sucata são depositadas às </a:t>
-            </a:r>
-            <a:r>
-              <a:rPr lang="pt-BR" sz="2000" dirty="0"/>
-              <a:t>quartas no valor de </a:t>
-            </a:r>
-            <a:r>
-              <a:rPr lang="pt-BR" sz="2000" dirty="0" smtClean="0"/>
-              <a:t>3.000 </a:t>
-            </a:r>
-            <a:r>
-              <a:rPr lang="pt-BR" sz="2000" dirty="0"/>
-              <a:t>(</a:t>
-            </a:r>
-            <a:r>
-              <a:rPr lang="pt-BR" sz="2000" dirty="0" smtClean="0"/>
-              <a:t>constantes </a:t>
-            </a:r>
-            <a:r>
-              <a:rPr lang="pt-BR" sz="2000" dirty="0"/>
-              <a:t>ano </a:t>
-            </a:r>
-            <a:r>
-              <a:rPr lang="pt-BR" sz="2000" dirty="0" smtClean="0"/>
-              <a:t> inteiro).</a:t>
-            </a:r>
-          </a:p>
-          <a:p>
-            <a:pPr algn="just"/>
-            <a:endParaRPr lang="pt-BR" sz="2000" dirty="0"/>
-          </a:p>
-          <a:p>
-            <a:pPr marL="0" indent="0" algn="just">
-              <a:buNone/>
-            </a:pPr>
-            <a:r>
-              <a:rPr lang="pt-BR" sz="2000" dirty="0" smtClean="0"/>
-              <a:t>No fim do ano haverá </a:t>
-            </a:r>
-            <a:r>
-              <a:rPr lang="pt-BR" sz="2000" dirty="0"/>
-              <a:t>sobra ou falta de caixa? Quanto? Destaque pela cor vermelha a  planilha referente ao mês de menor </a:t>
-            </a:r>
-            <a:r>
-              <a:rPr lang="pt-BR" sz="2000" dirty="0" smtClean="0"/>
-              <a:t>caixa e verde onde esta a de maior caixa.</a:t>
-            </a:r>
-          </a:p>
-          <a:p>
-            <a:pPr marL="0" indent="0" algn="just">
-              <a:buNone/>
-            </a:pPr>
-            <a:endParaRPr lang="pt-BR" sz="2000" dirty="0"/>
-          </a:p>
-          <a:p>
-            <a:pPr marL="0" indent="0" algn="just">
-              <a:buNone/>
-            </a:pPr>
-            <a:r>
-              <a:rPr lang="pt-BR" sz="2000" dirty="0" smtClean="0"/>
-              <a:t>Dica: use a planilha anterior, copia de planilhas e formatação, referência externa</a:t>
-            </a:r>
-            <a:endParaRPr lang="pt-BR" sz="2000" dirty="0"/>
-          </a:p>
-        </p:txBody>
-      </p:sp>
-      <p:sp>
-        <p:nvSpPr>
-          <p:cNvPr id="4" name="Subtítulo 2"/>
+          <p:cNvPr id="6" name="Subtítulo 2"/>
           <p:cNvSpPr txBox="1">
             <a:spLocks/>
           </p:cNvSpPr>
@@ -20351,33 +20157,288 @@
             <a:r>
               <a:rPr lang="pt-BR" sz="2400" b="1" dirty="0" smtClean="0">
                 <a:solidFill>
-                  <a:srgbClr val="C00000"/>
-                </a:solidFill>
-                <a:latin typeface="Corbel" panose="020B0503020204020204" pitchFamily="34" charset="0"/>
-              </a:rPr>
-              <a:t>Atividade</a:t>
-            </a:r>
+                  <a:schemeClr val="accent6">
+                    <a:lumMod val="75000"/>
+                  </a:schemeClr>
+                </a:solidFill>
+                <a:latin typeface="Corbel" panose="020B0503020204020204" pitchFamily="34" charset="0"/>
+              </a:rPr>
+              <a:t>Comandos com Listas</a:t>
+            </a:r>
+            <a:endParaRPr lang="pt-BR" sz="2400" b="1" dirty="0" smtClean="0">
+              <a:solidFill>
+                <a:schemeClr val="accent6">
+                  <a:lumMod val="75000"/>
+                </a:schemeClr>
+              </a:solidFill>
+              <a:latin typeface="Corbel" panose="020B0503020204020204" pitchFamily="34" charset="0"/>
+            </a:endParaRPr>
+          </a:p>
+        </p:txBody>
+      </p:sp>
+      <p:sp>
+        <p:nvSpPr>
+          <p:cNvPr id="11" name="Subtítulo 1"/>
+          <p:cNvSpPr txBox="1">
+            <a:spLocks/>
+          </p:cNvSpPr>
+          <p:nvPr/>
+        </p:nvSpPr>
+        <p:spPr>
+          <a:xfrm>
+            <a:off x="692971" y="1913794"/>
+            <a:ext cx="10896600" cy="2817812"/>
+          </a:xfrm>
+        </p:spPr>
+        <p:txBody>
+          <a:bodyPr>
+            <a:noAutofit/>
+          </a:bodyPr>
+          <a:lstStyle>
+            <a:lvl1pPr marL="342900" indent="-342900" algn="l" rtl="0" eaLnBrk="0" fontAlgn="base" hangingPunct="0">
+              <a:spcBef>
+                <a:spcPct val="20000"/>
+              </a:spcBef>
+              <a:spcAft>
+                <a:spcPct val="0"/>
+              </a:spcAft>
+              <a:buFont typeface="Arial" charset="0"/>
+              <a:buChar char="•"/>
+              <a:defRPr lang="pt-BR" sz="2800" kern="1200" dirty="0">
+                <a:solidFill>
+                  <a:schemeClr val="tx1"/>
+                </a:solidFill>
+                <a:latin typeface="+mn-lt"/>
+                <a:ea typeface="+mn-ea"/>
+                <a:cs typeface="+mn-cs"/>
+              </a:defRPr>
+            </a:lvl1pPr>
+            <a:lvl2pPr marL="742950" indent="-285750" algn="l" rtl="0" eaLnBrk="0" fontAlgn="base" hangingPunct="0">
+              <a:spcBef>
+                <a:spcPct val="20000"/>
+              </a:spcBef>
+              <a:spcAft>
+                <a:spcPct val="0"/>
+              </a:spcAft>
+              <a:buFont typeface="Arial" charset="0"/>
+              <a:buChar char="•"/>
+              <a:defRPr lang="pt-BR" sz="2400" kern="1200" dirty="0">
+                <a:solidFill>
+                  <a:schemeClr val="tx1"/>
+                </a:solidFill>
+                <a:latin typeface="+mn-lt"/>
+                <a:ea typeface="+mn-ea"/>
+                <a:cs typeface="+mn-cs"/>
+              </a:defRPr>
+            </a:lvl2pPr>
+            <a:lvl3pPr marL="1143000" indent="-228600" algn="l" rtl="0" eaLnBrk="0" fontAlgn="base" hangingPunct="0">
+              <a:spcBef>
+                <a:spcPct val="20000"/>
+              </a:spcBef>
+              <a:spcAft>
+                <a:spcPct val="0"/>
+              </a:spcAft>
+              <a:buFont typeface="Arial" charset="0"/>
+              <a:buChar char="•"/>
+              <a:defRPr lang="pt-BR" sz="2400" kern="1200" dirty="0">
+                <a:solidFill>
+                  <a:schemeClr val="tx1"/>
+                </a:solidFill>
+                <a:latin typeface="+mn-lt"/>
+                <a:ea typeface="+mn-ea"/>
+                <a:cs typeface="+mn-cs"/>
+              </a:defRPr>
+            </a:lvl3pPr>
+            <a:lvl4pPr marL="1600200" indent="-228600" algn="l" rtl="0" eaLnBrk="0" fontAlgn="base" hangingPunct="0">
+              <a:spcBef>
+                <a:spcPct val="20000"/>
+              </a:spcBef>
+              <a:spcAft>
+                <a:spcPct val="0"/>
+              </a:spcAft>
+              <a:buFont typeface="Arial" charset="0"/>
+              <a:buChar char="•"/>
+              <a:defRPr lang="pt-BR" sz="2000" kern="1200" dirty="0">
+                <a:solidFill>
+                  <a:schemeClr val="tx1"/>
+                </a:solidFill>
+                <a:latin typeface="+mn-lt"/>
+                <a:ea typeface="+mn-ea"/>
+                <a:cs typeface="+mn-cs"/>
+              </a:defRPr>
+            </a:lvl4pPr>
+            <a:lvl5pPr marL="2057400" indent="-228600" algn="l" rtl="0" eaLnBrk="0" fontAlgn="base" hangingPunct="0">
+              <a:spcBef>
+                <a:spcPct val="20000"/>
+              </a:spcBef>
+              <a:spcAft>
+                <a:spcPct val="0"/>
+              </a:spcAft>
+              <a:buFont typeface="Arial" charset="0"/>
+              <a:buChar char="•"/>
+              <a:defRPr lang="pt-BR" sz="2000" kern="1200" dirty="0">
+                <a:solidFill>
+                  <a:schemeClr val="tx1"/>
+                </a:solidFill>
+                <a:latin typeface="+mn-lt"/>
+                <a:ea typeface="+mn-ea"/>
+                <a:cs typeface="+mn-cs"/>
+              </a:defRPr>
+            </a:lvl5pPr>
+            <a:lvl6pPr marL="2514600" indent="-228600" algn="l" defTabSz="914400" rtl="0" eaLnBrk="1" latinLnBrk="0" hangingPunct="1">
+              <a:spcBef>
+                <a:spcPct val="20000"/>
+              </a:spcBef>
+              <a:buFont typeface="Arial" pitchFamily="34" charset="0"/>
+              <a:buChar char="•"/>
+              <a:defRPr sz="2000" kern="1200">
+                <a:solidFill>
+                  <a:schemeClr val="tx1"/>
+                </a:solidFill>
+                <a:latin typeface="+mn-lt"/>
+                <a:ea typeface="+mn-ea"/>
+                <a:cs typeface="+mn-cs"/>
+              </a:defRPr>
+            </a:lvl6pPr>
+            <a:lvl7pPr marL="2971800" indent="-228600" algn="l" defTabSz="914400" rtl="0" eaLnBrk="1" latinLnBrk="0" hangingPunct="1">
+              <a:spcBef>
+                <a:spcPct val="20000"/>
+              </a:spcBef>
+              <a:buFont typeface="Arial" pitchFamily="34" charset="0"/>
+              <a:buChar char="•"/>
+              <a:defRPr sz="2000" kern="1200">
+                <a:solidFill>
+                  <a:schemeClr val="tx1"/>
+                </a:solidFill>
+                <a:latin typeface="+mn-lt"/>
+                <a:ea typeface="+mn-ea"/>
+                <a:cs typeface="+mn-cs"/>
+              </a:defRPr>
+            </a:lvl7pPr>
+            <a:lvl8pPr marL="3429000" indent="-228600" algn="l" defTabSz="914400" rtl="0" eaLnBrk="1" latinLnBrk="0" hangingPunct="1">
+              <a:spcBef>
+                <a:spcPct val="20000"/>
+              </a:spcBef>
+              <a:buFont typeface="Arial" pitchFamily="34" charset="0"/>
+              <a:buChar char="•"/>
+              <a:defRPr sz="2000" kern="1200">
+                <a:solidFill>
+                  <a:schemeClr val="tx1"/>
+                </a:solidFill>
+                <a:latin typeface="+mn-lt"/>
+                <a:ea typeface="+mn-ea"/>
+                <a:cs typeface="+mn-cs"/>
+              </a:defRPr>
+            </a:lvl8pPr>
+            <a:lvl9pPr marL="3886200" indent="-228600" algn="l" defTabSz="914400" rtl="0" eaLnBrk="1" latinLnBrk="0" hangingPunct="1">
+              <a:spcBef>
+                <a:spcPct val="20000"/>
+              </a:spcBef>
+              <a:buFont typeface="Arial" pitchFamily="34" charset="0"/>
+              <a:buChar char="•"/>
+              <a:defRPr sz="2000" kern="1200">
+                <a:solidFill>
+                  <a:schemeClr val="tx1"/>
+                </a:solidFill>
+                <a:latin typeface="+mn-lt"/>
+                <a:ea typeface="+mn-ea"/>
+                <a:cs typeface="+mn-cs"/>
+              </a:defRPr>
+            </a:lvl9pPr>
+          </a:lstStyle>
+          <a:p>
+            <a:pPr marL="0" indent="0">
+              <a:buFont typeface="Arial" charset="0"/>
+              <a:buNone/>
+            </a:pPr>
+            <a:r>
+              <a:rPr lang="pt-BR" sz="1800" dirty="0" smtClean="0">
+                <a:latin typeface="Corbel" panose="020B0503020204020204" pitchFamily="34" charset="0"/>
+              </a:rPr>
+              <a:t>O Excel Permite Classificar as listas automaticamente de acordo com regras pré-estabelecidas (ordem numérica ou ordem alfabética) ou ainda baseada nas lista nativas e personalizadas.</a:t>
+            </a:r>
+          </a:p>
+          <a:p>
+            <a:pPr marL="0" indent="0">
+              <a:buFont typeface="Arial" charset="0"/>
+              <a:buNone/>
+            </a:pPr>
+            <a:endParaRPr lang="pt-BR" sz="1800" dirty="0">
+              <a:latin typeface="Corbel" panose="020B0503020204020204" pitchFamily="34" charset="0"/>
+            </a:endParaRPr>
+          </a:p>
+          <a:p>
+            <a:pPr marL="0" indent="0">
+              <a:buFont typeface="Arial" charset="0"/>
+              <a:buNone/>
+            </a:pPr>
+            <a:r>
+              <a:rPr lang="pt-BR" sz="1800" dirty="0" smtClean="0">
+                <a:latin typeface="Corbel" panose="020B0503020204020204" pitchFamily="34" charset="0"/>
+              </a:rPr>
+              <a:t>Listas nativas do Excel são aquelas já instaladas com o programa : dias da semana, nome do mês</a:t>
+            </a:r>
+          </a:p>
+          <a:p>
+            <a:pPr marL="0" indent="0">
+              <a:buFont typeface="Arial" charset="0"/>
+              <a:buNone/>
+            </a:pPr>
+            <a:r>
+              <a:rPr lang="pt-BR" sz="1800" dirty="0" smtClean="0">
+                <a:latin typeface="Corbel" panose="020B0503020204020204" pitchFamily="34" charset="0"/>
+              </a:rPr>
+              <a:t>Listas personalizadas: qualquer uma criada pelo próprio usuário.</a:t>
+            </a:r>
+          </a:p>
+          <a:p>
+            <a:pPr marL="0" indent="0">
+              <a:buFont typeface="Arial" charset="0"/>
+              <a:buNone/>
+            </a:pPr>
+            <a:endParaRPr lang="pt-BR" sz="1800" dirty="0">
+              <a:latin typeface="Corbel" panose="020B0503020204020204" pitchFamily="34" charset="0"/>
+            </a:endParaRPr>
+          </a:p>
+          <a:p>
+            <a:pPr marL="0" indent="0">
+              <a:buFont typeface="Arial" charset="0"/>
+              <a:buNone/>
+            </a:pPr>
+            <a:r>
+              <a:rPr lang="pt-BR" sz="1800" dirty="0" smtClean="0">
+                <a:latin typeface="Corbel" panose="020B0503020204020204" pitchFamily="34" charset="0"/>
+              </a:rPr>
+              <a:t>Fazer ordenação: Guia Dados, grupo classificar e Filtrar, comando classificar</a:t>
+            </a:r>
+          </a:p>
+          <a:p>
+            <a:pPr marL="0" indent="0">
+              <a:buFont typeface="Arial" charset="0"/>
+              <a:buNone/>
+            </a:pPr>
+            <a:r>
+              <a:rPr lang="pt-BR" sz="1800" dirty="0" smtClean="0">
+                <a:latin typeface="Corbel" panose="020B0503020204020204" pitchFamily="34" charset="0"/>
+              </a:rPr>
+              <a:t>Criar lista personalizada: guia Arquivo , Opções, Avançado, Geral, Editar lista Personalizada</a:t>
+            </a:r>
+            <a:endParaRPr lang="pt-BR" sz="1800" dirty="0" smtClean="0">
+              <a:latin typeface="Corbel" panose="020B0503020204020204" pitchFamily="34" charset="0"/>
+            </a:endParaRPr>
           </a:p>
         </p:txBody>
       </p:sp>
     </p:spTree>
     <p:extLst>
       <p:ext uri="{BB962C8B-B14F-4D97-AF65-F5344CB8AC3E}">
-        <p14:creationId xmlns:p14="http://schemas.microsoft.com/office/powerpoint/2010/main" val="453914812"/>
+        <p14:creationId xmlns:p14="http://schemas.microsoft.com/office/powerpoint/2010/main" val="1929754879"/>
       </p:ext>
     </p:extLst>
   </p:cSld>
   <p:clrMapOvr>
     <a:masterClrMapping/>
   </p:clrMapOvr>
-  <mc:AlternateContent xmlns:mc="http://schemas.openxmlformats.org/markup-compatibility/2006" xmlns:p14="http://schemas.microsoft.com/office/powerpoint/2010/main">
-    <mc:Choice Requires="p14">
-      <p:transition spd="slow" p14:dur="2000"/>
-    </mc:Choice>
-    <mc:Fallback xmlns="">
-      <p:transition spd="slow"/>
-    </mc:Fallback>
-  </mc:AlternateContent>
   <p:timing>
     <p:tnLst>
       <p:par>
@@ -20417,6 +20478,473 @@
         </p:nvSpPr>
         <p:spPr>
           <a:xfrm>
+            <a:off x="484095" y="754063"/>
+            <a:ext cx="11707906" cy="5495925"/>
+          </a:xfrm>
+        </p:spPr>
+        <p:txBody>
+          <a:bodyPr>
+            <a:noAutofit/>
+          </a:bodyPr>
+          <a:lstStyle/>
+          <a:p>
+            <a:pPr algn="just"/>
+            <a:endParaRPr lang="pt-BR" sz="2000" dirty="0" smtClean="0"/>
+          </a:p>
+          <a:p>
+            <a:pPr marL="0" indent="0" algn="just">
+              <a:buNone/>
+            </a:pPr>
+            <a:r>
+              <a:rPr lang="pt-BR" sz="2000" dirty="0" smtClean="0"/>
+              <a:t>Fazer </a:t>
+            </a:r>
+            <a:r>
+              <a:rPr lang="pt-BR" sz="2000" dirty="0"/>
+              <a:t>um relatório </a:t>
+            </a:r>
+            <a:r>
+              <a:rPr lang="pt-BR" sz="2000" dirty="0" smtClean="0"/>
+              <a:t>do </a:t>
+            </a:r>
+            <a:r>
+              <a:rPr lang="pt-BR" sz="2000" dirty="0"/>
+              <a:t>fluxo de caixa diário para 1 ano.</a:t>
+            </a:r>
+          </a:p>
+          <a:p>
+            <a:pPr algn="just"/>
+            <a:r>
+              <a:rPr lang="pt-BR" sz="2000" dirty="0" smtClean="0"/>
+              <a:t>1- Cada </a:t>
+            </a:r>
+            <a:r>
+              <a:rPr lang="pt-BR" sz="2000" dirty="0"/>
+              <a:t>mês será em uma Planilha diferente</a:t>
+            </a:r>
+          </a:p>
+          <a:p>
+            <a:pPr algn="just"/>
+            <a:r>
+              <a:rPr lang="pt-BR" sz="2000" dirty="0" smtClean="0"/>
+              <a:t>2 -Inicia </a:t>
+            </a:r>
+            <a:r>
+              <a:rPr lang="pt-BR" sz="2000" dirty="0"/>
+              <a:t>em </a:t>
+            </a:r>
+            <a:r>
+              <a:rPr lang="pt-BR" sz="2000" dirty="0" smtClean="0"/>
+              <a:t>01/01/2017 com 0 de saldo Inicial. </a:t>
+            </a:r>
+            <a:r>
+              <a:rPr lang="pt-BR" sz="2000" dirty="0"/>
+              <a:t>Termina em </a:t>
+            </a:r>
+            <a:r>
+              <a:rPr lang="pt-BR" sz="2000" dirty="0" smtClean="0"/>
+              <a:t>31/12/2017.</a:t>
+            </a:r>
+            <a:endParaRPr lang="pt-BR" sz="2000" dirty="0"/>
+          </a:p>
+          <a:p>
+            <a:pPr algn="just"/>
+            <a:r>
+              <a:rPr lang="pt-BR" sz="2000" dirty="0" smtClean="0"/>
+              <a:t>3- </a:t>
+            </a:r>
+            <a:r>
+              <a:rPr lang="pt-BR" sz="2000" dirty="0"/>
+              <a:t>Toda terça tem pagamento de fornecedor no valor de 9.000 e às terças de 8.000.</a:t>
+            </a:r>
+            <a:endParaRPr lang="pt-BR" sz="2000" dirty="0" smtClean="0"/>
+          </a:p>
+          <a:p>
+            <a:pPr algn="just"/>
+            <a:r>
+              <a:rPr lang="pt-BR" sz="2000" dirty="0" smtClean="0"/>
+              <a:t>4 -Todo </a:t>
+            </a:r>
+            <a:r>
+              <a:rPr lang="pt-BR" sz="2000" dirty="0"/>
+              <a:t>dia </a:t>
+            </a:r>
+            <a:r>
+              <a:rPr lang="pt-BR" sz="2000" dirty="0" smtClean="0"/>
+              <a:t>5 </a:t>
+            </a:r>
+            <a:r>
+              <a:rPr lang="pt-BR" sz="2000" dirty="0"/>
+              <a:t>e dia </a:t>
+            </a:r>
+            <a:r>
+              <a:rPr lang="pt-BR" sz="2000" dirty="0" smtClean="0"/>
+              <a:t>20 </a:t>
+            </a:r>
+            <a:r>
+              <a:rPr lang="pt-BR" sz="2000" dirty="0"/>
+              <a:t>de cada mês tem despesa adicional de </a:t>
+            </a:r>
+            <a:r>
+              <a:rPr lang="pt-BR" sz="2000" dirty="0" smtClean="0"/>
+              <a:t>15.000 </a:t>
+            </a:r>
+            <a:r>
+              <a:rPr lang="pt-BR" sz="2000" dirty="0"/>
+              <a:t>e </a:t>
+            </a:r>
+            <a:r>
+              <a:rPr lang="pt-BR" sz="2000" dirty="0" smtClean="0"/>
+              <a:t>7.000 </a:t>
+            </a:r>
+            <a:r>
+              <a:rPr lang="pt-BR" sz="2000" dirty="0"/>
+              <a:t>respectivamente.</a:t>
+            </a:r>
+          </a:p>
+          <a:p>
+            <a:pPr algn="just"/>
+            <a:r>
+              <a:rPr lang="pt-BR" sz="2000" dirty="0" smtClean="0"/>
+              <a:t>5- A </a:t>
+            </a:r>
+            <a:r>
+              <a:rPr lang="pt-BR" sz="2000" dirty="0"/>
+              <a:t>partir de setembro, todos os pagamentos aumentam 7%.</a:t>
+            </a:r>
+          </a:p>
+          <a:p>
+            <a:pPr algn="just"/>
+            <a:r>
+              <a:rPr lang="pt-BR" sz="2000" dirty="0" smtClean="0"/>
+              <a:t>6 – Os recebimentos de </a:t>
+            </a:r>
+            <a:r>
+              <a:rPr lang="pt-BR" sz="2000" dirty="0"/>
+              <a:t>vendas são depositadas todas as segundas no valor de </a:t>
+            </a:r>
+            <a:r>
+              <a:rPr lang="pt-BR" sz="2000" dirty="0" smtClean="0"/>
+              <a:t>21.000 (constantes o  ano inteiro)</a:t>
+            </a:r>
+          </a:p>
+          <a:p>
+            <a:pPr algn="just"/>
+            <a:r>
+              <a:rPr lang="pt-BR" sz="2000" dirty="0" smtClean="0"/>
+              <a:t>7- Os recebimentos de venda de sucata são depositadas às </a:t>
+            </a:r>
+            <a:r>
+              <a:rPr lang="pt-BR" sz="2000" dirty="0"/>
+              <a:t>quartas no valor de </a:t>
+            </a:r>
+            <a:r>
+              <a:rPr lang="pt-BR" sz="2000" dirty="0" smtClean="0"/>
+              <a:t>3.000 </a:t>
+            </a:r>
+            <a:r>
+              <a:rPr lang="pt-BR" sz="2000" dirty="0"/>
+              <a:t>(</a:t>
+            </a:r>
+            <a:r>
+              <a:rPr lang="pt-BR" sz="2000" dirty="0" smtClean="0"/>
+              <a:t>constantes </a:t>
+            </a:r>
+            <a:r>
+              <a:rPr lang="pt-BR" sz="2000" dirty="0"/>
+              <a:t>ano </a:t>
+            </a:r>
+            <a:r>
+              <a:rPr lang="pt-BR" sz="2000" dirty="0" smtClean="0"/>
+              <a:t> inteiro).</a:t>
+            </a:r>
+          </a:p>
+          <a:p>
+            <a:pPr algn="just"/>
+            <a:endParaRPr lang="pt-BR" sz="2000" dirty="0"/>
+          </a:p>
+          <a:p>
+            <a:pPr marL="0" indent="0" algn="just">
+              <a:buNone/>
+            </a:pPr>
+            <a:r>
+              <a:rPr lang="pt-BR" sz="2000" dirty="0" smtClean="0"/>
+              <a:t>No fim do ano haverá </a:t>
+            </a:r>
+            <a:r>
+              <a:rPr lang="pt-BR" sz="2000" dirty="0"/>
+              <a:t>sobra ou falta de caixa? Quanto? Destaque pela cor vermelha a  planilha referente ao mês de menor </a:t>
+            </a:r>
+            <a:r>
+              <a:rPr lang="pt-BR" sz="2000" dirty="0" smtClean="0"/>
+              <a:t>caixa e verde onde esta a de maior caixa.</a:t>
+            </a:r>
+          </a:p>
+          <a:p>
+            <a:pPr marL="0" indent="0" algn="just">
+              <a:buNone/>
+            </a:pPr>
+            <a:endParaRPr lang="pt-BR" sz="2000" dirty="0"/>
+          </a:p>
+          <a:p>
+            <a:pPr marL="0" indent="0" algn="just">
+              <a:buNone/>
+            </a:pPr>
+            <a:r>
+              <a:rPr lang="pt-BR" sz="2000" dirty="0" smtClean="0"/>
+              <a:t>Dica: use a planilha anterior, copia de planilhas e formatação, referência externa</a:t>
+            </a:r>
+            <a:endParaRPr lang="pt-BR" sz="2000" dirty="0"/>
+          </a:p>
+        </p:txBody>
+      </p:sp>
+      <p:sp>
+        <p:nvSpPr>
+          <p:cNvPr id="4" name="Subtítulo 2"/>
+          <p:cNvSpPr txBox="1">
+            <a:spLocks/>
+          </p:cNvSpPr>
+          <p:nvPr/>
+        </p:nvSpPr>
+        <p:spPr>
+          <a:xfrm>
+            <a:off x="210670" y="153054"/>
+            <a:ext cx="10058400" cy="718315"/>
+          </a:xfrm>
+        </p:spPr>
+        <p:txBody>
+          <a:bodyPr>
+            <a:noAutofit/>
+          </a:bodyPr>
+          <a:lstStyle>
+            <a:lvl1pPr marL="342900" indent="-342900" algn="l" rtl="0" eaLnBrk="0" fontAlgn="base" hangingPunct="0">
+              <a:spcBef>
+                <a:spcPct val="20000"/>
+              </a:spcBef>
+              <a:spcAft>
+                <a:spcPct val="0"/>
+              </a:spcAft>
+              <a:buFont typeface="Arial" charset="0"/>
+              <a:buChar char="•"/>
+              <a:defRPr lang="pt-BR" sz="2800" kern="1200" dirty="0">
+                <a:solidFill>
+                  <a:schemeClr val="tx1"/>
+                </a:solidFill>
+                <a:latin typeface="+mn-lt"/>
+                <a:ea typeface="+mn-ea"/>
+                <a:cs typeface="+mn-cs"/>
+              </a:defRPr>
+            </a:lvl1pPr>
+            <a:lvl2pPr marL="742950" indent="-285750" algn="l" rtl="0" eaLnBrk="0" fontAlgn="base" hangingPunct="0">
+              <a:spcBef>
+                <a:spcPct val="20000"/>
+              </a:spcBef>
+              <a:spcAft>
+                <a:spcPct val="0"/>
+              </a:spcAft>
+              <a:buFont typeface="Arial" charset="0"/>
+              <a:buChar char="•"/>
+              <a:defRPr lang="pt-BR" sz="2400" kern="1200" dirty="0">
+                <a:solidFill>
+                  <a:schemeClr val="tx1"/>
+                </a:solidFill>
+                <a:latin typeface="+mn-lt"/>
+                <a:ea typeface="+mn-ea"/>
+                <a:cs typeface="+mn-cs"/>
+              </a:defRPr>
+            </a:lvl2pPr>
+            <a:lvl3pPr marL="1143000" indent="-228600" algn="l" rtl="0" eaLnBrk="0" fontAlgn="base" hangingPunct="0">
+              <a:spcBef>
+                <a:spcPct val="20000"/>
+              </a:spcBef>
+              <a:spcAft>
+                <a:spcPct val="0"/>
+              </a:spcAft>
+              <a:buFont typeface="Arial" charset="0"/>
+              <a:buChar char="•"/>
+              <a:defRPr lang="pt-BR" sz="2400" kern="1200" dirty="0">
+                <a:solidFill>
+                  <a:schemeClr val="tx1"/>
+                </a:solidFill>
+                <a:latin typeface="+mn-lt"/>
+                <a:ea typeface="+mn-ea"/>
+                <a:cs typeface="+mn-cs"/>
+              </a:defRPr>
+            </a:lvl3pPr>
+            <a:lvl4pPr marL="1600200" indent="-228600" algn="l" rtl="0" eaLnBrk="0" fontAlgn="base" hangingPunct="0">
+              <a:spcBef>
+                <a:spcPct val="20000"/>
+              </a:spcBef>
+              <a:spcAft>
+                <a:spcPct val="0"/>
+              </a:spcAft>
+              <a:buFont typeface="Arial" charset="0"/>
+              <a:buChar char="•"/>
+              <a:defRPr lang="pt-BR" sz="2000" kern="1200" dirty="0">
+                <a:solidFill>
+                  <a:schemeClr val="tx1"/>
+                </a:solidFill>
+                <a:latin typeface="+mn-lt"/>
+                <a:ea typeface="+mn-ea"/>
+                <a:cs typeface="+mn-cs"/>
+              </a:defRPr>
+            </a:lvl4pPr>
+            <a:lvl5pPr marL="2057400" indent="-228600" algn="l" rtl="0" eaLnBrk="0" fontAlgn="base" hangingPunct="0">
+              <a:spcBef>
+                <a:spcPct val="20000"/>
+              </a:spcBef>
+              <a:spcAft>
+                <a:spcPct val="0"/>
+              </a:spcAft>
+              <a:buFont typeface="Arial" charset="0"/>
+              <a:buChar char="•"/>
+              <a:defRPr lang="pt-BR" sz="2000" kern="1200" dirty="0">
+                <a:solidFill>
+                  <a:schemeClr val="tx1"/>
+                </a:solidFill>
+                <a:latin typeface="+mn-lt"/>
+                <a:ea typeface="+mn-ea"/>
+                <a:cs typeface="+mn-cs"/>
+              </a:defRPr>
+            </a:lvl5pPr>
+            <a:lvl6pPr marL="2514600" indent="-228600" algn="l" defTabSz="914400" rtl="0" eaLnBrk="1" latinLnBrk="0" hangingPunct="1">
+              <a:spcBef>
+                <a:spcPct val="20000"/>
+              </a:spcBef>
+              <a:buFont typeface="Arial" pitchFamily="34" charset="0"/>
+              <a:buChar char="•"/>
+              <a:defRPr sz="2000" kern="1200">
+                <a:solidFill>
+                  <a:schemeClr val="tx1"/>
+                </a:solidFill>
+                <a:latin typeface="+mn-lt"/>
+                <a:ea typeface="+mn-ea"/>
+                <a:cs typeface="+mn-cs"/>
+              </a:defRPr>
+            </a:lvl6pPr>
+            <a:lvl7pPr marL="2971800" indent="-228600" algn="l" defTabSz="914400" rtl="0" eaLnBrk="1" latinLnBrk="0" hangingPunct="1">
+              <a:spcBef>
+                <a:spcPct val="20000"/>
+              </a:spcBef>
+              <a:buFont typeface="Arial" pitchFamily="34" charset="0"/>
+              <a:buChar char="•"/>
+              <a:defRPr sz="2000" kern="1200">
+                <a:solidFill>
+                  <a:schemeClr val="tx1"/>
+                </a:solidFill>
+                <a:latin typeface="+mn-lt"/>
+                <a:ea typeface="+mn-ea"/>
+                <a:cs typeface="+mn-cs"/>
+              </a:defRPr>
+            </a:lvl7pPr>
+            <a:lvl8pPr marL="3429000" indent="-228600" algn="l" defTabSz="914400" rtl="0" eaLnBrk="1" latinLnBrk="0" hangingPunct="1">
+              <a:spcBef>
+                <a:spcPct val="20000"/>
+              </a:spcBef>
+              <a:buFont typeface="Arial" pitchFamily="34" charset="0"/>
+              <a:buChar char="•"/>
+              <a:defRPr sz="2000" kern="1200">
+                <a:solidFill>
+                  <a:schemeClr val="tx1"/>
+                </a:solidFill>
+                <a:latin typeface="+mn-lt"/>
+                <a:ea typeface="+mn-ea"/>
+                <a:cs typeface="+mn-cs"/>
+              </a:defRPr>
+            </a:lvl8pPr>
+            <a:lvl9pPr marL="3886200" indent="-228600" algn="l" defTabSz="914400" rtl="0" eaLnBrk="1" latinLnBrk="0" hangingPunct="1">
+              <a:spcBef>
+                <a:spcPct val="20000"/>
+              </a:spcBef>
+              <a:buFont typeface="Arial" pitchFamily="34" charset="0"/>
+              <a:buChar char="•"/>
+              <a:defRPr sz="2000" kern="1200">
+                <a:solidFill>
+                  <a:schemeClr val="tx1"/>
+                </a:solidFill>
+                <a:latin typeface="+mn-lt"/>
+                <a:ea typeface="+mn-ea"/>
+                <a:cs typeface="+mn-cs"/>
+              </a:defRPr>
+            </a:lvl9pPr>
+          </a:lstStyle>
+          <a:p>
+            <a:pPr marL="0" indent="0">
+              <a:lnSpc>
+                <a:spcPct val="150000"/>
+              </a:lnSpc>
+              <a:buFont typeface="Arial" charset="0"/>
+              <a:buNone/>
+            </a:pPr>
+            <a:r>
+              <a:rPr lang="pt-BR" sz="2400" b="1" dirty="0" smtClean="0">
+                <a:solidFill>
+                  <a:srgbClr val="C00000"/>
+                </a:solidFill>
+                <a:latin typeface="Corbel" panose="020B0503020204020204" pitchFamily="34" charset="0"/>
+              </a:rPr>
+              <a:t>Atividade</a:t>
+            </a:r>
+          </a:p>
+        </p:txBody>
+      </p:sp>
+    </p:spTree>
+    <p:extLst>
+      <p:ext uri="{BB962C8B-B14F-4D97-AF65-F5344CB8AC3E}">
+        <p14:creationId xmlns:p14="http://schemas.microsoft.com/office/powerpoint/2010/main" val="453914812"/>
+      </p:ext>
+    </p:extLst>
+  </p:cSld>
+  <p:clrMapOvr>
+    <a:masterClrMapping/>
+  </p:clrMapOvr>
+  <mc:AlternateContent xmlns:mc="http://schemas.openxmlformats.org/markup-compatibility/2006" xmlns:p14="http://schemas.microsoft.com/office/powerpoint/2010/main">
+    <mc:Choice Requires="p14">
+      <p:transition spd="slow" p14:dur="2000"/>
+    </mc:Choice>
+    <mc:Fallback xmlns="">
+      <p:transition spd="slow"/>
+    </mc:Fallback>
+  </mc:AlternateContent>
+  <p:timing>
+    <p:tnLst>
+      <p:par>
+        <p:cTn id="1" dur="indefinite" restart="never" nodeType="tmRoot"/>
+      </p:par>
+    </p:tnLst>
+  </p:timing>
+</p:sld>
+</file>
+
+<file path=ppt/slides/slide45.xml><?xml version="1.0" encoding="utf-8"?>
+<p:sld xmlns:a="http://schemas.openxmlformats.org/drawingml/2006/main" xmlns:r="http://schemas.openxmlformats.org/officeDocument/2006/relationships" xmlns:p="http://schemas.openxmlformats.org/presentationml/2006/main" show="0">
+  <p:cSld>
+    <p:spTree>
+      <p:nvGrpSpPr>
+        <p:cNvPr id="1" name=""/>
+        <p:cNvGrpSpPr/>
+        <p:nvPr/>
+      </p:nvGrpSpPr>
+      <p:grpSpPr>
+        <a:xfrm>
+          <a:off x="0" y="0"/>
+          <a:ext cx="0" cy="0"/>
+          <a:chOff x="0" y="0"/>
+          <a:chExt cx="0" cy="0"/>
+        </a:xfrm>
+      </p:grpSpPr>
+      <p:sp>
+        <p:nvSpPr>
+          <p:cNvPr id="3" name="Subtítulo 1"/>
+          <p:cNvSpPr>
+            <a:spLocks noGrp="1"/>
+          </p:cNvSpPr>
+          <p:nvPr>
+            <p:ph type="subTitle" idx="4294967295"/>
+          </p:nvPr>
+        </p:nvSpPr>
+        <p:spPr>
+          <a:xfrm>
             <a:off x="591671" y="754063"/>
             <a:ext cx="11600329" cy="5495925"/>
           </a:xfrm>
@@ -20747,7 +21275,7 @@
 </p:sld>
 </file>
 
-<file path=ppt/slides/slide45.xml><?xml version="1.0" encoding="utf-8"?>
+<file path=ppt/slides/slide46.xml><?xml version="1.0" encoding="utf-8"?>
 <p:sld xmlns:a="http://schemas.openxmlformats.org/drawingml/2006/main" xmlns:r="http://schemas.openxmlformats.org/officeDocument/2006/relationships" xmlns:p="http://schemas.openxmlformats.org/presentationml/2006/main" show="0">
   <p:cSld>
     <p:spTree>
@@ -21242,7 +21770,9 @@
             <a:r>
               <a:rPr lang="pt-BR" sz="2400" b="1" dirty="0" smtClean="0">
                 <a:solidFill>
-                  <a:srgbClr val="C00000"/>
+                  <a:schemeClr val="accent6">
+                    <a:lumMod val="75000"/>
+                  </a:schemeClr>
                 </a:solidFill>
                 <a:latin typeface="Corbel" panose="020B0503020204020204" pitchFamily="34" charset="0"/>
               </a:rPr>
@@ -21257,7 +21787,9 @@
             </a:pPr>
             <a:endParaRPr lang="pt-BR" sz="2400" b="1" dirty="0">
               <a:solidFill>
-                <a:srgbClr val="C00000"/>
+                <a:schemeClr val="accent6">
+                  <a:lumMod val="75000"/>
+                </a:schemeClr>
               </a:solidFill>
               <a:latin typeface="Corbel" panose="020B0503020204020204" pitchFamily="34" charset="0"/>
             </a:endParaRPr>
@@ -21609,7 +22141,9 @@
             <a:r>
               <a:rPr lang="pt-BR" sz="2400" b="1" dirty="0" smtClean="0">
                 <a:solidFill>
-                  <a:srgbClr val="C00000"/>
+                  <a:schemeClr val="accent6">
+                    <a:lumMod val="75000"/>
+                  </a:schemeClr>
                 </a:solidFill>
                 <a:latin typeface="Corbel" panose="020B0503020204020204" pitchFamily="34" charset="0"/>
               </a:rPr>
@@ -21624,7 +22158,9 @@
             </a:pPr>
             <a:endParaRPr lang="pt-BR" sz="2400" b="1" dirty="0">
               <a:solidFill>
-                <a:srgbClr val="C00000"/>
+                <a:schemeClr val="accent6">
+                  <a:lumMod val="75000"/>
+                </a:schemeClr>
               </a:solidFill>
               <a:latin typeface="Corbel" panose="020B0503020204020204" pitchFamily="34" charset="0"/>
             </a:endParaRPr>
@@ -22227,7 +22763,9 @@
             <a:r>
               <a:rPr lang="pt-BR" sz="2400" b="1" dirty="0" smtClean="0">
                 <a:solidFill>
-                  <a:srgbClr val="C00000"/>
+                  <a:schemeClr val="accent6">
+                    <a:lumMod val="75000"/>
+                  </a:schemeClr>
                 </a:solidFill>
                 <a:latin typeface="Corbel" panose="020B0503020204020204" pitchFamily="34" charset="0"/>
               </a:rPr>
@@ -22242,7 +22780,9 @@
             </a:pPr>
             <a:endParaRPr lang="pt-BR" sz="2400" b="1" dirty="0">
               <a:solidFill>
-                <a:srgbClr val="C00000"/>
+                <a:schemeClr val="accent6">
+                  <a:lumMod val="75000"/>
+                </a:schemeClr>
               </a:solidFill>
               <a:latin typeface="Corbel" panose="020B0503020204020204" pitchFamily="34" charset="0"/>
             </a:endParaRPr>
@@ -22592,7 +23132,9 @@
             <a:r>
               <a:rPr lang="pt-BR" sz="2400" b="1" dirty="0" err="1" smtClean="0">
                 <a:solidFill>
-                  <a:srgbClr val="C00000"/>
+                  <a:schemeClr val="accent6">
+                    <a:lumMod val="75000"/>
+                  </a:schemeClr>
                 </a:solidFill>
                 <a:latin typeface="Corbel" panose="020B0503020204020204" pitchFamily="34" charset="0"/>
               </a:rPr>
@@ -22600,7 +23142,9 @@
             </a:r>
             <a:endParaRPr lang="pt-BR" sz="2400" b="1" dirty="0" smtClean="0">
               <a:solidFill>
-                <a:srgbClr val="C00000"/>
+                <a:schemeClr val="accent6">
+                  <a:lumMod val="75000"/>
+                </a:schemeClr>
               </a:solidFill>
               <a:latin typeface="Corbel" panose="020B0503020204020204" pitchFamily="34" charset="0"/>
             </a:endParaRPr>
@@ -22613,7 +23157,9 @@
             </a:pPr>
             <a:endParaRPr lang="pt-BR" sz="2400" b="1" dirty="0">
               <a:solidFill>
-                <a:srgbClr val="C00000"/>
+                <a:schemeClr val="accent6">
+                  <a:lumMod val="75000"/>
+                </a:schemeClr>
               </a:solidFill>
               <a:latin typeface="Corbel" panose="020B0503020204020204" pitchFamily="34" charset="0"/>
             </a:endParaRPr>
@@ -22926,7 +23472,9 @@
             <a:r>
               <a:rPr lang="pt-BR" sz="2400" b="1" dirty="0" smtClean="0">
                 <a:solidFill>
-                  <a:srgbClr val="C00000"/>
+                  <a:schemeClr val="accent6">
+                    <a:lumMod val="75000"/>
+                  </a:schemeClr>
                 </a:solidFill>
                 <a:latin typeface="Corbel" panose="020B0503020204020204" pitchFamily="34" charset="0"/>
               </a:rPr>
@@ -22941,7 +23489,9 @@
             </a:pPr>
             <a:endParaRPr lang="pt-BR" sz="2400" b="1" dirty="0">
               <a:solidFill>
-                <a:srgbClr val="C00000"/>
+                <a:schemeClr val="accent6">
+                  <a:lumMod val="75000"/>
+                </a:schemeClr>
               </a:solidFill>
               <a:latin typeface="Corbel" panose="020B0503020204020204" pitchFamily="34" charset="0"/>
             </a:endParaRPr>

--- a/Aula3.pptx
+++ b/Aula3.pptx
@@ -161,6 +161,9 @@
   <p:extLst>
     <p:ext uri="{EFAFB233-063F-42B5-8137-9DF3F51BA10A}">
       <p15:sldGuideLst xmlns:p15="http://schemas.microsoft.com/office/powerpoint/2012/main"/>
+    </p:ext>
+    <p:ext uri="{2D200454-40CA-4A62-9FC3-DE9A4176ACB9}">
+      <p15:notesGuideLst xmlns:p15="http://schemas.microsoft.com/office/powerpoint/2012/main"/>
     </p:ext>
   </p:extLst>
 </p:presentation>
@@ -1407,6 +1410,13 @@
         </dgm:presLayoutVars>
       </dgm:prSet>
       <dgm:spPr/>
+      <dgm:t>
+        <a:bodyPr/>
+        <a:lstStyle/>
+        <a:p>
+          <a:endParaRPr lang="pt-BR"/>
+        </a:p>
+      </dgm:t>
     </dgm:pt>
     <dgm:pt modelId="{BFBD74D8-0595-4A99-AB59-E323C1F019A5}" type="pres">
       <dgm:prSet presAssocID="{44C4C1B8-05AA-4FA2-ACC6-F46A89EC3BA0}" presName="children" presStyleCnt="0"/>
@@ -1564,6 +1574,13 @@
         </dgm:presLayoutVars>
       </dgm:prSet>
       <dgm:spPr/>
+      <dgm:t>
+        <a:bodyPr/>
+        <a:lstStyle/>
+        <a:p>
+          <a:endParaRPr lang="pt-BR"/>
+        </a:p>
+      </dgm:t>
     </dgm:pt>
     <dgm:pt modelId="{1899BCB1-AE2E-4FEB-ACAA-7AD3F077C35E}" type="pres">
       <dgm:prSet presAssocID="{44C4C1B8-05AA-4FA2-ACC6-F46A89EC3BA0}" presName="quadrant3" presStyleLbl="node1" presStyleIdx="2" presStyleCnt="4">
@@ -1573,6 +1590,13 @@
         </dgm:presLayoutVars>
       </dgm:prSet>
       <dgm:spPr/>
+      <dgm:t>
+        <a:bodyPr/>
+        <a:lstStyle/>
+        <a:p>
+          <a:endParaRPr lang="pt-BR"/>
+        </a:p>
+      </dgm:t>
     </dgm:pt>
     <dgm:pt modelId="{B5E4330D-365E-43B5-AC5B-1D77D60DF1E7}" type="pres">
       <dgm:prSet presAssocID="{44C4C1B8-05AA-4FA2-ACC6-F46A89EC3BA0}" presName="quadrant4" presStyleLbl="node1" presStyleIdx="3" presStyleCnt="4">
@@ -1582,6 +1606,13 @@
         </dgm:presLayoutVars>
       </dgm:prSet>
       <dgm:spPr/>
+      <dgm:t>
+        <a:bodyPr/>
+        <a:lstStyle/>
+        <a:p>
+          <a:endParaRPr lang="pt-BR"/>
+        </a:p>
+      </dgm:t>
     </dgm:pt>
     <dgm:pt modelId="{6039BCC1-DD89-437A-A14A-D3B580CA3910}" type="pres">
       <dgm:prSet presAssocID="{44C4C1B8-05AA-4FA2-ACC6-F46A89EC3BA0}" presName="quadrantPlaceholder" presStyleCnt="0"/>
@@ -1605,8 +1636,8 @@
     <dgm:cxn modelId="{2231B8C7-5DC1-4D0F-A356-E34B8C5A7D3E}" srcId="{44C4C1B8-05AA-4FA2-ACC6-F46A89EC3BA0}" destId="{7B5F6CA4-2F69-41B0-B9EC-12D98E4FB1E8}" srcOrd="0" destOrd="0" parTransId="{FCA1F349-DD3B-4CFF-8991-5227A691B1E4}" sibTransId="{8C0001AF-A7AA-47D1-99DC-57623918898A}"/>
     <dgm:cxn modelId="{D03C06D8-2889-475F-9377-5EB05C17A055}" type="presOf" srcId="{A41D6D16-0F25-4161-9567-F7925E03290B}" destId="{89946784-A747-4392-88FE-CC18B7D8C75C}" srcOrd="1" destOrd="1" presId="urn:microsoft.com/office/officeart/2005/8/layout/cycle4"/>
     <dgm:cxn modelId="{A4718A3F-D7FF-4ED2-8189-DDE7E16EA3ED}" srcId="{D63F9D11-88D2-4FBB-BF92-59F1CF6D7EB4}" destId="{5D697BCE-FBBF-40B1-8BF3-BD802560D91F}" srcOrd="0" destOrd="0" parTransId="{CAB160E4-1AEA-484B-93F3-1291AB4874B5}" sibTransId="{7FD7BE94-9B6A-413D-B5C3-76DCF1F23507}"/>
+    <dgm:cxn modelId="{BE2C0129-C8C1-4D08-8F30-4424F96903AA}" srcId="{C9203E37-0572-40D0-8D8B-76A6CA06E2AC}" destId="{2850CB3B-4BE4-403A-BF0A-05C96D4F7844}" srcOrd="1" destOrd="0" parTransId="{00B6A140-6809-49D2-A821-EE500A990780}" sibTransId="{916082B7-A0CB-4B71-B5BB-6BEB2D43A79A}"/>
     <dgm:cxn modelId="{CA47A5EB-EB57-4830-9AAF-4BC6F33BC754}" srcId="{44C4C1B8-05AA-4FA2-ACC6-F46A89EC3BA0}" destId="{C9203E37-0572-40D0-8D8B-76A6CA06E2AC}" srcOrd="2" destOrd="0" parTransId="{6C0714BA-DEE7-4EF2-9DE5-8DD633F8A9B9}" sibTransId="{B30CE7D8-1F74-43A0-916D-02B829239579}"/>
-    <dgm:cxn modelId="{BE2C0129-C8C1-4D08-8F30-4424F96903AA}" srcId="{C9203E37-0572-40D0-8D8B-76A6CA06E2AC}" destId="{2850CB3B-4BE4-403A-BF0A-05C96D4F7844}" srcOrd="1" destOrd="0" parTransId="{00B6A140-6809-49D2-A821-EE500A990780}" sibTransId="{916082B7-A0CB-4B71-B5BB-6BEB2D43A79A}"/>
     <dgm:cxn modelId="{CF7A0AD4-8770-4B75-9BAE-3455C569D149}" srcId="{7B5F6CA4-2F69-41B0-B9EC-12D98E4FB1E8}" destId="{A41D6D16-0F25-4161-9567-F7925E03290B}" srcOrd="1" destOrd="0" parTransId="{702BE0F4-C797-4E32-89BD-EF7592D59AAE}" sibTransId="{9EC15860-6876-4AA1-A96A-2E056F36DD11}"/>
     <dgm:cxn modelId="{4CCB42BE-6D85-4B4C-86D4-B5C9330BCF5E}" type="presOf" srcId="{A5AAC5A0-C4BF-4AD9-BE87-B2BD1BA6258F}" destId="{89946784-A747-4392-88FE-CC18B7D8C75C}" srcOrd="1" destOrd="0" presId="urn:microsoft.com/office/officeart/2005/8/layout/cycle4"/>
     <dgm:cxn modelId="{6B66C36A-A15C-46D6-A484-0B4B20E0FD02}" srcId="{44C4C1B8-05AA-4FA2-ACC6-F46A89EC3BA0}" destId="{8EF7DD04-B549-4B8D-B285-623DA6E59C30}" srcOrd="1" destOrd="0" parTransId="{C946F3FA-0DFB-44CF-9853-DFA19E73CEA9}" sibTransId="{554332B6-4611-4489-840F-73761A6D6FFA}"/>
@@ -5021,7 +5052,7 @@
           <a:graphicData uri="http://schemas.openxmlformats.org/presentationml/2006/ole">
             <mc:AlternateContent xmlns:mc="http://schemas.openxmlformats.org/markup-compatibility/2006">
               <mc:Choice xmlns:v="urn:schemas-microsoft-com:vml" Requires="v">
-                <p:oleObj spid="_x0000_s1102" name="Slide do think-cell" r:id="rId7" imgW="270" imgH="270" progId="TCLayout.ActiveDocument.1">
+                <p:oleObj spid="_x0000_s1103" name="Slide do think-cell" r:id="rId7" imgW="270" imgH="270" progId="TCLayout.ActiveDocument.1">
                   <p:embed/>
                 </p:oleObj>
               </mc:Choice>
@@ -8713,10 +8744,16 @@
           <a:p>
             <a:pPr algn="l"/>
             <a:r>
-              <a:rPr lang="pt-BR" sz="1800" dirty="0">
-                <a:latin typeface="Corbel" panose="020B0503020204020204" pitchFamily="34" charset="0"/>
-              </a:rPr>
-              <a:t>Aumento médio de 10% no </a:t>
+              <a:rPr lang="pt-BR" sz="1800">
+                <a:latin typeface="Corbel" panose="020B0503020204020204" pitchFamily="34" charset="0"/>
+              </a:rPr>
+              <a:t>Aumento </a:t>
+            </a:r>
+            <a:r>
+              <a:rPr lang="pt-BR" sz="1800" smtClean="0">
+                <a:latin typeface="Corbel" panose="020B0503020204020204" pitchFamily="34" charset="0"/>
+              </a:rPr>
+              <a:t>no </a:t>
             </a:r>
             <a:r>
               <a:rPr lang="pt-BR" sz="1800" dirty="0" smtClean="0">
@@ -12224,14 +12261,6 @@
               </a:rPr>
               <a:t>Apresentação</a:t>
             </a:r>
-            <a:endParaRPr lang="pt-BR" sz="2400" b="1" dirty="0" smtClean="0">
-              <a:solidFill>
-                <a:schemeClr val="accent6">
-                  <a:lumMod val="75000"/>
-                </a:schemeClr>
-              </a:solidFill>
-              <a:latin typeface="Corbel" panose="020B0503020204020204" pitchFamily="34" charset="0"/>
-            </a:endParaRPr>
           </a:p>
           <a:p>
             <a:pPr>
@@ -17856,25 +17885,46 @@
               <a:rPr lang="pt-BR" sz="2400" dirty="0" smtClean="0">
                 <a:latin typeface="Corbel" panose="020B0503020204020204" pitchFamily="34" charset="0"/>
               </a:rPr>
-              <a:t>8:10 </a:t>
-            </a:r>
+              <a:t>8:10 as 8:45 - Apresentação e Estrutura do Curso</a:t>
+            </a:r>
+          </a:p>
+          <a:p>
+            <a:pPr>
+              <a:lnSpc>
+                <a:spcPct val="150000"/>
+              </a:lnSpc>
+            </a:pPr>
             <a:r>
               <a:rPr lang="pt-BR" sz="2400" dirty="0" smtClean="0">
                 <a:latin typeface="Corbel" panose="020B0503020204020204" pitchFamily="34" charset="0"/>
               </a:rPr>
-              <a:t>as </a:t>
-            </a:r>
+              <a:t>8:45 as 9:15 - Fundamentos</a:t>
+            </a:r>
+          </a:p>
+          <a:p>
+            <a:pPr>
+              <a:lnSpc>
+                <a:spcPct val="150000"/>
+              </a:lnSpc>
+            </a:pPr>
             <a:r>
               <a:rPr lang="pt-BR" sz="2400" dirty="0" smtClean="0">
                 <a:latin typeface="Corbel" panose="020B0503020204020204" pitchFamily="34" charset="0"/>
               </a:rPr>
-              <a:t>8:45 </a:t>
-            </a:r>
+              <a:t>9:15 as 12:30 -  Prática</a:t>
+            </a:r>
+          </a:p>
+          <a:p>
+            <a:pPr>
+              <a:lnSpc>
+                <a:spcPct val="150000"/>
+              </a:lnSpc>
+            </a:pPr>
             <a:r>
               <a:rPr lang="pt-BR" sz="2400" dirty="0" smtClean="0">
                 <a:latin typeface="Corbel" panose="020B0503020204020204" pitchFamily="34" charset="0"/>
               </a:rPr>
-              <a:t>- Apresentação e Estrutura do Curso</a:t>
+              <a:t>12:30 as 13:30 - Almoço</a:t>
             </a:r>
           </a:p>
           <a:p>
@@ -17887,113 +17937,20 @@
               <a:rPr lang="pt-BR" sz="2400" dirty="0" smtClean="0">
                 <a:latin typeface="Corbel" panose="020B0503020204020204" pitchFamily="34" charset="0"/>
               </a:rPr>
-              <a:t>8:45 </a:t>
-            </a:r>
+              <a:t>13:30 às  16:50 -  Praticas com estudos de caso</a:t>
+            </a:r>
+          </a:p>
+          <a:p>
+            <a:pPr>
+              <a:lnSpc>
+                <a:spcPct val="150000"/>
+              </a:lnSpc>
+            </a:pPr>
             <a:r>
               <a:rPr lang="pt-BR" sz="2400" dirty="0" smtClean="0">
                 <a:latin typeface="Corbel" panose="020B0503020204020204" pitchFamily="34" charset="0"/>
               </a:rPr>
-              <a:t>as </a:t>
-            </a:r>
-            <a:r>
-              <a:rPr lang="pt-BR" sz="2400" dirty="0" smtClean="0">
-                <a:latin typeface="Corbel" panose="020B0503020204020204" pitchFamily="34" charset="0"/>
-              </a:rPr>
-              <a:t>9:15 </a:t>
-            </a:r>
-            <a:r>
-              <a:rPr lang="pt-BR" sz="2400" dirty="0" smtClean="0">
-                <a:latin typeface="Corbel" panose="020B0503020204020204" pitchFamily="34" charset="0"/>
-              </a:rPr>
-              <a:t>- Fundamentos</a:t>
-            </a:r>
-          </a:p>
-          <a:p>
-            <a:pPr>
-              <a:lnSpc>
-                <a:spcPct val="150000"/>
-              </a:lnSpc>
-            </a:pPr>
-            <a:r>
-              <a:rPr lang="pt-BR" sz="2400" dirty="0" smtClean="0">
-                <a:latin typeface="Corbel" panose="020B0503020204020204" pitchFamily="34" charset="0"/>
-              </a:rPr>
-              <a:t>9:15 </a:t>
-            </a:r>
-            <a:r>
-              <a:rPr lang="pt-BR" sz="2400" dirty="0" smtClean="0">
-                <a:latin typeface="Corbel" panose="020B0503020204020204" pitchFamily="34" charset="0"/>
-              </a:rPr>
-              <a:t>as 12:30 -  Prática</a:t>
-            </a:r>
-          </a:p>
-          <a:p>
-            <a:pPr>
-              <a:lnSpc>
-                <a:spcPct val="150000"/>
-              </a:lnSpc>
-            </a:pPr>
-            <a:r>
-              <a:rPr lang="pt-BR" sz="2400" dirty="0" smtClean="0">
-                <a:latin typeface="Corbel" panose="020B0503020204020204" pitchFamily="34" charset="0"/>
-              </a:rPr>
-              <a:t>12:30 as 13:30 - Almoço</a:t>
-            </a:r>
-          </a:p>
-          <a:p>
-            <a:pPr>
-              <a:lnSpc>
-                <a:spcPct val="150000"/>
-              </a:lnSpc>
-            </a:pPr>
-            <a:r>
-              <a:rPr lang="pt-BR" sz="2400" dirty="0" smtClean="0">
-                <a:latin typeface="Corbel" panose="020B0503020204020204" pitchFamily="34" charset="0"/>
-              </a:rPr>
-              <a:t>13:30 às  </a:t>
-            </a:r>
-            <a:r>
-              <a:rPr lang="pt-BR" sz="2400" dirty="0" smtClean="0">
-                <a:latin typeface="Corbel" panose="020B0503020204020204" pitchFamily="34" charset="0"/>
-              </a:rPr>
-              <a:t>16:50 </a:t>
-            </a:r>
-            <a:r>
-              <a:rPr lang="pt-BR" sz="2400" dirty="0" smtClean="0">
-                <a:latin typeface="Corbel" panose="020B0503020204020204" pitchFamily="34" charset="0"/>
-              </a:rPr>
-              <a:t>-  </a:t>
-            </a:r>
-            <a:r>
-              <a:rPr lang="pt-BR" sz="2400" dirty="0" smtClean="0">
-                <a:latin typeface="Corbel" panose="020B0503020204020204" pitchFamily="34" charset="0"/>
-              </a:rPr>
-              <a:t>Praticas </a:t>
-            </a:r>
-            <a:r>
-              <a:rPr lang="pt-BR" sz="2400" dirty="0" smtClean="0">
-                <a:latin typeface="Corbel" panose="020B0503020204020204" pitchFamily="34" charset="0"/>
-              </a:rPr>
-              <a:t>com estudos de caso</a:t>
-            </a:r>
-          </a:p>
-          <a:p>
-            <a:pPr>
-              <a:lnSpc>
-                <a:spcPct val="150000"/>
-              </a:lnSpc>
-            </a:pPr>
-            <a:r>
-              <a:rPr lang="pt-BR" sz="2400" dirty="0" smtClean="0">
-                <a:latin typeface="Corbel" panose="020B0503020204020204" pitchFamily="34" charset="0"/>
-              </a:rPr>
-              <a:t>16:50 </a:t>
-            </a:r>
-            <a:r>
-              <a:rPr lang="pt-BR" sz="2400" dirty="0" smtClean="0">
-                <a:latin typeface="Corbel" panose="020B0503020204020204" pitchFamily="34" charset="0"/>
-              </a:rPr>
-              <a:t>as 17:00 – Duvidas e Reforço</a:t>
+              <a:t>16:50 as 17:00 – Duvidas e Reforço</a:t>
             </a:r>
             <a:endParaRPr lang="pt-BR" sz="2400" dirty="0">
               <a:latin typeface="Corbel" panose="020B0503020204020204" pitchFamily="34" charset="0"/>
@@ -23074,18 +23031,7 @@
                 </a:solidFill>
                 <a:latin typeface="Corbel" panose="020B0503020204020204" pitchFamily="34" charset="0"/>
               </a:rPr>
-              <a:t>Fórmulas </a:t>
-            </a:r>
-            <a:r>
-              <a:rPr lang="pt-BR" sz="2400" b="1" dirty="0" smtClean="0">
-                <a:solidFill>
-                  <a:schemeClr val="accent6">
-                    <a:lumMod val="75000"/>
-                  </a:schemeClr>
-                </a:solidFill>
-                <a:latin typeface="Corbel" panose="020B0503020204020204" pitchFamily="34" charset="0"/>
-              </a:rPr>
-              <a:t>e ações Tridimensionais</a:t>
+              <a:t>Fórmulas e ações Tridimensionais</a:t>
             </a:r>
           </a:p>
         </p:txBody>
@@ -28929,10 +28875,10 @@
                 </a:solidFill>
                 <a:latin typeface="Corbel" panose="020B0503020204020204" pitchFamily="34" charset="0"/>
               </a:rPr>
-              <a:t>Estrutura do </a:t>
-            </a:r>
-            <a:r>
-              <a:rPr lang="pt-BR" sz="2400" b="1" dirty="0" smtClean="0">
+              <a:t>Estrutura do Curso – </a:t>
+            </a:r>
+            <a:r>
+              <a:rPr lang="pt-BR" sz="2400" b="1" dirty="0" err="1" smtClean="0">
                 <a:solidFill>
                   <a:schemeClr val="accent6">
                     <a:lumMod val="75000"/>
@@ -28940,10 +28886,10 @@
                 </a:solidFill>
                 <a:latin typeface="Corbel" panose="020B0503020204020204" pitchFamily="34" charset="0"/>
               </a:rPr>
-              <a:t>Curso – </a:t>
-            </a:r>
-            <a:r>
-              <a:rPr lang="pt-BR" sz="2400" b="1" dirty="0" err="1" smtClean="0">
+              <a:t>Estagios</a:t>
+            </a:r>
+            <a:r>
+              <a:rPr lang="pt-BR" sz="2400" b="1" dirty="0" smtClean="0">
                 <a:solidFill>
                   <a:schemeClr val="accent6">
                     <a:lumMod val="75000"/>
@@ -28951,27 +28897,8 @@
                 </a:solidFill>
                 <a:latin typeface="Corbel" panose="020B0503020204020204" pitchFamily="34" charset="0"/>
               </a:rPr>
-              <a:t>Estagios</a:t>
-            </a:r>
-            <a:r>
-              <a:rPr lang="pt-BR" sz="2400" b="1" dirty="0" smtClean="0">
-                <a:solidFill>
-                  <a:schemeClr val="accent6">
-                    <a:lumMod val="75000"/>
-                  </a:schemeClr>
-                </a:solidFill>
-                <a:latin typeface="Corbel" panose="020B0503020204020204" pitchFamily="34" charset="0"/>
-              </a:rPr>
               <a:t> do Ciclo de Aprendizagem PNL</a:t>
             </a:r>
-            <a:endParaRPr lang="pt-BR" sz="2400" b="1" dirty="0" smtClean="0">
-              <a:solidFill>
-                <a:schemeClr val="accent6">
-                  <a:lumMod val="75000"/>
-                </a:schemeClr>
-              </a:solidFill>
-              <a:latin typeface="Corbel" panose="020B0503020204020204" pitchFamily="34" charset="0"/>
-            </a:endParaRPr>
           </a:p>
           <a:p>
             <a:pPr>
@@ -29528,14 +29455,6 @@
               </a:rPr>
               <a:t>Vamos combinar o Jogo?</a:t>
             </a:r>
-            <a:endParaRPr lang="pt-BR" sz="2400" b="1" dirty="0" smtClean="0">
-              <a:solidFill>
-                <a:schemeClr val="accent6">
-                  <a:lumMod val="75000"/>
-                </a:schemeClr>
-              </a:solidFill>
-              <a:latin typeface="Corbel" panose="020B0503020204020204" pitchFamily="34" charset="0"/>
-            </a:endParaRPr>
           </a:p>
           <a:p>
             <a:pPr>
@@ -29589,9 +29508,6 @@
               </a:rPr>
               <a:t>Celular &gt; OK, atender fora do local</a:t>
             </a:r>
-            <a:endParaRPr lang="pt-BR" dirty="0" smtClean="0">
-              <a:latin typeface="Corbel" panose="020B0503020204020204" pitchFamily="34" charset="0"/>
-            </a:endParaRPr>
           </a:p>
           <a:p>
             <a:pPr marL="285750" indent="-285750">
@@ -29637,9 +29553,6 @@
               </a:rPr>
               <a:t>Tempo para Exercício:  negociamos</a:t>
             </a:r>
-            <a:endParaRPr lang="pt-BR" dirty="0" smtClean="0">
-              <a:latin typeface="Corbel" panose="020B0503020204020204" pitchFamily="34" charset="0"/>
-            </a:endParaRPr>
           </a:p>
           <a:p>
             <a:pPr>
@@ -29676,9 +29589,6 @@
               </a:rPr>
               <a:t>TEM QUE TER DÚVIDAS !!!</a:t>
             </a:r>
-            <a:endParaRPr lang="pt-BR" sz="2400" dirty="0" smtClean="0">
-              <a:latin typeface="Corbel" panose="020B0503020204020204" pitchFamily="34" charset="0"/>
-            </a:endParaRPr>
           </a:p>
           <a:p>
             <a:pPr>

--- a/Aula3.pptx
+++ b/Aula3.pptx
@@ -5,10 +5,10 @@
     <p:sldMasterId id="2147483672" r:id="rId1"/>
   </p:sldMasterIdLst>
   <p:notesMasterIdLst>
-    <p:notesMasterId r:id="rId51"/>
+    <p:notesMasterId r:id="rId52"/>
   </p:notesMasterIdLst>
   <p:handoutMasterIdLst>
-    <p:handoutMasterId r:id="rId52"/>
+    <p:handoutMasterId r:id="rId53"/>
   </p:handoutMasterIdLst>
   <p:sldIdLst>
     <p:sldId id="256" r:id="rId2"/>
@@ -36,30 +36,31 @@
     <p:sldId id="286" r:id="rId24"/>
     <p:sldId id="285" r:id="rId25"/>
     <p:sldId id="282" r:id="rId26"/>
-    <p:sldId id="283" r:id="rId27"/>
-    <p:sldId id="296" r:id="rId28"/>
-    <p:sldId id="276" r:id="rId29"/>
+    <p:sldId id="314" r:id="rId27"/>
+    <p:sldId id="283" r:id="rId28"/>
+    <p:sldId id="296" r:id="rId29"/>
     <p:sldId id="306" r:id="rId30"/>
-    <p:sldId id="304" r:id="rId31"/>
-    <p:sldId id="284" r:id="rId32"/>
-    <p:sldId id="295" r:id="rId33"/>
-    <p:sldId id="297" r:id="rId34"/>
-    <p:sldId id="293" r:id="rId35"/>
-    <p:sldId id="294" r:id="rId36"/>
-    <p:sldId id="275" r:id="rId37"/>
-    <p:sldId id="271" r:id="rId38"/>
-    <p:sldId id="274" r:id="rId39"/>
-    <p:sldId id="277" r:id="rId40"/>
-    <p:sldId id="280" r:id="rId41"/>
-    <p:sldId id="279" r:id="rId42"/>
-    <p:sldId id="292" r:id="rId43"/>
-    <p:sldId id="291" r:id="rId44"/>
-    <p:sldId id="308" r:id="rId45"/>
-    <p:sldId id="309" r:id="rId46"/>
-    <p:sldId id="310" r:id="rId47"/>
-    <p:sldId id="290" r:id="rId48"/>
-    <p:sldId id="281" r:id="rId49"/>
-    <p:sldId id="289" r:id="rId50"/>
+    <p:sldId id="276" r:id="rId31"/>
+    <p:sldId id="304" r:id="rId32"/>
+    <p:sldId id="284" r:id="rId33"/>
+    <p:sldId id="295" r:id="rId34"/>
+    <p:sldId id="297" r:id="rId35"/>
+    <p:sldId id="293" r:id="rId36"/>
+    <p:sldId id="294" r:id="rId37"/>
+    <p:sldId id="275" r:id="rId38"/>
+    <p:sldId id="271" r:id="rId39"/>
+    <p:sldId id="274" r:id="rId40"/>
+    <p:sldId id="277" r:id="rId41"/>
+    <p:sldId id="280" r:id="rId42"/>
+    <p:sldId id="279" r:id="rId43"/>
+    <p:sldId id="292" r:id="rId44"/>
+    <p:sldId id="291" r:id="rId45"/>
+    <p:sldId id="308" r:id="rId46"/>
+    <p:sldId id="309" r:id="rId47"/>
+    <p:sldId id="310" r:id="rId48"/>
+    <p:sldId id="290" r:id="rId49"/>
+    <p:sldId id="281" r:id="rId50"/>
+    <p:sldId id="289" r:id="rId51"/>
   </p:sldIdLst>
   <p:sldSz cx="12192000" cy="6858000"/>
   <p:notesSz cx="6858000" cy="9144000"/>
@@ -5052,7 +5053,7 @@
           <a:graphicData uri="http://schemas.openxmlformats.org/presentationml/2006/ole">
             <mc:AlternateContent xmlns:mc="http://schemas.openxmlformats.org/markup-compatibility/2006">
               <mc:Choice xmlns:v="urn:schemas-microsoft-com:vml" Requires="v">
-                <p:oleObj spid="_x0000_s1103" name="Slide do think-cell" r:id="rId7" imgW="270" imgH="270" progId="TCLayout.ActiveDocument.1">
+                <p:oleObj spid="_x0000_s1115" name="Slide do think-cell" r:id="rId7" imgW="270" imgH="270" progId="TCLayout.ActiveDocument.1">
                   <p:embed/>
                 </p:oleObj>
               </mc:Choice>
@@ -5807,7 +5808,25 @@
               <a:rPr lang="pt-BR" sz="1800" dirty="0" smtClean="0">
                 <a:latin typeface="Corbel" panose="020B0503020204020204" pitchFamily="34" charset="0"/>
               </a:rPr>
-              <a:t> baseada na ideia da folha quadriculada. </a:t>
+              <a:t> baseada na </a:t>
+            </a:r>
+            <a:r>
+              <a:rPr lang="pt-BR" sz="1800" dirty="0" err="1" smtClean="0">
+                <a:latin typeface="Corbel" panose="020B0503020204020204" pitchFamily="34" charset="0"/>
+              </a:rPr>
+              <a:t>idéia</a:t>
+            </a:r>
+            <a:r>
+              <a:rPr lang="pt-BR" sz="1800" dirty="0" smtClean="0">
+                <a:latin typeface="Corbel" panose="020B0503020204020204" pitchFamily="34" charset="0"/>
+              </a:rPr>
+              <a:t> </a:t>
+            </a:r>
+            <a:r>
+              <a:rPr lang="pt-BR" sz="1800" dirty="0" smtClean="0">
+                <a:latin typeface="Corbel" panose="020B0503020204020204" pitchFamily="34" charset="0"/>
+              </a:rPr>
+              <a:t>da folha quadriculada. </a:t>
             </a:r>
           </a:p>
           <a:p>
@@ -8744,22 +8763,16 @@
           <a:p>
             <a:pPr algn="l"/>
             <a:r>
-              <a:rPr lang="pt-BR" sz="1800">
+              <a:rPr lang="pt-BR" sz="1800" dirty="0">
                 <a:latin typeface="Corbel" panose="020B0503020204020204" pitchFamily="34" charset="0"/>
               </a:rPr>
               <a:t>Aumento </a:t>
             </a:r>
             <a:r>
-              <a:rPr lang="pt-BR" sz="1800" smtClean="0">
-                <a:latin typeface="Corbel" panose="020B0503020204020204" pitchFamily="34" charset="0"/>
-              </a:rPr>
-              <a:t>no </a:t>
-            </a:r>
-            <a:r>
               <a:rPr lang="pt-BR" sz="1800" dirty="0" smtClean="0">
                 <a:latin typeface="Corbel" panose="020B0503020204020204" pitchFamily="34" charset="0"/>
               </a:rPr>
-              <a:t>salário.</a:t>
+              <a:t>no salário.</a:t>
             </a:r>
           </a:p>
           <a:p>
@@ -8831,7 +8844,13 @@
               <a:rPr lang="pt-BR" sz="1800" dirty="0" smtClean="0">
                 <a:latin typeface="Corbel" panose="020B0503020204020204" pitchFamily="34" charset="0"/>
               </a:rPr>
-              <a:t>cedo? O QUE ESTÁ POR VIR (ML)?</a:t>
+              <a:t>cedo. </a:t>
+            </a:r>
+            <a:r>
+              <a:rPr lang="pt-BR" sz="1800" dirty="0" smtClean="0">
+                <a:latin typeface="Corbel" panose="020B0503020204020204" pitchFamily="34" charset="0"/>
+              </a:rPr>
+              <a:t>O QUE ESTÁ POR VIR (ML)?</a:t>
             </a:r>
             <a:endParaRPr lang="pt-BR" sz="1800" dirty="0">
               <a:latin typeface="Corbel" panose="020B0503020204020204" pitchFamily="34" charset="0"/>
@@ -15834,6 +15853,668 @@
 </file>
 
 <file path=ppt/slides/slide26.xml><?xml version="1.0" encoding="utf-8"?>
+<p:sld xmlns:a="http://schemas.openxmlformats.org/drawingml/2006/main" xmlns:r="http://schemas.openxmlformats.org/officeDocument/2006/relationships" xmlns:p="http://schemas.openxmlformats.org/presentationml/2006/main">
+  <p:cSld>
+    <p:spTree>
+      <p:nvGrpSpPr>
+        <p:cNvPr id="1" name=""/>
+        <p:cNvGrpSpPr/>
+        <p:nvPr/>
+      </p:nvGrpSpPr>
+      <p:grpSpPr>
+        <a:xfrm>
+          <a:off x="0" y="0"/>
+          <a:ext cx="0" cy="0"/>
+          <a:chOff x="0" y="0"/>
+          <a:chExt cx="0" cy="0"/>
+        </a:xfrm>
+      </p:grpSpPr>
+      <p:sp>
+        <p:nvSpPr>
+          <p:cNvPr id="4" name="Subtítulo 1"/>
+          <p:cNvSpPr txBox="1">
+            <a:spLocks/>
+          </p:cNvSpPr>
+          <p:nvPr/>
+        </p:nvSpPr>
+        <p:spPr>
+          <a:xfrm>
+            <a:off x="613186" y="871387"/>
+            <a:ext cx="11499925" cy="6078052"/>
+          </a:xfrm>
+          <a:prstGeom prst="rect">
+            <a:avLst/>
+          </a:prstGeom>
+        </p:spPr>
+        <p:txBody>
+          <a:bodyPr vert="horz" lIns="91440" tIns="45720" rIns="91440" bIns="45720" rtlCol="0">
+            <a:noAutofit/>
+          </a:bodyPr>
+          <a:lstStyle>
+            <a:lvl1pPr marL="0" indent="0" algn="ctr" defTabSz="914400" rtl="0" eaLnBrk="1" latinLnBrk="0" hangingPunct="1">
+              <a:lnSpc>
+                <a:spcPct val="90000"/>
+              </a:lnSpc>
+              <a:spcBef>
+                <a:spcPts val="1000"/>
+              </a:spcBef>
+              <a:buFont typeface="Arial" panose="020B0604020202020204" pitchFamily="34" charset="0"/>
+              <a:buNone/>
+              <a:defRPr sz="2400" kern="1200">
+                <a:solidFill>
+                  <a:schemeClr val="tx1"/>
+                </a:solidFill>
+                <a:latin typeface="+mn-lt"/>
+                <a:ea typeface="+mn-ea"/>
+                <a:cs typeface="+mn-cs"/>
+              </a:defRPr>
+            </a:lvl1pPr>
+            <a:lvl2pPr marL="457200" indent="0" algn="ctr" defTabSz="914400" rtl="0" eaLnBrk="1" latinLnBrk="0" hangingPunct="1">
+              <a:lnSpc>
+                <a:spcPct val="90000"/>
+              </a:lnSpc>
+              <a:spcBef>
+                <a:spcPts val="500"/>
+              </a:spcBef>
+              <a:buFont typeface="Arial" panose="020B0604020202020204" pitchFamily="34" charset="0"/>
+              <a:buNone/>
+              <a:defRPr sz="2000" kern="1200">
+                <a:solidFill>
+                  <a:schemeClr val="tx1"/>
+                </a:solidFill>
+                <a:latin typeface="+mn-lt"/>
+                <a:ea typeface="+mn-ea"/>
+                <a:cs typeface="+mn-cs"/>
+              </a:defRPr>
+            </a:lvl2pPr>
+            <a:lvl3pPr marL="914400" indent="0" algn="ctr" defTabSz="914400" rtl="0" eaLnBrk="1" latinLnBrk="0" hangingPunct="1">
+              <a:lnSpc>
+                <a:spcPct val="90000"/>
+              </a:lnSpc>
+              <a:spcBef>
+                <a:spcPts val="500"/>
+              </a:spcBef>
+              <a:buFont typeface="Arial" panose="020B0604020202020204" pitchFamily="34" charset="0"/>
+              <a:buNone/>
+              <a:defRPr sz="1800" kern="1200">
+                <a:solidFill>
+                  <a:schemeClr val="tx1"/>
+                </a:solidFill>
+                <a:latin typeface="+mn-lt"/>
+                <a:ea typeface="+mn-ea"/>
+                <a:cs typeface="+mn-cs"/>
+              </a:defRPr>
+            </a:lvl3pPr>
+            <a:lvl4pPr marL="1371600" indent="0" algn="ctr" defTabSz="914400" rtl="0" eaLnBrk="1" latinLnBrk="0" hangingPunct="1">
+              <a:lnSpc>
+                <a:spcPct val="90000"/>
+              </a:lnSpc>
+              <a:spcBef>
+                <a:spcPts val="500"/>
+              </a:spcBef>
+              <a:buFont typeface="Arial" panose="020B0604020202020204" pitchFamily="34" charset="0"/>
+              <a:buNone/>
+              <a:defRPr sz="1600" kern="1200">
+                <a:solidFill>
+                  <a:schemeClr val="tx1"/>
+                </a:solidFill>
+                <a:latin typeface="+mn-lt"/>
+                <a:ea typeface="+mn-ea"/>
+                <a:cs typeface="+mn-cs"/>
+              </a:defRPr>
+            </a:lvl4pPr>
+            <a:lvl5pPr marL="1828800" indent="0" algn="ctr" defTabSz="914400" rtl="0" eaLnBrk="1" latinLnBrk="0" hangingPunct="1">
+              <a:lnSpc>
+                <a:spcPct val="90000"/>
+              </a:lnSpc>
+              <a:spcBef>
+                <a:spcPts val="500"/>
+              </a:spcBef>
+              <a:buFont typeface="Arial" panose="020B0604020202020204" pitchFamily="34" charset="0"/>
+              <a:buNone/>
+              <a:defRPr sz="1600" kern="1200">
+                <a:solidFill>
+                  <a:schemeClr val="tx1"/>
+                </a:solidFill>
+                <a:latin typeface="+mn-lt"/>
+                <a:ea typeface="+mn-ea"/>
+                <a:cs typeface="+mn-cs"/>
+              </a:defRPr>
+            </a:lvl5pPr>
+            <a:lvl6pPr marL="2286000" indent="0" algn="ctr" defTabSz="914400" rtl="0" eaLnBrk="1" latinLnBrk="0" hangingPunct="1">
+              <a:lnSpc>
+                <a:spcPct val="90000"/>
+              </a:lnSpc>
+              <a:spcBef>
+                <a:spcPts val="500"/>
+              </a:spcBef>
+              <a:buFont typeface="Arial" panose="020B0604020202020204" pitchFamily="34" charset="0"/>
+              <a:buNone/>
+              <a:defRPr sz="1600" kern="1200">
+                <a:solidFill>
+                  <a:schemeClr val="tx1"/>
+                </a:solidFill>
+                <a:latin typeface="+mn-lt"/>
+                <a:ea typeface="+mn-ea"/>
+                <a:cs typeface="+mn-cs"/>
+              </a:defRPr>
+            </a:lvl6pPr>
+            <a:lvl7pPr marL="2743200" indent="0" algn="ctr" defTabSz="914400" rtl="0" eaLnBrk="1" latinLnBrk="0" hangingPunct="1">
+              <a:lnSpc>
+                <a:spcPct val="90000"/>
+              </a:lnSpc>
+              <a:spcBef>
+                <a:spcPts val="500"/>
+              </a:spcBef>
+              <a:buFont typeface="Arial" panose="020B0604020202020204" pitchFamily="34" charset="0"/>
+              <a:buNone/>
+              <a:defRPr sz="1600" kern="1200">
+                <a:solidFill>
+                  <a:schemeClr val="tx1"/>
+                </a:solidFill>
+                <a:latin typeface="+mn-lt"/>
+                <a:ea typeface="+mn-ea"/>
+                <a:cs typeface="+mn-cs"/>
+              </a:defRPr>
+            </a:lvl7pPr>
+            <a:lvl8pPr marL="3200400" indent="0" algn="ctr" defTabSz="914400" rtl="0" eaLnBrk="1" latinLnBrk="0" hangingPunct="1">
+              <a:lnSpc>
+                <a:spcPct val="90000"/>
+              </a:lnSpc>
+              <a:spcBef>
+                <a:spcPts val="500"/>
+              </a:spcBef>
+              <a:buFont typeface="Arial" panose="020B0604020202020204" pitchFamily="34" charset="0"/>
+              <a:buNone/>
+              <a:defRPr sz="1600" kern="1200">
+                <a:solidFill>
+                  <a:schemeClr val="tx1"/>
+                </a:solidFill>
+                <a:latin typeface="+mn-lt"/>
+                <a:ea typeface="+mn-ea"/>
+                <a:cs typeface="+mn-cs"/>
+              </a:defRPr>
+            </a:lvl8pPr>
+            <a:lvl9pPr marL="3657600" indent="0" algn="ctr" defTabSz="914400" rtl="0" eaLnBrk="1" latinLnBrk="0" hangingPunct="1">
+              <a:lnSpc>
+                <a:spcPct val="90000"/>
+              </a:lnSpc>
+              <a:spcBef>
+                <a:spcPts val="500"/>
+              </a:spcBef>
+              <a:buFont typeface="Arial" panose="020B0604020202020204" pitchFamily="34" charset="0"/>
+              <a:buNone/>
+              <a:defRPr sz="1600" kern="1200">
+                <a:solidFill>
+                  <a:schemeClr val="tx1"/>
+                </a:solidFill>
+                <a:latin typeface="+mn-lt"/>
+                <a:ea typeface="+mn-ea"/>
+                <a:cs typeface="+mn-cs"/>
+              </a:defRPr>
+            </a:lvl9pPr>
+          </a:lstStyle>
+          <a:p>
+            <a:pPr algn="just"/>
+            <a:r>
+              <a:rPr lang="pt-BR" sz="1800" dirty="0" smtClean="0">
+                <a:latin typeface="Corbel" panose="020B0503020204020204" pitchFamily="34" charset="0"/>
+              </a:rPr>
+              <a:t>Um analista precisa calcular o valor de compra de insumos de sua empresa. Ele recebe as quantidades de peça compradas com preço em Dólar e precisa reportar estas compras para as 4 filiais em países diferentes: EUA, Espanha,  Japão e Brasil.</a:t>
+            </a:r>
+          </a:p>
+          <a:p>
+            <a:pPr algn="just"/>
+            <a:r>
+              <a:rPr lang="pt-BR" sz="1800" dirty="0" smtClean="0">
+                <a:latin typeface="Corbel" panose="020B0503020204020204" pitchFamily="34" charset="0"/>
+              </a:rPr>
+              <a:t>Abaixo esta a quantidade de compras e a taxa de conversão para cada moeda.</a:t>
+            </a:r>
+          </a:p>
+          <a:p>
+            <a:pPr algn="just"/>
+            <a:r>
+              <a:rPr lang="pt-BR" sz="1800" dirty="0" smtClean="0">
+                <a:latin typeface="Corbel" panose="020B0503020204020204" pitchFamily="34" charset="0"/>
+              </a:rPr>
+              <a:t>O Preço Unitário de cada peça é de 1,5 Dólar.</a:t>
+            </a:r>
+          </a:p>
+          <a:p>
+            <a:pPr algn="just"/>
+            <a:endParaRPr lang="pt-BR" sz="1800" dirty="0" smtClean="0">
+              <a:latin typeface="Corbel" panose="020B0503020204020204" pitchFamily="34" charset="0"/>
+            </a:endParaRPr>
+          </a:p>
+          <a:p>
+            <a:pPr algn="just"/>
+            <a:endParaRPr lang="pt-BR" sz="1800" dirty="0">
+              <a:latin typeface="Corbel" panose="020B0503020204020204" pitchFamily="34" charset="0"/>
+            </a:endParaRPr>
+          </a:p>
+          <a:p>
+            <a:pPr algn="just"/>
+            <a:endParaRPr lang="pt-BR" sz="1800" dirty="0" smtClean="0">
+              <a:latin typeface="Corbel" panose="020B0503020204020204" pitchFamily="34" charset="0"/>
+            </a:endParaRPr>
+          </a:p>
+          <a:p>
+            <a:pPr algn="just"/>
+            <a:endParaRPr lang="pt-BR" sz="1800" dirty="0" smtClean="0">
+              <a:latin typeface="Corbel" panose="020B0503020204020204" pitchFamily="34" charset="0"/>
+            </a:endParaRPr>
+          </a:p>
+          <a:p>
+            <a:pPr algn="just"/>
+            <a:endParaRPr lang="pt-BR" sz="1800" dirty="0">
+              <a:latin typeface="Corbel" panose="020B0503020204020204" pitchFamily="34" charset="0"/>
+            </a:endParaRPr>
+          </a:p>
+          <a:p>
+            <a:pPr algn="just"/>
+            <a:endParaRPr lang="pt-BR" sz="1800" dirty="0">
+              <a:latin typeface="Corbel" panose="020B0503020204020204" pitchFamily="34" charset="0"/>
+            </a:endParaRPr>
+          </a:p>
+          <a:p>
+            <a:pPr marL="285750" indent="-285750" algn="just">
+              <a:buFont typeface="Arial" panose="020B0604020202020204" pitchFamily="34" charset="0"/>
+              <a:buChar char="•"/>
+            </a:pPr>
+            <a:r>
+              <a:rPr lang="pt-BR" sz="1800" dirty="0" smtClean="0">
+                <a:latin typeface="Corbel" panose="020B0503020204020204" pitchFamily="34" charset="0"/>
+              </a:rPr>
+              <a:t>Calcule o valor mensal de compra nas 4 moedas.</a:t>
+            </a:r>
+            <a:endParaRPr lang="pt-BR" sz="1800" dirty="0" smtClean="0">
+              <a:latin typeface="Corbel" panose="020B0503020204020204" pitchFamily="34" charset="0"/>
+            </a:endParaRPr>
+          </a:p>
+          <a:p>
+            <a:pPr algn="just">
+              <a:lnSpc>
+                <a:spcPct val="100000"/>
+              </a:lnSpc>
+            </a:pPr>
+            <a:endParaRPr lang="pt-BR" sz="1800" dirty="0" smtClean="0">
+              <a:latin typeface="Corbel" panose="020B0503020204020204" pitchFamily="34" charset="0"/>
+            </a:endParaRPr>
+          </a:p>
+          <a:p>
+            <a:pPr algn="just">
+              <a:lnSpc>
+                <a:spcPct val="100000"/>
+              </a:lnSpc>
+            </a:pPr>
+            <a:r>
+              <a:rPr lang="pt-BR" sz="1800" dirty="0" smtClean="0">
+                <a:latin typeface="Corbel" panose="020B0503020204020204" pitchFamily="34" charset="0"/>
+              </a:rPr>
+              <a:t>Dicas: Operação aritméticas, Referência Absoluta/Congelar: “$”.</a:t>
+            </a:r>
+          </a:p>
+          <a:p>
+            <a:pPr algn="just"/>
+            <a:endParaRPr lang="pt-BR" sz="1800" dirty="0" smtClean="0">
+              <a:latin typeface="Corbel" panose="020B0503020204020204" pitchFamily="34" charset="0"/>
+            </a:endParaRPr>
+          </a:p>
+          <a:p>
+            <a:pPr algn="just"/>
+            <a:endParaRPr lang="pt-BR" sz="1800" dirty="0">
+              <a:latin typeface="Corbel" panose="020B0503020204020204" pitchFamily="34" charset="0"/>
+            </a:endParaRPr>
+          </a:p>
+          <a:p>
+            <a:pPr algn="just"/>
+            <a:endParaRPr lang="pt-BR" sz="1800" dirty="0" smtClean="0">
+              <a:latin typeface="Corbel" panose="020B0503020204020204" pitchFamily="34" charset="0"/>
+            </a:endParaRPr>
+          </a:p>
+          <a:p>
+            <a:pPr algn="just"/>
+            <a:endParaRPr lang="pt-BR" sz="1800" dirty="0">
+              <a:latin typeface="Corbel" panose="020B0503020204020204" pitchFamily="34" charset="0"/>
+            </a:endParaRPr>
+          </a:p>
+          <a:p>
+            <a:pPr algn="just"/>
+            <a:endParaRPr lang="pt-BR" sz="1800" dirty="0" smtClean="0">
+              <a:latin typeface="Corbel" panose="020B0503020204020204" pitchFamily="34" charset="0"/>
+            </a:endParaRPr>
+          </a:p>
+          <a:p>
+            <a:pPr algn="just"/>
+            <a:endParaRPr lang="pt-BR" sz="1800" dirty="0" smtClean="0">
+              <a:latin typeface="Corbel" panose="020B0503020204020204" pitchFamily="34" charset="0"/>
+            </a:endParaRPr>
+          </a:p>
+          <a:p>
+            <a:pPr algn="just"/>
+            <a:endParaRPr lang="pt-BR" sz="1800" dirty="0" smtClean="0">
+              <a:latin typeface="Corbel" panose="020B0503020204020204" pitchFamily="34" charset="0"/>
+            </a:endParaRPr>
+          </a:p>
+          <a:p>
+            <a:pPr algn="just"/>
+            <a:endParaRPr lang="pt-BR" sz="1800" dirty="0">
+              <a:latin typeface="Corbel" panose="020B0503020204020204" pitchFamily="34" charset="0"/>
+            </a:endParaRPr>
+          </a:p>
+        </p:txBody>
+      </p:sp>
+      <p:sp>
+        <p:nvSpPr>
+          <p:cNvPr id="3" name="Subtítulo 2"/>
+          <p:cNvSpPr txBox="1">
+            <a:spLocks/>
+          </p:cNvSpPr>
+          <p:nvPr/>
+        </p:nvSpPr>
+        <p:spPr>
+          <a:xfrm>
+            <a:off x="210670" y="153054"/>
+            <a:ext cx="10058400" cy="718333"/>
+          </a:xfrm>
+        </p:spPr>
+        <p:txBody>
+          <a:bodyPr>
+            <a:noAutofit/>
+          </a:bodyPr>
+          <a:lstStyle>
+            <a:lvl1pPr marL="342900" indent="-342900" algn="l" rtl="0" eaLnBrk="0" fontAlgn="base" hangingPunct="0">
+              <a:spcBef>
+                <a:spcPct val="20000"/>
+              </a:spcBef>
+              <a:spcAft>
+                <a:spcPct val="0"/>
+              </a:spcAft>
+              <a:buFont typeface="Arial" charset="0"/>
+              <a:buChar char="•"/>
+              <a:defRPr lang="pt-BR" sz="2800" kern="1200" dirty="0">
+                <a:solidFill>
+                  <a:schemeClr val="tx1"/>
+                </a:solidFill>
+                <a:latin typeface="+mn-lt"/>
+                <a:ea typeface="+mn-ea"/>
+                <a:cs typeface="+mn-cs"/>
+              </a:defRPr>
+            </a:lvl1pPr>
+            <a:lvl2pPr marL="742950" indent="-285750" algn="l" rtl="0" eaLnBrk="0" fontAlgn="base" hangingPunct="0">
+              <a:spcBef>
+                <a:spcPct val="20000"/>
+              </a:spcBef>
+              <a:spcAft>
+                <a:spcPct val="0"/>
+              </a:spcAft>
+              <a:buFont typeface="Arial" charset="0"/>
+              <a:buChar char="•"/>
+              <a:defRPr lang="pt-BR" sz="2400" kern="1200" dirty="0">
+                <a:solidFill>
+                  <a:schemeClr val="tx1"/>
+                </a:solidFill>
+                <a:latin typeface="+mn-lt"/>
+                <a:ea typeface="+mn-ea"/>
+                <a:cs typeface="+mn-cs"/>
+              </a:defRPr>
+            </a:lvl2pPr>
+            <a:lvl3pPr marL="1143000" indent="-228600" algn="l" rtl="0" eaLnBrk="0" fontAlgn="base" hangingPunct="0">
+              <a:spcBef>
+                <a:spcPct val="20000"/>
+              </a:spcBef>
+              <a:spcAft>
+                <a:spcPct val="0"/>
+              </a:spcAft>
+              <a:buFont typeface="Arial" charset="0"/>
+              <a:buChar char="•"/>
+              <a:defRPr lang="pt-BR" sz="2400" kern="1200" dirty="0">
+                <a:solidFill>
+                  <a:schemeClr val="tx1"/>
+                </a:solidFill>
+                <a:latin typeface="+mn-lt"/>
+                <a:ea typeface="+mn-ea"/>
+                <a:cs typeface="+mn-cs"/>
+              </a:defRPr>
+            </a:lvl3pPr>
+            <a:lvl4pPr marL="1600200" indent="-228600" algn="l" rtl="0" eaLnBrk="0" fontAlgn="base" hangingPunct="0">
+              <a:spcBef>
+                <a:spcPct val="20000"/>
+              </a:spcBef>
+              <a:spcAft>
+                <a:spcPct val="0"/>
+              </a:spcAft>
+              <a:buFont typeface="Arial" charset="0"/>
+              <a:buChar char="•"/>
+              <a:defRPr lang="pt-BR" sz="2000" kern="1200" dirty="0">
+                <a:solidFill>
+                  <a:schemeClr val="tx1"/>
+                </a:solidFill>
+                <a:latin typeface="+mn-lt"/>
+                <a:ea typeface="+mn-ea"/>
+                <a:cs typeface="+mn-cs"/>
+              </a:defRPr>
+            </a:lvl4pPr>
+            <a:lvl5pPr marL="2057400" indent="-228600" algn="l" rtl="0" eaLnBrk="0" fontAlgn="base" hangingPunct="0">
+              <a:spcBef>
+                <a:spcPct val="20000"/>
+              </a:spcBef>
+              <a:spcAft>
+                <a:spcPct val="0"/>
+              </a:spcAft>
+              <a:buFont typeface="Arial" charset="0"/>
+              <a:buChar char="•"/>
+              <a:defRPr lang="pt-BR" sz="2000" kern="1200" dirty="0">
+                <a:solidFill>
+                  <a:schemeClr val="tx1"/>
+                </a:solidFill>
+                <a:latin typeface="+mn-lt"/>
+                <a:ea typeface="+mn-ea"/>
+                <a:cs typeface="+mn-cs"/>
+              </a:defRPr>
+            </a:lvl5pPr>
+            <a:lvl6pPr marL="2514600" indent="-228600" algn="l" defTabSz="914400" rtl="0" eaLnBrk="1" latinLnBrk="0" hangingPunct="1">
+              <a:spcBef>
+                <a:spcPct val="20000"/>
+              </a:spcBef>
+              <a:buFont typeface="Arial" pitchFamily="34" charset="0"/>
+              <a:buChar char="•"/>
+              <a:defRPr sz="2000" kern="1200">
+                <a:solidFill>
+                  <a:schemeClr val="tx1"/>
+                </a:solidFill>
+                <a:latin typeface="+mn-lt"/>
+                <a:ea typeface="+mn-ea"/>
+                <a:cs typeface="+mn-cs"/>
+              </a:defRPr>
+            </a:lvl6pPr>
+            <a:lvl7pPr marL="2971800" indent="-228600" algn="l" defTabSz="914400" rtl="0" eaLnBrk="1" latinLnBrk="0" hangingPunct="1">
+              <a:spcBef>
+                <a:spcPct val="20000"/>
+              </a:spcBef>
+              <a:buFont typeface="Arial" pitchFamily="34" charset="0"/>
+              <a:buChar char="•"/>
+              <a:defRPr sz="2000" kern="1200">
+                <a:solidFill>
+                  <a:schemeClr val="tx1"/>
+                </a:solidFill>
+                <a:latin typeface="+mn-lt"/>
+                <a:ea typeface="+mn-ea"/>
+                <a:cs typeface="+mn-cs"/>
+              </a:defRPr>
+            </a:lvl7pPr>
+            <a:lvl8pPr marL="3429000" indent="-228600" algn="l" defTabSz="914400" rtl="0" eaLnBrk="1" latinLnBrk="0" hangingPunct="1">
+              <a:spcBef>
+                <a:spcPct val="20000"/>
+              </a:spcBef>
+              <a:buFont typeface="Arial" pitchFamily="34" charset="0"/>
+              <a:buChar char="•"/>
+              <a:defRPr sz="2000" kern="1200">
+                <a:solidFill>
+                  <a:schemeClr val="tx1"/>
+                </a:solidFill>
+                <a:latin typeface="+mn-lt"/>
+                <a:ea typeface="+mn-ea"/>
+                <a:cs typeface="+mn-cs"/>
+              </a:defRPr>
+            </a:lvl8pPr>
+            <a:lvl9pPr marL="3886200" indent="-228600" algn="l" defTabSz="914400" rtl="0" eaLnBrk="1" latinLnBrk="0" hangingPunct="1">
+              <a:spcBef>
+                <a:spcPct val="20000"/>
+              </a:spcBef>
+              <a:buFont typeface="Arial" pitchFamily="34" charset="0"/>
+              <a:buChar char="•"/>
+              <a:defRPr sz="2000" kern="1200">
+                <a:solidFill>
+                  <a:schemeClr val="tx1"/>
+                </a:solidFill>
+                <a:latin typeface="+mn-lt"/>
+                <a:ea typeface="+mn-ea"/>
+                <a:cs typeface="+mn-cs"/>
+              </a:defRPr>
+            </a:lvl9pPr>
+          </a:lstStyle>
+          <a:p>
+            <a:pPr marL="0" indent="0">
+              <a:lnSpc>
+                <a:spcPct val="150000"/>
+              </a:lnSpc>
+              <a:buFont typeface="Arial" charset="0"/>
+              <a:buNone/>
+            </a:pPr>
+            <a:r>
+              <a:rPr lang="pt-BR" sz="2400" b="1" dirty="0" smtClean="0">
+                <a:solidFill>
+                  <a:schemeClr val="accent6">
+                    <a:lumMod val="75000"/>
+                  </a:schemeClr>
+                </a:solidFill>
+                <a:latin typeface="Corbel" panose="020B0503020204020204" pitchFamily="34" charset="0"/>
+              </a:rPr>
+              <a:t>Atividade</a:t>
+            </a:r>
+          </a:p>
+          <a:p>
+            <a:pPr>
+              <a:lnSpc>
+                <a:spcPct val="150000"/>
+              </a:lnSpc>
+            </a:pPr>
+            <a:endParaRPr lang="pt-BR" sz="2400" b="1" dirty="0">
+              <a:solidFill>
+                <a:schemeClr val="accent6">
+                  <a:lumMod val="75000"/>
+                </a:schemeClr>
+              </a:solidFill>
+              <a:latin typeface="Corbel" panose="020B0503020204020204" pitchFamily="34" charset="0"/>
+            </a:endParaRPr>
+          </a:p>
+        </p:txBody>
+      </p:sp>
+      <p:sp>
+        <p:nvSpPr>
+          <p:cNvPr id="2" name="CaixaDeTexto 1"/>
+          <p:cNvSpPr txBox="1"/>
+          <p:nvPr/>
+        </p:nvSpPr>
+        <p:spPr>
+          <a:xfrm>
+            <a:off x="8961120" y="365760"/>
+            <a:ext cx="1086522" cy="369332"/>
+          </a:xfrm>
+          <a:prstGeom prst="rect">
+            <a:avLst/>
+          </a:prstGeom>
+          <a:noFill/>
+        </p:spPr>
+        <p:txBody>
+          <a:bodyPr wrap="square" rtlCol="0">
+            <a:spAutoFit/>
+          </a:bodyPr>
+          <a:lstStyle/>
+          <a:p>
+            <a:r>
+              <a:rPr lang="pt-BR" dirty="0" smtClean="0"/>
+              <a:t>15 </a:t>
+            </a:r>
+            <a:r>
+              <a:rPr lang="pt-BR" dirty="0" smtClean="0"/>
+              <a:t>min</a:t>
+            </a:r>
+            <a:endParaRPr lang="pt-BR" dirty="0"/>
+          </a:p>
+        </p:txBody>
+      </p:sp>
+      <p:pic>
+        <p:nvPicPr>
+          <p:cNvPr id="6" name="Imagem 5"/>
+          <p:cNvPicPr>
+            <a:picLocks noChangeAspect="1"/>
+          </p:cNvPicPr>
+          <p:nvPr/>
+        </p:nvPicPr>
+        <p:blipFill>
+          <a:blip r:embed="rId2"/>
+          <a:stretch>
+            <a:fillRect/>
+          </a:stretch>
+        </p:blipFill>
+        <p:spPr>
+          <a:xfrm>
+            <a:off x="699247" y="3388893"/>
+            <a:ext cx="3302000" cy="1043040"/>
+          </a:xfrm>
+          <a:prstGeom prst="rect">
+            <a:avLst/>
+          </a:prstGeom>
+        </p:spPr>
+      </p:pic>
+      <p:pic>
+        <p:nvPicPr>
+          <p:cNvPr id="7" name="Imagem 6"/>
+          <p:cNvPicPr>
+            <a:picLocks noChangeAspect="1"/>
+          </p:cNvPicPr>
+          <p:nvPr/>
+        </p:nvPicPr>
+        <p:blipFill>
+          <a:blip r:embed="rId3"/>
+          <a:stretch>
+            <a:fillRect/>
+          </a:stretch>
+        </p:blipFill>
+        <p:spPr>
+          <a:xfrm>
+            <a:off x="699247" y="2530419"/>
+            <a:ext cx="9880601" cy="534240"/>
+          </a:xfrm>
+          <a:prstGeom prst="rect">
+            <a:avLst/>
+          </a:prstGeom>
+        </p:spPr>
+      </p:pic>
+    </p:spTree>
+    <p:extLst>
+      <p:ext uri="{BB962C8B-B14F-4D97-AF65-F5344CB8AC3E}">
+        <p14:creationId xmlns:p14="http://schemas.microsoft.com/office/powerpoint/2010/main" val="2951398944"/>
+      </p:ext>
+    </p:extLst>
+  </p:cSld>
+  <p:clrMapOvr>
+    <a:masterClrMapping/>
+  </p:clrMapOvr>
+  <p:timing>
+    <p:tnLst>
+      <p:par>
+        <p:cTn id="1" dur="indefinite" restart="never" nodeType="tmRoot"/>
+      </p:par>
+    </p:tnLst>
+  </p:timing>
+</p:sld>
+</file>
+
+<file path=ppt/slides/slide27.xml><?xml version="1.0" encoding="utf-8"?>
 <p:sld xmlns:a="http://schemas.openxmlformats.org/drawingml/2006/main" xmlns:r="http://schemas.openxmlformats.org/officeDocument/2006/relationships" xmlns:p="http://schemas.openxmlformats.org/presentationml/2006/main" show="0">
   <p:cSld>
     <p:spTree>
@@ -16163,7 +16844,7 @@
 </p:sld>
 </file>
 
-<file path=ppt/slides/slide27.xml><?xml version="1.0" encoding="utf-8"?>
+<file path=ppt/slides/slide28.xml><?xml version="1.0" encoding="utf-8"?>
 <p:sld xmlns:a="http://schemas.openxmlformats.org/drawingml/2006/main" xmlns:r="http://schemas.openxmlformats.org/officeDocument/2006/relationships" xmlns:p="http://schemas.openxmlformats.org/presentationml/2006/main">
   <p:cSld>
     <p:spTree>
@@ -16584,595 +17265,6 @@
 </p:sld>
 </file>
 
-<file path=ppt/slides/slide28.xml><?xml version="1.0" encoding="utf-8"?>
-<p:sld xmlns:a="http://schemas.openxmlformats.org/drawingml/2006/main" xmlns:r="http://schemas.openxmlformats.org/officeDocument/2006/relationships" xmlns:p="http://schemas.openxmlformats.org/presentationml/2006/main">
-  <p:cSld>
-    <p:spTree>
-      <p:nvGrpSpPr>
-        <p:cNvPr id="1" name=""/>
-        <p:cNvGrpSpPr/>
-        <p:nvPr/>
-      </p:nvGrpSpPr>
-      <p:grpSpPr>
-        <a:xfrm>
-          <a:off x="0" y="0"/>
-          <a:ext cx="0" cy="0"/>
-          <a:chOff x="0" y="0"/>
-          <a:chExt cx="0" cy="0"/>
-        </a:xfrm>
-      </p:grpSpPr>
-      <p:sp>
-        <p:nvSpPr>
-          <p:cNvPr id="3" name="Subtítulo 1"/>
-          <p:cNvSpPr>
-            <a:spLocks noGrp="1"/>
-          </p:cNvSpPr>
-          <p:nvPr>
-            <p:ph type="subTitle" idx="4294967295"/>
-          </p:nvPr>
-        </p:nvSpPr>
-        <p:spPr>
-          <a:xfrm>
-            <a:off x="1011218" y="979618"/>
-            <a:ext cx="10596283" cy="5786438"/>
-          </a:xfrm>
-        </p:spPr>
-        <p:txBody>
-          <a:bodyPr>
-            <a:noAutofit/>
-          </a:bodyPr>
-          <a:lstStyle/>
-          <a:p>
-            <a:pPr marL="0" indent="0">
-              <a:lnSpc>
-                <a:spcPct val="150000"/>
-              </a:lnSpc>
-              <a:buNone/>
-            </a:pPr>
-            <a:r>
-              <a:rPr lang="pt-BR" sz="1800" dirty="0" smtClean="0">
-                <a:latin typeface="Corbel" panose="020B0503020204020204" pitchFamily="34" charset="0"/>
-              </a:rPr>
-              <a:t>Para apagar informações no Excel proceda da seguinte maneira:</a:t>
-            </a:r>
-          </a:p>
-          <a:p>
-            <a:pPr>
-              <a:lnSpc>
-                <a:spcPct val="150000"/>
-              </a:lnSpc>
-              <a:buFont typeface="Arial" panose="020B0604020202020204" pitchFamily="34" charset="0"/>
-              <a:buChar char="•"/>
-            </a:pPr>
-            <a:r>
-              <a:rPr lang="pt-BR" sz="1800" dirty="0" smtClean="0">
-                <a:latin typeface="Corbel" panose="020B0503020204020204" pitchFamily="34" charset="0"/>
-              </a:rPr>
-              <a:t>Célula: Ativar a célula e pressionar [DEL] ou [</a:t>
-            </a:r>
-            <a:r>
-              <a:rPr lang="pt-BR" sz="1800" dirty="0" err="1" smtClean="0">
-                <a:latin typeface="Corbel" panose="020B0503020204020204" pitchFamily="34" charset="0"/>
-              </a:rPr>
-              <a:t>Backspace</a:t>
-            </a:r>
-            <a:r>
-              <a:rPr lang="pt-BR" sz="1800" dirty="0" smtClean="0">
-                <a:latin typeface="Corbel" panose="020B0503020204020204" pitchFamily="34" charset="0"/>
-              </a:rPr>
-              <a:t>]</a:t>
-            </a:r>
-          </a:p>
-          <a:p>
-            <a:pPr>
-              <a:lnSpc>
-                <a:spcPct val="150000"/>
-              </a:lnSpc>
-              <a:buFont typeface="Arial" panose="020B0604020202020204" pitchFamily="34" charset="0"/>
-              <a:buChar char="•"/>
-            </a:pPr>
-            <a:r>
-              <a:rPr lang="pt-BR" sz="1800" dirty="0" smtClean="0">
-                <a:latin typeface="Corbel" panose="020B0503020204020204" pitchFamily="34" charset="0"/>
-              </a:rPr>
-              <a:t>Intervalo: selecionar o Intervalo e pressionar [DEL]</a:t>
-            </a:r>
-          </a:p>
-          <a:p>
-            <a:pPr>
-              <a:lnSpc>
-                <a:spcPct val="150000"/>
-              </a:lnSpc>
-              <a:buFont typeface="Arial" panose="020B0604020202020204" pitchFamily="34" charset="0"/>
-              <a:buChar char="•"/>
-            </a:pPr>
-            <a:r>
-              <a:rPr lang="pt-BR" sz="1800" dirty="0" smtClean="0">
-                <a:latin typeface="Corbel" panose="020B0503020204020204" pitchFamily="34" charset="0"/>
-              </a:rPr>
-              <a:t>Coluna: Selecionar a coluna com botão Direito do Mouse e “Excluir” /teclas  [</a:t>
-            </a:r>
-            <a:r>
-              <a:rPr lang="pt-BR" sz="1800" dirty="0" err="1" smtClean="0">
-                <a:latin typeface="Corbel" panose="020B0503020204020204" pitchFamily="34" charset="0"/>
-              </a:rPr>
-              <a:t>ctrl</a:t>
-            </a:r>
-            <a:r>
-              <a:rPr lang="pt-BR" sz="1800" dirty="0" smtClean="0">
-                <a:latin typeface="Corbel" panose="020B0503020204020204" pitchFamily="34" charset="0"/>
-              </a:rPr>
-              <a:t> -] / Guia Pagina Inicial</a:t>
-            </a:r>
-          </a:p>
-          <a:p>
-            <a:pPr>
-              <a:lnSpc>
-                <a:spcPct val="150000"/>
-              </a:lnSpc>
-              <a:buFont typeface="Arial" panose="020B0604020202020204" pitchFamily="34" charset="0"/>
-              <a:buChar char="•"/>
-            </a:pPr>
-            <a:r>
-              <a:rPr lang="pt-BR" sz="1800" dirty="0" smtClean="0">
-                <a:latin typeface="Corbel" panose="020B0503020204020204" pitchFamily="34" charset="0"/>
-              </a:rPr>
-              <a:t>Linha: </a:t>
-            </a:r>
-            <a:r>
-              <a:rPr lang="pt-BR" sz="1800" dirty="0">
-                <a:latin typeface="Corbel" panose="020B0503020204020204" pitchFamily="34" charset="0"/>
-              </a:rPr>
-              <a:t>Selecionar a </a:t>
-            </a:r>
-            <a:r>
-              <a:rPr lang="pt-BR" sz="1800" dirty="0" smtClean="0">
-                <a:latin typeface="Corbel" panose="020B0503020204020204" pitchFamily="34" charset="0"/>
-              </a:rPr>
-              <a:t>linha com </a:t>
-            </a:r>
-            <a:r>
-              <a:rPr lang="pt-BR" sz="1800" dirty="0">
-                <a:latin typeface="Corbel" panose="020B0503020204020204" pitchFamily="34" charset="0"/>
-              </a:rPr>
-              <a:t>botão Direito do Mouse e “Excluir” /teclas  [</a:t>
-            </a:r>
-            <a:r>
-              <a:rPr lang="pt-BR" sz="1800" dirty="0" err="1">
-                <a:latin typeface="Corbel" panose="020B0503020204020204" pitchFamily="34" charset="0"/>
-              </a:rPr>
-              <a:t>ctrl</a:t>
-            </a:r>
-            <a:r>
-              <a:rPr lang="pt-BR" sz="1800" dirty="0">
-                <a:latin typeface="Corbel" panose="020B0503020204020204" pitchFamily="34" charset="0"/>
-              </a:rPr>
-              <a:t> -] / Guia Pagina </a:t>
-            </a:r>
-            <a:r>
-              <a:rPr lang="pt-BR" sz="1800" dirty="0" smtClean="0">
-                <a:latin typeface="Corbel" panose="020B0503020204020204" pitchFamily="34" charset="0"/>
-              </a:rPr>
-              <a:t>Inicial</a:t>
-            </a:r>
-          </a:p>
-          <a:p>
-            <a:pPr>
-              <a:lnSpc>
-                <a:spcPct val="150000"/>
-              </a:lnSpc>
-              <a:buFont typeface="Arial" panose="020B0604020202020204" pitchFamily="34" charset="0"/>
-              <a:buChar char="•"/>
-            </a:pPr>
-            <a:endParaRPr lang="pt-BR" sz="1800" dirty="0">
-              <a:latin typeface="Corbel" panose="020B0503020204020204" pitchFamily="34" charset="0"/>
-            </a:endParaRPr>
-          </a:p>
-          <a:p>
-            <a:pPr marL="0" indent="0">
-              <a:lnSpc>
-                <a:spcPct val="150000"/>
-              </a:lnSpc>
-              <a:buNone/>
-            </a:pPr>
-            <a:r>
-              <a:rPr lang="pt-BR" sz="1800" dirty="0">
-                <a:latin typeface="Corbel" panose="020B0503020204020204" pitchFamily="34" charset="0"/>
-              </a:rPr>
-              <a:t>Para </a:t>
-            </a:r>
-            <a:r>
-              <a:rPr lang="pt-BR" sz="1800" dirty="0" smtClean="0">
-                <a:latin typeface="Corbel" panose="020B0503020204020204" pitchFamily="34" charset="0"/>
-              </a:rPr>
-              <a:t>OCULTAR informações </a:t>
-            </a:r>
-            <a:r>
-              <a:rPr lang="pt-BR" sz="1800" dirty="0">
-                <a:latin typeface="Corbel" panose="020B0503020204020204" pitchFamily="34" charset="0"/>
-              </a:rPr>
-              <a:t>no Excel proceda da seguinte maneira:</a:t>
-            </a:r>
-          </a:p>
-          <a:p>
-            <a:pPr>
-              <a:lnSpc>
-                <a:spcPct val="150000"/>
-              </a:lnSpc>
-              <a:buFont typeface="Arial" panose="020B0604020202020204" pitchFamily="34" charset="0"/>
-              <a:buChar char="•"/>
-            </a:pPr>
-            <a:r>
-              <a:rPr lang="pt-BR" sz="1800" dirty="0" smtClean="0">
-                <a:latin typeface="Corbel" panose="020B0503020204020204" pitchFamily="34" charset="0"/>
-              </a:rPr>
-              <a:t>Coluna ou Linha : </a:t>
-            </a:r>
-            <a:r>
-              <a:rPr lang="pt-BR" sz="1800" dirty="0">
-                <a:latin typeface="Corbel" panose="020B0503020204020204" pitchFamily="34" charset="0"/>
-              </a:rPr>
-              <a:t>Selecionar a coluna </a:t>
-            </a:r>
-            <a:r>
-              <a:rPr lang="pt-BR" sz="1800" dirty="0" smtClean="0">
-                <a:latin typeface="Corbel" panose="020B0503020204020204" pitchFamily="34" charset="0"/>
-              </a:rPr>
-              <a:t>ou Linha com </a:t>
-            </a:r>
-            <a:r>
-              <a:rPr lang="pt-BR" sz="1800" dirty="0">
-                <a:latin typeface="Corbel" panose="020B0503020204020204" pitchFamily="34" charset="0"/>
-              </a:rPr>
-              <a:t>botão Direito do Mouse e </a:t>
-            </a:r>
-            <a:r>
-              <a:rPr lang="pt-BR" sz="1800" dirty="0" smtClean="0">
-                <a:latin typeface="Corbel" panose="020B0503020204020204" pitchFamily="34" charset="0"/>
-              </a:rPr>
-              <a:t>“Ocultar” / Guia </a:t>
-            </a:r>
-            <a:r>
-              <a:rPr lang="pt-BR" sz="1800" dirty="0">
-                <a:latin typeface="Corbel" panose="020B0503020204020204" pitchFamily="34" charset="0"/>
-              </a:rPr>
-              <a:t>Pagina Inicial</a:t>
-            </a:r>
-          </a:p>
-          <a:p>
-            <a:pPr marL="0" indent="0">
-              <a:lnSpc>
-                <a:spcPct val="150000"/>
-              </a:lnSpc>
-              <a:buNone/>
-            </a:pPr>
-            <a:r>
-              <a:rPr lang="pt-BR" sz="1800" dirty="0" smtClean="0">
-                <a:latin typeface="Corbel" panose="020B0503020204020204" pitchFamily="34" charset="0"/>
-              </a:rPr>
-              <a:t>Para DESOCULTAR </a:t>
-            </a:r>
-            <a:r>
-              <a:rPr lang="pt-BR" sz="1800" dirty="0">
-                <a:latin typeface="Corbel" panose="020B0503020204020204" pitchFamily="34" charset="0"/>
-              </a:rPr>
-              <a:t>informações no Excel proceda da seguinte maneira:</a:t>
-            </a:r>
-          </a:p>
-          <a:p>
-            <a:pPr>
-              <a:lnSpc>
-                <a:spcPct val="150000"/>
-              </a:lnSpc>
-              <a:buFont typeface="Arial" panose="020B0604020202020204" pitchFamily="34" charset="0"/>
-              <a:buChar char="•"/>
-            </a:pPr>
-            <a:r>
-              <a:rPr lang="pt-BR" sz="1800" dirty="0" smtClean="0">
-                <a:latin typeface="Corbel" panose="020B0503020204020204" pitchFamily="34" charset="0"/>
-              </a:rPr>
-              <a:t>Coluna ou Linha: </a:t>
-            </a:r>
-            <a:r>
-              <a:rPr lang="pt-BR" sz="1800" dirty="0">
-                <a:latin typeface="Corbel" panose="020B0503020204020204" pitchFamily="34" charset="0"/>
-              </a:rPr>
-              <a:t>Selecionar </a:t>
-            </a:r>
-            <a:r>
-              <a:rPr lang="pt-BR" sz="1800" dirty="0" smtClean="0">
-                <a:solidFill>
-                  <a:srgbClr val="FF0000"/>
-                </a:solidFill>
-                <a:latin typeface="Corbel" panose="020B0503020204020204" pitchFamily="34" charset="0"/>
-              </a:rPr>
-              <a:t>o intervalo </a:t>
-            </a:r>
-            <a:r>
-              <a:rPr lang="pt-BR" sz="1800" dirty="0" smtClean="0">
-                <a:latin typeface="Corbel" panose="020B0503020204020204" pitchFamily="34" charset="0"/>
-              </a:rPr>
-              <a:t>da coluna/linha </a:t>
-            </a:r>
-            <a:r>
-              <a:rPr lang="pt-BR" sz="1800" dirty="0">
-                <a:latin typeface="Corbel" panose="020B0503020204020204" pitchFamily="34" charset="0"/>
-              </a:rPr>
-              <a:t>com botão Direito do Mouse e “Ocultar” / Guia Pagina Inicial</a:t>
-            </a:r>
-          </a:p>
-          <a:p>
-            <a:pPr>
-              <a:lnSpc>
-                <a:spcPct val="150000"/>
-              </a:lnSpc>
-              <a:buFont typeface="Arial" panose="020B0604020202020204" pitchFamily="34" charset="0"/>
-              <a:buChar char="•"/>
-            </a:pPr>
-            <a:endParaRPr lang="pt-BR" sz="1800" dirty="0" smtClean="0">
-              <a:latin typeface="Corbel" panose="020B0503020204020204" pitchFamily="34" charset="0"/>
-            </a:endParaRPr>
-          </a:p>
-          <a:p>
-            <a:pPr marL="0" indent="0">
-              <a:lnSpc>
-                <a:spcPct val="150000"/>
-              </a:lnSpc>
-              <a:buNone/>
-            </a:pPr>
-            <a:endParaRPr lang="pt-BR" sz="1800" dirty="0" smtClean="0">
-              <a:latin typeface="Corbel" panose="020B0503020204020204" pitchFamily="34" charset="0"/>
-            </a:endParaRPr>
-          </a:p>
-          <a:p>
-            <a:pPr>
-              <a:lnSpc>
-                <a:spcPct val="150000"/>
-              </a:lnSpc>
-            </a:pPr>
-            <a:endParaRPr lang="pt-BR" sz="1800" dirty="0" smtClean="0">
-              <a:latin typeface="Corbel" panose="020B0503020204020204" pitchFamily="34" charset="0"/>
-            </a:endParaRPr>
-          </a:p>
-          <a:p>
-            <a:pPr>
-              <a:lnSpc>
-                <a:spcPct val="150000"/>
-              </a:lnSpc>
-            </a:pPr>
-            <a:endParaRPr lang="pt-BR" sz="1800" dirty="0">
-              <a:latin typeface="Corbel" panose="020B0503020204020204" pitchFamily="34" charset="0"/>
-            </a:endParaRPr>
-          </a:p>
-        </p:txBody>
-      </p:sp>
-      <p:sp>
-        <p:nvSpPr>
-          <p:cNvPr id="4" name="Subtítulo 2"/>
-          <p:cNvSpPr txBox="1">
-            <a:spLocks/>
-          </p:cNvSpPr>
-          <p:nvPr/>
-        </p:nvSpPr>
-        <p:spPr>
-          <a:xfrm>
-            <a:off x="210670" y="153054"/>
-            <a:ext cx="10058400" cy="1143000"/>
-          </a:xfrm>
-        </p:spPr>
-        <p:txBody>
-          <a:bodyPr>
-            <a:noAutofit/>
-          </a:bodyPr>
-          <a:lstStyle>
-            <a:lvl1pPr marL="342900" indent="-342900" algn="l" rtl="0" eaLnBrk="0" fontAlgn="base" hangingPunct="0">
-              <a:spcBef>
-                <a:spcPct val="20000"/>
-              </a:spcBef>
-              <a:spcAft>
-                <a:spcPct val="0"/>
-              </a:spcAft>
-              <a:buFont typeface="Arial" charset="0"/>
-              <a:buChar char="•"/>
-              <a:defRPr lang="pt-BR" sz="2800" kern="1200" dirty="0">
-                <a:solidFill>
-                  <a:schemeClr val="tx1"/>
-                </a:solidFill>
-                <a:latin typeface="+mn-lt"/>
-                <a:ea typeface="+mn-ea"/>
-                <a:cs typeface="+mn-cs"/>
-              </a:defRPr>
-            </a:lvl1pPr>
-            <a:lvl2pPr marL="742950" indent="-285750" algn="l" rtl="0" eaLnBrk="0" fontAlgn="base" hangingPunct="0">
-              <a:spcBef>
-                <a:spcPct val="20000"/>
-              </a:spcBef>
-              <a:spcAft>
-                <a:spcPct val="0"/>
-              </a:spcAft>
-              <a:buFont typeface="Arial" charset="0"/>
-              <a:buChar char="•"/>
-              <a:defRPr lang="pt-BR" sz="2400" kern="1200" dirty="0">
-                <a:solidFill>
-                  <a:schemeClr val="tx1"/>
-                </a:solidFill>
-                <a:latin typeface="+mn-lt"/>
-                <a:ea typeface="+mn-ea"/>
-                <a:cs typeface="+mn-cs"/>
-              </a:defRPr>
-            </a:lvl2pPr>
-            <a:lvl3pPr marL="1143000" indent="-228600" algn="l" rtl="0" eaLnBrk="0" fontAlgn="base" hangingPunct="0">
-              <a:spcBef>
-                <a:spcPct val="20000"/>
-              </a:spcBef>
-              <a:spcAft>
-                <a:spcPct val="0"/>
-              </a:spcAft>
-              <a:buFont typeface="Arial" charset="0"/>
-              <a:buChar char="•"/>
-              <a:defRPr lang="pt-BR" sz="2400" kern="1200" dirty="0">
-                <a:solidFill>
-                  <a:schemeClr val="tx1"/>
-                </a:solidFill>
-                <a:latin typeface="+mn-lt"/>
-                <a:ea typeface="+mn-ea"/>
-                <a:cs typeface="+mn-cs"/>
-              </a:defRPr>
-            </a:lvl3pPr>
-            <a:lvl4pPr marL="1600200" indent="-228600" algn="l" rtl="0" eaLnBrk="0" fontAlgn="base" hangingPunct="0">
-              <a:spcBef>
-                <a:spcPct val="20000"/>
-              </a:spcBef>
-              <a:spcAft>
-                <a:spcPct val="0"/>
-              </a:spcAft>
-              <a:buFont typeface="Arial" charset="0"/>
-              <a:buChar char="•"/>
-              <a:defRPr lang="pt-BR" sz="2000" kern="1200" dirty="0">
-                <a:solidFill>
-                  <a:schemeClr val="tx1"/>
-                </a:solidFill>
-                <a:latin typeface="+mn-lt"/>
-                <a:ea typeface="+mn-ea"/>
-                <a:cs typeface="+mn-cs"/>
-              </a:defRPr>
-            </a:lvl4pPr>
-            <a:lvl5pPr marL="2057400" indent="-228600" algn="l" rtl="0" eaLnBrk="0" fontAlgn="base" hangingPunct="0">
-              <a:spcBef>
-                <a:spcPct val="20000"/>
-              </a:spcBef>
-              <a:spcAft>
-                <a:spcPct val="0"/>
-              </a:spcAft>
-              <a:buFont typeface="Arial" charset="0"/>
-              <a:buChar char="•"/>
-              <a:defRPr lang="pt-BR" sz="2000" kern="1200" dirty="0">
-                <a:solidFill>
-                  <a:schemeClr val="tx1"/>
-                </a:solidFill>
-                <a:latin typeface="+mn-lt"/>
-                <a:ea typeface="+mn-ea"/>
-                <a:cs typeface="+mn-cs"/>
-              </a:defRPr>
-            </a:lvl5pPr>
-            <a:lvl6pPr marL="2514600" indent="-228600" algn="l" defTabSz="914400" rtl="0" eaLnBrk="1" latinLnBrk="0" hangingPunct="1">
-              <a:spcBef>
-                <a:spcPct val="20000"/>
-              </a:spcBef>
-              <a:buFont typeface="Arial" pitchFamily="34" charset="0"/>
-              <a:buChar char="•"/>
-              <a:defRPr sz="2000" kern="1200">
-                <a:solidFill>
-                  <a:schemeClr val="tx1"/>
-                </a:solidFill>
-                <a:latin typeface="+mn-lt"/>
-                <a:ea typeface="+mn-ea"/>
-                <a:cs typeface="+mn-cs"/>
-              </a:defRPr>
-            </a:lvl6pPr>
-            <a:lvl7pPr marL="2971800" indent="-228600" algn="l" defTabSz="914400" rtl="0" eaLnBrk="1" latinLnBrk="0" hangingPunct="1">
-              <a:spcBef>
-                <a:spcPct val="20000"/>
-              </a:spcBef>
-              <a:buFont typeface="Arial" pitchFamily="34" charset="0"/>
-              <a:buChar char="•"/>
-              <a:defRPr sz="2000" kern="1200">
-                <a:solidFill>
-                  <a:schemeClr val="tx1"/>
-                </a:solidFill>
-                <a:latin typeface="+mn-lt"/>
-                <a:ea typeface="+mn-ea"/>
-                <a:cs typeface="+mn-cs"/>
-              </a:defRPr>
-            </a:lvl7pPr>
-            <a:lvl8pPr marL="3429000" indent="-228600" algn="l" defTabSz="914400" rtl="0" eaLnBrk="1" latinLnBrk="0" hangingPunct="1">
-              <a:spcBef>
-                <a:spcPct val="20000"/>
-              </a:spcBef>
-              <a:buFont typeface="Arial" pitchFamily="34" charset="0"/>
-              <a:buChar char="•"/>
-              <a:defRPr sz="2000" kern="1200">
-                <a:solidFill>
-                  <a:schemeClr val="tx1"/>
-                </a:solidFill>
-                <a:latin typeface="+mn-lt"/>
-                <a:ea typeface="+mn-ea"/>
-                <a:cs typeface="+mn-cs"/>
-              </a:defRPr>
-            </a:lvl8pPr>
-            <a:lvl9pPr marL="3886200" indent="-228600" algn="l" defTabSz="914400" rtl="0" eaLnBrk="1" latinLnBrk="0" hangingPunct="1">
-              <a:spcBef>
-                <a:spcPct val="20000"/>
-              </a:spcBef>
-              <a:buFont typeface="Arial" pitchFamily="34" charset="0"/>
-              <a:buChar char="•"/>
-              <a:defRPr sz="2000" kern="1200">
-                <a:solidFill>
-                  <a:schemeClr val="tx1"/>
-                </a:solidFill>
-                <a:latin typeface="+mn-lt"/>
-                <a:ea typeface="+mn-ea"/>
-                <a:cs typeface="+mn-cs"/>
-              </a:defRPr>
-            </a:lvl9pPr>
-          </a:lstStyle>
-          <a:p>
-            <a:pPr marL="0" indent="0">
-              <a:lnSpc>
-                <a:spcPct val="150000"/>
-              </a:lnSpc>
-              <a:buFont typeface="Arial" charset="0"/>
-              <a:buNone/>
-            </a:pPr>
-            <a:r>
-              <a:rPr lang="pt-BR" sz="2400" b="1" dirty="0" smtClean="0">
-                <a:solidFill>
-                  <a:schemeClr val="accent6">
-                    <a:lumMod val="75000"/>
-                  </a:schemeClr>
-                </a:solidFill>
-                <a:latin typeface="Corbel" panose="020B0503020204020204" pitchFamily="34" charset="0"/>
-              </a:rPr>
-              <a:t>Apagar e Ocultar Dados</a:t>
-            </a:r>
-          </a:p>
-          <a:p>
-            <a:pPr>
-              <a:lnSpc>
-                <a:spcPct val="150000"/>
-              </a:lnSpc>
-            </a:pPr>
-            <a:endParaRPr lang="pt-BR" sz="2400" b="1" dirty="0">
-              <a:solidFill>
-                <a:schemeClr val="accent6">
-                  <a:lumMod val="75000"/>
-                </a:schemeClr>
-              </a:solidFill>
-              <a:latin typeface="Corbel" panose="020B0503020204020204" pitchFamily="34" charset="0"/>
-            </a:endParaRPr>
-          </a:p>
-        </p:txBody>
-      </p:sp>
-    </p:spTree>
-    <p:extLst>
-      <p:ext uri="{BB962C8B-B14F-4D97-AF65-F5344CB8AC3E}">
-        <p14:creationId xmlns:p14="http://schemas.microsoft.com/office/powerpoint/2010/main" val="1093673402"/>
-      </p:ext>
-    </p:extLst>
-  </p:cSld>
-  <p:clrMapOvr>
-    <a:masterClrMapping/>
-  </p:clrMapOvr>
-  <p:timing>
-    <p:tnLst>
-      <p:par>
-        <p:cTn id="1" dur="indefinite" restart="never" nodeType="tmRoot"/>
-      </p:par>
-    </p:tnLst>
-  </p:timing>
-</p:sld>
-</file>
-
 <file path=ppt/slides/slide29.xml><?xml version="1.0" encoding="utf-8"?>
 <p:sld xmlns:a="http://schemas.openxmlformats.org/drawingml/2006/main" xmlns:r="http://schemas.openxmlformats.org/officeDocument/2006/relationships" xmlns:p="http://schemas.openxmlformats.org/presentationml/2006/main">
   <p:cSld>
@@ -17325,7 +17417,19 @@
               <a:rPr lang="pt-BR" sz="1800" dirty="0" smtClean="0">
                 <a:latin typeface="Corbel" panose="020B0503020204020204" pitchFamily="34" charset="0"/>
               </a:rPr>
-              <a:t>#NUM!: Formula possui argumentos errado (</a:t>
+              <a:t>#NUM!: </a:t>
+            </a:r>
+            <a:r>
+              <a:rPr lang="pt-BR" sz="1800" dirty="0" smtClean="0">
+                <a:latin typeface="Corbel" panose="020B0503020204020204" pitchFamily="34" charset="0"/>
+              </a:rPr>
+              <a:t>Fórmula </a:t>
+            </a:r>
+            <a:r>
+              <a:rPr lang="pt-BR" sz="1800" dirty="0" smtClean="0">
+                <a:latin typeface="Corbel" panose="020B0503020204020204" pitchFamily="34" charset="0"/>
+              </a:rPr>
+              <a:t>possui argumentos errado (</a:t>
             </a:r>
             <a:r>
               <a:rPr lang="pt-BR" sz="1800" dirty="0" err="1" smtClean="0">
@@ -17885,7 +17989,25 @@
               <a:rPr lang="pt-BR" sz="2400" dirty="0" smtClean="0">
                 <a:latin typeface="Corbel" panose="020B0503020204020204" pitchFamily="34" charset="0"/>
               </a:rPr>
-              <a:t>8:10 as 8:45 - Apresentação e Estrutura do Curso</a:t>
+              <a:t>9:10 </a:t>
+            </a:r>
+            <a:r>
+              <a:rPr lang="pt-BR" sz="2400" dirty="0" smtClean="0">
+                <a:latin typeface="Corbel" panose="020B0503020204020204" pitchFamily="34" charset="0"/>
+              </a:rPr>
+              <a:t>as </a:t>
+            </a:r>
+            <a:r>
+              <a:rPr lang="pt-BR" sz="2400" dirty="0" smtClean="0">
+                <a:latin typeface="Corbel" panose="020B0503020204020204" pitchFamily="34" charset="0"/>
+              </a:rPr>
+              <a:t>9:30 </a:t>
+            </a:r>
+            <a:r>
+              <a:rPr lang="pt-BR" sz="2400" dirty="0" smtClean="0">
+                <a:latin typeface="Corbel" panose="020B0503020204020204" pitchFamily="34" charset="0"/>
+              </a:rPr>
+              <a:t>- Apresentação e Estrutura do Curso</a:t>
             </a:r>
           </a:p>
           <a:p>
@@ -17898,7 +18020,25 @@
               <a:rPr lang="pt-BR" sz="2400" dirty="0" smtClean="0">
                 <a:latin typeface="Corbel" panose="020B0503020204020204" pitchFamily="34" charset="0"/>
               </a:rPr>
-              <a:t>8:45 as 9:15 - Fundamentos</a:t>
+              <a:t>9:30 </a:t>
+            </a:r>
+            <a:r>
+              <a:rPr lang="pt-BR" sz="2400" dirty="0" smtClean="0">
+                <a:latin typeface="Corbel" panose="020B0503020204020204" pitchFamily="34" charset="0"/>
+              </a:rPr>
+              <a:t>as </a:t>
+            </a:r>
+            <a:r>
+              <a:rPr lang="pt-BR" sz="2400" dirty="0" smtClean="0">
+                <a:latin typeface="Corbel" panose="020B0503020204020204" pitchFamily="34" charset="0"/>
+              </a:rPr>
+              <a:t>10:00 </a:t>
+            </a:r>
+            <a:r>
+              <a:rPr lang="pt-BR" sz="2400" dirty="0" smtClean="0">
+                <a:latin typeface="Corbel" panose="020B0503020204020204" pitchFamily="34" charset="0"/>
+              </a:rPr>
+              <a:t>- Fundamentos</a:t>
             </a:r>
           </a:p>
           <a:p>
@@ -17911,7 +18051,13 @@
               <a:rPr lang="pt-BR" sz="2400" dirty="0" smtClean="0">
                 <a:latin typeface="Corbel" panose="020B0503020204020204" pitchFamily="34" charset="0"/>
               </a:rPr>
-              <a:t>9:15 as 12:30 -  Prática</a:t>
+              <a:t>10:00 </a:t>
+            </a:r>
+            <a:r>
+              <a:rPr lang="pt-BR" sz="2400" dirty="0" smtClean="0">
+                <a:latin typeface="Corbel" panose="020B0503020204020204" pitchFamily="34" charset="0"/>
+              </a:rPr>
+              <a:t>as 12:30 -  Prática</a:t>
             </a:r>
           </a:p>
           <a:p>
@@ -17937,7 +18083,19 @@
               <a:rPr lang="pt-BR" sz="2400" dirty="0" smtClean="0">
                 <a:latin typeface="Corbel" panose="020B0503020204020204" pitchFamily="34" charset="0"/>
               </a:rPr>
-              <a:t>13:30 às  16:50 -  Praticas com estudos de caso</a:t>
+              <a:t>13:30 às  </a:t>
+            </a:r>
+            <a:r>
+              <a:rPr lang="pt-BR" sz="2400" dirty="0" smtClean="0">
+                <a:latin typeface="Corbel" panose="020B0503020204020204" pitchFamily="34" charset="0"/>
+              </a:rPr>
+              <a:t>17:50 </a:t>
+            </a:r>
+            <a:r>
+              <a:rPr lang="pt-BR" sz="2400" dirty="0" smtClean="0">
+                <a:latin typeface="Corbel" panose="020B0503020204020204" pitchFamily="34" charset="0"/>
+              </a:rPr>
+              <a:t>-  Praticas com estudos de caso</a:t>
             </a:r>
           </a:p>
           <a:p>
@@ -17950,7 +18108,31 @@
               <a:rPr lang="pt-BR" sz="2400" dirty="0" smtClean="0">
                 <a:latin typeface="Corbel" panose="020B0503020204020204" pitchFamily="34" charset="0"/>
               </a:rPr>
-              <a:t>16:50 as 17:00 – Duvidas e Reforço</a:t>
+              <a:t>17:50 </a:t>
+            </a:r>
+            <a:r>
+              <a:rPr lang="pt-BR" sz="2400" dirty="0" smtClean="0">
+                <a:latin typeface="Corbel" panose="020B0503020204020204" pitchFamily="34" charset="0"/>
+              </a:rPr>
+              <a:t>as </a:t>
+            </a:r>
+            <a:r>
+              <a:rPr lang="pt-BR" sz="2400" dirty="0" smtClean="0">
+                <a:latin typeface="Corbel" panose="020B0503020204020204" pitchFamily="34" charset="0"/>
+              </a:rPr>
+              <a:t>18:00 </a:t>
+            </a:r>
+            <a:r>
+              <a:rPr lang="pt-BR" sz="2400" dirty="0" smtClean="0">
+                <a:latin typeface="Corbel" panose="020B0503020204020204" pitchFamily="34" charset="0"/>
+              </a:rPr>
+              <a:t>– </a:t>
+            </a:r>
+            <a:r>
+              <a:rPr lang="pt-BR" sz="2400" dirty="0" smtClean="0">
+                <a:latin typeface="Corbel" panose="020B0503020204020204" pitchFamily="34" charset="0"/>
+              </a:rPr>
+              <a:t>Dúvidas</a:t>
             </a:r>
             <a:endParaRPr lang="pt-BR" sz="2400" dirty="0">
               <a:latin typeface="Corbel" panose="020B0503020204020204" pitchFamily="34" charset="0"/>
@@ -18008,6 +18190,595 @@
         <p:spPr>
           <a:xfrm>
             <a:off x="1011218" y="979618"/>
+            <a:ext cx="10596283" cy="5786438"/>
+          </a:xfrm>
+        </p:spPr>
+        <p:txBody>
+          <a:bodyPr>
+            <a:noAutofit/>
+          </a:bodyPr>
+          <a:lstStyle/>
+          <a:p>
+            <a:pPr marL="0" indent="0">
+              <a:lnSpc>
+                <a:spcPct val="150000"/>
+              </a:lnSpc>
+              <a:buNone/>
+            </a:pPr>
+            <a:r>
+              <a:rPr lang="pt-BR" sz="1800" dirty="0" smtClean="0">
+                <a:latin typeface="Corbel" panose="020B0503020204020204" pitchFamily="34" charset="0"/>
+              </a:rPr>
+              <a:t>Para apagar informações no Excel proceda da seguinte maneira:</a:t>
+            </a:r>
+          </a:p>
+          <a:p>
+            <a:pPr>
+              <a:lnSpc>
+                <a:spcPct val="150000"/>
+              </a:lnSpc>
+              <a:buFont typeface="Arial" panose="020B0604020202020204" pitchFamily="34" charset="0"/>
+              <a:buChar char="•"/>
+            </a:pPr>
+            <a:r>
+              <a:rPr lang="pt-BR" sz="1800" dirty="0" smtClean="0">
+                <a:latin typeface="Corbel" panose="020B0503020204020204" pitchFamily="34" charset="0"/>
+              </a:rPr>
+              <a:t>Célula: Ativar a célula e pressionar [DEL] ou [</a:t>
+            </a:r>
+            <a:r>
+              <a:rPr lang="pt-BR" sz="1800" dirty="0" err="1" smtClean="0">
+                <a:latin typeface="Corbel" panose="020B0503020204020204" pitchFamily="34" charset="0"/>
+              </a:rPr>
+              <a:t>Backspace</a:t>
+            </a:r>
+            <a:r>
+              <a:rPr lang="pt-BR" sz="1800" dirty="0" smtClean="0">
+                <a:latin typeface="Corbel" panose="020B0503020204020204" pitchFamily="34" charset="0"/>
+              </a:rPr>
+              <a:t>]</a:t>
+            </a:r>
+          </a:p>
+          <a:p>
+            <a:pPr>
+              <a:lnSpc>
+                <a:spcPct val="150000"/>
+              </a:lnSpc>
+              <a:buFont typeface="Arial" panose="020B0604020202020204" pitchFamily="34" charset="0"/>
+              <a:buChar char="•"/>
+            </a:pPr>
+            <a:r>
+              <a:rPr lang="pt-BR" sz="1800" dirty="0" smtClean="0">
+                <a:latin typeface="Corbel" panose="020B0503020204020204" pitchFamily="34" charset="0"/>
+              </a:rPr>
+              <a:t>Intervalo: selecionar o Intervalo e pressionar [DEL]</a:t>
+            </a:r>
+          </a:p>
+          <a:p>
+            <a:pPr>
+              <a:lnSpc>
+                <a:spcPct val="150000"/>
+              </a:lnSpc>
+              <a:buFont typeface="Arial" panose="020B0604020202020204" pitchFamily="34" charset="0"/>
+              <a:buChar char="•"/>
+            </a:pPr>
+            <a:r>
+              <a:rPr lang="pt-BR" sz="1800" dirty="0" smtClean="0">
+                <a:latin typeface="Corbel" panose="020B0503020204020204" pitchFamily="34" charset="0"/>
+              </a:rPr>
+              <a:t>Coluna: Selecionar a coluna com botão Direito do Mouse e “Excluir” /teclas  [</a:t>
+            </a:r>
+            <a:r>
+              <a:rPr lang="pt-BR" sz="1800" dirty="0" err="1" smtClean="0">
+                <a:latin typeface="Corbel" panose="020B0503020204020204" pitchFamily="34" charset="0"/>
+              </a:rPr>
+              <a:t>ctrl</a:t>
+            </a:r>
+            <a:r>
+              <a:rPr lang="pt-BR" sz="1800" dirty="0" smtClean="0">
+                <a:latin typeface="Corbel" panose="020B0503020204020204" pitchFamily="34" charset="0"/>
+              </a:rPr>
+              <a:t> -] / Guia Pagina Inicial</a:t>
+            </a:r>
+          </a:p>
+          <a:p>
+            <a:pPr>
+              <a:lnSpc>
+                <a:spcPct val="150000"/>
+              </a:lnSpc>
+              <a:buFont typeface="Arial" panose="020B0604020202020204" pitchFamily="34" charset="0"/>
+              <a:buChar char="•"/>
+            </a:pPr>
+            <a:r>
+              <a:rPr lang="pt-BR" sz="1800" dirty="0" smtClean="0">
+                <a:latin typeface="Corbel" panose="020B0503020204020204" pitchFamily="34" charset="0"/>
+              </a:rPr>
+              <a:t>Linha: </a:t>
+            </a:r>
+            <a:r>
+              <a:rPr lang="pt-BR" sz="1800" dirty="0">
+                <a:latin typeface="Corbel" panose="020B0503020204020204" pitchFamily="34" charset="0"/>
+              </a:rPr>
+              <a:t>Selecionar a </a:t>
+            </a:r>
+            <a:r>
+              <a:rPr lang="pt-BR" sz="1800" dirty="0" smtClean="0">
+                <a:latin typeface="Corbel" panose="020B0503020204020204" pitchFamily="34" charset="0"/>
+              </a:rPr>
+              <a:t>linha com </a:t>
+            </a:r>
+            <a:r>
+              <a:rPr lang="pt-BR" sz="1800" dirty="0">
+                <a:latin typeface="Corbel" panose="020B0503020204020204" pitchFamily="34" charset="0"/>
+              </a:rPr>
+              <a:t>botão Direito do Mouse e “Excluir” /teclas  [</a:t>
+            </a:r>
+            <a:r>
+              <a:rPr lang="pt-BR" sz="1800" dirty="0" err="1">
+                <a:latin typeface="Corbel" panose="020B0503020204020204" pitchFamily="34" charset="0"/>
+              </a:rPr>
+              <a:t>ctrl</a:t>
+            </a:r>
+            <a:r>
+              <a:rPr lang="pt-BR" sz="1800" dirty="0">
+                <a:latin typeface="Corbel" panose="020B0503020204020204" pitchFamily="34" charset="0"/>
+              </a:rPr>
+              <a:t> -] / Guia Pagina </a:t>
+            </a:r>
+            <a:r>
+              <a:rPr lang="pt-BR" sz="1800" dirty="0" smtClean="0">
+                <a:latin typeface="Corbel" panose="020B0503020204020204" pitchFamily="34" charset="0"/>
+              </a:rPr>
+              <a:t>Inicial</a:t>
+            </a:r>
+          </a:p>
+          <a:p>
+            <a:pPr>
+              <a:lnSpc>
+                <a:spcPct val="150000"/>
+              </a:lnSpc>
+              <a:buFont typeface="Arial" panose="020B0604020202020204" pitchFamily="34" charset="0"/>
+              <a:buChar char="•"/>
+            </a:pPr>
+            <a:endParaRPr lang="pt-BR" sz="1800" dirty="0">
+              <a:latin typeface="Corbel" panose="020B0503020204020204" pitchFamily="34" charset="0"/>
+            </a:endParaRPr>
+          </a:p>
+          <a:p>
+            <a:pPr marL="0" indent="0">
+              <a:lnSpc>
+                <a:spcPct val="150000"/>
+              </a:lnSpc>
+              <a:buNone/>
+            </a:pPr>
+            <a:r>
+              <a:rPr lang="pt-BR" sz="1800" dirty="0">
+                <a:latin typeface="Corbel" panose="020B0503020204020204" pitchFamily="34" charset="0"/>
+              </a:rPr>
+              <a:t>Para </a:t>
+            </a:r>
+            <a:r>
+              <a:rPr lang="pt-BR" sz="1800" dirty="0" smtClean="0">
+                <a:latin typeface="Corbel" panose="020B0503020204020204" pitchFamily="34" charset="0"/>
+              </a:rPr>
+              <a:t>OCULTAR informações </a:t>
+            </a:r>
+            <a:r>
+              <a:rPr lang="pt-BR" sz="1800" dirty="0">
+                <a:latin typeface="Corbel" panose="020B0503020204020204" pitchFamily="34" charset="0"/>
+              </a:rPr>
+              <a:t>no Excel proceda da seguinte maneira:</a:t>
+            </a:r>
+          </a:p>
+          <a:p>
+            <a:pPr>
+              <a:lnSpc>
+                <a:spcPct val="150000"/>
+              </a:lnSpc>
+              <a:buFont typeface="Arial" panose="020B0604020202020204" pitchFamily="34" charset="0"/>
+              <a:buChar char="•"/>
+            </a:pPr>
+            <a:r>
+              <a:rPr lang="pt-BR" sz="1800" dirty="0" smtClean="0">
+                <a:latin typeface="Corbel" panose="020B0503020204020204" pitchFamily="34" charset="0"/>
+              </a:rPr>
+              <a:t>Coluna ou Linha : </a:t>
+            </a:r>
+            <a:r>
+              <a:rPr lang="pt-BR" sz="1800" dirty="0">
+                <a:latin typeface="Corbel" panose="020B0503020204020204" pitchFamily="34" charset="0"/>
+              </a:rPr>
+              <a:t>Selecionar a coluna </a:t>
+            </a:r>
+            <a:r>
+              <a:rPr lang="pt-BR" sz="1800" dirty="0" smtClean="0">
+                <a:latin typeface="Corbel" panose="020B0503020204020204" pitchFamily="34" charset="0"/>
+              </a:rPr>
+              <a:t>ou Linha com </a:t>
+            </a:r>
+            <a:r>
+              <a:rPr lang="pt-BR" sz="1800" dirty="0">
+                <a:latin typeface="Corbel" panose="020B0503020204020204" pitchFamily="34" charset="0"/>
+              </a:rPr>
+              <a:t>botão Direito do Mouse e </a:t>
+            </a:r>
+            <a:r>
+              <a:rPr lang="pt-BR" sz="1800" dirty="0" smtClean="0">
+                <a:latin typeface="Corbel" panose="020B0503020204020204" pitchFamily="34" charset="0"/>
+              </a:rPr>
+              <a:t>“Ocultar” / Guia </a:t>
+            </a:r>
+            <a:r>
+              <a:rPr lang="pt-BR" sz="1800" dirty="0">
+                <a:latin typeface="Corbel" panose="020B0503020204020204" pitchFamily="34" charset="0"/>
+              </a:rPr>
+              <a:t>Pagina Inicial</a:t>
+            </a:r>
+          </a:p>
+          <a:p>
+            <a:pPr marL="0" indent="0">
+              <a:lnSpc>
+                <a:spcPct val="150000"/>
+              </a:lnSpc>
+              <a:buNone/>
+            </a:pPr>
+            <a:r>
+              <a:rPr lang="pt-BR" sz="1800" dirty="0" smtClean="0">
+                <a:latin typeface="Corbel" panose="020B0503020204020204" pitchFamily="34" charset="0"/>
+              </a:rPr>
+              <a:t>Para DESOCULTAR </a:t>
+            </a:r>
+            <a:r>
+              <a:rPr lang="pt-BR" sz="1800" dirty="0">
+                <a:latin typeface="Corbel" panose="020B0503020204020204" pitchFamily="34" charset="0"/>
+              </a:rPr>
+              <a:t>informações no Excel proceda da seguinte maneira:</a:t>
+            </a:r>
+          </a:p>
+          <a:p>
+            <a:pPr>
+              <a:lnSpc>
+                <a:spcPct val="150000"/>
+              </a:lnSpc>
+              <a:buFont typeface="Arial" panose="020B0604020202020204" pitchFamily="34" charset="0"/>
+              <a:buChar char="•"/>
+            </a:pPr>
+            <a:r>
+              <a:rPr lang="pt-BR" sz="1800" dirty="0" smtClean="0">
+                <a:latin typeface="Corbel" panose="020B0503020204020204" pitchFamily="34" charset="0"/>
+              </a:rPr>
+              <a:t>Coluna ou Linha: </a:t>
+            </a:r>
+            <a:r>
+              <a:rPr lang="pt-BR" sz="1800" dirty="0">
+                <a:latin typeface="Corbel" panose="020B0503020204020204" pitchFamily="34" charset="0"/>
+              </a:rPr>
+              <a:t>Selecionar </a:t>
+            </a:r>
+            <a:r>
+              <a:rPr lang="pt-BR" sz="1800" dirty="0" smtClean="0">
+                <a:solidFill>
+                  <a:srgbClr val="FF0000"/>
+                </a:solidFill>
+                <a:latin typeface="Corbel" panose="020B0503020204020204" pitchFamily="34" charset="0"/>
+              </a:rPr>
+              <a:t>o intervalo </a:t>
+            </a:r>
+            <a:r>
+              <a:rPr lang="pt-BR" sz="1800" dirty="0" smtClean="0">
+                <a:latin typeface="Corbel" panose="020B0503020204020204" pitchFamily="34" charset="0"/>
+              </a:rPr>
+              <a:t>da coluna/linha </a:t>
+            </a:r>
+            <a:r>
+              <a:rPr lang="pt-BR" sz="1800" dirty="0">
+                <a:latin typeface="Corbel" panose="020B0503020204020204" pitchFamily="34" charset="0"/>
+              </a:rPr>
+              <a:t>com botão Direito do Mouse e “Ocultar” / Guia Pagina Inicial</a:t>
+            </a:r>
+          </a:p>
+          <a:p>
+            <a:pPr>
+              <a:lnSpc>
+                <a:spcPct val="150000"/>
+              </a:lnSpc>
+              <a:buFont typeface="Arial" panose="020B0604020202020204" pitchFamily="34" charset="0"/>
+              <a:buChar char="•"/>
+            </a:pPr>
+            <a:endParaRPr lang="pt-BR" sz="1800" dirty="0" smtClean="0">
+              <a:latin typeface="Corbel" panose="020B0503020204020204" pitchFamily="34" charset="0"/>
+            </a:endParaRPr>
+          </a:p>
+          <a:p>
+            <a:pPr marL="0" indent="0">
+              <a:lnSpc>
+                <a:spcPct val="150000"/>
+              </a:lnSpc>
+              <a:buNone/>
+            </a:pPr>
+            <a:endParaRPr lang="pt-BR" sz="1800" dirty="0" smtClean="0">
+              <a:latin typeface="Corbel" panose="020B0503020204020204" pitchFamily="34" charset="0"/>
+            </a:endParaRPr>
+          </a:p>
+          <a:p>
+            <a:pPr>
+              <a:lnSpc>
+                <a:spcPct val="150000"/>
+              </a:lnSpc>
+            </a:pPr>
+            <a:endParaRPr lang="pt-BR" sz="1800" dirty="0" smtClean="0">
+              <a:latin typeface="Corbel" panose="020B0503020204020204" pitchFamily="34" charset="0"/>
+            </a:endParaRPr>
+          </a:p>
+          <a:p>
+            <a:pPr>
+              <a:lnSpc>
+                <a:spcPct val="150000"/>
+              </a:lnSpc>
+            </a:pPr>
+            <a:endParaRPr lang="pt-BR" sz="1800" dirty="0">
+              <a:latin typeface="Corbel" panose="020B0503020204020204" pitchFamily="34" charset="0"/>
+            </a:endParaRPr>
+          </a:p>
+        </p:txBody>
+      </p:sp>
+      <p:sp>
+        <p:nvSpPr>
+          <p:cNvPr id="4" name="Subtítulo 2"/>
+          <p:cNvSpPr txBox="1">
+            <a:spLocks/>
+          </p:cNvSpPr>
+          <p:nvPr/>
+        </p:nvSpPr>
+        <p:spPr>
+          <a:xfrm>
+            <a:off x="210670" y="153054"/>
+            <a:ext cx="10058400" cy="1143000"/>
+          </a:xfrm>
+        </p:spPr>
+        <p:txBody>
+          <a:bodyPr>
+            <a:noAutofit/>
+          </a:bodyPr>
+          <a:lstStyle>
+            <a:lvl1pPr marL="342900" indent="-342900" algn="l" rtl="0" eaLnBrk="0" fontAlgn="base" hangingPunct="0">
+              <a:spcBef>
+                <a:spcPct val="20000"/>
+              </a:spcBef>
+              <a:spcAft>
+                <a:spcPct val="0"/>
+              </a:spcAft>
+              <a:buFont typeface="Arial" charset="0"/>
+              <a:buChar char="•"/>
+              <a:defRPr lang="pt-BR" sz="2800" kern="1200" dirty="0">
+                <a:solidFill>
+                  <a:schemeClr val="tx1"/>
+                </a:solidFill>
+                <a:latin typeface="+mn-lt"/>
+                <a:ea typeface="+mn-ea"/>
+                <a:cs typeface="+mn-cs"/>
+              </a:defRPr>
+            </a:lvl1pPr>
+            <a:lvl2pPr marL="742950" indent="-285750" algn="l" rtl="0" eaLnBrk="0" fontAlgn="base" hangingPunct="0">
+              <a:spcBef>
+                <a:spcPct val="20000"/>
+              </a:spcBef>
+              <a:spcAft>
+                <a:spcPct val="0"/>
+              </a:spcAft>
+              <a:buFont typeface="Arial" charset="0"/>
+              <a:buChar char="•"/>
+              <a:defRPr lang="pt-BR" sz="2400" kern="1200" dirty="0">
+                <a:solidFill>
+                  <a:schemeClr val="tx1"/>
+                </a:solidFill>
+                <a:latin typeface="+mn-lt"/>
+                <a:ea typeface="+mn-ea"/>
+                <a:cs typeface="+mn-cs"/>
+              </a:defRPr>
+            </a:lvl2pPr>
+            <a:lvl3pPr marL="1143000" indent="-228600" algn="l" rtl="0" eaLnBrk="0" fontAlgn="base" hangingPunct="0">
+              <a:spcBef>
+                <a:spcPct val="20000"/>
+              </a:spcBef>
+              <a:spcAft>
+                <a:spcPct val="0"/>
+              </a:spcAft>
+              <a:buFont typeface="Arial" charset="0"/>
+              <a:buChar char="•"/>
+              <a:defRPr lang="pt-BR" sz="2400" kern="1200" dirty="0">
+                <a:solidFill>
+                  <a:schemeClr val="tx1"/>
+                </a:solidFill>
+                <a:latin typeface="+mn-lt"/>
+                <a:ea typeface="+mn-ea"/>
+                <a:cs typeface="+mn-cs"/>
+              </a:defRPr>
+            </a:lvl3pPr>
+            <a:lvl4pPr marL="1600200" indent="-228600" algn="l" rtl="0" eaLnBrk="0" fontAlgn="base" hangingPunct="0">
+              <a:spcBef>
+                <a:spcPct val="20000"/>
+              </a:spcBef>
+              <a:spcAft>
+                <a:spcPct val="0"/>
+              </a:spcAft>
+              <a:buFont typeface="Arial" charset="0"/>
+              <a:buChar char="•"/>
+              <a:defRPr lang="pt-BR" sz="2000" kern="1200" dirty="0">
+                <a:solidFill>
+                  <a:schemeClr val="tx1"/>
+                </a:solidFill>
+                <a:latin typeface="+mn-lt"/>
+                <a:ea typeface="+mn-ea"/>
+                <a:cs typeface="+mn-cs"/>
+              </a:defRPr>
+            </a:lvl4pPr>
+            <a:lvl5pPr marL="2057400" indent="-228600" algn="l" rtl="0" eaLnBrk="0" fontAlgn="base" hangingPunct="0">
+              <a:spcBef>
+                <a:spcPct val="20000"/>
+              </a:spcBef>
+              <a:spcAft>
+                <a:spcPct val="0"/>
+              </a:spcAft>
+              <a:buFont typeface="Arial" charset="0"/>
+              <a:buChar char="•"/>
+              <a:defRPr lang="pt-BR" sz="2000" kern="1200" dirty="0">
+                <a:solidFill>
+                  <a:schemeClr val="tx1"/>
+                </a:solidFill>
+                <a:latin typeface="+mn-lt"/>
+                <a:ea typeface="+mn-ea"/>
+                <a:cs typeface="+mn-cs"/>
+              </a:defRPr>
+            </a:lvl5pPr>
+            <a:lvl6pPr marL="2514600" indent="-228600" algn="l" defTabSz="914400" rtl="0" eaLnBrk="1" latinLnBrk="0" hangingPunct="1">
+              <a:spcBef>
+                <a:spcPct val="20000"/>
+              </a:spcBef>
+              <a:buFont typeface="Arial" pitchFamily="34" charset="0"/>
+              <a:buChar char="•"/>
+              <a:defRPr sz="2000" kern="1200">
+                <a:solidFill>
+                  <a:schemeClr val="tx1"/>
+                </a:solidFill>
+                <a:latin typeface="+mn-lt"/>
+                <a:ea typeface="+mn-ea"/>
+                <a:cs typeface="+mn-cs"/>
+              </a:defRPr>
+            </a:lvl6pPr>
+            <a:lvl7pPr marL="2971800" indent="-228600" algn="l" defTabSz="914400" rtl="0" eaLnBrk="1" latinLnBrk="0" hangingPunct="1">
+              <a:spcBef>
+                <a:spcPct val="20000"/>
+              </a:spcBef>
+              <a:buFont typeface="Arial" pitchFamily="34" charset="0"/>
+              <a:buChar char="•"/>
+              <a:defRPr sz="2000" kern="1200">
+                <a:solidFill>
+                  <a:schemeClr val="tx1"/>
+                </a:solidFill>
+                <a:latin typeface="+mn-lt"/>
+                <a:ea typeface="+mn-ea"/>
+                <a:cs typeface="+mn-cs"/>
+              </a:defRPr>
+            </a:lvl7pPr>
+            <a:lvl8pPr marL="3429000" indent="-228600" algn="l" defTabSz="914400" rtl="0" eaLnBrk="1" latinLnBrk="0" hangingPunct="1">
+              <a:spcBef>
+                <a:spcPct val="20000"/>
+              </a:spcBef>
+              <a:buFont typeface="Arial" pitchFamily="34" charset="0"/>
+              <a:buChar char="•"/>
+              <a:defRPr sz="2000" kern="1200">
+                <a:solidFill>
+                  <a:schemeClr val="tx1"/>
+                </a:solidFill>
+                <a:latin typeface="+mn-lt"/>
+                <a:ea typeface="+mn-ea"/>
+                <a:cs typeface="+mn-cs"/>
+              </a:defRPr>
+            </a:lvl8pPr>
+            <a:lvl9pPr marL="3886200" indent="-228600" algn="l" defTabSz="914400" rtl="0" eaLnBrk="1" latinLnBrk="0" hangingPunct="1">
+              <a:spcBef>
+                <a:spcPct val="20000"/>
+              </a:spcBef>
+              <a:buFont typeface="Arial" pitchFamily="34" charset="0"/>
+              <a:buChar char="•"/>
+              <a:defRPr sz="2000" kern="1200">
+                <a:solidFill>
+                  <a:schemeClr val="tx1"/>
+                </a:solidFill>
+                <a:latin typeface="+mn-lt"/>
+                <a:ea typeface="+mn-ea"/>
+                <a:cs typeface="+mn-cs"/>
+              </a:defRPr>
+            </a:lvl9pPr>
+          </a:lstStyle>
+          <a:p>
+            <a:pPr marL="0" indent="0">
+              <a:lnSpc>
+                <a:spcPct val="150000"/>
+              </a:lnSpc>
+              <a:buFont typeface="Arial" charset="0"/>
+              <a:buNone/>
+            </a:pPr>
+            <a:r>
+              <a:rPr lang="pt-BR" sz="2400" b="1" dirty="0" smtClean="0">
+                <a:solidFill>
+                  <a:schemeClr val="accent6">
+                    <a:lumMod val="75000"/>
+                  </a:schemeClr>
+                </a:solidFill>
+                <a:latin typeface="Corbel" panose="020B0503020204020204" pitchFamily="34" charset="0"/>
+              </a:rPr>
+              <a:t>Apagar e Ocultar Dados</a:t>
+            </a:r>
+          </a:p>
+          <a:p>
+            <a:pPr>
+              <a:lnSpc>
+                <a:spcPct val="150000"/>
+              </a:lnSpc>
+            </a:pPr>
+            <a:endParaRPr lang="pt-BR" sz="2400" b="1" dirty="0">
+              <a:solidFill>
+                <a:schemeClr val="accent6">
+                  <a:lumMod val="75000"/>
+                </a:schemeClr>
+              </a:solidFill>
+              <a:latin typeface="Corbel" panose="020B0503020204020204" pitchFamily="34" charset="0"/>
+            </a:endParaRPr>
+          </a:p>
+        </p:txBody>
+      </p:sp>
+    </p:spTree>
+    <p:extLst>
+      <p:ext uri="{BB962C8B-B14F-4D97-AF65-F5344CB8AC3E}">
+        <p14:creationId xmlns:p14="http://schemas.microsoft.com/office/powerpoint/2010/main" val="1093673402"/>
+      </p:ext>
+    </p:extLst>
+  </p:cSld>
+  <p:clrMapOvr>
+    <a:masterClrMapping/>
+  </p:clrMapOvr>
+  <p:timing>
+    <p:tnLst>
+      <p:par>
+        <p:cTn id="1" dur="indefinite" restart="never" nodeType="tmRoot"/>
+      </p:par>
+    </p:tnLst>
+  </p:timing>
+</p:sld>
+</file>
+
+<file path=ppt/slides/slide31.xml><?xml version="1.0" encoding="utf-8"?>
+<p:sld xmlns:a="http://schemas.openxmlformats.org/drawingml/2006/main" xmlns:r="http://schemas.openxmlformats.org/officeDocument/2006/relationships" xmlns:p="http://schemas.openxmlformats.org/presentationml/2006/main">
+  <p:cSld>
+    <p:spTree>
+      <p:nvGrpSpPr>
+        <p:cNvPr id="1" name=""/>
+        <p:cNvGrpSpPr/>
+        <p:nvPr/>
+      </p:nvGrpSpPr>
+      <p:grpSpPr>
+        <a:xfrm>
+          <a:off x="0" y="0"/>
+          <a:ext cx="0" cy="0"/>
+          <a:chOff x="0" y="0"/>
+          <a:chExt cx="0" cy="0"/>
+        </a:xfrm>
+      </p:grpSpPr>
+      <p:sp>
+        <p:nvSpPr>
+          <p:cNvPr id="3" name="Subtítulo 1"/>
+          <p:cNvSpPr>
+            <a:spLocks noGrp="1"/>
+          </p:cNvSpPr>
+          <p:nvPr>
+            <p:ph type="subTitle" idx="4294967295"/>
+          </p:nvPr>
+        </p:nvSpPr>
+        <p:spPr>
+          <a:xfrm>
+            <a:off x="1011218" y="979618"/>
             <a:ext cx="9966325" cy="5786438"/>
           </a:xfrm>
         </p:spPr>
@@ -18493,7 +19264,7 @@
 </p:sld>
 </file>
 
-<file path=ppt/slides/slide31.xml><?xml version="1.0" encoding="utf-8"?>
+<file path=ppt/slides/slide32.xml><?xml version="1.0" encoding="utf-8"?>
 <p:sld xmlns:a="http://schemas.openxmlformats.org/drawingml/2006/main" xmlns:r="http://schemas.openxmlformats.org/officeDocument/2006/relationships" xmlns:p="http://schemas.openxmlformats.org/presentationml/2006/main">
   <p:cSld>
     <p:spTree>
@@ -19211,7 +19982,7 @@
 </p:sld>
 </file>
 
-<file path=ppt/slides/slide32.xml><?xml version="1.0" encoding="utf-8"?>
+<file path=ppt/slides/slide33.xml><?xml version="1.0" encoding="utf-8"?>
 <p:sld xmlns:a="http://schemas.openxmlformats.org/drawingml/2006/main" xmlns:r="http://schemas.openxmlformats.org/officeDocument/2006/relationships" xmlns:p="http://schemas.openxmlformats.org/presentationml/2006/main">
   <p:cSld>
     <p:spTree>
@@ -19768,7 +20539,7 @@
 </p:sld>
 </file>
 
-<file path=ppt/slides/slide33.xml><?xml version="1.0" encoding="utf-8"?>
+<file path=ppt/slides/slide34.xml><?xml version="1.0" encoding="utf-8"?>
 <p:sld xmlns:a="http://schemas.openxmlformats.org/drawingml/2006/main" xmlns:r="http://schemas.openxmlformats.org/officeDocument/2006/relationships" xmlns:p="http://schemas.openxmlformats.org/presentationml/2006/main">
   <p:cSld>
     <p:spTree>
@@ -20116,7 +20887,7 @@
 </p:sld>
 </file>
 
-<file path=ppt/slides/slide34.xml><?xml version="1.0" encoding="utf-8"?>
+<file path=ppt/slides/slide35.xml><?xml version="1.0" encoding="utf-8"?>
 <p:sld xmlns:a="http://schemas.openxmlformats.org/drawingml/2006/main" xmlns:r="http://schemas.openxmlformats.org/officeDocument/2006/relationships" xmlns:p="http://schemas.openxmlformats.org/presentationml/2006/main">
   <p:cSld>
     <p:spTree>
@@ -20489,7 +21260,7 @@
 </p:sld>
 </file>
 
-<file path=ppt/slides/slide35.xml><?xml version="1.0" encoding="utf-8"?>
+<file path=ppt/slides/slide36.xml><?xml version="1.0" encoding="utf-8"?>
 <p:sld xmlns:a="http://schemas.openxmlformats.org/drawingml/2006/main" xmlns:r="http://schemas.openxmlformats.org/officeDocument/2006/relationships" xmlns:p="http://schemas.openxmlformats.org/presentationml/2006/main">
   <p:cSld>
     <p:spTree>
@@ -20808,11 +21579,15 @@
           <a:p>
             <a:r>
               <a:rPr lang="pt-BR" dirty="0"/>
-              <a:t>4</a:t>
+              <a:t>3</a:t>
             </a:r>
             <a:r>
               <a:rPr lang="pt-BR" dirty="0" smtClean="0"/>
-              <a:t>0 Min</a:t>
+              <a:t>0 </a:t>
+            </a:r>
+            <a:r>
+              <a:rPr lang="pt-BR" dirty="0" smtClean="0"/>
+              <a:t>Min</a:t>
             </a:r>
             <a:endParaRPr lang="pt-BR" dirty="0"/>
           </a:p>
@@ -20838,7 +21613,7 @@
 </p:sld>
 </file>
 
-<file path=ppt/slides/slide36.xml><?xml version="1.0" encoding="utf-8"?>
+<file path=ppt/slides/slide37.xml><?xml version="1.0" encoding="utf-8"?>
 <p:sld xmlns:a="http://schemas.openxmlformats.org/drawingml/2006/main" xmlns:r="http://schemas.openxmlformats.org/officeDocument/2006/relationships" xmlns:p="http://schemas.openxmlformats.org/presentationml/2006/main">
   <p:cSld>
     <p:spTree>
@@ -21267,7 +22042,7 @@
 </p:sld>
 </file>
 
-<file path=ppt/slides/slide37.xml><?xml version="1.0" encoding="utf-8"?>
+<file path=ppt/slides/slide38.xml><?xml version="1.0" encoding="utf-8"?>
 <p:sld xmlns:a="http://schemas.openxmlformats.org/drawingml/2006/main" xmlns:r="http://schemas.openxmlformats.org/officeDocument/2006/relationships" xmlns:p="http://schemas.openxmlformats.org/presentationml/2006/main">
   <p:cSld>
     <p:spTree>
@@ -21633,7 +22408,7 @@
 </p:sld>
 </file>
 
-<file path=ppt/slides/slide38.xml><?xml version="1.0" encoding="utf-8"?>
+<file path=ppt/slides/slide39.xml><?xml version="1.0" encoding="utf-8"?>
 <p:sld xmlns:a="http://schemas.openxmlformats.org/drawingml/2006/main" xmlns:r="http://schemas.openxmlformats.org/officeDocument/2006/relationships" xmlns:p="http://schemas.openxmlformats.org/presentationml/2006/main" show="0">
   <p:cSld>
     <p:spTree>
@@ -21894,398 +22669,6 @@
 </p:sld>
 </file>
 
-<file path=ppt/slides/slide39.xml><?xml version="1.0" encoding="utf-8"?>
-<p:sld xmlns:a="http://schemas.openxmlformats.org/drawingml/2006/main" xmlns:r="http://schemas.openxmlformats.org/officeDocument/2006/relationships" xmlns:p="http://schemas.openxmlformats.org/presentationml/2006/main">
-  <p:cSld>
-    <p:spTree>
-      <p:nvGrpSpPr>
-        <p:cNvPr id="1" name=""/>
-        <p:cNvGrpSpPr/>
-        <p:nvPr/>
-      </p:nvGrpSpPr>
-      <p:grpSpPr>
-        <a:xfrm>
-          <a:off x="0" y="0"/>
-          <a:ext cx="0" cy="0"/>
-          <a:chOff x="0" y="0"/>
-          <a:chExt cx="0" cy="0"/>
-        </a:xfrm>
-      </p:grpSpPr>
-      <p:sp>
-        <p:nvSpPr>
-          <p:cNvPr id="3" name="Subtítulo 1"/>
-          <p:cNvSpPr>
-            <a:spLocks noGrp="1"/>
-          </p:cNvSpPr>
-          <p:nvPr>
-            <p:ph type="subTitle" idx="4294967295"/>
-          </p:nvPr>
-        </p:nvSpPr>
-        <p:spPr>
-          <a:xfrm>
-            <a:off x="688489" y="635878"/>
-            <a:ext cx="9966325" cy="5829300"/>
-          </a:xfrm>
-        </p:spPr>
-        <p:txBody>
-          <a:bodyPr>
-            <a:noAutofit/>
-          </a:bodyPr>
-          <a:lstStyle/>
-          <a:p>
-            <a:pPr marL="0" indent="0">
-              <a:buNone/>
-            </a:pPr>
-            <a:r>
-              <a:rPr lang="pt-BR" sz="2000" dirty="0" smtClean="0"/>
-              <a:t/>
-            </a:r>
-            <a:br>
-              <a:rPr lang="pt-BR" sz="2000" dirty="0" smtClean="0"/>
-            </a:br>
-            <a:r>
-              <a:rPr lang="pt-BR" sz="2000" dirty="0" smtClean="0"/>
-              <a:t>Inserir uma nova planilha</a:t>
-            </a:r>
-          </a:p>
-          <a:p>
-            <a:pPr marL="0" indent="0">
-              <a:buNone/>
-            </a:pPr>
-            <a:r>
-              <a:rPr lang="pt-BR" sz="2000" dirty="0" smtClean="0"/>
-              <a:t>1- Botão ao lado da aba + </a:t>
-            </a:r>
-          </a:p>
-          <a:p>
-            <a:pPr marL="0" indent="0">
-              <a:buNone/>
-            </a:pPr>
-            <a:r>
-              <a:rPr lang="pt-BR" sz="2000" dirty="0" smtClean="0"/>
-              <a:t>2- Guia Pagina Inicial &gt; Grupo de Ferramenta Células &gt; Comando inserir&gt; Inserir Planilha</a:t>
-            </a:r>
-          </a:p>
-          <a:p>
-            <a:pPr marL="0" indent="0">
-              <a:buNone/>
-            </a:pPr>
-            <a:r>
-              <a:rPr lang="pt-BR" sz="2000" dirty="0" smtClean="0"/>
-              <a:t>3- Clique Esquerdo no nome da aba &gt; Inserir &gt; Planilha &gt; ok</a:t>
-            </a:r>
-          </a:p>
-          <a:p>
-            <a:pPr marL="0" indent="0">
-              <a:buNone/>
-            </a:pPr>
-            <a:r>
-              <a:rPr lang="pt-BR" sz="2000" dirty="0" smtClean="0"/>
-              <a:t>4- Selecionar na aba da planilha e arrastar para o lado com o botão “</a:t>
-            </a:r>
-            <a:r>
-              <a:rPr lang="pt-BR" sz="2000" dirty="0" err="1" smtClean="0"/>
-              <a:t>Ctrl</a:t>
-            </a:r>
-            <a:r>
-              <a:rPr lang="pt-BR" sz="2000" dirty="0" smtClean="0"/>
-              <a:t>” pressionado.</a:t>
-            </a:r>
-            <a:endParaRPr lang="pt-BR" sz="2000" dirty="0"/>
-          </a:p>
-          <a:p>
-            <a:endParaRPr lang="pt-BR" sz="2000" dirty="0" smtClean="0"/>
-          </a:p>
-          <a:p>
-            <a:r>
-              <a:rPr lang="pt-BR" sz="2000" dirty="0" smtClean="0"/>
-              <a:t>Para inserir mais de uma planilha por vez, basta selecionar mais de uma planilha e usar o comando 2, 3 ou 4.</a:t>
-            </a:r>
-          </a:p>
-          <a:p>
-            <a:r>
-              <a:rPr lang="pt-BR" sz="2000" dirty="0" smtClean="0"/>
-              <a:t>Para fazer replica/copiar de uma planilha, use os passos 2,3 ou 4.</a:t>
-            </a:r>
-          </a:p>
-          <a:p>
-            <a:endParaRPr lang="pt-BR" sz="2000" dirty="0"/>
-          </a:p>
-          <a:p>
-            <a:pPr marL="0" indent="0">
-              <a:buNone/>
-            </a:pPr>
-            <a:r>
-              <a:rPr lang="pt-BR" sz="2000" dirty="0" smtClean="0"/>
-              <a:t>Para Excluir, </a:t>
-            </a:r>
-          </a:p>
-          <a:p>
-            <a:pPr marL="342900" indent="-342900">
-              <a:buFontTx/>
-              <a:buChar char="-"/>
-            </a:pPr>
-            <a:r>
-              <a:rPr lang="pt-BR" sz="2000" dirty="0" smtClean="0"/>
-              <a:t>1- </a:t>
-            </a:r>
-            <a:r>
-              <a:rPr lang="pt-BR" sz="2000" dirty="0"/>
-              <a:t>Guia Pagina Inicial &gt; Grupo de Ferramenta </a:t>
-            </a:r>
-            <a:r>
-              <a:rPr lang="pt-BR" sz="2000" dirty="0" smtClean="0"/>
-              <a:t>Células </a:t>
-            </a:r>
-            <a:r>
-              <a:rPr lang="pt-BR" sz="2000" dirty="0"/>
-              <a:t>&gt; Comando </a:t>
-            </a:r>
-            <a:r>
-              <a:rPr lang="pt-BR" sz="2000" dirty="0" smtClean="0"/>
-              <a:t>Excluir&gt; Excluir Planilha</a:t>
-            </a:r>
-            <a:endParaRPr lang="pt-BR" sz="2000" dirty="0"/>
-          </a:p>
-          <a:p>
-            <a:pPr marL="342900" indent="-342900">
-              <a:buFontTx/>
-              <a:buChar char="-"/>
-            </a:pPr>
-            <a:r>
-              <a:rPr lang="pt-BR" sz="2000" dirty="0"/>
-              <a:t>3- Clique Esquerdo no nome da aba &gt; </a:t>
-            </a:r>
-            <a:r>
-              <a:rPr lang="pt-BR" sz="2000" dirty="0" smtClean="0"/>
-              <a:t>Excluir</a:t>
-            </a:r>
-          </a:p>
-          <a:p>
-            <a:endParaRPr lang="pt-BR" sz="2000" dirty="0"/>
-          </a:p>
-        </p:txBody>
-      </p:sp>
-      <p:sp>
-        <p:nvSpPr>
-          <p:cNvPr id="4" name="Subtítulo 2"/>
-          <p:cNvSpPr txBox="1">
-            <a:spLocks/>
-          </p:cNvSpPr>
-          <p:nvPr/>
-        </p:nvSpPr>
-        <p:spPr>
-          <a:xfrm>
-            <a:off x="210670" y="153054"/>
-            <a:ext cx="10058400" cy="718315"/>
-          </a:xfrm>
-        </p:spPr>
-        <p:txBody>
-          <a:bodyPr>
-            <a:noAutofit/>
-          </a:bodyPr>
-          <a:lstStyle>
-            <a:lvl1pPr marL="342900" indent="-342900" algn="l" rtl="0" eaLnBrk="0" fontAlgn="base" hangingPunct="0">
-              <a:spcBef>
-                <a:spcPct val="20000"/>
-              </a:spcBef>
-              <a:spcAft>
-                <a:spcPct val="0"/>
-              </a:spcAft>
-              <a:buFont typeface="Arial" charset="0"/>
-              <a:buChar char="•"/>
-              <a:defRPr lang="pt-BR" sz="2800" kern="1200" dirty="0">
-                <a:solidFill>
-                  <a:schemeClr val="tx1"/>
-                </a:solidFill>
-                <a:latin typeface="+mn-lt"/>
-                <a:ea typeface="+mn-ea"/>
-                <a:cs typeface="+mn-cs"/>
-              </a:defRPr>
-            </a:lvl1pPr>
-            <a:lvl2pPr marL="742950" indent="-285750" algn="l" rtl="0" eaLnBrk="0" fontAlgn="base" hangingPunct="0">
-              <a:spcBef>
-                <a:spcPct val="20000"/>
-              </a:spcBef>
-              <a:spcAft>
-                <a:spcPct val="0"/>
-              </a:spcAft>
-              <a:buFont typeface="Arial" charset="0"/>
-              <a:buChar char="•"/>
-              <a:defRPr lang="pt-BR" sz="2400" kern="1200" dirty="0">
-                <a:solidFill>
-                  <a:schemeClr val="tx1"/>
-                </a:solidFill>
-                <a:latin typeface="+mn-lt"/>
-                <a:ea typeface="+mn-ea"/>
-                <a:cs typeface="+mn-cs"/>
-              </a:defRPr>
-            </a:lvl2pPr>
-            <a:lvl3pPr marL="1143000" indent="-228600" algn="l" rtl="0" eaLnBrk="0" fontAlgn="base" hangingPunct="0">
-              <a:spcBef>
-                <a:spcPct val="20000"/>
-              </a:spcBef>
-              <a:spcAft>
-                <a:spcPct val="0"/>
-              </a:spcAft>
-              <a:buFont typeface="Arial" charset="0"/>
-              <a:buChar char="•"/>
-              <a:defRPr lang="pt-BR" sz="2400" kern="1200" dirty="0">
-                <a:solidFill>
-                  <a:schemeClr val="tx1"/>
-                </a:solidFill>
-                <a:latin typeface="+mn-lt"/>
-                <a:ea typeface="+mn-ea"/>
-                <a:cs typeface="+mn-cs"/>
-              </a:defRPr>
-            </a:lvl3pPr>
-            <a:lvl4pPr marL="1600200" indent="-228600" algn="l" rtl="0" eaLnBrk="0" fontAlgn="base" hangingPunct="0">
-              <a:spcBef>
-                <a:spcPct val="20000"/>
-              </a:spcBef>
-              <a:spcAft>
-                <a:spcPct val="0"/>
-              </a:spcAft>
-              <a:buFont typeface="Arial" charset="0"/>
-              <a:buChar char="•"/>
-              <a:defRPr lang="pt-BR" sz="2000" kern="1200" dirty="0">
-                <a:solidFill>
-                  <a:schemeClr val="tx1"/>
-                </a:solidFill>
-                <a:latin typeface="+mn-lt"/>
-                <a:ea typeface="+mn-ea"/>
-                <a:cs typeface="+mn-cs"/>
-              </a:defRPr>
-            </a:lvl4pPr>
-            <a:lvl5pPr marL="2057400" indent="-228600" algn="l" rtl="0" eaLnBrk="0" fontAlgn="base" hangingPunct="0">
-              <a:spcBef>
-                <a:spcPct val="20000"/>
-              </a:spcBef>
-              <a:spcAft>
-                <a:spcPct val="0"/>
-              </a:spcAft>
-              <a:buFont typeface="Arial" charset="0"/>
-              <a:buChar char="•"/>
-              <a:defRPr lang="pt-BR" sz="2000" kern="1200" dirty="0">
-                <a:solidFill>
-                  <a:schemeClr val="tx1"/>
-                </a:solidFill>
-                <a:latin typeface="+mn-lt"/>
-                <a:ea typeface="+mn-ea"/>
-                <a:cs typeface="+mn-cs"/>
-              </a:defRPr>
-            </a:lvl5pPr>
-            <a:lvl6pPr marL="2514600" indent="-228600" algn="l" defTabSz="914400" rtl="0" eaLnBrk="1" latinLnBrk="0" hangingPunct="1">
-              <a:spcBef>
-                <a:spcPct val="20000"/>
-              </a:spcBef>
-              <a:buFont typeface="Arial" pitchFamily="34" charset="0"/>
-              <a:buChar char="•"/>
-              <a:defRPr sz="2000" kern="1200">
-                <a:solidFill>
-                  <a:schemeClr val="tx1"/>
-                </a:solidFill>
-                <a:latin typeface="+mn-lt"/>
-                <a:ea typeface="+mn-ea"/>
-                <a:cs typeface="+mn-cs"/>
-              </a:defRPr>
-            </a:lvl6pPr>
-            <a:lvl7pPr marL="2971800" indent="-228600" algn="l" defTabSz="914400" rtl="0" eaLnBrk="1" latinLnBrk="0" hangingPunct="1">
-              <a:spcBef>
-                <a:spcPct val="20000"/>
-              </a:spcBef>
-              <a:buFont typeface="Arial" pitchFamily="34" charset="0"/>
-              <a:buChar char="•"/>
-              <a:defRPr sz="2000" kern="1200">
-                <a:solidFill>
-                  <a:schemeClr val="tx1"/>
-                </a:solidFill>
-                <a:latin typeface="+mn-lt"/>
-                <a:ea typeface="+mn-ea"/>
-                <a:cs typeface="+mn-cs"/>
-              </a:defRPr>
-            </a:lvl7pPr>
-            <a:lvl8pPr marL="3429000" indent="-228600" algn="l" defTabSz="914400" rtl="0" eaLnBrk="1" latinLnBrk="0" hangingPunct="1">
-              <a:spcBef>
-                <a:spcPct val="20000"/>
-              </a:spcBef>
-              <a:buFont typeface="Arial" pitchFamily="34" charset="0"/>
-              <a:buChar char="•"/>
-              <a:defRPr sz="2000" kern="1200">
-                <a:solidFill>
-                  <a:schemeClr val="tx1"/>
-                </a:solidFill>
-                <a:latin typeface="+mn-lt"/>
-                <a:ea typeface="+mn-ea"/>
-                <a:cs typeface="+mn-cs"/>
-              </a:defRPr>
-            </a:lvl8pPr>
-            <a:lvl9pPr marL="3886200" indent="-228600" algn="l" defTabSz="914400" rtl="0" eaLnBrk="1" latinLnBrk="0" hangingPunct="1">
-              <a:spcBef>
-                <a:spcPct val="20000"/>
-              </a:spcBef>
-              <a:buFont typeface="Arial" pitchFamily="34" charset="0"/>
-              <a:buChar char="•"/>
-              <a:defRPr sz="2000" kern="1200">
-                <a:solidFill>
-                  <a:schemeClr val="tx1"/>
-                </a:solidFill>
-                <a:latin typeface="+mn-lt"/>
-                <a:ea typeface="+mn-ea"/>
-                <a:cs typeface="+mn-cs"/>
-              </a:defRPr>
-            </a:lvl9pPr>
-          </a:lstStyle>
-          <a:p>
-            <a:pPr marL="0" indent="0">
-              <a:lnSpc>
-                <a:spcPct val="150000"/>
-              </a:lnSpc>
-              <a:buFont typeface="Arial" charset="0"/>
-              <a:buNone/>
-            </a:pPr>
-            <a:r>
-              <a:rPr lang="pt-BR" sz="2400" b="1" smtClean="0">
-                <a:solidFill>
-                  <a:schemeClr val="accent6">
-                    <a:lumMod val="75000"/>
-                  </a:schemeClr>
-                </a:solidFill>
-                <a:latin typeface="Corbel" panose="020B0503020204020204" pitchFamily="34" charset="0"/>
-              </a:rPr>
-              <a:t>Trabalhando com Múltiplas planilhas</a:t>
-            </a:r>
-            <a:endParaRPr lang="pt-BR" sz="2400" b="1" dirty="0" smtClean="0">
-              <a:solidFill>
-                <a:schemeClr val="accent6">
-                  <a:lumMod val="75000"/>
-                </a:schemeClr>
-              </a:solidFill>
-              <a:latin typeface="Corbel" panose="020B0503020204020204" pitchFamily="34" charset="0"/>
-            </a:endParaRPr>
-          </a:p>
-        </p:txBody>
-      </p:sp>
-    </p:spTree>
-    <p:extLst>
-      <p:ext uri="{BB962C8B-B14F-4D97-AF65-F5344CB8AC3E}">
-        <p14:creationId xmlns:p14="http://schemas.microsoft.com/office/powerpoint/2010/main" val="3585516703"/>
-      </p:ext>
-    </p:extLst>
-  </p:cSld>
-  <p:clrMapOvr>
-    <a:masterClrMapping/>
-  </p:clrMapOvr>
-  <p:timing>
-    <p:tnLst>
-      <p:par>
-        <p:cTn id="1" dur="indefinite" restart="never" nodeType="tmRoot"/>
-      </p:par>
-    </p:tnLst>
-  </p:timing>
-</p:sld>
-</file>
-
 <file path=ppt/slides/slide4.xml><?xml version="1.0" encoding="utf-8"?>
 <p:sld xmlns:a="http://schemas.openxmlformats.org/drawingml/2006/main" xmlns:r="http://schemas.openxmlformats.org/officeDocument/2006/relationships" xmlns:p="http://schemas.openxmlformats.org/presentationml/2006/main">
   <p:cSld>
@@ -22720,6 +23103,398 @@
         </p:nvSpPr>
         <p:spPr>
           <a:xfrm>
+            <a:off x="688489" y="635878"/>
+            <a:ext cx="9966325" cy="5829300"/>
+          </a:xfrm>
+        </p:spPr>
+        <p:txBody>
+          <a:bodyPr>
+            <a:noAutofit/>
+          </a:bodyPr>
+          <a:lstStyle/>
+          <a:p>
+            <a:pPr marL="0" indent="0">
+              <a:buNone/>
+            </a:pPr>
+            <a:r>
+              <a:rPr lang="pt-BR" sz="2000" dirty="0" smtClean="0"/>
+              <a:t/>
+            </a:r>
+            <a:br>
+              <a:rPr lang="pt-BR" sz="2000" dirty="0" smtClean="0"/>
+            </a:br>
+            <a:r>
+              <a:rPr lang="pt-BR" sz="2000" dirty="0" smtClean="0"/>
+              <a:t>Inserir uma nova planilha</a:t>
+            </a:r>
+          </a:p>
+          <a:p>
+            <a:pPr marL="0" indent="0">
+              <a:buNone/>
+            </a:pPr>
+            <a:r>
+              <a:rPr lang="pt-BR" sz="2000" dirty="0" smtClean="0"/>
+              <a:t>1- Botão ao lado da aba + </a:t>
+            </a:r>
+          </a:p>
+          <a:p>
+            <a:pPr marL="0" indent="0">
+              <a:buNone/>
+            </a:pPr>
+            <a:r>
+              <a:rPr lang="pt-BR" sz="2000" dirty="0" smtClean="0"/>
+              <a:t>2- Guia Pagina Inicial &gt; Grupo de Ferramenta Células &gt; Comando inserir&gt; Inserir Planilha</a:t>
+            </a:r>
+          </a:p>
+          <a:p>
+            <a:pPr marL="0" indent="0">
+              <a:buNone/>
+            </a:pPr>
+            <a:r>
+              <a:rPr lang="pt-BR" sz="2000" dirty="0" smtClean="0"/>
+              <a:t>3- Clique Esquerdo no nome da aba &gt; Inserir &gt; Planilha &gt; ok</a:t>
+            </a:r>
+          </a:p>
+          <a:p>
+            <a:pPr marL="0" indent="0">
+              <a:buNone/>
+            </a:pPr>
+            <a:r>
+              <a:rPr lang="pt-BR" sz="2000" dirty="0" smtClean="0"/>
+              <a:t>4- Selecionar na aba da planilha e arrastar para o lado com o botão “</a:t>
+            </a:r>
+            <a:r>
+              <a:rPr lang="pt-BR" sz="2000" dirty="0" err="1" smtClean="0"/>
+              <a:t>Ctrl</a:t>
+            </a:r>
+            <a:r>
+              <a:rPr lang="pt-BR" sz="2000" dirty="0" smtClean="0"/>
+              <a:t>” pressionado.</a:t>
+            </a:r>
+            <a:endParaRPr lang="pt-BR" sz="2000" dirty="0"/>
+          </a:p>
+          <a:p>
+            <a:endParaRPr lang="pt-BR" sz="2000" dirty="0" smtClean="0"/>
+          </a:p>
+          <a:p>
+            <a:r>
+              <a:rPr lang="pt-BR" sz="2000" dirty="0" smtClean="0"/>
+              <a:t>Para inserir mais de uma planilha por vez, basta selecionar mais de uma planilha e usar o comando 2, 3 ou 4.</a:t>
+            </a:r>
+          </a:p>
+          <a:p>
+            <a:r>
+              <a:rPr lang="pt-BR" sz="2000" dirty="0" smtClean="0"/>
+              <a:t>Para fazer replica/copiar de uma planilha, use os passos 2,3 ou 4.</a:t>
+            </a:r>
+          </a:p>
+          <a:p>
+            <a:endParaRPr lang="pt-BR" sz="2000" dirty="0"/>
+          </a:p>
+          <a:p>
+            <a:pPr marL="0" indent="0">
+              <a:buNone/>
+            </a:pPr>
+            <a:r>
+              <a:rPr lang="pt-BR" sz="2000" dirty="0" smtClean="0"/>
+              <a:t>Para Excluir, </a:t>
+            </a:r>
+          </a:p>
+          <a:p>
+            <a:pPr marL="342900" indent="-342900">
+              <a:buFontTx/>
+              <a:buChar char="-"/>
+            </a:pPr>
+            <a:r>
+              <a:rPr lang="pt-BR" sz="2000" dirty="0" smtClean="0"/>
+              <a:t>1- </a:t>
+            </a:r>
+            <a:r>
+              <a:rPr lang="pt-BR" sz="2000" dirty="0"/>
+              <a:t>Guia Pagina Inicial &gt; Grupo de Ferramenta </a:t>
+            </a:r>
+            <a:r>
+              <a:rPr lang="pt-BR" sz="2000" dirty="0" smtClean="0"/>
+              <a:t>Células </a:t>
+            </a:r>
+            <a:r>
+              <a:rPr lang="pt-BR" sz="2000" dirty="0"/>
+              <a:t>&gt; Comando </a:t>
+            </a:r>
+            <a:r>
+              <a:rPr lang="pt-BR" sz="2000" dirty="0" smtClean="0"/>
+              <a:t>Excluir&gt; Excluir Planilha</a:t>
+            </a:r>
+            <a:endParaRPr lang="pt-BR" sz="2000" dirty="0"/>
+          </a:p>
+          <a:p>
+            <a:pPr marL="342900" indent="-342900">
+              <a:buFontTx/>
+              <a:buChar char="-"/>
+            </a:pPr>
+            <a:r>
+              <a:rPr lang="pt-BR" sz="2000" dirty="0"/>
+              <a:t>3- Clique Esquerdo no nome da aba &gt; </a:t>
+            </a:r>
+            <a:r>
+              <a:rPr lang="pt-BR" sz="2000" dirty="0" smtClean="0"/>
+              <a:t>Excluir</a:t>
+            </a:r>
+          </a:p>
+          <a:p>
+            <a:endParaRPr lang="pt-BR" sz="2000" dirty="0"/>
+          </a:p>
+        </p:txBody>
+      </p:sp>
+      <p:sp>
+        <p:nvSpPr>
+          <p:cNvPr id="4" name="Subtítulo 2"/>
+          <p:cNvSpPr txBox="1">
+            <a:spLocks/>
+          </p:cNvSpPr>
+          <p:nvPr/>
+        </p:nvSpPr>
+        <p:spPr>
+          <a:xfrm>
+            <a:off x="210670" y="153054"/>
+            <a:ext cx="10058400" cy="718315"/>
+          </a:xfrm>
+        </p:spPr>
+        <p:txBody>
+          <a:bodyPr>
+            <a:noAutofit/>
+          </a:bodyPr>
+          <a:lstStyle>
+            <a:lvl1pPr marL="342900" indent="-342900" algn="l" rtl="0" eaLnBrk="0" fontAlgn="base" hangingPunct="0">
+              <a:spcBef>
+                <a:spcPct val="20000"/>
+              </a:spcBef>
+              <a:spcAft>
+                <a:spcPct val="0"/>
+              </a:spcAft>
+              <a:buFont typeface="Arial" charset="0"/>
+              <a:buChar char="•"/>
+              <a:defRPr lang="pt-BR" sz="2800" kern="1200" dirty="0">
+                <a:solidFill>
+                  <a:schemeClr val="tx1"/>
+                </a:solidFill>
+                <a:latin typeface="+mn-lt"/>
+                <a:ea typeface="+mn-ea"/>
+                <a:cs typeface="+mn-cs"/>
+              </a:defRPr>
+            </a:lvl1pPr>
+            <a:lvl2pPr marL="742950" indent="-285750" algn="l" rtl="0" eaLnBrk="0" fontAlgn="base" hangingPunct="0">
+              <a:spcBef>
+                <a:spcPct val="20000"/>
+              </a:spcBef>
+              <a:spcAft>
+                <a:spcPct val="0"/>
+              </a:spcAft>
+              <a:buFont typeface="Arial" charset="0"/>
+              <a:buChar char="•"/>
+              <a:defRPr lang="pt-BR" sz="2400" kern="1200" dirty="0">
+                <a:solidFill>
+                  <a:schemeClr val="tx1"/>
+                </a:solidFill>
+                <a:latin typeface="+mn-lt"/>
+                <a:ea typeface="+mn-ea"/>
+                <a:cs typeface="+mn-cs"/>
+              </a:defRPr>
+            </a:lvl2pPr>
+            <a:lvl3pPr marL="1143000" indent="-228600" algn="l" rtl="0" eaLnBrk="0" fontAlgn="base" hangingPunct="0">
+              <a:spcBef>
+                <a:spcPct val="20000"/>
+              </a:spcBef>
+              <a:spcAft>
+                <a:spcPct val="0"/>
+              </a:spcAft>
+              <a:buFont typeface="Arial" charset="0"/>
+              <a:buChar char="•"/>
+              <a:defRPr lang="pt-BR" sz="2400" kern="1200" dirty="0">
+                <a:solidFill>
+                  <a:schemeClr val="tx1"/>
+                </a:solidFill>
+                <a:latin typeface="+mn-lt"/>
+                <a:ea typeface="+mn-ea"/>
+                <a:cs typeface="+mn-cs"/>
+              </a:defRPr>
+            </a:lvl3pPr>
+            <a:lvl4pPr marL="1600200" indent="-228600" algn="l" rtl="0" eaLnBrk="0" fontAlgn="base" hangingPunct="0">
+              <a:spcBef>
+                <a:spcPct val="20000"/>
+              </a:spcBef>
+              <a:spcAft>
+                <a:spcPct val="0"/>
+              </a:spcAft>
+              <a:buFont typeface="Arial" charset="0"/>
+              <a:buChar char="•"/>
+              <a:defRPr lang="pt-BR" sz="2000" kern="1200" dirty="0">
+                <a:solidFill>
+                  <a:schemeClr val="tx1"/>
+                </a:solidFill>
+                <a:latin typeface="+mn-lt"/>
+                <a:ea typeface="+mn-ea"/>
+                <a:cs typeface="+mn-cs"/>
+              </a:defRPr>
+            </a:lvl4pPr>
+            <a:lvl5pPr marL="2057400" indent="-228600" algn="l" rtl="0" eaLnBrk="0" fontAlgn="base" hangingPunct="0">
+              <a:spcBef>
+                <a:spcPct val="20000"/>
+              </a:spcBef>
+              <a:spcAft>
+                <a:spcPct val="0"/>
+              </a:spcAft>
+              <a:buFont typeface="Arial" charset="0"/>
+              <a:buChar char="•"/>
+              <a:defRPr lang="pt-BR" sz="2000" kern="1200" dirty="0">
+                <a:solidFill>
+                  <a:schemeClr val="tx1"/>
+                </a:solidFill>
+                <a:latin typeface="+mn-lt"/>
+                <a:ea typeface="+mn-ea"/>
+                <a:cs typeface="+mn-cs"/>
+              </a:defRPr>
+            </a:lvl5pPr>
+            <a:lvl6pPr marL="2514600" indent="-228600" algn="l" defTabSz="914400" rtl="0" eaLnBrk="1" latinLnBrk="0" hangingPunct="1">
+              <a:spcBef>
+                <a:spcPct val="20000"/>
+              </a:spcBef>
+              <a:buFont typeface="Arial" pitchFamily="34" charset="0"/>
+              <a:buChar char="•"/>
+              <a:defRPr sz="2000" kern="1200">
+                <a:solidFill>
+                  <a:schemeClr val="tx1"/>
+                </a:solidFill>
+                <a:latin typeface="+mn-lt"/>
+                <a:ea typeface="+mn-ea"/>
+                <a:cs typeface="+mn-cs"/>
+              </a:defRPr>
+            </a:lvl6pPr>
+            <a:lvl7pPr marL="2971800" indent="-228600" algn="l" defTabSz="914400" rtl="0" eaLnBrk="1" latinLnBrk="0" hangingPunct="1">
+              <a:spcBef>
+                <a:spcPct val="20000"/>
+              </a:spcBef>
+              <a:buFont typeface="Arial" pitchFamily="34" charset="0"/>
+              <a:buChar char="•"/>
+              <a:defRPr sz="2000" kern="1200">
+                <a:solidFill>
+                  <a:schemeClr val="tx1"/>
+                </a:solidFill>
+                <a:latin typeface="+mn-lt"/>
+                <a:ea typeface="+mn-ea"/>
+                <a:cs typeface="+mn-cs"/>
+              </a:defRPr>
+            </a:lvl7pPr>
+            <a:lvl8pPr marL="3429000" indent="-228600" algn="l" defTabSz="914400" rtl="0" eaLnBrk="1" latinLnBrk="0" hangingPunct="1">
+              <a:spcBef>
+                <a:spcPct val="20000"/>
+              </a:spcBef>
+              <a:buFont typeface="Arial" pitchFamily="34" charset="0"/>
+              <a:buChar char="•"/>
+              <a:defRPr sz="2000" kern="1200">
+                <a:solidFill>
+                  <a:schemeClr val="tx1"/>
+                </a:solidFill>
+                <a:latin typeface="+mn-lt"/>
+                <a:ea typeface="+mn-ea"/>
+                <a:cs typeface="+mn-cs"/>
+              </a:defRPr>
+            </a:lvl8pPr>
+            <a:lvl9pPr marL="3886200" indent="-228600" algn="l" defTabSz="914400" rtl="0" eaLnBrk="1" latinLnBrk="0" hangingPunct="1">
+              <a:spcBef>
+                <a:spcPct val="20000"/>
+              </a:spcBef>
+              <a:buFont typeface="Arial" pitchFamily="34" charset="0"/>
+              <a:buChar char="•"/>
+              <a:defRPr sz="2000" kern="1200">
+                <a:solidFill>
+                  <a:schemeClr val="tx1"/>
+                </a:solidFill>
+                <a:latin typeface="+mn-lt"/>
+                <a:ea typeface="+mn-ea"/>
+                <a:cs typeface="+mn-cs"/>
+              </a:defRPr>
+            </a:lvl9pPr>
+          </a:lstStyle>
+          <a:p>
+            <a:pPr marL="0" indent="0">
+              <a:lnSpc>
+                <a:spcPct val="150000"/>
+              </a:lnSpc>
+              <a:buFont typeface="Arial" charset="0"/>
+              <a:buNone/>
+            </a:pPr>
+            <a:r>
+              <a:rPr lang="pt-BR" sz="2400" b="1" smtClean="0">
+                <a:solidFill>
+                  <a:schemeClr val="accent6">
+                    <a:lumMod val="75000"/>
+                  </a:schemeClr>
+                </a:solidFill>
+                <a:latin typeface="Corbel" panose="020B0503020204020204" pitchFamily="34" charset="0"/>
+              </a:rPr>
+              <a:t>Trabalhando com Múltiplas planilhas</a:t>
+            </a:r>
+            <a:endParaRPr lang="pt-BR" sz="2400" b="1" dirty="0" smtClean="0">
+              <a:solidFill>
+                <a:schemeClr val="accent6">
+                  <a:lumMod val="75000"/>
+                </a:schemeClr>
+              </a:solidFill>
+              <a:latin typeface="Corbel" panose="020B0503020204020204" pitchFamily="34" charset="0"/>
+            </a:endParaRPr>
+          </a:p>
+        </p:txBody>
+      </p:sp>
+    </p:spTree>
+    <p:extLst>
+      <p:ext uri="{BB962C8B-B14F-4D97-AF65-F5344CB8AC3E}">
+        <p14:creationId xmlns:p14="http://schemas.microsoft.com/office/powerpoint/2010/main" val="3585516703"/>
+      </p:ext>
+    </p:extLst>
+  </p:cSld>
+  <p:clrMapOvr>
+    <a:masterClrMapping/>
+  </p:clrMapOvr>
+  <p:timing>
+    <p:tnLst>
+      <p:par>
+        <p:cTn id="1" dur="indefinite" restart="never" nodeType="tmRoot"/>
+      </p:par>
+    </p:tnLst>
+  </p:timing>
+</p:sld>
+</file>
+
+<file path=ppt/slides/slide41.xml><?xml version="1.0" encoding="utf-8"?>
+<p:sld xmlns:a="http://schemas.openxmlformats.org/drawingml/2006/main" xmlns:r="http://schemas.openxmlformats.org/officeDocument/2006/relationships" xmlns:p="http://schemas.openxmlformats.org/presentationml/2006/main">
+  <p:cSld>
+    <p:spTree>
+      <p:nvGrpSpPr>
+        <p:cNvPr id="1" name=""/>
+        <p:cNvGrpSpPr/>
+        <p:nvPr/>
+      </p:nvGrpSpPr>
+      <p:grpSpPr>
+        <a:xfrm>
+          <a:off x="0" y="0"/>
+          <a:ext cx="0" cy="0"/>
+          <a:chOff x="0" y="0"/>
+          <a:chExt cx="0" cy="0"/>
+        </a:xfrm>
+      </p:grpSpPr>
+      <p:sp>
+        <p:nvSpPr>
+          <p:cNvPr id="3" name="Subtítulo 1"/>
+          <p:cNvSpPr>
+            <a:spLocks noGrp="1"/>
+          </p:cNvSpPr>
+          <p:nvPr>
+            <p:ph type="subTitle" idx="4294967295"/>
+          </p:nvPr>
+        </p:nvSpPr>
+        <p:spPr>
+          <a:xfrm>
             <a:off x="1096122" y="807851"/>
             <a:ext cx="9966325" cy="5495925"/>
           </a:xfrm>
@@ -23096,7 +23871,7 @@
 </p:sld>
 </file>
 
-<file path=ppt/slides/slide41.xml><?xml version="1.0" encoding="utf-8"?>
+<file path=ppt/slides/slide42.xml><?xml version="1.0" encoding="utf-8"?>
 <p:sld xmlns:a="http://schemas.openxmlformats.org/drawingml/2006/main" xmlns:r="http://schemas.openxmlformats.org/officeDocument/2006/relationships" xmlns:p="http://schemas.openxmlformats.org/presentationml/2006/main">
   <p:cSld>
     <p:spTree>
@@ -23712,7 +24487,7 @@
 </p:sld>
 </file>
 
-<file path=ppt/slides/slide42.xml><?xml version="1.0" encoding="utf-8"?>
+<file path=ppt/slides/slide43.xml><?xml version="1.0" encoding="utf-8"?>
 <p:sld xmlns:a="http://schemas.openxmlformats.org/drawingml/2006/main" xmlns:r="http://schemas.openxmlformats.org/officeDocument/2006/relationships" xmlns:p="http://schemas.openxmlformats.org/presentationml/2006/main">
   <p:cSld>
     <p:spTree>
@@ -23754,10 +24529,12 @@
             <a:pPr algn="just"/>
             <a:r>
               <a:rPr lang="pt-BR" sz="1800" dirty="0" smtClean="0"/>
-              <a:t>Com o resultado do exercício anterior, demonstre em uma única tabela por conta e filial como está a distribuição das despesas da empresa.</a:t>
-            </a:r>
-          </a:p>
-          <a:p>
+              <a:t>Com o resultado do exercício anterior, demonstre em uma única tabela por conta e filial como está a </a:t>
+            </a:r>
+            <a:r>
+              <a:rPr lang="pt-BR" sz="1800" dirty="0" smtClean="0"/>
+              <a:t>Despesa consolidada e a distribuição percentual por Filia. Depois, do Grupo TOTAL, como esta a distribuição por Conta?</a:t>
+            </a:r>
             <a:endParaRPr lang="pt-BR" sz="1800" dirty="0"/>
           </a:p>
           <a:p>
@@ -23998,8 +24775,13 @@
           <a:p>
             <a:r>
               <a:rPr lang="pt-BR" sz="1800" dirty="0" smtClean="0"/>
-              <a:t>Apresente como seria a grade de rateio por Conta e por Unidade.</a:t>
-            </a:r>
+              <a:t>Apresente como seria a grade de rateio por </a:t>
+            </a:r>
+            <a:r>
+              <a:rPr lang="pt-BR" sz="1800" dirty="0" smtClean="0"/>
+              <a:t>Conta de Cada Filial. </a:t>
+            </a:r>
+            <a:endParaRPr lang="pt-BR" sz="1800" dirty="0" smtClean="0"/>
           </a:p>
           <a:p>
             <a:endParaRPr lang="pt-BR" sz="1800" dirty="0"/>
@@ -24264,7 +25046,7 @@
 </p:sld>
 </file>
 
-<file path=ppt/slides/slide43.xml><?xml version="1.0" encoding="utf-8"?>
+<file path=ppt/slides/slide44.xml><?xml version="1.0" encoding="utf-8"?>
 <p:sld xmlns:a="http://schemas.openxmlformats.org/drawingml/2006/main" xmlns:r="http://schemas.openxmlformats.org/officeDocument/2006/relationships" xmlns:p="http://schemas.openxmlformats.org/presentationml/2006/main">
   <p:cSld>
     <p:spTree>
@@ -24333,8 +25115,13 @@
             <a:pPr algn="just"/>
             <a:r>
               <a:rPr lang="pt-BR" sz="1800" dirty="0" smtClean="0"/>
-              <a:t>3) Após distribuir as despesas por conta, ele fará a divisão por filial e matriz usando proporção do total.</a:t>
-            </a:r>
+              <a:t>3) Após distribuir as despesas por conta, ele fará a divisão por filial e matriz usando </a:t>
+            </a:r>
+            <a:r>
+              <a:rPr lang="pt-BR" sz="1800" dirty="0" smtClean="0"/>
+              <a:t>proporção ente as filiais por conta.</a:t>
+            </a:r>
+            <a:endParaRPr lang="pt-BR" sz="1800" dirty="0" smtClean="0"/>
           </a:p>
           <a:p>
             <a:pPr algn="just"/>
@@ -24831,7 +25618,7 @@
 </p:sld>
 </file>
 
-<file path=ppt/slides/slide44.xml><?xml version="1.0" encoding="utf-8"?>
+<file path=ppt/slides/slide45.xml><?xml version="1.0" encoding="utf-8"?>
 <p:sld xmlns:a="http://schemas.openxmlformats.org/drawingml/2006/main" xmlns:r="http://schemas.openxmlformats.org/officeDocument/2006/relationships" xmlns:p="http://schemas.openxmlformats.org/presentationml/2006/main">
   <p:cSld>
     <p:spTree>
@@ -25544,417 +26331,6 @@
 </p:sld>
 </file>
 
-<file path=ppt/slides/slide45.xml><?xml version="1.0" encoding="utf-8"?>
-<p:sld xmlns:a="http://schemas.openxmlformats.org/drawingml/2006/main" xmlns:r="http://schemas.openxmlformats.org/officeDocument/2006/relationships" xmlns:p="http://schemas.openxmlformats.org/presentationml/2006/main">
-  <p:cSld>
-    <p:spTree>
-      <p:nvGrpSpPr>
-        <p:cNvPr id="1" name=""/>
-        <p:cNvGrpSpPr/>
-        <p:nvPr/>
-      </p:nvGrpSpPr>
-      <p:grpSpPr>
-        <a:xfrm>
-          <a:off x="0" y="0"/>
-          <a:ext cx="0" cy="0"/>
-          <a:chOff x="0" y="0"/>
-          <a:chExt cx="0" cy="0"/>
-        </a:xfrm>
-      </p:grpSpPr>
-      <p:sp>
-        <p:nvSpPr>
-          <p:cNvPr id="6" name="Subtítulo 2"/>
-          <p:cNvSpPr txBox="1">
-            <a:spLocks/>
-          </p:cNvSpPr>
-          <p:nvPr/>
-        </p:nvSpPr>
-        <p:spPr>
-          <a:xfrm>
-            <a:off x="210670" y="153054"/>
-            <a:ext cx="10058400" cy="718315"/>
-          </a:xfrm>
-        </p:spPr>
-        <p:txBody>
-          <a:bodyPr>
-            <a:noAutofit/>
-          </a:bodyPr>
-          <a:lstStyle>
-            <a:lvl1pPr marL="342900" indent="-342900" algn="l" rtl="0" eaLnBrk="0" fontAlgn="base" hangingPunct="0">
-              <a:spcBef>
-                <a:spcPct val="20000"/>
-              </a:spcBef>
-              <a:spcAft>
-                <a:spcPct val="0"/>
-              </a:spcAft>
-              <a:buFont typeface="Arial" charset="0"/>
-              <a:buChar char="•"/>
-              <a:defRPr lang="pt-BR" sz="2800" kern="1200" dirty="0">
-                <a:solidFill>
-                  <a:schemeClr val="tx1"/>
-                </a:solidFill>
-                <a:latin typeface="+mn-lt"/>
-                <a:ea typeface="+mn-ea"/>
-                <a:cs typeface="+mn-cs"/>
-              </a:defRPr>
-            </a:lvl1pPr>
-            <a:lvl2pPr marL="742950" indent="-285750" algn="l" rtl="0" eaLnBrk="0" fontAlgn="base" hangingPunct="0">
-              <a:spcBef>
-                <a:spcPct val="20000"/>
-              </a:spcBef>
-              <a:spcAft>
-                <a:spcPct val="0"/>
-              </a:spcAft>
-              <a:buFont typeface="Arial" charset="0"/>
-              <a:buChar char="•"/>
-              <a:defRPr lang="pt-BR" sz="2400" kern="1200" dirty="0">
-                <a:solidFill>
-                  <a:schemeClr val="tx1"/>
-                </a:solidFill>
-                <a:latin typeface="+mn-lt"/>
-                <a:ea typeface="+mn-ea"/>
-                <a:cs typeface="+mn-cs"/>
-              </a:defRPr>
-            </a:lvl2pPr>
-            <a:lvl3pPr marL="1143000" indent="-228600" algn="l" rtl="0" eaLnBrk="0" fontAlgn="base" hangingPunct="0">
-              <a:spcBef>
-                <a:spcPct val="20000"/>
-              </a:spcBef>
-              <a:spcAft>
-                <a:spcPct val="0"/>
-              </a:spcAft>
-              <a:buFont typeface="Arial" charset="0"/>
-              <a:buChar char="•"/>
-              <a:defRPr lang="pt-BR" sz="2400" kern="1200" dirty="0">
-                <a:solidFill>
-                  <a:schemeClr val="tx1"/>
-                </a:solidFill>
-                <a:latin typeface="+mn-lt"/>
-                <a:ea typeface="+mn-ea"/>
-                <a:cs typeface="+mn-cs"/>
-              </a:defRPr>
-            </a:lvl3pPr>
-            <a:lvl4pPr marL="1600200" indent="-228600" algn="l" rtl="0" eaLnBrk="0" fontAlgn="base" hangingPunct="0">
-              <a:spcBef>
-                <a:spcPct val="20000"/>
-              </a:spcBef>
-              <a:spcAft>
-                <a:spcPct val="0"/>
-              </a:spcAft>
-              <a:buFont typeface="Arial" charset="0"/>
-              <a:buChar char="•"/>
-              <a:defRPr lang="pt-BR" sz="2000" kern="1200" dirty="0">
-                <a:solidFill>
-                  <a:schemeClr val="tx1"/>
-                </a:solidFill>
-                <a:latin typeface="+mn-lt"/>
-                <a:ea typeface="+mn-ea"/>
-                <a:cs typeface="+mn-cs"/>
-              </a:defRPr>
-            </a:lvl4pPr>
-            <a:lvl5pPr marL="2057400" indent="-228600" algn="l" rtl="0" eaLnBrk="0" fontAlgn="base" hangingPunct="0">
-              <a:spcBef>
-                <a:spcPct val="20000"/>
-              </a:spcBef>
-              <a:spcAft>
-                <a:spcPct val="0"/>
-              </a:spcAft>
-              <a:buFont typeface="Arial" charset="0"/>
-              <a:buChar char="•"/>
-              <a:defRPr lang="pt-BR" sz="2000" kern="1200" dirty="0">
-                <a:solidFill>
-                  <a:schemeClr val="tx1"/>
-                </a:solidFill>
-                <a:latin typeface="+mn-lt"/>
-                <a:ea typeface="+mn-ea"/>
-                <a:cs typeface="+mn-cs"/>
-              </a:defRPr>
-            </a:lvl5pPr>
-            <a:lvl6pPr marL="2514600" indent="-228600" algn="l" defTabSz="914400" rtl="0" eaLnBrk="1" latinLnBrk="0" hangingPunct="1">
-              <a:spcBef>
-                <a:spcPct val="20000"/>
-              </a:spcBef>
-              <a:buFont typeface="Arial" pitchFamily="34" charset="0"/>
-              <a:buChar char="•"/>
-              <a:defRPr sz="2000" kern="1200">
-                <a:solidFill>
-                  <a:schemeClr val="tx1"/>
-                </a:solidFill>
-                <a:latin typeface="+mn-lt"/>
-                <a:ea typeface="+mn-ea"/>
-                <a:cs typeface="+mn-cs"/>
-              </a:defRPr>
-            </a:lvl6pPr>
-            <a:lvl7pPr marL="2971800" indent="-228600" algn="l" defTabSz="914400" rtl="0" eaLnBrk="1" latinLnBrk="0" hangingPunct="1">
-              <a:spcBef>
-                <a:spcPct val="20000"/>
-              </a:spcBef>
-              <a:buFont typeface="Arial" pitchFamily="34" charset="0"/>
-              <a:buChar char="•"/>
-              <a:defRPr sz="2000" kern="1200">
-                <a:solidFill>
-                  <a:schemeClr val="tx1"/>
-                </a:solidFill>
-                <a:latin typeface="+mn-lt"/>
-                <a:ea typeface="+mn-ea"/>
-                <a:cs typeface="+mn-cs"/>
-              </a:defRPr>
-            </a:lvl7pPr>
-            <a:lvl8pPr marL="3429000" indent="-228600" algn="l" defTabSz="914400" rtl="0" eaLnBrk="1" latinLnBrk="0" hangingPunct="1">
-              <a:spcBef>
-                <a:spcPct val="20000"/>
-              </a:spcBef>
-              <a:buFont typeface="Arial" pitchFamily="34" charset="0"/>
-              <a:buChar char="•"/>
-              <a:defRPr sz="2000" kern="1200">
-                <a:solidFill>
-                  <a:schemeClr val="tx1"/>
-                </a:solidFill>
-                <a:latin typeface="+mn-lt"/>
-                <a:ea typeface="+mn-ea"/>
-                <a:cs typeface="+mn-cs"/>
-              </a:defRPr>
-            </a:lvl8pPr>
-            <a:lvl9pPr marL="3886200" indent="-228600" algn="l" defTabSz="914400" rtl="0" eaLnBrk="1" latinLnBrk="0" hangingPunct="1">
-              <a:spcBef>
-                <a:spcPct val="20000"/>
-              </a:spcBef>
-              <a:buFont typeface="Arial" pitchFamily="34" charset="0"/>
-              <a:buChar char="•"/>
-              <a:defRPr sz="2000" kern="1200">
-                <a:solidFill>
-                  <a:schemeClr val="tx1"/>
-                </a:solidFill>
-                <a:latin typeface="+mn-lt"/>
-                <a:ea typeface="+mn-ea"/>
-                <a:cs typeface="+mn-cs"/>
-              </a:defRPr>
-            </a:lvl9pPr>
-          </a:lstStyle>
-          <a:p>
-            <a:pPr marL="0" indent="0">
-              <a:lnSpc>
-                <a:spcPct val="150000"/>
-              </a:lnSpc>
-              <a:buFont typeface="Arial" charset="0"/>
-              <a:buNone/>
-            </a:pPr>
-            <a:r>
-              <a:rPr lang="pt-BR" sz="2400" b="1" dirty="0" smtClean="0">
-                <a:solidFill>
-                  <a:schemeClr val="accent6">
-                    <a:lumMod val="75000"/>
-                  </a:schemeClr>
-                </a:solidFill>
-                <a:latin typeface="Corbel" panose="020B0503020204020204" pitchFamily="34" charset="0"/>
-              </a:rPr>
-              <a:t>Atividade</a:t>
-            </a:r>
-          </a:p>
-        </p:txBody>
-      </p:sp>
-      <p:sp>
-        <p:nvSpPr>
-          <p:cNvPr id="11" name="Subtítulo 1"/>
-          <p:cNvSpPr txBox="1">
-            <a:spLocks/>
-          </p:cNvSpPr>
-          <p:nvPr/>
-        </p:nvSpPr>
-        <p:spPr>
-          <a:xfrm>
-            <a:off x="692971" y="1913794"/>
-            <a:ext cx="10896600" cy="2817812"/>
-          </a:xfrm>
-        </p:spPr>
-        <p:txBody>
-          <a:bodyPr>
-            <a:noAutofit/>
-          </a:bodyPr>
-          <a:lstStyle>
-            <a:lvl1pPr marL="342900" indent="-342900" algn="l" rtl="0" eaLnBrk="0" fontAlgn="base" hangingPunct="0">
-              <a:spcBef>
-                <a:spcPct val="20000"/>
-              </a:spcBef>
-              <a:spcAft>
-                <a:spcPct val="0"/>
-              </a:spcAft>
-              <a:buFont typeface="Arial" charset="0"/>
-              <a:buChar char="•"/>
-              <a:defRPr lang="pt-BR" sz="2800" kern="1200" dirty="0">
-                <a:solidFill>
-                  <a:schemeClr val="tx1"/>
-                </a:solidFill>
-                <a:latin typeface="+mn-lt"/>
-                <a:ea typeface="+mn-ea"/>
-                <a:cs typeface="+mn-cs"/>
-              </a:defRPr>
-            </a:lvl1pPr>
-            <a:lvl2pPr marL="742950" indent="-285750" algn="l" rtl="0" eaLnBrk="0" fontAlgn="base" hangingPunct="0">
-              <a:spcBef>
-                <a:spcPct val="20000"/>
-              </a:spcBef>
-              <a:spcAft>
-                <a:spcPct val="0"/>
-              </a:spcAft>
-              <a:buFont typeface="Arial" charset="0"/>
-              <a:buChar char="•"/>
-              <a:defRPr lang="pt-BR" sz="2400" kern="1200" dirty="0">
-                <a:solidFill>
-                  <a:schemeClr val="tx1"/>
-                </a:solidFill>
-                <a:latin typeface="+mn-lt"/>
-                <a:ea typeface="+mn-ea"/>
-                <a:cs typeface="+mn-cs"/>
-              </a:defRPr>
-            </a:lvl2pPr>
-            <a:lvl3pPr marL="1143000" indent="-228600" algn="l" rtl="0" eaLnBrk="0" fontAlgn="base" hangingPunct="0">
-              <a:spcBef>
-                <a:spcPct val="20000"/>
-              </a:spcBef>
-              <a:spcAft>
-                <a:spcPct val="0"/>
-              </a:spcAft>
-              <a:buFont typeface="Arial" charset="0"/>
-              <a:buChar char="•"/>
-              <a:defRPr lang="pt-BR" sz="2400" kern="1200" dirty="0">
-                <a:solidFill>
-                  <a:schemeClr val="tx1"/>
-                </a:solidFill>
-                <a:latin typeface="+mn-lt"/>
-                <a:ea typeface="+mn-ea"/>
-                <a:cs typeface="+mn-cs"/>
-              </a:defRPr>
-            </a:lvl3pPr>
-            <a:lvl4pPr marL="1600200" indent="-228600" algn="l" rtl="0" eaLnBrk="0" fontAlgn="base" hangingPunct="0">
-              <a:spcBef>
-                <a:spcPct val="20000"/>
-              </a:spcBef>
-              <a:spcAft>
-                <a:spcPct val="0"/>
-              </a:spcAft>
-              <a:buFont typeface="Arial" charset="0"/>
-              <a:buChar char="•"/>
-              <a:defRPr lang="pt-BR" sz="2000" kern="1200" dirty="0">
-                <a:solidFill>
-                  <a:schemeClr val="tx1"/>
-                </a:solidFill>
-                <a:latin typeface="+mn-lt"/>
-                <a:ea typeface="+mn-ea"/>
-                <a:cs typeface="+mn-cs"/>
-              </a:defRPr>
-            </a:lvl4pPr>
-            <a:lvl5pPr marL="2057400" indent="-228600" algn="l" rtl="0" eaLnBrk="0" fontAlgn="base" hangingPunct="0">
-              <a:spcBef>
-                <a:spcPct val="20000"/>
-              </a:spcBef>
-              <a:spcAft>
-                <a:spcPct val="0"/>
-              </a:spcAft>
-              <a:buFont typeface="Arial" charset="0"/>
-              <a:buChar char="•"/>
-              <a:defRPr lang="pt-BR" sz="2000" kern="1200" dirty="0">
-                <a:solidFill>
-                  <a:schemeClr val="tx1"/>
-                </a:solidFill>
-                <a:latin typeface="+mn-lt"/>
-                <a:ea typeface="+mn-ea"/>
-                <a:cs typeface="+mn-cs"/>
-              </a:defRPr>
-            </a:lvl5pPr>
-            <a:lvl6pPr marL="2514600" indent="-228600" algn="l" defTabSz="914400" rtl="0" eaLnBrk="1" latinLnBrk="0" hangingPunct="1">
-              <a:spcBef>
-                <a:spcPct val="20000"/>
-              </a:spcBef>
-              <a:buFont typeface="Arial" pitchFamily="34" charset="0"/>
-              <a:buChar char="•"/>
-              <a:defRPr sz="2000" kern="1200">
-                <a:solidFill>
-                  <a:schemeClr val="tx1"/>
-                </a:solidFill>
-                <a:latin typeface="+mn-lt"/>
-                <a:ea typeface="+mn-ea"/>
-                <a:cs typeface="+mn-cs"/>
-              </a:defRPr>
-            </a:lvl6pPr>
-            <a:lvl7pPr marL="2971800" indent="-228600" algn="l" defTabSz="914400" rtl="0" eaLnBrk="1" latinLnBrk="0" hangingPunct="1">
-              <a:spcBef>
-                <a:spcPct val="20000"/>
-              </a:spcBef>
-              <a:buFont typeface="Arial" pitchFamily="34" charset="0"/>
-              <a:buChar char="•"/>
-              <a:defRPr sz="2000" kern="1200">
-                <a:solidFill>
-                  <a:schemeClr val="tx1"/>
-                </a:solidFill>
-                <a:latin typeface="+mn-lt"/>
-                <a:ea typeface="+mn-ea"/>
-                <a:cs typeface="+mn-cs"/>
-              </a:defRPr>
-            </a:lvl7pPr>
-            <a:lvl8pPr marL="3429000" indent="-228600" algn="l" defTabSz="914400" rtl="0" eaLnBrk="1" latinLnBrk="0" hangingPunct="1">
-              <a:spcBef>
-                <a:spcPct val="20000"/>
-              </a:spcBef>
-              <a:buFont typeface="Arial" pitchFamily="34" charset="0"/>
-              <a:buChar char="•"/>
-              <a:defRPr sz="2000" kern="1200">
-                <a:solidFill>
-                  <a:schemeClr val="tx1"/>
-                </a:solidFill>
-                <a:latin typeface="+mn-lt"/>
-                <a:ea typeface="+mn-ea"/>
-                <a:cs typeface="+mn-cs"/>
-              </a:defRPr>
-            </a:lvl8pPr>
-            <a:lvl9pPr marL="3886200" indent="-228600" algn="l" defTabSz="914400" rtl="0" eaLnBrk="1" latinLnBrk="0" hangingPunct="1">
-              <a:spcBef>
-                <a:spcPct val="20000"/>
-              </a:spcBef>
-              <a:buFont typeface="Arial" pitchFamily="34" charset="0"/>
-              <a:buChar char="•"/>
-              <a:defRPr sz="2000" kern="1200">
-                <a:solidFill>
-                  <a:schemeClr val="tx1"/>
-                </a:solidFill>
-                <a:latin typeface="+mn-lt"/>
-                <a:ea typeface="+mn-ea"/>
-                <a:cs typeface="+mn-cs"/>
-              </a:defRPr>
-            </a:lvl9pPr>
-          </a:lstStyle>
-          <a:p>
-            <a:pPr marL="0" indent="0">
-              <a:buFont typeface="Arial" charset="0"/>
-              <a:buNone/>
-            </a:pPr>
-            <a:r>
-              <a:rPr lang="pt-BR" sz="1800" dirty="0" smtClean="0"/>
-              <a:t>Usar material PROCV PROCH</a:t>
-            </a:r>
-          </a:p>
-        </p:txBody>
-      </p:sp>
-    </p:spTree>
-    <p:extLst>
-      <p:ext uri="{BB962C8B-B14F-4D97-AF65-F5344CB8AC3E}">
-        <p14:creationId xmlns:p14="http://schemas.microsoft.com/office/powerpoint/2010/main" val="1602921918"/>
-      </p:ext>
-    </p:extLst>
-  </p:cSld>
-  <p:clrMapOvr>
-    <a:masterClrMapping/>
-  </p:clrMapOvr>
-  <p:timing>
-    <p:tnLst>
-      <p:par>
-        <p:cTn id="1" dur="indefinite" restart="never" nodeType="tmRoot"/>
-      </p:par>
-    </p:tnLst>
-  </p:timing>
-</p:sld>
-</file>
-
 <file path=ppt/slides/slide46.xml><?xml version="1.0" encoding="utf-8"?>
 <p:sld xmlns:a="http://schemas.openxmlformats.org/drawingml/2006/main" xmlns:r="http://schemas.openxmlformats.org/officeDocument/2006/relationships" xmlns:p="http://schemas.openxmlformats.org/presentationml/2006/main">
   <p:cSld>
@@ -26159,7 +26535,7 @@
                 </a:solidFill>
                 <a:latin typeface="Corbel" panose="020B0503020204020204" pitchFamily="34" charset="0"/>
               </a:rPr>
-              <a:t>Comandos com Listas</a:t>
+              <a:t>Atividade</a:t>
             </a:r>
           </a:p>
         </p:txBody>
@@ -26340,76 +26716,8 @@
               <a:buNone/>
             </a:pPr>
             <a:r>
-              <a:rPr lang="pt-BR" sz="1800" dirty="0" smtClean="0">
-                <a:latin typeface="Corbel" panose="020B0503020204020204" pitchFamily="34" charset="0"/>
-              </a:rPr>
-              <a:t>O Excel Permite Classificar as listas automaticamente de acordo com regras pré-estabelecidas (ordem numérica ou ordem alfabética) ou ainda baseada nas lista nativas e personalizadas.</a:t>
-            </a:r>
-          </a:p>
-          <a:p>
-            <a:pPr marL="0" indent="0">
-              <a:buFont typeface="Arial" charset="0"/>
-              <a:buNone/>
-            </a:pPr>
-            <a:endParaRPr lang="pt-BR" sz="1800" dirty="0">
-              <a:latin typeface="Corbel" panose="020B0503020204020204" pitchFamily="34" charset="0"/>
-            </a:endParaRPr>
-          </a:p>
-          <a:p>
-            <a:pPr marL="0" indent="0">
-              <a:buFont typeface="Arial" charset="0"/>
-              <a:buNone/>
-            </a:pPr>
-            <a:r>
-              <a:rPr lang="pt-BR" sz="1800" dirty="0" smtClean="0">
-                <a:latin typeface="Corbel" panose="020B0503020204020204" pitchFamily="34" charset="0"/>
-              </a:rPr>
-              <a:t>Listas nativas do Excel são aquelas já instaladas com o programa : dias da semana, nome do mês</a:t>
-            </a:r>
-          </a:p>
-          <a:p>
-            <a:pPr marL="0" indent="0">
-              <a:buFont typeface="Arial" charset="0"/>
-              <a:buNone/>
-            </a:pPr>
-            <a:r>
-              <a:rPr lang="pt-BR" sz="1800" dirty="0" smtClean="0">
-                <a:latin typeface="Corbel" panose="020B0503020204020204" pitchFamily="34" charset="0"/>
-              </a:rPr>
-              <a:t>Listas personalizadas: qualquer uma criada pelo próprio usuário.</a:t>
-            </a:r>
-          </a:p>
-          <a:p>
-            <a:pPr marL="0" indent="0">
-              <a:buFont typeface="Arial" charset="0"/>
-              <a:buNone/>
-            </a:pPr>
-            <a:endParaRPr lang="pt-BR" sz="1800" dirty="0">
-              <a:latin typeface="Corbel" panose="020B0503020204020204" pitchFamily="34" charset="0"/>
-            </a:endParaRPr>
-          </a:p>
-          <a:p>
-            <a:pPr marL="0" indent="0">
-              <a:buFont typeface="Arial" charset="0"/>
-              <a:buNone/>
-            </a:pPr>
-            <a:r>
-              <a:rPr lang="pt-BR" sz="1800" dirty="0" smtClean="0">
-                <a:latin typeface="Corbel" panose="020B0503020204020204" pitchFamily="34" charset="0"/>
-              </a:rPr>
-              <a:t>Fazer ordenação: Guia Dados, grupo classificar e Filtrar, comando classificar</a:t>
-            </a:r>
-          </a:p>
-          <a:p>
-            <a:pPr marL="0" indent="0">
-              <a:buFont typeface="Arial" charset="0"/>
-              <a:buNone/>
-            </a:pPr>
-            <a:r>
-              <a:rPr lang="pt-BR" sz="1800" dirty="0" smtClean="0">
-                <a:latin typeface="Corbel" panose="020B0503020204020204" pitchFamily="34" charset="0"/>
-              </a:rPr>
-              <a:t>Criar lista personalizada: guia Arquivo , Opções, Avançado, Geral, Editar lista Personalizada</a:t>
+              <a:rPr lang="pt-BR" sz="1800" dirty="0" smtClean="0"/>
+              <a:t>Usar material PROCV PROCH</a:t>
             </a:r>
           </a:p>
         </p:txBody>
@@ -26417,7 +26725,7 @@
     </p:spTree>
     <p:extLst>
       <p:ext uri="{BB962C8B-B14F-4D97-AF65-F5344CB8AC3E}">
-        <p14:creationId xmlns:p14="http://schemas.microsoft.com/office/powerpoint/2010/main" val="1929754879"/>
+        <p14:creationId xmlns:p14="http://schemas.microsoft.com/office/powerpoint/2010/main" val="1602921918"/>
       </p:ext>
     </p:extLst>
   </p:cSld>
@@ -26435,7 +26743,7 @@
 </file>
 
 <file path=ppt/slides/slide47.xml><?xml version="1.0" encoding="utf-8"?>
-<p:sld xmlns:a="http://schemas.openxmlformats.org/drawingml/2006/main" xmlns:r="http://schemas.openxmlformats.org/officeDocument/2006/relationships" xmlns:p="http://schemas.openxmlformats.org/presentationml/2006/main" show="0">
+<p:sld xmlns:a="http://schemas.openxmlformats.org/drawingml/2006/main" xmlns:r="http://schemas.openxmlformats.org/officeDocument/2006/relationships" xmlns:p="http://schemas.openxmlformats.org/presentationml/2006/main">
   <p:cSld>
     <p:spTree>
       <p:nvGrpSpPr>
@@ -26453,239 +26761,7 @@
       </p:grpSpPr>
       <p:sp>
         <p:nvSpPr>
-          <p:cNvPr id="3" name="Subtítulo 1"/>
-          <p:cNvSpPr>
-            <a:spLocks noGrp="1"/>
-          </p:cNvSpPr>
-          <p:nvPr>
-            <p:ph type="subTitle" idx="4294967295"/>
-          </p:nvPr>
-        </p:nvSpPr>
-        <p:spPr>
-          <a:xfrm>
-            <a:off x="484095" y="754063"/>
-            <a:ext cx="11707906" cy="5495925"/>
-          </a:xfrm>
-        </p:spPr>
-        <p:txBody>
-          <a:bodyPr>
-            <a:noAutofit/>
-          </a:bodyPr>
-          <a:lstStyle/>
-          <a:p>
-            <a:pPr algn="just"/>
-            <a:endParaRPr lang="pt-BR" sz="2000" dirty="0" smtClean="0"/>
-          </a:p>
-          <a:p>
-            <a:pPr marL="0" indent="0" algn="just">
-              <a:buNone/>
-            </a:pPr>
-            <a:r>
-              <a:rPr lang="pt-BR" sz="2000" dirty="0" smtClean="0"/>
-              <a:t>Fazer </a:t>
-            </a:r>
-            <a:r>
-              <a:rPr lang="pt-BR" sz="2000" dirty="0"/>
-              <a:t>um relatório </a:t>
-            </a:r>
-            <a:r>
-              <a:rPr lang="pt-BR" sz="2000" dirty="0" smtClean="0"/>
-              <a:t>do </a:t>
-            </a:r>
-            <a:r>
-              <a:rPr lang="pt-BR" sz="2000" dirty="0"/>
-              <a:t>fluxo de caixa diário para 1 ano.</a:t>
-            </a:r>
-          </a:p>
-          <a:p>
-            <a:pPr algn="just"/>
-            <a:r>
-              <a:rPr lang="pt-BR" sz="2000" dirty="0" smtClean="0"/>
-              <a:t>1- Cada </a:t>
-            </a:r>
-            <a:r>
-              <a:rPr lang="pt-BR" sz="2000" dirty="0"/>
-              <a:t>mês será em uma Planilha diferente</a:t>
-            </a:r>
-          </a:p>
-          <a:p>
-            <a:pPr algn="just"/>
-            <a:r>
-              <a:rPr lang="pt-BR" sz="2000" dirty="0" smtClean="0"/>
-              <a:t>2 -Inicia </a:t>
-            </a:r>
-            <a:r>
-              <a:rPr lang="pt-BR" sz="2000" dirty="0"/>
-              <a:t>em </a:t>
-            </a:r>
-            <a:r>
-              <a:rPr lang="pt-BR" sz="2000" dirty="0" smtClean="0"/>
-              <a:t>01/01/2017 com 0 de saldo Inicial. </a:t>
-            </a:r>
-            <a:r>
-              <a:rPr lang="pt-BR" sz="2000" dirty="0"/>
-              <a:t>Termina em </a:t>
-            </a:r>
-            <a:r>
-              <a:rPr lang="pt-BR" sz="2000" dirty="0" smtClean="0"/>
-              <a:t>31/12/2017.</a:t>
-            </a:r>
-            <a:endParaRPr lang="pt-BR" sz="2000" dirty="0"/>
-          </a:p>
-          <a:p>
-            <a:pPr algn="just"/>
-            <a:r>
-              <a:rPr lang="pt-BR" sz="2000" dirty="0" smtClean="0"/>
-              <a:t>3- </a:t>
-            </a:r>
-            <a:r>
-              <a:rPr lang="pt-BR" sz="2000" dirty="0"/>
-              <a:t>Toda terça tem pagamento de fornecedor no valor de 9.000 e às terças de 8.000.</a:t>
-            </a:r>
-            <a:endParaRPr lang="pt-BR" sz="2000" dirty="0" smtClean="0"/>
-          </a:p>
-          <a:p>
-            <a:pPr algn="just"/>
-            <a:r>
-              <a:rPr lang="pt-BR" sz="2000" dirty="0" smtClean="0"/>
-              <a:t>4 -Todo </a:t>
-            </a:r>
-            <a:r>
-              <a:rPr lang="pt-BR" sz="2000" dirty="0"/>
-              <a:t>dia </a:t>
-            </a:r>
-            <a:r>
-              <a:rPr lang="pt-BR" sz="2000" dirty="0" smtClean="0"/>
-              <a:t>5 </a:t>
-            </a:r>
-            <a:r>
-              <a:rPr lang="pt-BR" sz="2000" dirty="0"/>
-              <a:t>e dia </a:t>
-            </a:r>
-            <a:r>
-              <a:rPr lang="pt-BR" sz="2000" dirty="0" smtClean="0"/>
-              <a:t>20 </a:t>
-            </a:r>
-            <a:r>
-              <a:rPr lang="pt-BR" sz="2000" dirty="0"/>
-              <a:t>de cada mês tem despesa adicional de </a:t>
-            </a:r>
-            <a:r>
-              <a:rPr lang="pt-BR" sz="2000" dirty="0" smtClean="0"/>
-              <a:t>15.000 </a:t>
-            </a:r>
-            <a:r>
-              <a:rPr lang="pt-BR" sz="2000" dirty="0"/>
-              <a:t>e </a:t>
-            </a:r>
-            <a:r>
-              <a:rPr lang="pt-BR" sz="2000" dirty="0" smtClean="0"/>
-              <a:t>7.000 </a:t>
-            </a:r>
-            <a:r>
-              <a:rPr lang="pt-BR" sz="2000" dirty="0"/>
-              <a:t>respectivamente.</a:t>
-            </a:r>
-          </a:p>
-          <a:p>
-            <a:pPr algn="just"/>
-            <a:r>
-              <a:rPr lang="pt-BR" sz="2000" dirty="0" smtClean="0"/>
-              <a:t>5- A </a:t>
-            </a:r>
-            <a:r>
-              <a:rPr lang="pt-BR" sz="2000" dirty="0"/>
-              <a:t>partir de setembro, todos os pagamentos aumentam 7%.</a:t>
-            </a:r>
-          </a:p>
-          <a:p>
-            <a:pPr algn="just"/>
-            <a:r>
-              <a:rPr lang="pt-BR" sz="2000" dirty="0" smtClean="0"/>
-              <a:t>6 – Os recebimentos de </a:t>
-            </a:r>
-            <a:r>
-              <a:rPr lang="pt-BR" sz="2000" dirty="0"/>
-              <a:t>vendas são depositadas todas as segundas no valor de </a:t>
-            </a:r>
-            <a:r>
-              <a:rPr lang="pt-BR" sz="2000" dirty="0" smtClean="0"/>
-              <a:t>21.000 (constantes o  ano inteiro)</a:t>
-            </a:r>
-          </a:p>
-          <a:p>
-            <a:pPr algn="just"/>
-            <a:r>
-              <a:rPr lang="pt-BR" sz="2000" dirty="0" smtClean="0"/>
-              <a:t>7- Os recebimentos de venda de sucata são depositadas às </a:t>
-            </a:r>
-            <a:r>
-              <a:rPr lang="pt-BR" sz="2000" dirty="0"/>
-              <a:t>quartas no valor de </a:t>
-            </a:r>
-            <a:r>
-              <a:rPr lang="pt-BR" sz="2000" dirty="0" smtClean="0"/>
-              <a:t>3.000 </a:t>
-            </a:r>
-            <a:r>
-              <a:rPr lang="pt-BR" sz="2000" dirty="0"/>
-              <a:t>(</a:t>
-            </a:r>
-            <a:r>
-              <a:rPr lang="pt-BR" sz="2000" dirty="0" smtClean="0"/>
-              <a:t>constantes </a:t>
-            </a:r>
-            <a:r>
-              <a:rPr lang="pt-BR" sz="2000" dirty="0"/>
-              <a:t>ano </a:t>
-            </a:r>
-            <a:r>
-              <a:rPr lang="pt-BR" sz="2000" dirty="0" smtClean="0"/>
-              <a:t> inteiro).</a:t>
-            </a:r>
-          </a:p>
-          <a:p>
-            <a:pPr algn="just"/>
-            <a:endParaRPr lang="pt-BR" sz="2000" dirty="0"/>
-          </a:p>
-          <a:p>
-            <a:pPr marL="0" indent="0" algn="just">
-              <a:buNone/>
-            </a:pPr>
-            <a:r>
-              <a:rPr lang="pt-BR" sz="2000" dirty="0" smtClean="0"/>
-              <a:t>No fim do ano haverá </a:t>
-            </a:r>
-            <a:r>
-              <a:rPr lang="pt-BR" sz="2000" dirty="0"/>
-              <a:t>sobra ou falta de caixa? Quanto? Destaque pela cor vermelha a  planilha referente ao mês de menor </a:t>
-            </a:r>
-            <a:r>
-              <a:rPr lang="pt-BR" sz="2000" dirty="0" smtClean="0"/>
-              <a:t>caixa e verde onde esta a de maior caixa.</a:t>
-            </a:r>
-          </a:p>
-          <a:p>
-            <a:pPr marL="0" indent="0" algn="just">
-              <a:buNone/>
-            </a:pPr>
-            <a:endParaRPr lang="pt-BR" sz="2000" dirty="0"/>
-          </a:p>
-          <a:p>
-            <a:pPr marL="0" indent="0" algn="just">
-              <a:buNone/>
-            </a:pPr>
-            <a:r>
-              <a:rPr lang="pt-BR" sz="2000" dirty="0" smtClean="0"/>
-              <a:t>Dica: use a planilha anterior, copia de planilhas e formatação, referência externa</a:t>
-            </a:r>
-            <a:endParaRPr lang="pt-BR" sz="2000" dirty="0"/>
-          </a:p>
-        </p:txBody>
-      </p:sp>
-      <p:sp>
-        <p:nvSpPr>
-          <p:cNvPr id="4" name="Subtítulo 2"/>
+          <p:cNvPr id="6" name="Subtítulo 2"/>
           <p:cNvSpPr txBox="1">
             <a:spLocks/>
           </p:cNvSpPr>
@@ -26870,7 +26946,257 @@
                 </a:solidFill>
                 <a:latin typeface="Corbel" panose="020B0503020204020204" pitchFamily="34" charset="0"/>
               </a:rPr>
-              <a:t>Atividade</a:t>
+              <a:t>Comandos com Listas</a:t>
+            </a:r>
+          </a:p>
+        </p:txBody>
+      </p:sp>
+      <p:sp>
+        <p:nvSpPr>
+          <p:cNvPr id="11" name="Subtítulo 1"/>
+          <p:cNvSpPr txBox="1">
+            <a:spLocks/>
+          </p:cNvSpPr>
+          <p:nvPr/>
+        </p:nvSpPr>
+        <p:spPr>
+          <a:xfrm>
+            <a:off x="692971" y="1913794"/>
+            <a:ext cx="10896600" cy="2817812"/>
+          </a:xfrm>
+        </p:spPr>
+        <p:txBody>
+          <a:bodyPr>
+            <a:noAutofit/>
+          </a:bodyPr>
+          <a:lstStyle>
+            <a:lvl1pPr marL="342900" indent="-342900" algn="l" rtl="0" eaLnBrk="0" fontAlgn="base" hangingPunct="0">
+              <a:spcBef>
+                <a:spcPct val="20000"/>
+              </a:spcBef>
+              <a:spcAft>
+                <a:spcPct val="0"/>
+              </a:spcAft>
+              <a:buFont typeface="Arial" charset="0"/>
+              <a:buChar char="•"/>
+              <a:defRPr lang="pt-BR" sz="2800" kern="1200" dirty="0">
+                <a:solidFill>
+                  <a:schemeClr val="tx1"/>
+                </a:solidFill>
+                <a:latin typeface="+mn-lt"/>
+                <a:ea typeface="+mn-ea"/>
+                <a:cs typeface="+mn-cs"/>
+              </a:defRPr>
+            </a:lvl1pPr>
+            <a:lvl2pPr marL="742950" indent="-285750" algn="l" rtl="0" eaLnBrk="0" fontAlgn="base" hangingPunct="0">
+              <a:spcBef>
+                <a:spcPct val="20000"/>
+              </a:spcBef>
+              <a:spcAft>
+                <a:spcPct val="0"/>
+              </a:spcAft>
+              <a:buFont typeface="Arial" charset="0"/>
+              <a:buChar char="•"/>
+              <a:defRPr lang="pt-BR" sz="2400" kern="1200" dirty="0">
+                <a:solidFill>
+                  <a:schemeClr val="tx1"/>
+                </a:solidFill>
+                <a:latin typeface="+mn-lt"/>
+                <a:ea typeface="+mn-ea"/>
+                <a:cs typeface="+mn-cs"/>
+              </a:defRPr>
+            </a:lvl2pPr>
+            <a:lvl3pPr marL="1143000" indent="-228600" algn="l" rtl="0" eaLnBrk="0" fontAlgn="base" hangingPunct="0">
+              <a:spcBef>
+                <a:spcPct val="20000"/>
+              </a:spcBef>
+              <a:spcAft>
+                <a:spcPct val="0"/>
+              </a:spcAft>
+              <a:buFont typeface="Arial" charset="0"/>
+              <a:buChar char="•"/>
+              <a:defRPr lang="pt-BR" sz="2400" kern="1200" dirty="0">
+                <a:solidFill>
+                  <a:schemeClr val="tx1"/>
+                </a:solidFill>
+                <a:latin typeface="+mn-lt"/>
+                <a:ea typeface="+mn-ea"/>
+                <a:cs typeface="+mn-cs"/>
+              </a:defRPr>
+            </a:lvl3pPr>
+            <a:lvl4pPr marL="1600200" indent="-228600" algn="l" rtl="0" eaLnBrk="0" fontAlgn="base" hangingPunct="0">
+              <a:spcBef>
+                <a:spcPct val="20000"/>
+              </a:spcBef>
+              <a:spcAft>
+                <a:spcPct val="0"/>
+              </a:spcAft>
+              <a:buFont typeface="Arial" charset="0"/>
+              <a:buChar char="•"/>
+              <a:defRPr lang="pt-BR" sz="2000" kern="1200" dirty="0">
+                <a:solidFill>
+                  <a:schemeClr val="tx1"/>
+                </a:solidFill>
+                <a:latin typeface="+mn-lt"/>
+                <a:ea typeface="+mn-ea"/>
+                <a:cs typeface="+mn-cs"/>
+              </a:defRPr>
+            </a:lvl4pPr>
+            <a:lvl5pPr marL="2057400" indent="-228600" algn="l" rtl="0" eaLnBrk="0" fontAlgn="base" hangingPunct="0">
+              <a:spcBef>
+                <a:spcPct val="20000"/>
+              </a:spcBef>
+              <a:spcAft>
+                <a:spcPct val="0"/>
+              </a:spcAft>
+              <a:buFont typeface="Arial" charset="0"/>
+              <a:buChar char="•"/>
+              <a:defRPr lang="pt-BR" sz="2000" kern="1200" dirty="0">
+                <a:solidFill>
+                  <a:schemeClr val="tx1"/>
+                </a:solidFill>
+                <a:latin typeface="+mn-lt"/>
+                <a:ea typeface="+mn-ea"/>
+                <a:cs typeface="+mn-cs"/>
+              </a:defRPr>
+            </a:lvl5pPr>
+            <a:lvl6pPr marL="2514600" indent="-228600" algn="l" defTabSz="914400" rtl="0" eaLnBrk="1" latinLnBrk="0" hangingPunct="1">
+              <a:spcBef>
+                <a:spcPct val="20000"/>
+              </a:spcBef>
+              <a:buFont typeface="Arial" pitchFamily="34" charset="0"/>
+              <a:buChar char="•"/>
+              <a:defRPr sz="2000" kern="1200">
+                <a:solidFill>
+                  <a:schemeClr val="tx1"/>
+                </a:solidFill>
+                <a:latin typeface="+mn-lt"/>
+                <a:ea typeface="+mn-ea"/>
+                <a:cs typeface="+mn-cs"/>
+              </a:defRPr>
+            </a:lvl6pPr>
+            <a:lvl7pPr marL="2971800" indent="-228600" algn="l" defTabSz="914400" rtl="0" eaLnBrk="1" latinLnBrk="0" hangingPunct="1">
+              <a:spcBef>
+                <a:spcPct val="20000"/>
+              </a:spcBef>
+              <a:buFont typeface="Arial" pitchFamily="34" charset="0"/>
+              <a:buChar char="•"/>
+              <a:defRPr sz="2000" kern="1200">
+                <a:solidFill>
+                  <a:schemeClr val="tx1"/>
+                </a:solidFill>
+                <a:latin typeface="+mn-lt"/>
+                <a:ea typeface="+mn-ea"/>
+                <a:cs typeface="+mn-cs"/>
+              </a:defRPr>
+            </a:lvl7pPr>
+            <a:lvl8pPr marL="3429000" indent="-228600" algn="l" defTabSz="914400" rtl="0" eaLnBrk="1" latinLnBrk="0" hangingPunct="1">
+              <a:spcBef>
+                <a:spcPct val="20000"/>
+              </a:spcBef>
+              <a:buFont typeface="Arial" pitchFamily="34" charset="0"/>
+              <a:buChar char="•"/>
+              <a:defRPr sz="2000" kern="1200">
+                <a:solidFill>
+                  <a:schemeClr val="tx1"/>
+                </a:solidFill>
+                <a:latin typeface="+mn-lt"/>
+                <a:ea typeface="+mn-ea"/>
+                <a:cs typeface="+mn-cs"/>
+              </a:defRPr>
+            </a:lvl8pPr>
+            <a:lvl9pPr marL="3886200" indent="-228600" algn="l" defTabSz="914400" rtl="0" eaLnBrk="1" latinLnBrk="0" hangingPunct="1">
+              <a:spcBef>
+                <a:spcPct val="20000"/>
+              </a:spcBef>
+              <a:buFont typeface="Arial" pitchFamily="34" charset="0"/>
+              <a:buChar char="•"/>
+              <a:defRPr sz="2000" kern="1200">
+                <a:solidFill>
+                  <a:schemeClr val="tx1"/>
+                </a:solidFill>
+                <a:latin typeface="+mn-lt"/>
+                <a:ea typeface="+mn-ea"/>
+                <a:cs typeface="+mn-cs"/>
+              </a:defRPr>
+            </a:lvl9pPr>
+          </a:lstStyle>
+          <a:p>
+            <a:pPr marL="0" indent="0">
+              <a:buFont typeface="Arial" charset="0"/>
+              <a:buNone/>
+            </a:pPr>
+            <a:r>
+              <a:rPr lang="pt-BR" sz="1800" dirty="0" smtClean="0">
+                <a:latin typeface="Corbel" panose="020B0503020204020204" pitchFamily="34" charset="0"/>
+              </a:rPr>
+              <a:t>O Excel Permite Classificar as listas automaticamente de acordo com regras pré-estabelecidas (ordem numérica ou ordem alfabética) ou ainda baseada nas lista nativas e personalizadas.</a:t>
+            </a:r>
+          </a:p>
+          <a:p>
+            <a:pPr marL="0" indent="0">
+              <a:buFont typeface="Arial" charset="0"/>
+              <a:buNone/>
+            </a:pPr>
+            <a:endParaRPr lang="pt-BR" sz="1800" dirty="0">
+              <a:latin typeface="Corbel" panose="020B0503020204020204" pitchFamily="34" charset="0"/>
+            </a:endParaRPr>
+          </a:p>
+          <a:p>
+            <a:pPr marL="0" indent="0">
+              <a:buFont typeface="Arial" charset="0"/>
+              <a:buNone/>
+            </a:pPr>
+            <a:r>
+              <a:rPr lang="pt-BR" sz="1800" dirty="0" smtClean="0">
+                <a:latin typeface="Corbel" panose="020B0503020204020204" pitchFamily="34" charset="0"/>
+              </a:rPr>
+              <a:t>Listas nativas do Excel são aquelas já instaladas com o programa : dias da semana, nome do mês</a:t>
+            </a:r>
+          </a:p>
+          <a:p>
+            <a:pPr marL="0" indent="0">
+              <a:buFont typeface="Arial" charset="0"/>
+              <a:buNone/>
+            </a:pPr>
+            <a:r>
+              <a:rPr lang="pt-BR" sz="1800" dirty="0" smtClean="0">
+                <a:latin typeface="Corbel" panose="020B0503020204020204" pitchFamily="34" charset="0"/>
+              </a:rPr>
+              <a:t>Listas personalizadas: qualquer uma criada pelo próprio usuário.</a:t>
+            </a:r>
+          </a:p>
+          <a:p>
+            <a:pPr marL="0" indent="0">
+              <a:buFont typeface="Arial" charset="0"/>
+              <a:buNone/>
+            </a:pPr>
+            <a:endParaRPr lang="pt-BR" sz="1800" dirty="0">
+              <a:latin typeface="Corbel" panose="020B0503020204020204" pitchFamily="34" charset="0"/>
+            </a:endParaRPr>
+          </a:p>
+          <a:p>
+            <a:pPr marL="0" indent="0">
+              <a:buFont typeface="Arial" charset="0"/>
+              <a:buNone/>
+            </a:pPr>
+            <a:r>
+              <a:rPr lang="pt-BR" sz="1800" dirty="0" smtClean="0">
+                <a:latin typeface="Corbel" panose="020B0503020204020204" pitchFamily="34" charset="0"/>
+              </a:rPr>
+              <a:t>Fazer ordenação: Guia Dados, grupo classificar e Filtrar, comando classificar</a:t>
+            </a:r>
+          </a:p>
+          <a:p>
+            <a:pPr marL="0" indent="0">
+              <a:buFont typeface="Arial" charset="0"/>
+              <a:buNone/>
+            </a:pPr>
+            <a:r>
+              <a:rPr lang="pt-BR" sz="1800" dirty="0" smtClean="0">
+                <a:latin typeface="Corbel" panose="020B0503020204020204" pitchFamily="34" charset="0"/>
+              </a:rPr>
+              <a:t>Criar lista personalizada: guia Arquivo , Opções, Avançado, Geral, Editar lista Personalizada</a:t>
             </a:r>
           </a:p>
         </p:txBody>
@@ -26878,21 +27204,13 @@
     </p:spTree>
     <p:extLst>
       <p:ext uri="{BB962C8B-B14F-4D97-AF65-F5344CB8AC3E}">
-        <p14:creationId xmlns:p14="http://schemas.microsoft.com/office/powerpoint/2010/main" val="453914812"/>
+        <p14:creationId xmlns:p14="http://schemas.microsoft.com/office/powerpoint/2010/main" val="1929754879"/>
       </p:ext>
     </p:extLst>
   </p:cSld>
   <p:clrMapOvr>
     <a:masterClrMapping/>
   </p:clrMapOvr>
-  <mc:AlternateContent xmlns:mc="http://schemas.openxmlformats.org/markup-compatibility/2006" xmlns:p14="http://schemas.microsoft.com/office/powerpoint/2010/main">
-    <mc:Choice Requires="p14">
-      <p:transition spd="slow" p14:dur="2000"/>
-    </mc:Choice>
-    <mc:Fallback xmlns="">
-      <p:transition spd="slow"/>
-    </mc:Fallback>
-  </mc:AlternateContent>
   <p:timing>
     <p:tnLst>
       <p:par>
@@ -26932,8 +27250,8 @@
         </p:nvSpPr>
         <p:spPr>
           <a:xfrm>
-            <a:off x="591671" y="754063"/>
-            <a:ext cx="11600329" cy="5495925"/>
+            <a:off x="484095" y="754063"/>
+            <a:ext cx="11707906" cy="5495925"/>
           </a:xfrm>
         </p:spPr>
         <p:txBody>
@@ -26942,10 +27260,8 @@
           </a:bodyPr>
           <a:lstStyle/>
           <a:p>
-            <a:pPr marL="0" indent="0">
-              <a:buNone/>
-            </a:pPr>
-            <a:endParaRPr lang="pt-BR" sz="2000" dirty="0"/>
+            <a:pPr algn="just"/>
+            <a:endParaRPr lang="pt-BR" sz="2000" dirty="0" smtClean="0"/>
           </a:p>
           <a:p>
             <a:pPr marL="0" indent="0" algn="just">
@@ -26953,79 +27269,166 @@
             </a:pPr>
             <a:r>
               <a:rPr lang="pt-BR" sz="2000" dirty="0" smtClean="0"/>
-              <a:t> Criar relatório de fluxo de caixa de 1 ano com entradas, saídas e saldo.</a:t>
+              <a:t>Fazer </a:t>
+            </a:r>
+            <a:r>
+              <a:rPr lang="pt-BR" sz="2000" dirty="0"/>
+              <a:t>um relatório </a:t>
+            </a:r>
+            <a:r>
+              <a:rPr lang="pt-BR" sz="2000" dirty="0" smtClean="0"/>
+              <a:t>do </a:t>
+            </a:r>
+            <a:r>
+              <a:rPr lang="pt-BR" sz="2000" dirty="0"/>
+              <a:t>fluxo de caixa diário para 1 ano.</a:t>
             </a:r>
           </a:p>
           <a:p>
             <a:pPr algn="just"/>
             <a:r>
               <a:rPr lang="pt-BR" sz="2000" dirty="0" smtClean="0"/>
-              <a:t>1 - Um mês em cada planilha.</a:t>
+              <a:t>1- Cada </a:t>
+            </a:r>
+            <a:r>
+              <a:rPr lang="pt-BR" sz="2000" dirty="0"/>
+              <a:t>mês será em uma Planilha diferente</a:t>
             </a:r>
           </a:p>
           <a:p>
             <a:pPr algn="just"/>
             <a:r>
               <a:rPr lang="pt-BR" sz="2000" dirty="0" smtClean="0"/>
-              <a:t>2 - Entrada/Recebimentos  Às terças de R$ 3.000, demais dias de R$ 2.000 (bruto)</a:t>
-            </a:r>
+              <a:t>2 -Inicia </a:t>
+            </a:r>
+            <a:r>
+              <a:rPr lang="pt-BR" sz="2000" dirty="0"/>
+              <a:t>em </a:t>
+            </a:r>
+            <a:r>
+              <a:rPr lang="pt-BR" sz="2000" dirty="0" smtClean="0"/>
+              <a:t>01/01/2017 com 0 de saldo Inicial. </a:t>
+            </a:r>
+            <a:r>
+              <a:rPr lang="pt-BR" sz="2000" dirty="0"/>
+              <a:t>Termina em </a:t>
+            </a:r>
+            <a:r>
+              <a:rPr lang="pt-BR" sz="2000" dirty="0" smtClean="0"/>
+              <a:t>31/12/2017.</a:t>
+            </a:r>
+            <a:endParaRPr lang="pt-BR" sz="2000" dirty="0"/>
           </a:p>
           <a:p>
             <a:pPr algn="just"/>
             <a:r>
               <a:rPr lang="pt-BR" sz="2000" dirty="0" smtClean="0"/>
-              <a:t>3 - Saídas/Pagamentos as quintas de R$ 4.000, demais dias de R$ 1.600 (bruto)</a:t>
-            </a:r>
+              <a:t>3- </a:t>
+            </a:r>
+            <a:r>
+              <a:rPr lang="pt-BR" sz="2000" dirty="0"/>
+              <a:t>Toda terça tem pagamento de fornecedor no valor de 9.000 e às terças de 8.000.</a:t>
+            </a:r>
+            <a:endParaRPr lang="pt-BR" sz="2000" dirty="0" smtClean="0"/>
           </a:p>
           <a:p>
             <a:pPr algn="just"/>
             <a:r>
               <a:rPr lang="pt-BR" sz="2000" dirty="0" smtClean="0"/>
-              <a:t>4 - Todo dia 15 de cada mês, saída adicional de 6.000 (bruto)</a:t>
+              <a:t>4 -Todo </a:t>
+            </a:r>
+            <a:r>
+              <a:rPr lang="pt-BR" sz="2000" dirty="0"/>
+              <a:t>dia </a:t>
+            </a:r>
+            <a:r>
+              <a:rPr lang="pt-BR" sz="2000" dirty="0" smtClean="0"/>
+              <a:t>5 </a:t>
+            </a:r>
+            <a:r>
+              <a:rPr lang="pt-BR" sz="2000" dirty="0"/>
+              <a:t>e dia </a:t>
+            </a:r>
+            <a:r>
+              <a:rPr lang="pt-BR" sz="2000" dirty="0" smtClean="0"/>
+              <a:t>20 </a:t>
+            </a:r>
+            <a:r>
+              <a:rPr lang="pt-BR" sz="2000" dirty="0"/>
+              <a:t>de cada mês tem despesa adicional de </a:t>
+            </a:r>
+            <a:r>
+              <a:rPr lang="pt-BR" sz="2000" dirty="0" smtClean="0"/>
+              <a:t>15.000 </a:t>
+            </a:r>
+            <a:r>
+              <a:rPr lang="pt-BR" sz="2000" dirty="0"/>
+              <a:t>e </a:t>
+            </a:r>
+            <a:r>
+              <a:rPr lang="pt-BR" sz="2000" dirty="0" smtClean="0"/>
+              <a:t>7.000 </a:t>
+            </a:r>
+            <a:r>
+              <a:rPr lang="pt-BR" sz="2000" dirty="0"/>
+              <a:t>respectivamente.</a:t>
             </a:r>
           </a:p>
           <a:p>
             <a:pPr algn="just"/>
             <a:r>
               <a:rPr lang="pt-BR" sz="2000" dirty="0" smtClean="0"/>
-              <a:t>5 - calcular imposto ICMS de 18% sobre entrada/recebimentos + </a:t>
-            </a:r>
-            <a:r>
-              <a:rPr lang="pt-BR" sz="2000" dirty="0" err="1" smtClean="0"/>
-              <a:t>Pis</a:t>
-            </a:r>
+              <a:t>5- A </a:t>
+            </a:r>
+            <a:r>
+              <a:rPr lang="pt-BR" sz="2000" dirty="0"/>
+              <a:t>partir de setembro, todos os pagamentos aumentam 7%.</a:t>
+            </a:r>
+          </a:p>
+          <a:p>
+            <a:pPr algn="just"/>
             <a:r>
               <a:rPr lang="pt-BR" sz="2000" dirty="0" smtClean="0"/>
-              <a:t>/</a:t>
-            </a:r>
-            <a:r>
-              <a:rPr lang="pt-BR" sz="2000" dirty="0" err="1" smtClean="0"/>
-              <a:t>Cofins</a:t>
+              <a:t>6 – Os recebimentos de </a:t>
+            </a:r>
+            <a:r>
+              <a:rPr lang="pt-BR" sz="2000" dirty="0"/>
+              <a:t>vendas são depositadas todas as segundas no valor de </a:t>
             </a:r>
             <a:r>
               <a:rPr lang="pt-BR" sz="2000" dirty="0" smtClean="0"/>
-              <a:t> de 9,25%.</a:t>
+              <a:t>21.000 (constantes o  ano inteiro)</a:t>
             </a:r>
           </a:p>
           <a:p>
             <a:pPr algn="just"/>
             <a:r>
               <a:rPr lang="pt-BR" sz="2000" dirty="0" smtClean="0"/>
-              <a:t>6 - calcular imposto de 9,25% sobre saída/pagamentos.</a:t>
-            </a:r>
-          </a:p>
-          <a:p>
-            <a:pPr algn="just"/>
+              <a:t>7- Os recebimentos de venda de sucata são depositadas às </a:t>
+            </a:r>
+            <a:r>
+              <a:rPr lang="pt-BR" sz="2000" dirty="0"/>
+              <a:t>quartas no valor de </a:t>
+            </a:r>
             <a:r>
               <a:rPr lang="pt-BR" sz="2000" dirty="0" smtClean="0"/>
-              <a:t>8 - Criar uma aba resumo mostrando recebimento por dia do mês, recebimento, pagamento e impostos líquidos pagos no ano.</a:t>
-            </a:r>
-          </a:p>
-          <a:p>
-            <a:pPr algn="just"/>
+              <a:t>3.000 </a:t>
+            </a:r>
+            <a:r>
+              <a:rPr lang="pt-BR" sz="2000" dirty="0"/>
+              <a:t>(</a:t>
+            </a:r>
             <a:r>
               <a:rPr lang="pt-BR" sz="2000" dirty="0" smtClean="0"/>
-              <a:t>8 - Aba resumo deverá ser o local onde digitaremos as alíquotas e as demais planilhas deverão obedecer a estas alíquotas.</a:t>
+              <a:t>constantes </a:t>
+            </a:r>
+            <a:r>
+              <a:rPr lang="pt-BR" sz="2000" dirty="0"/>
+              <a:t>ano </a:t>
+            </a:r>
+            <a:r>
+              <a:rPr lang="pt-BR" sz="2000" dirty="0" smtClean="0"/>
+              <a:t> inteiro).</a:t>
             </a:r>
           </a:p>
           <a:p>
@@ -27038,7 +27441,30 @@
             </a:pPr>
             <a:r>
               <a:rPr lang="pt-BR" sz="2000" dirty="0" smtClean="0"/>
-              <a:t>Dica: Fórmula soma 3D, formula aritmética, formatação, copia de planilhas, referência externa.</a:t>
+              <a:t>No fim do ano haverá </a:t>
+            </a:r>
+            <a:r>
+              <a:rPr lang="pt-BR" sz="2000" dirty="0"/>
+              <a:t>sobra ou falta de caixa? Quanto? Destaque pela cor vermelha a  planilha referente ao mês de menor </a:t>
+            </a:r>
+            <a:r>
+              <a:rPr lang="pt-BR" sz="2000" dirty="0" smtClean="0"/>
+              <a:t>caixa e verde onde esta a de maior caixa.</a:t>
+            </a:r>
+          </a:p>
+          <a:p>
+            <a:pPr marL="0" indent="0" algn="just">
+              <a:buNone/>
+            </a:pPr>
+            <a:endParaRPr lang="pt-BR" sz="2000" dirty="0"/>
+          </a:p>
+          <a:p>
+            <a:pPr marL="0" indent="0" algn="just">
+              <a:buNone/>
+            </a:pPr>
+            <a:r>
+              <a:rPr lang="pt-BR" sz="2000" dirty="0" smtClean="0"/>
+              <a:t>Dica: use a planilha anterior, copia de planilhas e formatação, referência externa</a:t>
             </a:r>
             <a:endParaRPr lang="pt-BR" sz="2000" dirty="0"/>
           </a:p>
@@ -27239,7 +27665,7 @@
     </p:spTree>
     <p:extLst>
       <p:ext uri="{BB962C8B-B14F-4D97-AF65-F5344CB8AC3E}">
-        <p14:creationId xmlns:p14="http://schemas.microsoft.com/office/powerpoint/2010/main" val="2083101853"/>
+        <p14:creationId xmlns:p14="http://schemas.microsoft.com/office/powerpoint/2010/main" val="453914812"/>
       </p:ext>
     </p:extLst>
   </p:cSld>
@@ -27293,8 +27719,8 @@
         </p:nvSpPr>
         <p:spPr>
           <a:xfrm>
-            <a:off x="450664" y="786336"/>
-            <a:ext cx="9966325" cy="5495925"/>
+            <a:off x="591671" y="754063"/>
+            <a:ext cx="11600329" cy="5495925"/>
           </a:xfrm>
         </p:spPr>
         <p:txBody>
@@ -27309,17 +27735,84 @@
             <a:endParaRPr lang="pt-BR" sz="2000" dirty="0"/>
           </a:p>
           <a:p>
+            <a:pPr marL="0" indent="0" algn="just">
+              <a:buNone/>
+            </a:pPr>
+            <a:r>
+              <a:rPr lang="pt-BR" sz="2000" dirty="0" smtClean="0"/>
+              <a:t> Criar relatório de fluxo de caixa de 1 ano com entradas, saídas e saldo.</a:t>
+            </a:r>
+          </a:p>
+          <a:p>
             <a:pPr algn="just"/>
             <a:r>
               <a:rPr lang="pt-BR" sz="2000" dirty="0" smtClean="0"/>
-              <a:t>1- Com base no exercício anterior, qual é o dia com o maior saldo? E com menor Saldo? Qual a media de pagamento?</a:t>
+              <a:t>1 - Um mês em cada planilha.</a:t>
             </a:r>
           </a:p>
           <a:p>
             <a:pPr algn="just"/>
             <a:r>
               <a:rPr lang="pt-BR" sz="2000" dirty="0" smtClean="0"/>
-              <a:t>Dica: Formulas Soma, mínimo, Máximo, Média, Referencia e fórmulas 3D</a:t>
+              <a:t>2 - Entrada/Recebimentos  Às terças de R$ 3.000, demais dias de R$ 2.000 (bruto)</a:t>
+            </a:r>
+          </a:p>
+          <a:p>
+            <a:pPr algn="just"/>
+            <a:r>
+              <a:rPr lang="pt-BR" sz="2000" dirty="0" smtClean="0"/>
+              <a:t>3 - Saídas/Pagamentos as quintas de R$ 4.000, demais dias de R$ 1.600 (bruto)</a:t>
+            </a:r>
+          </a:p>
+          <a:p>
+            <a:pPr algn="just"/>
+            <a:r>
+              <a:rPr lang="pt-BR" sz="2000" dirty="0" smtClean="0"/>
+              <a:t>4 - Todo dia 15 de cada mês, saída adicional de 6.000 (bruto)</a:t>
+            </a:r>
+          </a:p>
+          <a:p>
+            <a:pPr algn="just"/>
+            <a:r>
+              <a:rPr lang="pt-BR" sz="2000" dirty="0" smtClean="0"/>
+              <a:t>5 - calcular imposto ICMS de 18% sobre entrada/recebimentos + </a:t>
+            </a:r>
+            <a:r>
+              <a:rPr lang="pt-BR" sz="2000" dirty="0" err="1" smtClean="0"/>
+              <a:t>Pis</a:t>
+            </a:r>
+            <a:r>
+              <a:rPr lang="pt-BR" sz="2000" dirty="0" smtClean="0"/>
+              <a:t>/</a:t>
+            </a:r>
+            <a:r>
+              <a:rPr lang="pt-BR" sz="2000" dirty="0" err="1" smtClean="0"/>
+              <a:t>Cofins</a:t>
+            </a:r>
+            <a:r>
+              <a:rPr lang="pt-BR" sz="2000" dirty="0" smtClean="0"/>
+              <a:t> de 9,25%.</a:t>
+            </a:r>
+          </a:p>
+          <a:p>
+            <a:pPr algn="just"/>
+            <a:r>
+              <a:rPr lang="pt-BR" sz="2000" dirty="0" smtClean="0"/>
+              <a:t>6 - calcular imposto de 9,25% sobre saída/pagamentos.</a:t>
+            </a:r>
+          </a:p>
+          <a:p>
+            <a:pPr algn="just"/>
+            <a:r>
+              <a:rPr lang="pt-BR" sz="2000" dirty="0" smtClean="0"/>
+              <a:t>8 - Criar uma aba resumo mostrando recebimento por dia do mês, recebimento, pagamento e impostos líquidos pagos no ano.</a:t>
+            </a:r>
+          </a:p>
+          <a:p>
+            <a:pPr algn="just"/>
+            <a:r>
+              <a:rPr lang="pt-BR" sz="2000" dirty="0" smtClean="0"/>
+              <a:t>8 - Aba resumo deverá ser o local onde digitaremos as alíquotas e as demais planilhas deverão obedecer a estas alíquotas.</a:t>
             </a:r>
           </a:p>
           <a:p>
@@ -27327,17 +27820,12 @@
             <a:endParaRPr lang="pt-BR" sz="2000" dirty="0"/>
           </a:p>
           <a:p>
-            <a:pPr algn="just"/>
+            <a:pPr marL="0" indent="0" algn="just">
+              <a:buNone/>
+            </a:pPr>
             <a:r>
               <a:rPr lang="pt-BR" sz="2000" dirty="0" smtClean="0"/>
-              <a:t>2- Mostre os dados acima em uma única aba de forma que possamos comparar entre os meses.</a:t>
-            </a:r>
-          </a:p>
-          <a:p>
-            <a:pPr algn="just"/>
-            <a:r>
-              <a:rPr lang="pt-BR" sz="2000" dirty="0" smtClean="0"/>
-              <a:t>Dica: Recortar e colar</a:t>
+              <a:t>Dica: Fórmula soma 3D, formula aritmética, formatação, copia de planilhas, referência externa.</a:t>
             </a:r>
             <a:endParaRPr lang="pt-BR" sz="2000" dirty="0"/>
           </a:p>
@@ -27538,7 +28026,7 @@
     </p:spTree>
     <p:extLst>
       <p:ext uri="{BB962C8B-B14F-4D97-AF65-F5344CB8AC3E}">
-        <p14:creationId xmlns:p14="http://schemas.microsoft.com/office/powerpoint/2010/main" val="2118764348"/>
+        <p14:creationId xmlns:p14="http://schemas.microsoft.com/office/powerpoint/2010/main" val="2083101853"/>
       </p:ext>
     </p:extLst>
   </p:cSld>
@@ -27941,6 +28429,305 @@
 </p:sld>
 </file>
 
+<file path=ppt/slides/slide50.xml><?xml version="1.0" encoding="utf-8"?>
+<p:sld xmlns:a="http://schemas.openxmlformats.org/drawingml/2006/main" xmlns:r="http://schemas.openxmlformats.org/officeDocument/2006/relationships" xmlns:p="http://schemas.openxmlformats.org/presentationml/2006/main" show="0">
+  <p:cSld>
+    <p:spTree>
+      <p:nvGrpSpPr>
+        <p:cNvPr id="1" name=""/>
+        <p:cNvGrpSpPr/>
+        <p:nvPr/>
+      </p:nvGrpSpPr>
+      <p:grpSpPr>
+        <a:xfrm>
+          <a:off x="0" y="0"/>
+          <a:ext cx="0" cy="0"/>
+          <a:chOff x="0" y="0"/>
+          <a:chExt cx="0" cy="0"/>
+        </a:xfrm>
+      </p:grpSpPr>
+      <p:sp>
+        <p:nvSpPr>
+          <p:cNvPr id="3" name="Subtítulo 1"/>
+          <p:cNvSpPr>
+            <a:spLocks noGrp="1"/>
+          </p:cNvSpPr>
+          <p:nvPr>
+            <p:ph type="subTitle" idx="4294967295"/>
+          </p:nvPr>
+        </p:nvSpPr>
+        <p:spPr>
+          <a:xfrm>
+            <a:off x="450664" y="786336"/>
+            <a:ext cx="9966325" cy="5495925"/>
+          </a:xfrm>
+        </p:spPr>
+        <p:txBody>
+          <a:bodyPr>
+            <a:noAutofit/>
+          </a:bodyPr>
+          <a:lstStyle/>
+          <a:p>
+            <a:pPr marL="0" indent="0">
+              <a:buNone/>
+            </a:pPr>
+            <a:endParaRPr lang="pt-BR" sz="2000" dirty="0"/>
+          </a:p>
+          <a:p>
+            <a:pPr algn="just"/>
+            <a:r>
+              <a:rPr lang="pt-BR" sz="2000" dirty="0" smtClean="0"/>
+              <a:t>1- Com base no exercício anterior, qual é o dia com o maior saldo? E com menor Saldo? Qual a media de pagamento?</a:t>
+            </a:r>
+          </a:p>
+          <a:p>
+            <a:pPr algn="just"/>
+            <a:r>
+              <a:rPr lang="pt-BR" sz="2000" dirty="0" smtClean="0"/>
+              <a:t>Dica: Formulas Soma, mínimo, Máximo, Média, Referencia e fórmulas 3D</a:t>
+            </a:r>
+          </a:p>
+          <a:p>
+            <a:pPr algn="just"/>
+            <a:endParaRPr lang="pt-BR" sz="2000" dirty="0"/>
+          </a:p>
+          <a:p>
+            <a:pPr algn="just"/>
+            <a:r>
+              <a:rPr lang="pt-BR" sz="2000" dirty="0" smtClean="0"/>
+              <a:t>2- Mostre os dados acima em uma única aba de forma que possamos comparar entre os meses.</a:t>
+            </a:r>
+          </a:p>
+          <a:p>
+            <a:pPr algn="just"/>
+            <a:r>
+              <a:rPr lang="pt-BR" sz="2000" dirty="0" smtClean="0"/>
+              <a:t>Dica: Recortar e colar</a:t>
+            </a:r>
+            <a:endParaRPr lang="pt-BR" sz="2000" dirty="0"/>
+          </a:p>
+        </p:txBody>
+      </p:sp>
+      <p:sp>
+        <p:nvSpPr>
+          <p:cNvPr id="4" name="Subtítulo 2"/>
+          <p:cNvSpPr txBox="1">
+            <a:spLocks/>
+          </p:cNvSpPr>
+          <p:nvPr/>
+        </p:nvSpPr>
+        <p:spPr>
+          <a:xfrm>
+            <a:off x="210670" y="153054"/>
+            <a:ext cx="10058400" cy="718315"/>
+          </a:xfrm>
+        </p:spPr>
+        <p:txBody>
+          <a:bodyPr>
+            <a:noAutofit/>
+          </a:bodyPr>
+          <a:lstStyle>
+            <a:lvl1pPr marL="342900" indent="-342900" algn="l" rtl="0" eaLnBrk="0" fontAlgn="base" hangingPunct="0">
+              <a:spcBef>
+                <a:spcPct val="20000"/>
+              </a:spcBef>
+              <a:spcAft>
+                <a:spcPct val="0"/>
+              </a:spcAft>
+              <a:buFont typeface="Arial" charset="0"/>
+              <a:buChar char="•"/>
+              <a:defRPr lang="pt-BR" sz="2800" kern="1200" dirty="0">
+                <a:solidFill>
+                  <a:schemeClr val="tx1"/>
+                </a:solidFill>
+                <a:latin typeface="+mn-lt"/>
+                <a:ea typeface="+mn-ea"/>
+                <a:cs typeface="+mn-cs"/>
+              </a:defRPr>
+            </a:lvl1pPr>
+            <a:lvl2pPr marL="742950" indent="-285750" algn="l" rtl="0" eaLnBrk="0" fontAlgn="base" hangingPunct="0">
+              <a:spcBef>
+                <a:spcPct val="20000"/>
+              </a:spcBef>
+              <a:spcAft>
+                <a:spcPct val="0"/>
+              </a:spcAft>
+              <a:buFont typeface="Arial" charset="0"/>
+              <a:buChar char="•"/>
+              <a:defRPr lang="pt-BR" sz="2400" kern="1200" dirty="0">
+                <a:solidFill>
+                  <a:schemeClr val="tx1"/>
+                </a:solidFill>
+                <a:latin typeface="+mn-lt"/>
+                <a:ea typeface="+mn-ea"/>
+                <a:cs typeface="+mn-cs"/>
+              </a:defRPr>
+            </a:lvl2pPr>
+            <a:lvl3pPr marL="1143000" indent="-228600" algn="l" rtl="0" eaLnBrk="0" fontAlgn="base" hangingPunct="0">
+              <a:spcBef>
+                <a:spcPct val="20000"/>
+              </a:spcBef>
+              <a:spcAft>
+                <a:spcPct val="0"/>
+              </a:spcAft>
+              <a:buFont typeface="Arial" charset="0"/>
+              <a:buChar char="•"/>
+              <a:defRPr lang="pt-BR" sz="2400" kern="1200" dirty="0">
+                <a:solidFill>
+                  <a:schemeClr val="tx1"/>
+                </a:solidFill>
+                <a:latin typeface="+mn-lt"/>
+                <a:ea typeface="+mn-ea"/>
+                <a:cs typeface="+mn-cs"/>
+              </a:defRPr>
+            </a:lvl3pPr>
+            <a:lvl4pPr marL="1600200" indent="-228600" algn="l" rtl="0" eaLnBrk="0" fontAlgn="base" hangingPunct="0">
+              <a:spcBef>
+                <a:spcPct val="20000"/>
+              </a:spcBef>
+              <a:spcAft>
+                <a:spcPct val="0"/>
+              </a:spcAft>
+              <a:buFont typeface="Arial" charset="0"/>
+              <a:buChar char="•"/>
+              <a:defRPr lang="pt-BR" sz="2000" kern="1200" dirty="0">
+                <a:solidFill>
+                  <a:schemeClr val="tx1"/>
+                </a:solidFill>
+                <a:latin typeface="+mn-lt"/>
+                <a:ea typeface="+mn-ea"/>
+                <a:cs typeface="+mn-cs"/>
+              </a:defRPr>
+            </a:lvl4pPr>
+            <a:lvl5pPr marL="2057400" indent="-228600" algn="l" rtl="0" eaLnBrk="0" fontAlgn="base" hangingPunct="0">
+              <a:spcBef>
+                <a:spcPct val="20000"/>
+              </a:spcBef>
+              <a:spcAft>
+                <a:spcPct val="0"/>
+              </a:spcAft>
+              <a:buFont typeface="Arial" charset="0"/>
+              <a:buChar char="•"/>
+              <a:defRPr lang="pt-BR" sz="2000" kern="1200" dirty="0">
+                <a:solidFill>
+                  <a:schemeClr val="tx1"/>
+                </a:solidFill>
+                <a:latin typeface="+mn-lt"/>
+                <a:ea typeface="+mn-ea"/>
+                <a:cs typeface="+mn-cs"/>
+              </a:defRPr>
+            </a:lvl5pPr>
+            <a:lvl6pPr marL="2514600" indent="-228600" algn="l" defTabSz="914400" rtl="0" eaLnBrk="1" latinLnBrk="0" hangingPunct="1">
+              <a:spcBef>
+                <a:spcPct val="20000"/>
+              </a:spcBef>
+              <a:buFont typeface="Arial" pitchFamily="34" charset="0"/>
+              <a:buChar char="•"/>
+              <a:defRPr sz="2000" kern="1200">
+                <a:solidFill>
+                  <a:schemeClr val="tx1"/>
+                </a:solidFill>
+                <a:latin typeface="+mn-lt"/>
+                <a:ea typeface="+mn-ea"/>
+                <a:cs typeface="+mn-cs"/>
+              </a:defRPr>
+            </a:lvl6pPr>
+            <a:lvl7pPr marL="2971800" indent="-228600" algn="l" defTabSz="914400" rtl="0" eaLnBrk="1" latinLnBrk="0" hangingPunct="1">
+              <a:spcBef>
+                <a:spcPct val="20000"/>
+              </a:spcBef>
+              <a:buFont typeface="Arial" pitchFamily="34" charset="0"/>
+              <a:buChar char="•"/>
+              <a:defRPr sz="2000" kern="1200">
+                <a:solidFill>
+                  <a:schemeClr val="tx1"/>
+                </a:solidFill>
+                <a:latin typeface="+mn-lt"/>
+                <a:ea typeface="+mn-ea"/>
+                <a:cs typeface="+mn-cs"/>
+              </a:defRPr>
+            </a:lvl7pPr>
+            <a:lvl8pPr marL="3429000" indent="-228600" algn="l" defTabSz="914400" rtl="0" eaLnBrk="1" latinLnBrk="0" hangingPunct="1">
+              <a:spcBef>
+                <a:spcPct val="20000"/>
+              </a:spcBef>
+              <a:buFont typeface="Arial" pitchFamily="34" charset="0"/>
+              <a:buChar char="•"/>
+              <a:defRPr sz="2000" kern="1200">
+                <a:solidFill>
+                  <a:schemeClr val="tx1"/>
+                </a:solidFill>
+                <a:latin typeface="+mn-lt"/>
+                <a:ea typeface="+mn-ea"/>
+                <a:cs typeface="+mn-cs"/>
+              </a:defRPr>
+            </a:lvl8pPr>
+            <a:lvl9pPr marL="3886200" indent="-228600" algn="l" defTabSz="914400" rtl="0" eaLnBrk="1" latinLnBrk="0" hangingPunct="1">
+              <a:spcBef>
+                <a:spcPct val="20000"/>
+              </a:spcBef>
+              <a:buFont typeface="Arial" pitchFamily="34" charset="0"/>
+              <a:buChar char="•"/>
+              <a:defRPr sz="2000" kern="1200">
+                <a:solidFill>
+                  <a:schemeClr val="tx1"/>
+                </a:solidFill>
+                <a:latin typeface="+mn-lt"/>
+                <a:ea typeface="+mn-ea"/>
+                <a:cs typeface="+mn-cs"/>
+              </a:defRPr>
+            </a:lvl9pPr>
+          </a:lstStyle>
+          <a:p>
+            <a:pPr marL="0" indent="0">
+              <a:lnSpc>
+                <a:spcPct val="150000"/>
+              </a:lnSpc>
+              <a:buFont typeface="Arial" charset="0"/>
+              <a:buNone/>
+            </a:pPr>
+            <a:r>
+              <a:rPr lang="pt-BR" sz="2400" b="1" dirty="0" smtClean="0">
+                <a:solidFill>
+                  <a:schemeClr val="accent6">
+                    <a:lumMod val="75000"/>
+                  </a:schemeClr>
+                </a:solidFill>
+                <a:latin typeface="Corbel" panose="020B0503020204020204" pitchFamily="34" charset="0"/>
+              </a:rPr>
+              <a:t>Atividade</a:t>
+            </a:r>
+          </a:p>
+        </p:txBody>
+      </p:sp>
+    </p:spTree>
+    <p:extLst>
+      <p:ext uri="{BB962C8B-B14F-4D97-AF65-F5344CB8AC3E}">
+        <p14:creationId xmlns:p14="http://schemas.microsoft.com/office/powerpoint/2010/main" val="2118764348"/>
+      </p:ext>
+    </p:extLst>
+  </p:cSld>
+  <p:clrMapOvr>
+    <a:masterClrMapping/>
+  </p:clrMapOvr>
+  <mc:AlternateContent xmlns:mc="http://schemas.openxmlformats.org/markup-compatibility/2006" xmlns:p14="http://schemas.microsoft.com/office/powerpoint/2010/main">
+    <mc:Choice Requires="p14">
+      <p:transition spd="slow" p14:dur="2000"/>
+    </mc:Choice>
+    <mc:Fallback xmlns="">
+      <p:transition spd="slow"/>
+    </mc:Fallback>
+  </mc:AlternateContent>
+  <p:timing>
+    <p:tnLst>
+      <p:par>
+        <p:cTn id="1" dur="indefinite" restart="never" nodeType="tmRoot"/>
+      </p:par>
+    </p:tnLst>
+  </p:timing>
+</p:sld>
+</file>
+
 <file path=ppt/slides/slide6.xml><?xml version="1.0" encoding="utf-8"?>
 <p:sld xmlns:a="http://schemas.openxmlformats.org/drawingml/2006/main" xmlns:r="http://schemas.openxmlformats.org/officeDocument/2006/relationships" xmlns:p="http://schemas.openxmlformats.org/presentationml/2006/main">
   <p:cSld>
@@ -28878,7 +29665,7 @@
               <a:t>Estrutura do Curso – </a:t>
             </a:r>
             <a:r>
-              <a:rPr lang="pt-BR" sz="2400" b="1" dirty="0" err="1" smtClean="0">
+              <a:rPr lang="pt-BR" sz="2400" b="1" dirty="0" smtClean="0">
                 <a:solidFill>
                   <a:schemeClr val="accent6">
                     <a:lumMod val="75000"/>
@@ -28886,7 +29673,7 @@
                 </a:solidFill>
                 <a:latin typeface="Corbel" panose="020B0503020204020204" pitchFamily="34" charset="0"/>
               </a:rPr>
-              <a:t>Estagios</a:t>
+              <a:t>Estágios </a:t>
             </a:r>
             <a:r>
               <a:rPr lang="pt-BR" sz="2400" b="1" dirty="0" smtClean="0">
@@ -28897,7 +29684,7 @@
                 </a:solidFill>
                 <a:latin typeface="Corbel" panose="020B0503020204020204" pitchFamily="34" charset="0"/>
               </a:rPr>
-              <a:t> do Ciclo de Aprendizagem PNL</a:t>
+              <a:t>do Ciclo de Aprendizagem PNL</a:t>
             </a:r>
           </a:p>
           <a:p>
@@ -29079,7 +29866,7 @@
         </p:nvSpPr>
         <p:spPr>
           <a:xfrm>
-            <a:off x="149412" y="892885"/>
+            <a:off x="496045" y="1482769"/>
             <a:ext cx="1882588" cy="369332"/>
           </a:xfrm>
           <a:prstGeom prst="rect">
@@ -29521,7 +30308,19 @@
               <a:rPr lang="pt-BR" dirty="0" smtClean="0">
                 <a:latin typeface="Corbel" panose="020B0503020204020204" pitchFamily="34" charset="0"/>
               </a:rPr>
-              <a:t>Intervalo 5 minutos todos juntos?</a:t>
+              <a:t>Intervalo </a:t>
+            </a:r>
+            <a:r>
+              <a:rPr lang="pt-BR" dirty="0" smtClean="0">
+                <a:latin typeface="Corbel" panose="020B0503020204020204" pitchFamily="34" charset="0"/>
+              </a:rPr>
+              <a:t>10 </a:t>
+            </a:r>
+            <a:r>
+              <a:rPr lang="pt-BR" dirty="0" smtClean="0">
+                <a:latin typeface="Corbel" panose="020B0503020204020204" pitchFamily="34" charset="0"/>
+              </a:rPr>
+              <a:t>minutos todos juntos?</a:t>
             </a:r>
           </a:p>
           <a:p>
@@ -29551,8 +30350,17 @@
               <a:rPr lang="pt-BR" dirty="0" smtClean="0">
                 <a:latin typeface="Corbel" panose="020B0503020204020204" pitchFamily="34" charset="0"/>
               </a:rPr>
-              <a:t>Tempo para Exercício:  negociamos</a:t>
-            </a:r>
+              <a:t>Tempo para </a:t>
+            </a:r>
+            <a:r>
+              <a:rPr lang="pt-BR" dirty="0" smtClean="0">
+                <a:latin typeface="Corbel" panose="020B0503020204020204" pitchFamily="34" charset="0"/>
+              </a:rPr>
+              <a:t>Exercício, ~30:  mas negociável</a:t>
+            </a:r>
+            <a:endParaRPr lang="pt-BR" dirty="0" smtClean="0">
+              <a:latin typeface="Corbel" panose="020B0503020204020204" pitchFamily="34" charset="0"/>
+            </a:endParaRPr>
           </a:p>
           <a:p>
             <a:pPr>

--- a/Aula3.pptx
+++ b/Aula3.pptx
@@ -40,14 +40,14 @@
     <p:sldId id="283" r:id="rId28"/>
     <p:sldId id="296" r:id="rId29"/>
     <p:sldId id="306" r:id="rId30"/>
-    <p:sldId id="276" r:id="rId31"/>
-    <p:sldId id="304" r:id="rId32"/>
+    <p:sldId id="304" r:id="rId31"/>
+    <p:sldId id="276" r:id="rId32"/>
     <p:sldId id="284" r:id="rId33"/>
-    <p:sldId id="295" r:id="rId34"/>
-    <p:sldId id="297" r:id="rId35"/>
-    <p:sldId id="293" r:id="rId36"/>
-    <p:sldId id="294" r:id="rId37"/>
-    <p:sldId id="275" r:id="rId38"/>
+    <p:sldId id="275" r:id="rId34"/>
+    <p:sldId id="295" r:id="rId35"/>
+    <p:sldId id="297" r:id="rId36"/>
+    <p:sldId id="293" r:id="rId37"/>
+    <p:sldId id="294" r:id="rId38"/>
     <p:sldId id="271" r:id="rId39"/>
     <p:sldId id="274" r:id="rId40"/>
     <p:sldId id="277" r:id="rId41"/>
@@ -55,9 +55,9 @@
     <p:sldId id="279" r:id="rId43"/>
     <p:sldId id="292" r:id="rId44"/>
     <p:sldId id="291" r:id="rId45"/>
-    <p:sldId id="308" r:id="rId46"/>
-    <p:sldId id="309" r:id="rId47"/>
-    <p:sldId id="310" r:id="rId48"/>
+    <p:sldId id="310" r:id="rId46"/>
+    <p:sldId id="308" r:id="rId47"/>
+    <p:sldId id="309" r:id="rId48"/>
     <p:sldId id="290" r:id="rId49"/>
     <p:sldId id="281" r:id="rId50"/>
     <p:sldId id="289" r:id="rId51"/>
@@ -4334,7 +4334,7 @@
           <a:p>
             <a:fld id="{CE9EE758-9CAE-433F-B796-16C56E17460B}" type="datetimeFigureOut">
               <a:rPr lang="pt-BR" smtClean="0"/>
-              <a:t>26/10/2018</a:t>
+              <a:t>30/10/2018</a:t>
             </a:fld>
             <a:endParaRPr lang="pt-BR"/>
           </a:p>
@@ -4500,7 +4500,7 @@
           <a:p>
             <a:fld id="{FBCA46B2-73EF-4C4A-BBF3-1FCF65D31F9F}" type="datetimeFigureOut">
               <a:rPr lang="pt-BR" smtClean="0"/>
-              <a:t>26/10/2018</a:t>
+              <a:t>30/10/2018</a:t>
             </a:fld>
             <a:endParaRPr lang="pt-BR"/>
           </a:p>
@@ -5053,7 +5053,7 @@
           <a:graphicData uri="http://schemas.openxmlformats.org/presentationml/2006/ole">
             <mc:AlternateContent xmlns:mc="http://schemas.openxmlformats.org/markup-compatibility/2006">
               <mc:Choice xmlns:v="urn:schemas-microsoft-com:vml" Requires="v">
-                <p:oleObj spid="_x0000_s1115" name="Slide do think-cell" r:id="rId7" imgW="270" imgH="270" progId="TCLayout.ActiveDocument.1">
+                <p:oleObj spid="_x0000_s1117" name="Slide do think-cell" r:id="rId7" imgW="270" imgH="270" progId="TCLayout.ActiveDocument.1">
                   <p:embed/>
                 </p:oleObj>
               </mc:Choice>
@@ -5820,13 +5820,7 @@
               <a:rPr lang="pt-BR" sz="1800" dirty="0" smtClean="0">
                 <a:latin typeface="Corbel" panose="020B0503020204020204" pitchFamily="34" charset="0"/>
               </a:rPr>
-              <a:t> </a:t>
-            </a:r>
-            <a:r>
-              <a:rPr lang="pt-BR" sz="1800" dirty="0" smtClean="0">
-                <a:latin typeface="Corbel" panose="020B0503020204020204" pitchFamily="34" charset="0"/>
-              </a:rPr>
-              <a:t>da folha quadriculada. </a:t>
+              <a:t> da folha quadriculada. </a:t>
             </a:r>
           </a:p>
           <a:p>
@@ -8844,13 +8838,7 @@
               <a:rPr lang="pt-BR" sz="1800" dirty="0" smtClean="0">
                 <a:latin typeface="Corbel" panose="020B0503020204020204" pitchFamily="34" charset="0"/>
               </a:rPr>
-              <a:t>cedo. </a:t>
-            </a:r>
-            <a:r>
-              <a:rPr lang="pt-BR" sz="1800" dirty="0" smtClean="0">
-                <a:latin typeface="Corbel" panose="020B0503020204020204" pitchFamily="34" charset="0"/>
-              </a:rPr>
-              <a:t>O QUE ESTÁ POR VIR (ML)?</a:t>
+              <a:t>cedo. O QUE ESTÁ POR VIR (ML)?</a:t>
             </a:r>
             <a:endParaRPr lang="pt-BR" sz="1800" dirty="0">
               <a:latin typeface="Corbel" panose="020B0503020204020204" pitchFamily="34" charset="0"/>
@@ -16128,9 +16116,6 @@
               </a:rPr>
               <a:t>Calcule o valor mensal de compra nas 4 moedas.</a:t>
             </a:r>
-            <a:endParaRPr lang="pt-BR" sz="1800" dirty="0" smtClean="0">
-              <a:latin typeface="Corbel" panose="020B0503020204020204" pitchFamily="34" charset="0"/>
-            </a:endParaRPr>
           </a:p>
           <a:p>
             <a:pPr algn="just">
@@ -16436,11 +16421,7 @@
           <a:p>
             <a:r>
               <a:rPr lang="pt-BR" dirty="0" smtClean="0"/>
-              <a:t>15 </a:t>
-            </a:r>
-            <a:r>
-              <a:rPr lang="pt-BR" dirty="0" smtClean="0"/>
-              <a:t>min</a:t>
+              <a:t>15 min</a:t>
             </a:r>
             <a:endParaRPr lang="pt-BR" dirty="0"/>
           </a:p>
@@ -17417,19 +17398,7 @@
               <a:rPr lang="pt-BR" sz="1800" dirty="0" smtClean="0">
                 <a:latin typeface="Corbel" panose="020B0503020204020204" pitchFamily="34" charset="0"/>
               </a:rPr>
-              <a:t>#NUM!: </a:t>
-            </a:r>
-            <a:r>
-              <a:rPr lang="pt-BR" sz="1800" dirty="0" smtClean="0">
-                <a:latin typeface="Corbel" panose="020B0503020204020204" pitchFamily="34" charset="0"/>
-              </a:rPr>
-              <a:t>Fórmula </a:t>
-            </a:r>
-            <a:r>
-              <a:rPr lang="pt-BR" sz="1800" dirty="0" smtClean="0">
-                <a:latin typeface="Corbel" panose="020B0503020204020204" pitchFamily="34" charset="0"/>
-              </a:rPr>
-              <a:t>possui argumentos errado (</a:t>
+              <a:t>#NUM!: Fórmula possui argumentos errado (</a:t>
             </a:r>
             <a:r>
               <a:rPr lang="pt-BR" sz="1800" dirty="0" err="1" smtClean="0">
@@ -17989,25 +17958,46 @@
               <a:rPr lang="pt-BR" sz="2400" dirty="0" smtClean="0">
                 <a:latin typeface="Corbel" panose="020B0503020204020204" pitchFamily="34" charset="0"/>
               </a:rPr>
-              <a:t>9:10 </a:t>
-            </a:r>
+              <a:t>9:10 as 9:30 - Apresentação e Estrutura do Curso</a:t>
+            </a:r>
+          </a:p>
+          <a:p>
+            <a:pPr>
+              <a:lnSpc>
+                <a:spcPct val="150000"/>
+              </a:lnSpc>
+            </a:pPr>
             <a:r>
               <a:rPr lang="pt-BR" sz="2400" dirty="0" smtClean="0">
                 <a:latin typeface="Corbel" panose="020B0503020204020204" pitchFamily="34" charset="0"/>
               </a:rPr>
-              <a:t>as </a:t>
-            </a:r>
+              <a:t>9:30 as 10:00 - Fundamentos</a:t>
+            </a:r>
+          </a:p>
+          <a:p>
+            <a:pPr>
+              <a:lnSpc>
+                <a:spcPct val="150000"/>
+              </a:lnSpc>
+            </a:pPr>
             <a:r>
               <a:rPr lang="pt-BR" sz="2400" dirty="0" smtClean="0">
                 <a:latin typeface="Corbel" panose="020B0503020204020204" pitchFamily="34" charset="0"/>
               </a:rPr>
-              <a:t>9:30 </a:t>
-            </a:r>
+              <a:t>10:00 as 12:30 -  Prática</a:t>
+            </a:r>
+          </a:p>
+          <a:p>
+            <a:pPr>
+              <a:lnSpc>
+                <a:spcPct val="150000"/>
+              </a:lnSpc>
+            </a:pPr>
             <a:r>
               <a:rPr lang="pt-BR" sz="2400" dirty="0" smtClean="0">
                 <a:latin typeface="Corbel" panose="020B0503020204020204" pitchFamily="34" charset="0"/>
               </a:rPr>
-              <a:t>- Apresentação e Estrutura do Curso</a:t>
+              <a:t>12:30 as 13:30 - Almoço</a:t>
             </a:r>
           </a:p>
           <a:p>
@@ -18020,119 +18010,20 @@
               <a:rPr lang="pt-BR" sz="2400" dirty="0" smtClean="0">
                 <a:latin typeface="Corbel" panose="020B0503020204020204" pitchFamily="34" charset="0"/>
               </a:rPr>
-              <a:t>9:30 </a:t>
-            </a:r>
+              <a:t>13:30 às  17:50 -  Praticas com estudos de caso</a:t>
+            </a:r>
+          </a:p>
+          <a:p>
+            <a:pPr>
+              <a:lnSpc>
+                <a:spcPct val="150000"/>
+              </a:lnSpc>
+            </a:pPr>
             <a:r>
               <a:rPr lang="pt-BR" sz="2400" dirty="0" smtClean="0">
                 <a:latin typeface="Corbel" panose="020B0503020204020204" pitchFamily="34" charset="0"/>
               </a:rPr>
-              <a:t>as </a:t>
-            </a:r>
-            <a:r>
-              <a:rPr lang="pt-BR" sz="2400" dirty="0" smtClean="0">
-                <a:latin typeface="Corbel" panose="020B0503020204020204" pitchFamily="34" charset="0"/>
-              </a:rPr>
-              <a:t>10:00 </a:t>
-            </a:r>
-            <a:r>
-              <a:rPr lang="pt-BR" sz="2400" dirty="0" smtClean="0">
-                <a:latin typeface="Corbel" panose="020B0503020204020204" pitchFamily="34" charset="0"/>
-              </a:rPr>
-              <a:t>- Fundamentos</a:t>
-            </a:r>
-          </a:p>
-          <a:p>
-            <a:pPr>
-              <a:lnSpc>
-                <a:spcPct val="150000"/>
-              </a:lnSpc>
-            </a:pPr>
-            <a:r>
-              <a:rPr lang="pt-BR" sz="2400" dirty="0" smtClean="0">
-                <a:latin typeface="Corbel" panose="020B0503020204020204" pitchFamily="34" charset="0"/>
-              </a:rPr>
-              <a:t>10:00 </a:t>
-            </a:r>
-            <a:r>
-              <a:rPr lang="pt-BR" sz="2400" dirty="0" smtClean="0">
-                <a:latin typeface="Corbel" panose="020B0503020204020204" pitchFamily="34" charset="0"/>
-              </a:rPr>
-              <a:t>as 12:30 -  Prática</a:t>
-            </a:r>
-          </a:p>
-          <a:p>
-            <a:pPr>
-              <a:lnSpc>
-                <a:spcPct val="150000"/>
-              </a:lnSpc>
-            </a:pPr>
-            <a:r>
-              <a:rPr lang="pt-BR" sz="2400" dirty="0" smtClean="0">
-                <a:latin typeface="Corbel" panose="020B0503020204020204" pitchFamily="34" charset="0"/>
-              </a:rPr>
-              <a:t>12:30 as 13:30 - Almoço</a:t>
-            </a:r>
-          </a:p>
-          <a:p>
-            <a:pPr>
-              <a:lnSpc>
-                <a:spcPct val="150000"/>
-              </a:lnSpc>
-            </a:pPr>
-            <a:r>
-              <a:rPr lang="pt-BR" sz="2400" dirty="0" smtClean="0">
-                <a:latin typeface="Corbel" panose="020B0503020204020204" pitchFamily="34" charset="0"/>
-              </a:rPr>
-              <a:t>13:30 às  </a:t>
-            </a:r>
-            <a:r>
-              <a:rPr lang="pt-BR" sz="2400" dirty="0" smtClean="0">
-                <a:latin typeface="Corbel" panose="020B0503020204020204" pitchFamily="34" charset="0"/>
-              </a:rPr>
-              <a:t>17:50 </a:t>
-            </a:r>
-            <a:r>
-              <a:rPr lang="pt-BR" sz="2400" dirty="0" smtClean="0">
-                <a:latin typeface="Corbel" panose="020B0503020204020204" pitchFamily="34" charset="0"/>
-              </a:rPr>
-              <a:t>-  Praticas com estudos de caso</a:t>
-            </a:r>
-          </a:p>
-          <a:p>
-            <a:pPr>
-              <a:lnSpc>
-                <a:spcPct val="150000"/>
-              </a:lnSpc>
-            </a:pPr>
-            <a:r>
-              <a:rPr lang="pt-BR" sz="2400" dirty="0" smtClean="0">
-                <a:latin typeface="Corbel" panose="020B0503020204020204" pitchFamily="34" charset="0"/>
-              </a:rPr>
-              <a:t>17:50 </a:t>
-            </a:r>
-            <a:r>
-              <a:rPr lang="pt-BR" sz="2400" dirty="0" smtClean="0">
-                <a:latin typeface="Corbel" panose="020B0503020204020204" pitchFamily="34" charset="0"/>
-              </a:rPr>
-              <a:t>as </a:t>
-            </a:r>
-            <a:r>
-              <a:rPr lang="pt-BR" sz="2400" dirty="0" smtClean="0">
-                <a:latin typeface="Corbel" panose="020B0503020204020204" pitchFamily="34" charset="0"/>
-              </a:rPr>
-              <a:t>18:00 </a:t>
-            </a:r>
-            <a:r>
-              <a:rPr lang="pt-BR" sz="2400" dirty="0" smtClean="0">
-                <a:latin typeface="Corbel" panose="020B0503020204020204" pitchFamily="34" charset="0"/>
-              </a:rPr>
-              <a:t>– </a:t>
-            </a:r>
-            <a:r>
-              <a:rPr lang="pt-BR" sz="2400" dirty="0" smtClean="0">
-                <a:latin typeface="Corbel" panose="020B0503020204020204" pitchFamily="34" charset="0"/>
-              </a:rPr>
-              <a:t>Dúvidas</a:t>
+              <a:t>17:50 as 18:00 – Dúvidas</a:t>
             </a:r>
             <a:endParaRPr lang="pt-BR" sz="2400" dirty="0">
               <a:latin typeface="Corbel" panose="020B0503020204020204" pitchFamily="34" charset="0"/>
@@ -18190,7 +18081,7 @@
         <p:spPr>
           <a:xfrm>
             <a:off x="1011218" y="979618"/>
-            <a:ext cx="10596283" cy="5786438"/>
+            <a:ext cx="9966325" cy="5786438"/>
           </a:xfrm>
         </p:spPr>
         <p:txBody>
@@ -18209,7 +18100,58 @@
               <a:rPr lang="pt-BR" sz="1800" dirty="0" smtClean="0">
                 <a:latin typeface="Corbel" panose="020B0503020204020204" pitchFamily="34" charset="0"/>
               </a:rPr>
-              <a:t>Para apagar informações no Excel proceda da seguinte maneira:</a:t>
+              <a:t>Permite melhorar o impacto visual e personalizar cores, fonte, tamanhos, bordas, etc.</a:t>
+            </a:r>
+          </a:p>
+          <a:p>
+            <a:pPr marL="0" indent="0">
+              <a:lnSpc>
+                <a:spcPct val="150000"/>
+              </a:lnSpc>
+              <a:buNone/>
+            </a:pPr>
+            <a:r>
+              <a:rPr lang="pt-BR" sz="1800" dirty="0" smtClean="0">
+                <a:latin typeface="Corbel" panose="020B0503020204020204" pitchFamily="34" charset="0"/>
+              </a:rPr>
+              <a:t>Formatações mais frequentes: bordas, cor e tamanho de fonte, preenchimento da célula, alinhamento, formatação de número, </a:t>
+            </a:r>
+            <a:r>
+              <a:rPr lang="pt-BR" sz="1800" dirty="0" err="1" smtClean="0">
+                <a:latin typeface="Corbel" panose="020B0503020204020204" pitchFamily="34" charset="0"/>
+              </a:rPr>
+              <a:t>mesclagem</a:t>
+            </a:r>
+            <a:r>
+              <a:rPr lang="pt-BR" sz="1800" dirty="0" smtClean="0">
+                <a:latin typeface="Corbel" panose="020B0503020204020204" pitchFamily="34" charset="0"/>
+              </a:rPr>
+              <a:t>, largura de coluna, altura de linha, eliminar grades.</a:t>
+            </a:r>
+          </a:p>
+          <a:p>
+            <a:pPr marL="0" indent="0">
+              <a:lnSpc>
+                <a:spcPct val="150000"/>
+              </a:lnSpc>
+              <a:buNone/>
+            </a:pPr>
+            <a:endParaRPr lang="pt-BR" sz="1800" dirty="0" smtClean="0">
+              <a:latin typeface="Corbel" panose="020B0503020204020204" pitchFamily="34" charset="0"/>
+            </a:endParaRPr>
+          </a:p>
+          <a:p>
+            <a:pPr marL="0" indent="0">
+              <a:lnSpc>
+                <a:spcPct val="150000"/>
+              </a:lnSpc>
+              <a:buNone/>
+            </a:pPr>
+            <a:r>
+              <a:rPr lang="pt-BR" sz="1800" dirty="0" smtClean="0">
+                <a:latin typeface="Corbel" panose="020B0503020204020204" pitchFamily="34" charset="0"/>
+              </a:rPr>
+              <a:t>Caminhos de Formatação</a:t>
             </a:r>
           </a:p>
           <a:p>
@@ -18224,19 +18166,22 @@
               <a:rPr lang="pt-BR" sz="1800" dirty="0" smtClean="0">
                 <a:latin typeface="Corbel" panose="020B0503020204020204" pitchFamily="34" charset="0"/>
               </a:rPr>
-              <a:t>Célula: Ativar a célula e pressionar [DEL] ou [</a:t>
-            </a:r>
-            <a:r>
-              <a:rPr lang="pt-BR" sz="1800" dirty="0" err="1" smtClean="0">
-                <a:latin typeface="Corbel" panose="020B0503020204020204" pitchFamily="34" charset="0"/>
-              </a:rPr>
-              <a:t>Backspace</a:t>
-            </a:r>
+              <a:t>Guia Pagina Inicial, Guia Exibir</a:t>
+            </a:r>
+          </a:p>
+          <a:p>
+            <a:pPr>
+              <a:lnSpc>
+                <a:spcPct val="150000"/>
+              </a:lnSpc>
+              <a:buFont typeface="Arial" panose="020B0604020202020204" pitchFamily="34" charset="0"/>
+              <a:buChar char="•"/>
+            </a:pPr>
             <a:r>
               <a:rPr lang="pt-BR" sz="1800" dirty="0" smtClean="0">
                 <a:latin typeface="Corbel" panose="020B0503020204020204" pitchFamily="34" charset="0"/>
               </a:rPr>
-              <a:t>]</a:t>
+              <a:t> menu flutuante rápido (botão direito)</a:t>
             </a:r>
           </a:p>
           <a:p>
@@ -18251,123 +18196,25 @@
               <a:rPr lang="pt-BR" sz="1800" dirty="0" smtClean="0">
                 <a:latin typeface="Corbel" panose="020B0503020204020204" pitchFamily="34" charset="0"/>
               </a:rPr>
-              <a:t>Intervalo: selecionar o Intervalo e pressionar [DEL]</a:t>
-            </a:r>
-          </a:p>
-          <a:p>
-            <a:pPr>
-              <a:lnSpc>
-                <a:spcPct val="150000"/>
-              </a:lnSpc>
-              <a:buFont typeface="Arial" panose="020B0604020202020204" pitchFamily="34" charset="0"/>
-              <a:buChar char="•"/>
-            </a:pPr>
-            <a:r>
-              <a:rPr lang="pt-BR" sz="1800" dirty="0" smtClean="0">
-                <a:latin typeface="Corbel" panose="020B0503020204020204" pitchFamily="34" charset="0"/>
-              </a:rPr>
-              <a:t>Coluna: Selecionar a coluna com botão Direito do Mouse e “Excluir” /teclas  [</a:t>
-            </a:r>
-            <a:r>
-              <a:rPr lang="pt-BR" sz="1800" dirty="0" err="1" smtClean="0">
-                <a:latin typeface="Corbel" panose="020B0503020204020204" pitchFamily="34" charset="0"/>
-              </a:rPr>
-              <a:t>ctrl</a:t>
-            </a:r>
-            <a:r>
-              <a:rPr lang="pt-BR" sz="1800" dirty="0" smtClean="0">
-                <a:latin typeface="Corbel" panose="020B0503020204020204" pitchFamily="34" charset="0"/>
-              </a:rPr>
-              <a:t> -] / Guia Pagina Inicial</a:t>
-            </a:r>
-          </a:p>
-          <a:p>
-            <a:pPr>
-              <a:lnSpc>
-                <a:spcPct val="150000"/>
-              </a:lnSpc>
-              <a:buFont typeface="Arial" panose="020B0604020202020204" pitchFamily="34" charset="0"/>
-              <a:buChar char="•"/>
-            </a:pPr>
-            <a:r>
-              <a:rPr lang="pt-BR" sz="1800" dirty="0" smtClean="0">
-                <a:latin typeface="Corbel" panose="020B0503020204020204" pitchFamily="34" charset="0"/>
-              </a:rPr>
-              <a:t>Linha: </a:t>
-            </a:r>
-            <a:r>
-              <a:rPr lang="pt-BR" sz="1800" dirty="0">
-                <a:latin typeface="Corbel" panose="020B0503020204020204" pitchFamily="34" charset="0"/>
-              </a:rPr>
-              <a:t>Selecionar a </a:t>
-            </a:r>
-            <a:r>
-              <a:rPr lang="pt-BR" sz="1800" dirty="0" smtClean="0">
-                <a:latin typeface="Corbel" panose="020B0503020204020204" pitchFamily="34" charset="0"/>
-              </a:rPr>
-              <a:t>linha com </a:t>
-            </a:r>
-            <a:r>
-              <a:rPr lang="pt-BR" sz="1800" dirty="0">
-                <a:latin typeface="Corbel" panose="020B0503020204020204" pitchFamily="34" charset="0"/>
-              </a:rPr>
-              <a:t>botão Direito do Mouse e “Excluir” /teclas  [</a:t>
-            </a:r>
-            <a:r>
-              <a:rPr lang="pt-BR" sz="1800" dirty="0" err="1">
-                <a:latin typeface="Corbel" panose="020B0503020204020204" pitchFamily="34" charset="0"/>
-              </a:rPr>
-              <a:t>ctrl</a:t>
-            </a:r>
-            <a:r>
-              <a:rPr lang="pt-BR" sz="1800" dirty="0">
-                <a:latin typeface="Corbel" panose="020B0503020204020204" pitchFamily="34" charset="0"/>
-              </a:rPr>
-              <a:t> -] / Guia Pagina </a:t>
-            </a:r>
-            <a:r>
-              <a:rPr lang="pt-BR" sz="1800" dirty="0" smtClean="0">
-                <a:latin typeface="Corbel" panose="020B0503020204020204" pitchFamily="34" charset="0"/>
-              </a:rPr>
-              <a:t>Inicial</a:t>
-            </a:r>
-          </a:p>
-          <a:p>
-            <a:pPr>
-              <a:lnSpc>
-                <a:spcPct val="150000"/>
-              </a:lnSpc>
-              <a:buFont typeface="Arial" panose="020B0604020202020204" pitchFamily="34" charset="0"/>
-              <a:buChar char="•"/>
-            </a:pPr>
+              <a:t>Menu flutuante/contexto (botão direito)</a:t>
+            </a:r>
             <a:endParaRPr lang="pt-BR" sz="1800" dirty="0">
               <a:latin typeface="Corbel" panose="020B0503020204020204" pitchFamily="34" charset="0"/>
             </a:endParaRPr>
           </a:p>
           <a:p>
-            <a:pPr marL="0" indent="0">
+            <a:pPr>
               <a:lnSpc>
                 <a:spcPct val="150000"/>
               </a:lnSpc>
-              <a:buNone/>
-            </a:pPr>
-            <a:r>
-              <a:rPr lang="pt-BR" sz="1800" dirty="0">
-                <a:latin typeface="Corbel" panose="020B0503020204020204" pitchFamily="34" charset="0"/>
-              </a:rPr>
-              <a:t>Para </a:t>
-            </a:r>
+              <a:buFont typeface="Arial" panose="020B0604020202020204" pitchFamily="34" charset="0"/>
+              <a:buChar char="•"/>
+            </a:pPr>
             <a:r>
               <a:rPr lang="pt-BR" sz="1800" dirty="0" smtClean="0">
                 <a:latin typeface="Corbel" panose="020B0503020204020204" pitchFamily="34" charset="0"/>
               </a:rPr>
-              <a:t>OCULTAR informações </a:t>
-            </a:r>
-            <a:r>
-              <a:rPr lang="pt-BR" sz="1800" dirty="0">
-                <a:latin typeface="Corbel" panose="020B0503020204020204" pitchFamily="34" charset="0"/>
-              </a:rPr>
-              <a:t>no Excel proceda da seguinte maneira:</a:t>
+              <a:t>Copiando de outro local</a:t>
             </a:r>
           </a:p>
           <a:p>
@@ -18382,131 +18229,61 @@
               <a:rPr lang="pt-BR" sz="1800" dirty="0" smtClean="0">
                 <a:latin typeface="Corbel" panose="020B0503020204020204" pitchFamily="34" charset="0"/>
               </a:rPr>
-              <a:t>Coluna ou Linha : </a:t>
-            </a:r>
-            <a:r>
-              <a:rPr lang="pt-BR" sz="1800" dirty="0">
-                <a:latin typeface="Corbel" panose="020B0503020204020204" pitchFamily="34" charset="0"/>
-              </a:rPr>
-              <a:t>Selecionar a coluna </a:t>
-            </a:r>
+              <a:t>Ferramenta Pincel (tente com duplo clique)</a:t>
+            </a:r>
+          </a:p>
+          <a:p>
+            <a:pPr>
+              <a:lnSpc>
+                <a:spcPct val="150000"/>
+              </a:lnSpc>
+              <a:buFont typeface="Arial" panose="020B0604020202020204" pitchFamily="34" charset="0"/>
+              <a:buChar char="•"/>
+            </a:pPr>
             <a:r>
               <a:rPr lang="pt-BR" sz="1800" dirty="0" smtClean="0">
                 <a:latin typeface="Corbel" panose="020B0503020204020204" pitchFamily="34" charset="0"/>
               </a:rPr>
-              <a:t>ou Linha com </a:t>
-            </a:r>
-            <a:r>
-              <a:rPr lang="pt-BR" sz="1800" dirty="0">
-                <a:latin typeface="Corbel" panose="020B0503020204020204" pitchFamily="34" charset="0"/>
-              </a:rPr>
-              <a:t>botão Direito do Mouse e </a:t>
+              <a:t>Colar especial &gt; Formatação</a:t>
+            </a:r>
+          </a:p>
+          <a:p>
+            <a:pPr>
+              <a:lnSpc>
+                <a:spcPct val="150000"/>
+              </a:lnSpc>
+              <a:buFont typeface="Arial" panose="020B0604020202020204" pitchFamily="34" charset="0"/>
+              <a:buChar char="•"/>
+            </a:pPr>
+            <a:r>
+              <a:rPr lang="pt-BR" sz="1800" dirty="0" err="1" smtClean="0">
+                <a:latin typeface="Corbel" panose="020B0503020204020204" pitchFamily="34" charset="0"/>
+              </a:rPr>
+              <a:t>Ctrl+C</a:t>
             </a:r>
             <a:r>
               <a:rPr lang="pt-BR" sz="1800" dirty="0" smtClean="0">
                 <a:latin typeface="Corbel" panose="020B0503020204020204" pitchFamily="34" charset="0"/>
               </a:rPr>
-              <a:t>“Ocultar” / Guia </a:t>
-            </a:r>
-            <a:r>
-              <a:rPr lang="pt-BR" sz="1800" dirty="0">
-                <a:latin typeface="Corbel" panose="020B0503020204020204" pitchFamily="34" charset="0"/>
-              </a:rPr>
-              <a:t>Pagina Inicial</a:t>
-            </a:r>
-          </a:p>
-          <a:p>
-            <a:pPr marL="0" indent="0">
-              <a:lnSpc>
-                <a:spcPct val="150000"/>
-              </a:lnSpc>
-              <a:buNone/>
-            </a:pPr>
-            <a:r>
-              <a:rPr lang="pt-BR" sz="1800" dirty="0" smtClean="0">
-                <a:latin typeface="Corbel" panose="020B0503020204020204" pitchFamily="34" charset="0"/>
-              </a:rPr>
-              <a:t>Para DESOCULTAR </a:t>
-            </a:r>
-            <a:r>
-              <a:rPr lang="pt-BR" sz="1800" dirty="0">
-                <a:latin typeface="Corbel" panose="020B0503020204020204" pitchFamily="34" charset="0"/>
-              </a:rPr>
-              <a:t>informações no Excel proceda da seguinte maneira:</a:t>
-            </a:r>
-          </a:p>
-          <a:p>
-            <a:pPr>
-              <a:lnSpc>
-                <a:spcPct val="150000"/>
-              </a:lnSpc>
-              <a:buFont typeface="Arial" panose="020B0604020202020204" pitchFamily="34" charset="0"/>
-              <a:buChar char="•"/>
-            </a:pPr>
-            <a:r>
-              <a:rPr lang="pt-BR" sz="1800" dirty="0" smtClean="0">
-                <a:latin typeface="Corbel" panose="020B0503020204020204" pitchFamily="34" charset="0"/>
-              </a:rPr>
-              <a:t>Coluna ou Linha: </a:t>
-            </a:r>
-            <a:r>
-              <a:rPr lang="pt-BR" sz="1800" dirty="0">
-                <a:latin typeface="Corbel" panose="020B0503020204020204" pitchFamily="34" charset="0"/>
-              </a:rPr>
-              <a:t>Selecionar </a:t>
-            </a:r>
-            <a:r>
-              <a:rPr lang="pt-BR" sz="1800" dirty="0" smtClean="0">
-                <a:solidFill>
-                  <a:srgbClr val="FF0000"/>
-                </a:solidFill>
-                <a:latin typeface="Corbel" panose="020B0503020204020204" pitchFamily="34" charset="0"/>
-              </a:rPr>
-              <a:t>o intervalo </a:t>
-            </a:r>
-            <a:r>
-              <a:rPr lang="pt-BR" sz="1800" dirty="0" smtClean="0">
-                <a:latin typeface="Corbel" panose="020B0503020204020204" pitchFamily="34" charset="0"/>
-              </a:rPr>
-              <a:t>da coluna/linha </a:t>
-            </a:r>
-            <a:r>
-              <a:rPr lang="pt-BR" sz="1800" dirty="0">
-                <a:latin typeface="Corbel" panose="020B0503020204020204" pitchFamily="34" charset="0"/>
-              </a:rPr>
-              <a:t>com botão Direito do Mouse e “Ocultar” / Guia Pagina Inicial</a:t>
-            </a:r>
-          </a:p>
-          <a:p>
-            <a:pPr>
-              <a:lnSpc>
-                <a:spcPct val="150000"/>
-              </a:lnSpc>
-              <a:buFont typeface="Arial" panose="020B0604020202020204" pitchFamily="34" charset="0"/>
-              <a:buChar char="•"/>
-            </a:pPr>
+              <a:t> , </a:t>
+            </a:r>
+            <a:r>
+              <a:rPr lang="pt-BR" sz="1800" dirty="0" err="1" smtClean="0">
+                <a:latin typeface="Corbel" panose="020B0503020204020204" pitchFamily="34" charset="0"/>
+              </a:rPr>
+              <a:t>CTrl+V</a:t>
+            </a:r>
             <a:endParaRPr lang="pt-BR" sz="1800" dirty="0" smtClean="0">
               <a:latin typeface="Corbel" panose="020B0503020204020204" pitchFamily="34" charset="0"/>
             </a:endParaRPr>
           </a:p>
           <a:p>
-            <a:pPr marL="0" indent="0">
+            <a:pPr>
               <a:lnSpc>
                 <a:spcPct val="150000"/>
               </a:lnSpc>
-              <a:buNone/>
-            </a:pPr>
-            <a:endParaRPr lang="pt-BR" sz="1800" dirty="0" smtClean="0">
-              <a:latin typeface="Corbel" panose="020B0503020204020204" pitchFamily="34" charset="0"/>
-            </a:endParaRPr>
-          </a:p>
-          <a:p>
-            <a:pPr>
-              <a:lnSpc>
-                <a:spcPct val="150000"/>
-              </a:lnSpc>
-            </a:pPr>
-            <a:endParaRPr lang="pt-BR" sz="1800" dirty="0" smtClean="0">
+            </a:pPr>
+            <a:endParaRPr lang="pt-BR" sz="1800" dirty="0">
               <a:latin typeface="Corbel" panose="020B0503020204020204" pitchFamily="34" charset="0"/>
             </a:endParaRPr>
           </a:p>
@@ -18709,7 +18486,7 @@
                 </a:solidFill>
                 <a:latin typeface="Corbel" panose="020B0503020204020204" pitchFamily="34" charset="0"/>
               </a:rPr>
-              <a:t>Apagar e Ocultar Dados</a:t>
+              <a:t>Formatação no Excel</a:t>
             </a:r>
           </a:p>
           <a:p>
@@ -18729,10 +18506,50 @@
           </a:p>
         </p:txBody>
       </p:sp>
+      <p:sp>
+        <p:nvSpPr>
+          <p:cNvPr id="5" name="Elipse 4"/>
+          <p:cNvSpPr/>
+          <p:nvPr/>
+        </p:nvSpPr>
+        <p:spPr>
+          <a:xfrm>
+            <a:off x="10682344" y="5884433"/>
+            <a:ext cx="602428" cy="516367"/>
+          </a:xfrm>
+          <a:prstGeom prst="ellipse">
+            <a:avLst/>
+          </a:prstGeom>
+        </p:spPr>
+        <p:style>
+          <a:lnRef idx="2">
+            <a:schemeClr val="accent1">
+              <a:shade val="50000"/>
+            </a:schemeClr>
+          </a:lnRef>
+          <a:fillRef idx="1">
+            <a:schemeClr val="accent1"/>
+          </a:fillRef>
+          <a:effectRef idx="0">
+            <a:schemeClr val="accent1"/>
+          </a:effectRef>
+          <a:fontRef idx="minor">
+            <a:schemeClr val="lt1"/>
+          </a:fontRef>
+        </p:style>
+        <p:txBody>
+          <a:bodyPr rtlCol="0" anchor="ctr"/>
+          <a:lstStyle/>
+          <a:p>
+            <a:pPr algn="ctr"/>
+            <a:endParaRPr lang="pt-BR"/>
+          </a:p>
+        </p:txBody>
+      </p:sp>
     </p:spTree>
     <p:extLst>
       <p:ext uri="{BB962C8B-B14F-4D97-AF65-F5344CB8AC3E}">
-        <p14:creationId xmlns:p14="http://schemas.microsoft.com/office/powerpoint/2010/main" val="1093673402"/>
+        <p14:creationId xmlns:p14="http://schemas.microsoft.com/office/powerpoint/2010/main" val="2306470166"/>
       </p:ext>
     </p:extLst>
   </p:cSld>
@@ -18779,7 +18596,7 @@
         <p:spPr>
           <a:xfrm>
             <a:off x="1011218" y="979618"/>
-            <a:ext cx="9966325" cy="5786438"/>
+            <a:ext cx="10596283" cy="5786438"/>
           </a:xfrm>
         </p:spPr>
         <p:txBody>
@@ -18798,8 +18615,140 @@
               <a:rPr lang="pt-BR" sz="1800" dirty="0" smtClean="0">
                 <a:latin typeface="Corbel" panose="020B0503020204020204" pitchFamily="34" charset="0"/>
               </a:rPr>
-              <a:t>Permite melhorar o impacto visual e personalizar cores, fonte, tamanhos, bordas, etc.</a:t>
-            </a:r>
+              <a:t>Para apagar informações no Excel proceda da seguinte maneira:</a:t>
+            </a:r>
+          </a:p>
+          <a:p>
+            <a:pPr>
+              <a:lnSpc>
+                <a:spcPct val="150000"/>
+              </a:lnSpc>
+              <a:buFont typeface="Arial" panose="020B0604020202020204" pitchFamily="34" charset="0"/>
+              <a:buChar char="•"/>
+            </a:pPr>
+            <a:r>
+              <a:rPr lang="pt-BR" sz="1800" dirty="0" smtClean="0">
+                <a:latin typeface="Corbel" panose="020B0503020204020204" pitchFamily="34" charset="0"/>
+              </a:rPr>
+              <a:t>Célula: Ativar a célula e pressionar [DEL] ou [</a:t>
+            </a:r>
+            <a:r>
+              <a:rPr lang="pt-BR" sz="1800" dirty="0" err="1" smtClean="0">
+                <a:latin typeface="Corbel" panose="020B0503020204020204" pitchFamily="34" charset="0"/>
+              </a:rPr>
+              <a:t>Backspace</a:t>
+            </a:r>
+            <a:r>
+              <a:rPr lang="pt-BR" sz="1800" dirty="0" smtClean="0">
+                <a:latin typeface="Corbel" panose="020B0503020204020204" pitchFamily="34" charset="0"/>
+              </a:rPr>
+              <a:t>]</a:t>
+            </a:r>
+          </a:p>
+          <a:p>
+            <a:pPr>
+              <a:lnSpc>
+                <a:spcPct val="150000"/>
+              </a:lnSpc>
+              <a:buFont typeface="Arial" panose="020B0604020202020204" pitchFamily="34" charset="0"/>
+              <a:buChar char="•"/>
+            </a:pPr>
+            <a:r>
+              <a:rPr lang="pt-BR" sz="1800" dirty="0" smtClean="0">
+                <a:latin typeface="Corbel" panose="020B0503020204020204" pitchFamily="34" charset="0"/>
+              </a:rPr>
+              <a:t>Intervalo: selecionar o Intervalo e pressionar [DEL]</a:t>
+            </a:r>
+          </a:p>
+          <a:p>
+            <a:pPr>
+              <a:lnSpc>
+                <a:spcPct val="150000"/>
+              </a:lnSpc>
+              <a:buFont typeface="Arial" panose="020B0604020202020204" pitchFamily="34" charset="0"/>
+              <a:buChar char="•"/>
+            </a:pPr>
+            <a:r>
+              <a:rPr lang="pt-BR" sz="1800" dirty="0" smtClean="0">
+                <a:latin typeface="Corbel" panose="020B0503020204020204" pitchFamily="34" charset="0"/>
+              </a:rPr>
+              <a:t>Coluna: Selecionar a coluna com botão Direito do Mouse e “Excluir” /teclas  [</a:t>
+            </a:r>
+            <a:r>
+              <a:rPr lang="pt-BR" sz="1800" dirty="0" err="1" smtClean="0">
+                <a:latin typeface="Corbel" panose="020B0503020204020204" pitchFamily="34" charset="0"/>
+              </a:rPr>
+              <a:t>ctrl</a:t>
+            </a:r>
+            <a:r>
+              <a:rPr lang="pt-BR" sz="1800" dirty="0" smtClean="0">
+                <a:latin typeface="Corbel" panose="020B0503020204020204" pitchFamily="34" charset="0"/>
+              </a:rPr>
+              <a:t> -] / Guia Pagina Inicial</a:t>
+            </a:r>
+          </a:p>
+          <a:p>
+            <a:pPr>
+              <a:lnSpc>
+                <a:spcPct val="150000"/>
+              </a:lnSpc>
+              <a:buFont typeface="Arial" panose="020B0604020202020204" pitchFamily="34" charset="0"/>
+              <a:buChar char="•"/>
+            </a:pPr>
+            <a:r>
+              <a:rPr lang="pt-BR" sz="1800" dirty="0" smtClean="0">
+                <a:latin typeface="Corbel" panose="020B0503020204020204" pitchFamily="34" charset="0"/>
+              </a:rPr>
+              <a:t>Linha: </a:t>
+            </a:r>
+            <a:r>
+              <a:rPr lang="pt-BR" sz="1800" dirty="0">
+                <a:latin typeface="Corbel" panose="020B0503020204020204" pitchFamily="34" charset="0"/>
+              </a:rPr>
+              <a:t>Selecionar a </a:t>
+            </a:r>
+            <a:r>
+              <a:rPr lang="pt-BR" sz="1800" dirty="0" smtClean="0">
+                <a:latin typeface="Corbel" panose="020B0503020204020204" pitchFamily="34" charset="0"/>
+              </a:rPr>
+              <a:t>linha com </a:t>
+            </a:r>
+            <a:r>
+              <a:rPr lang="pt-BR" sz="1800" dirty="0">
+                <a:latin typeface="Corbel" panose="020B0503020204020204" pitchFamily="34" charset="0"/>
+              </a:rPr>
+              <a:t>botão Direito do Mouse e “Excluir” /teclas  [</a:t>
+            </a:r>
+            <a:r>
+              <a:rPr lang="pt-BR" sz="1800" dirty="0" err="1">
+                <a:latin typeface="Corbel" panose="020B0503020204020204" pitchFamily="34" charset="0"/>
+              </a:rPr>
+              <a:t>ctrl</a:t>
+            </a:r>
+            <a:r>
+              <a:rPr lang="pt-BR" sz="1800" dirty="0">
+                <a:latin typeface="Corbel" panose="020B0503020204020204" pitchFamily="34" charset="0"/>
+              </a:rPr>
+              <a:t> -] / Guia Pagina </a:t>
+            </a:r>
+            <a:r>
+              <a:rPr lang="pt-BR" sz="1800" dirty="0" smtClean="0">
+                <a:latin typeface="Corbel" panose="020B0503020204020204" pitchFamily="34" charset="0"/>
+              </a:rPr>
+              <a:t>Inicial</a:t>
+            </a:r>
+          </a:p>
+          <a:p>
+            <a:pPr>
+              <a:lnSpc>
+                <a:spcPct val="150000"/>
+              </a:lnSpc>
+              <a:buFont typeface="Arial" panose="020B0604020202020204" pitchFamily="34" charset="0"/>
+              <a:buChar char="•"/>
+            </a:pPr>
+            <a:endParaRPr lang="pt-BR" sz="1800" dirty="0">
+              <a:latin typeface="Corbel" panose="020B0503020204020204" pitchFamily="34" charset="0"/>
+            </a:endParaRPr>
           </a:p>
           <a:p>
             <a:pPr marL="0" indent="0">
@@ -18809,22 +18758,67 @@
               <a:buNone/>
             </a:pPr>
             <a:r>
+              <a:rPr lang="pt-BR" sz="1800" dirty="0">
+                <a:latin typeface="Corbel" panose="020B0503020204020204" pitchFamily="34" charset="0"/>
+              </a:rPr>
+              <a:t>Para </a:t>
+            </a:r>
+            <a:r>
               <a:rPr lang="pt-BR" sz="1800" dirty="0" smtClean="0">
                 <a:latin typeface="Corbel" panose="020B0503020204020204" pitchFamily="34" charset="0"/>
               </a:rPr>
-              <a:t>Formatações mais frequentes: bordas, cor e tamanho de fonte, preenchimento da célula, alinhamento, formatação de número, </a:t>
-            </a:r>
-            <a:r>
-              <a:rPr lang="pt-BR" sz="1800" dirty="0" err="1" smtClean="0">
-                <a:latin typeface="Corbel" panose="020B0503020204020204" pitchFamily="34" charset="0"/>
-              </a:rPr>
-              <a:t>mesclagem</a:t>
-            </a:r>
+              <a:t>OCULTAR informações </a:t>
+            </a:r>
+            <a:r>
+              <a:rPr lang="pt-BR" sz="1800" dirty="0">
+                <a:latin typeface="Corbel" panose="020B0503020204020204" pitchFamily="34" charset="0"/>
+              </a:rPr>
+              <a:t>no Excel proceda da seguinte maneira:</a:t>
+            </a:r>
+          </a:p>
+          <a:p>
+            <a:pPr>
+              <a:lnSpc>
+                <a:spcPct val="150000"/>
+              </a:lnSpc>
+              <a:buFont typeface="Arial" panose="020B0604020202020204" pitchFamily="34" charset="0"/>
+              <a:buChar char="•"/>
+            </a:pPr>
             <a:r>
               <a:rPr lang="pt-BR" sz="1800" dirty="0" smtClean="0">
                 <a:latin typeface="Corbel" panose="020B0503020204020204" pitchFamily="34" charset="0"/>
               </a:rPr>
-              <a:t>, largura de coluna, altura de linha, eliminar grades.</a:t>
+              <a:t>Coluna ou Linha : </a:t>
+            </a:r>
+            <a:r>
+              <a:rPr lang="pt-BR" sz="1800" dirty="0">
+                <a:latin typeface="Corbel" panose="020B0503020204020204" pitchFamily="34" charset="0"/>
+              </a:rPr>
+              <a:t>Selecionar a coluna </a:t>
+            </a:r>
+            <a:r>
+              <a:rPr lang="pt-BR" sz="1800" dirty="0" smtClean="0">
+                <a:latin typeface="Corbel" panose="020B0503020204020204" pitchFamily="34" charset="0"/>
+              </a:rPr>
+              <a:t>ou Linha com </a:t>
+            </a:r>
+            <a:r>
+              <a:rPr lang="pt-BR" sz="1800" dirty="0">
+                <a:latin typeface="Corbel" panose="020B0503020204020204" pitchFamily="34" charset="0"/>
+              </a:rPr>
+              <a:t>botão Direito do Mouse e </a:t>
+            </a:r>
+            <a:r>
+              <a:rPr lang="pt-BR" sz="1800" dirty="0" smtClean="0">
+                <a:latin typeface="Corbel" panose="020B0503020204020204" pitchFamily="34" charset="0"/>
+              </a:rPr>
+              <a:t>“Ocultar” / Guia </a:t>
+            </a:r>
+            <a:r>
+              <a:rPr lang="pt-BR" sz="1800" dirty="0">
+                <a:latin typeface="Corbel" panose="020B0503020204020204" pitchFamily="34" charset="0"/>
+              </a:rPr>
+              <a:t>Pagina Inicial</a:t>
             </a:r>
           </a:p>
           <a:p>
@@ -18833,6 +18827,69 @@
                 <a:spcPct val="150000"/>
               </a:lnSpc>
               <a:buNone/>
+            </a:pPr>
+            <a:r>
+              <a:rPr lang="pt-BR" sz="1800" dirty="0" smtClean="0">
+                <a:latin typeface="Corbel" panose="020B0503020204020204" pitchFamily="34" charset="0"/>
+              </a:rPr>
+              <a:t>Para DESOCULTAR </a:t>
+            </a:r>
+            <a:r>
+              <a:rPr lang="pt-BR" sz="1800" dirty="0">
+                <a:latin typeface="Corbel" panose="020B0503020204020204" pitchFamily="34" charset="0"/>
+              </a:rPr>
+              <a:t>informações no Excel proceda da seguinte maneira:</a:t>
+            </a:r>
+          </a:p>
+          <a:p>
+            <a:pPr>
+              <a:lnSpc>
+                <a:spcPct val="150000"/>
+              </a:lnSpc>
+              <a:buFont typeface="Arial" panose="020B0604020202020204" pitchFamily="34" charset="0"/>
+              <a:buChar char="•"/>
+            </a:pPr>
+            <a:r>
+              <a:rPr lang="pt-BR" sz="1800" dirty="0" smtClean="0">
+                <a:latin typeface="Corbel" panose="020B0503020204020204" pitchFamily="34" charset="0"/>
+              </a:rPr>
+              <a:t>Coluna ou Linha: </a:t>
+            </a:r>
+            <a:r>
+              <a:rPr lang="pt-BR" sz="1800" dirty="0">
+                <a:latin typeface="Corbel" panose="020B0503020204020204" pitchFamily="34" charset="0"/>
+              </a:rPr>
+              <a:t>Selecionar </a:t>
+            </a:r>
+            <a:r>
+              <a:rPr lang="pt-BR" sz="1800" dirty="0" smtClean="0">
+                <a:solidFill>
+                  <a:srgbClr val="FF0000"/>
+                </a:solidFill>
+                <a:latin typeface="Corbel" panose="020B0503020204020204" pitchFamily="34" charset="0"/>
+              </a:rPr>
+              <a:t>o intervalo </a:t>
+            </a:r>
+            <a:r>
+              <a:rPr lang="pt-BR" sz="1800" dirty="0" smtClean="0">
+                <a:latin typeface="Corbel" panose="020B0503020204020204" pitchFamily="34" charset="0"/>
+              </a:rPr>
+              <a:t>da coluna/linha </a:t>
+            </a:r>
+            <a:r>
+              <a:rPr lang="pt-BR" sz="1800" dirty="0">
+                <a:latin typeface="Corbel" panose="020B0503020204020204" pitchFamily="34" charset="0"/>
+              </a:rPr>
+              <a:t>com botão Direito do Mouse e “Ocultar” / Guia Pagina Inicial</a:t>
+            </a:r>
+          </a:p>
+          <a:p>
+            <a:pPr>
+              <a:lnSpc>
+                <a:spcPct val="150000"/>
+              </a:lnSpc>
+              <a:buFont typeface="Arial" panose="020B0604020202020204" pitchFamily="34" charset="0"/>
+              <a:buChar char="•"/>
             </a:pPr>
             <a:endParaRPr lang="pt-BR" sz="1800" dirty="0" smtClean="0">
               <a:latin typeface="Corbel" panose="020B0503020204020204" pitchFamily="34" charset="0"/>
@@ -18845,132 +18902,6 @@
               </a:lnSpc>
               <a:buNone/>
             </a:pPr>
-            <a:r>
-              <a:rPr lang="pt-BR" sz="1800" dirty="0" smtClean="0">
-                <a:latin typeface="Corbel" panose="020B0503020204020204" pitchFamily="34" charset="0"/>
-              </a:rPr>
-              <a:t>Caminhos de Formatação</a:t>
-            </a:r>
-          </a:p>
-          <a:p>
-            <a:pPr>
-              <a:lnSpc>
-                <a:spcPct val="150000"/>
-              </a:lnSpc>
-              <a:buFont typeface="Arial" panose="020B0604020202020204" pitchFamily="34" charset="0"/>
-              <a:buChar char="•"/>
-            </a:pPr>
-            <a:r>
-              <a:rPr lang="pt-BR" sz="1800" dirty="0" smtClean="0">
-                <a:latin typeface="Corbel" panose="020B0503020204020204" pitchFamily="34" charset="0"/>
-              </a:rPr>
-              <a:t>Guia Pagina Inicial, Guia Exibir</a:t>
-            </a:r>
-          </a:p>
-          <a:p>
-            <a:pPr>
-              <a:lnSpc>
-                <a:spcPct val="150000"/>
-              </a:lnSpc>
-              <a:buFont typeface="Arial" panose="020B0604020202020204" pitchFamily="34" charset="0"/>
-              <a:buChar char="•"/>
-            </a:pPr>
-            <a:r>
-              <a:rPr lang="pt-BR" sz="1800" dirty="0" smtClean="0">
-                <a:latin typeface="Corbel" panose="020B0503020204020204" pitchFamily="34" charset="0"/>
-              </a:rPr>
-              <a:t> menu flutuante rápido (botão direito)</a:t>
-            </a:r>
-          </a:p>
-          <a:p>
-            <a:pPr>
-              <a:lnSpc>
-                <a:spcPct val="150000"/>
-              </a:lnSpc>
-              <a:buFont typeface="Arial" panose="020B0604020202020204" pitchFamily="34" charset="0"/>
-              <a:buChar char="•"/>
-            </a:pPr>
-            <a:r>
-              <a:rPr lang="pt-BR" sz="1800" dirty="0" smtClean="0">
-                <a:latin typeface="Corbel" panose="020B0503020204020204" pitchFamily="34" charset="0"/>
-              </a:rPr>
-              <a:t>Menu flutuante/contexto (botão direito)</a:t>
-            </a:r>
-            <a:endParaRPr lang="pt-BR" sz="1800" dirty="0">
-              <a:latin typeface="Corbel" panose="020B0503020204020204" pitchFamily="34" charset="0"/>
-            </a:endParaRPr>
-          </a:p>
-          <a:p>
-            <a:pPr>
-              <a:lnSpc>
-                <a:spcPct val="150000"/>
-              </a:lnSpc>
-              <a:buFont typeface="Arial" panose="020B0604020202020204" pitchFamily="34" charset="0"/>
-              <a:buChar char="•"/>
-            </a:pPr>
-            <a:r>
-              <a:rPr lang="pt-BR" sz="1800" dirty="0" smtClean="0">
-                <a:latin typeface="Corbel" panose="020B0503020204020204" pitchFamily="34" charset="0"/>
-              </a:rPr>
-              <a:t>Copiando de outro local</a:t>
-            </a:r>
-          </a:p>
-          <a:p>
-            <a:pPr>
-              <a:lnSpc>
-                <a:spcPct val="150000"/>
-              </a:lnSpc>
-              <a:buFont typeface="Arial" panose="020B0604020202020204" pitchFamily="34" charset="0"/>
-              <a:buChar char="•"/>
-            </a:pPr>
-            <a:r>
-              <a:rPr lang="pt-BR" sz="1800" dirty="0" smtClean="0">
-                <a:latin typeface="Corbel" panose="020B0503020204020204" pitchFamily="34" charset="0"/>
-              </a:rPr>
-              <a:t>Ferramenta Pincel (tente com duplo clique)</a:t>
-            </a:r>
-          </a:p>
-          <a:p>
-            <a:pPr>
-              <a:lnSpc>
-                <a:spcPct val="150000"/>
-              </a:lnSpc>
-              <a:buFont typeface="Arial" panose="020B0604020202020204" pitchFamily="34" charset="0"/>
-              <a:buChar char="•"/>
-            </a:pPr>
-            <a:r>
-              <a:rPr lang="pt-BR" sz="1800" dirty="0" smtClean="0">
-                <a:latin typeface="Corbel" panose="020B0503020204020204" pitchFamily="34" charset="0"/>
-              </a:rPr>
-              <a:t>Colar especial &gt; Formatação</a:t>
-            </a:r>
-          </a:p>
-          <a:p>
-            <a:pPr>
-              <a:lnSpc>
-                <a:spcPct val="150000"/>
-              </a:lnSpc>
-              <a:buFont typeface="Arial" panose="020B0604020202020204" pitchFamily="34" charset="0"/>
-              <a:buChar char="•"/>
-            </a:pPr>
-            <a:r>
-              <a:rPr lang="pt-BR" sz="1800" dirty="0" err="1" smtClean="0">
-                <a:latin typeface="Corbel" panose="020B0503020204020204" pitchFamily="34" charset="0"/>
-              </a:rPr>
-              <a:t>Ctrl+C</a:t>
-            </a:r>
-            <a:r>
-              <a:rPr lang="pt-BR" sz="1800" dirty="0" smtClean="0">
-                <a:latin typeface="Corbel" panose="020B0503020204020204" pitchFamily="34" charset="0"/>
-              </a:rPr>
-              <a:t> , </a:t>
-            </a:r>
-            <a:r>
-              <a:rPr lang="pt-BR" sz="1800" dirty="0" err="1" smtClean="0">
-                <a:latin typeface="Corbel" panose="020B0503020204020204" pitchFamily="34" charset="0"/>
-              </a:rPr>
-              <a:t>CTrl+V</a:t>
-            </a:r>
             <a:endParaRPr lang="pt-BR" sz="1800" dirty="0" smtClean="0">
               <a:latin typeface="Corbel" panose="020B0503020204020204" pitchFamily="34" charset="0"/>
             </a:endParaRPr>
@@ -18981,7 +18912,7 @@
                 <a:spcPct val="150000"/>
               </a:lnSpc>
             </a:pPr>
-            <a:endParaRPr lang="pt-BR" sz="1800" dirty="0">
+            <a:endParaRPr lang="pt-BR" sz="1800" dirty="0" smtClean="0">
               <a:latin typeface="Corbel" panose="020B0503020204020204" pitchFamily="34" charset="0"/>
             </a:endParaRPr>
           </a:p>
@@ -19184,7 +19115,7 @@
                 </a:solidFill>
                 <a:latin typeface="Corbel" panose="020B0503020204020204" pitchFamily="34" charset="0"/>
               </a:rPr>
-              <a:t>Formatação no Excel</a:t>
+              <a:t>Apagar e Ocultar Dados</a:t>
             </a:r>
           </a:p>
           <a:p>
@@ -19204,50 +19135,10 @@
           </a:p>
         </p:txBody>
       </p:sp>
-      <p:sp>
-        <p:nvSpPr>
-          <p:cNvPr id="5" name="Elipse 4"/>
-          <p:cNvSpPr/>
-          <p:nvPr/>
-        </p:nvSpPr>
-        <p:spPr>
-          <a:xfrm>
-            <a:off x="10682344" y="5884433"/>
-            <a:ext cx="602428" cy="516367"/>
-          </a:xfrm>
-          <a:prstGeom prst="ellipse">
-            <a:avLst/>
-          </a:prstGeom>
-        </p:spPr>
-        <p:style>
-          <a:lnRef idx="2">
-            <a:schemeClr val="accent1">
-              <a:shade val="50000"/>
-            </a:schemeClr>
-          </a:lnRef>
-          <a:fillRef idx="1">
-            <a:schemeClr val="accent1"/>
-          </a:fillRef>
-          <a:effectRef idx="0">
-            <a:schemeClr val="accent1"/>
-          </a:effectRef>
-          <a:fontRef idx="minor">
-            <a:schemeClr val="lt1"/>
-          </a:fontRef>
-        </p:style>
-        <p:txBody>
-          <a:bodyPr rtlCol="0" anchor="ctr"/>
-          <a:lstStyle/>
-          <a:p>
-            <a:pPr algn="ctr"/>
-            <a:endParaRPr lang="pt-BR"/>
-          </a:p>
-        </p:txBody>
-      </p:sp>
     </p:spTree>
     <p:extLst>
       <p:ext uri="{BB962C8B-B14F-4D97-AF65-F5344CB8AC3E}">
-        <p14:creationId xmlns:p14="http://schemas.microsoft.com/office/powerpoint/2010/main" val="2306470166"/>
+        <p14:creationId xmlns:p14="http://schemas.microsoft.com/office/powerpoint/2010/main" val="1093673402"/>
       </p:ext>
     </p:extLst>
   </p:cSld>
@@ -19983,1637 +19874,6 @@
 </file>
 
 <file path=ppt/slides/slide33.xml><?xml version="1.0" encoding="utf-8"?>
-<p:sld xmlns:a="http://schemas.openxmlformats.org/drawingml/2006/main" xmlns:r="http://schemas.openxmlformats.org/officeDocument/2006/relationships" xmlns:p="http://schemas.openxmlformats.org/presentationml/2006/main">
-  <p:cSld>
-    <p:spTree>
-      <p:nvGrpSpPr>
-        <p:cNvPr id="1" name=""/>
-        <p:cNvGrpSpPr/>
-        <p:nvPr/>
-      </p:nvGrpSpPr>
-      <p:grpSpPr>
-        <a:xfrm>
-          <a:off x="0" y="0"/>
-          <a:ext cx="0" cy="0"/>
-          <a:chOff x="0" y="0"/>
-          <a:chExt cx="0" cy="0"/>
-        </a:xfrm>
-      </p:grpSpPr>
-      <p:sp>
-        <p:nvSpPr>
-          <p:cNvPr id="3" name="Subtítulo 1"/>
-          <p:cNvSpPr>
-            <a:spLocks noGrp="1"/>
-          </p:cNvSpPr>
-          <p:nvPr>
-            <p:ph type="subTitle" idx="4294967295"/>
-          </p:nvPr>
-        </p:nvSpPr>
-        <p:spPr>
-          <a:xfrm>
-            <a:off x="3048000" y="1547813"/>
-            <a:ext cx="9144000" cy="2109787"/>
-          </a:xfrm>
-        </p:spPr>
-        <p:txBody>
-          <a:bodyPr>
-            <a:noAutofit/>
-          </a:bodyPr>
-          <a:lstStyle/>
-          <a:p>
-            <a:r>
-              <a:rPr lang="pt-BR" sz="2000" dirty="0" smtClean="0"/>
-              <a:t>Números Decimais, Inteiros, fração</a:t>
-            </a:r>
-          </a:p>
-          <a:p>
-            <a:r>
-              <a:rPr lang="pt-BR" sz="2000" dirty="0" smtClean="0"/>
-              <a:t>Data: com dia da semana, mês/ano.</a:t>
-            </a:r>
-          </a:p>
-          <a:p>
-            <a:r>
-              <a:rPr lang="pt-BR" sz="2000" dirty="0" smtClean="0"/>
-              <a:t>Formatos Especiais: CEP, CPF, CNPJ, etc...</a:t>
-            </a:r>
-          </a:p>
-          <a:p>
-            <a:r>
-              <a:rPr lang="pt-BR" sz="2000" dirty="0" smtClean="0"/>
-              <a:t>E outros formatos personalizados</a:t>
-            </a:r>
-          </a:p>
-          <a:p>
-            <a:r>
-              <a:rPr lang="pt-BR" sz="2000" dirty="0" smtClean="0"/>
-              <a:t>Acesso pela guia pagina Inicial ou Menu de Contexto (botão  esquerdo)</a:t>
-            </a:r>
-          </a:p>
-          <a:p>
-            <a:endParaRPr lang="pt-BR" sz="2000" dirty="0"/>
-          </a:p>
-          <a:p>
-            <a:endParaRPr lang="pt-BR" sz="2000" dirty="0"/>
-          </a:p>
-        </p:txBody>
-      </p:sp>
-      <p:sp>
-        <p:nvSpPr>
-          <p:cNvPr id="4" name="Subtítulo 1"/>
-          <p:cNvSpPr txBox="1">
-            <a:spLocks/>
-          </p:cNvSpPr>
-          <p:nvPr/>
-        </p:nvSpPr>
-        <p:spPr>
-          <a:xfrm>
-            <a:off x="1450490" y="613204"/>
-            <a:ext cx="9144000" cy="1280142"/>
-          </a:xfrm>
-          <a:prstGeom prst="rect">
-            <a:avLst/>
-          </a:prstGeom>
-        </p:spPr>
-        <p:txBody>
-          <a:bodyPr vert="horz" lIns="91440" tIns="45720" rIns="91440" bIns="45720" rtlCol="0">
-            <a:normAutofit/>
-          </a:bodyPr>
-          <a:lstStyle>
-            <a:lvl1pPr marL="0" indent="0" algn="ctr" defTabSz="914400" rtl="0" eaLnBrk="1" latinLnBrk="0" hangingPunct="1">
-              <a:lnSpc>
-                <a:spcPct val="90000"/>
-              </a:lnSpc>
-              <a:spcBef>
-                <a:spcPts val="1000"/>
-              </a:spcBef>
-              <a:buFont typeface="Arial" panose="020B0604020202020204" pitchFamily="34" charset="0"/>
-              <a:buNone/>
-              <a:defRPr sz="2400" kern="1200">
-                <a:solidFill>
-                  <a:schemeClr val="tx1"/>
-                </a:solidFill>
-                <a:latin typeface="+mn-lt"/>
-                <a:ea typeface="+mn-ea"/>
-                <a:cs typeface="+mn-cs"/>
-              </a:defRPr>
-            </a:lvl1pPr>
-            <a:lvl2pPr marL="457200" indent="0" algn="ctr" defTabSz="914400" rtl="0" eaLnBrk="1" latinLnBrk="0" hangingPunct="1">
-              <a:lnSpc>
-                <a:spcPct val="90000"/>
-              </a:lnSpc>
-              <a:spcBef>
-                <a:spcPts val="500"/>
-              </a:spcBef>
-              <a:buFont typeface="Arial" panose="020B0604020202020204" pitchFamily="34" charset="0"/>
-              <a:buNone/>
-              <a:defRPr sz="2000" kern="1200">
-                <a:solidFill>
-                  <a:schemeClr val="tx1"/>
-                </a:solidFill>
-                <a:latin typeface="+mn-lt"/>
-                <a:ea typeface="+mn-ea"/>
-                <a:cs typeface="+mn-cs"/>
-              </a:defRPr>
-            </a:lvl2pPr>
-            <a:lvl3pPr marL="914400" indent="0" algn="ctr" defTabSz="914400" rtl="0" eaLnBrk="1" latinLnBrk="0" hangingPunct="1">
-              <a:lnSpc>
-                <a:spcPct val="90000"/>
-              </a:lnSpc>
-              <a:spcBef>
-                <a:spcPts val="500"/>
-              </a:spcBef>
-              <a:buFont typeface="Arial" panose="020B0604020202020204" pitchFamily="34" charset="0"/>
-              <a:buNone/>
-              <a:defRPr sz="1800" kern="1200">
-                <a:solidFill>
-                  <a:schemeClr val="tx1"/>
-                </a:solidFill>
-                <a:latin typeface="+mn-lt"/>
-                <a:ea typeface="+mn-ea"/>
-                <a:cs typeface="+mn-cs"/>
-              </a:defRPr>
-            </a:lvl3pPr>
-            <a:lvl4pPr marL="1371600" indent="0" algn="ctr" defTabSz="914400" rtl="0" eaLnBrk="1" latinLnBrk="0" hangingPunct="1">
-              <a:lnSpc>
-                <a:spcPct val="90000"/>
-              </a:lnSpc>
-              <a:spcBef>
-                <a:spcPts val="500"/>
-              </a:spcBef>
-              <a:buFont typeface="Arial" panose="020B0604020202020204" pitchFamily="34" charset="0"/>
-              <a:buNone/>
-              <a:defRPr sz="1600" kern="1200">
-                <a:solidFill>
-                  <a:schemeClr val="tx1"/>
-                </a:solidFill>
-                <a:latin typeface="+mn-lt"/>
-                <a:ea typeface="+mn-ea"/>
-                <a:cs typeface="+mn-cs"/>
-              </a:defRPr>
-            </a:lvl4pPr>
-            <a:lvl5pPr marL="1828800" indent="0" algn="ctr" defTabSz="914400" rtl="0" eaLnBrk="1" latinLnBrk="0" hangingPunct="1">
-              <a:lnSpc>
-                <a:spcPct val="90000"/>
-              </a:lnSpc>
-              <a:spcBef>
-                <a:spcPts val="500"/>
-              </a:spcBef>
-              <a:buFont typeface="Arial" panose="020B0604020202020204" pitchFamily="34" charset="0"/>
-              <a:buNone/>
-              <a:defRPr sz="1600" kern="1200">
-                <a:solidFill>
-                  <a:schemeClr val="tx1"/>
-                </a:solidFill>
-                <a:latin typeface="+mn-lt"/>
-                <a:ea typeface="+mn-ea"/>
-                <a:cs typeface="+mn-cs"/>
-              </a:defRPr>
-            </a:lvl5pPr>
-            <a:lvl6pPr marL="2286000" indent="0" algn="ctr" defTabSz="914400" rtl="0" eaLnBrk="1" latinLnBrk="0" hangingPunct="1">
-              <a:lnSpc>
-                <a:spcPct val="90000"/>
-              </a:lnSpc>
-              <a:spcBef>
-                <a:spcPts val="500"/>
-              </a:spcBef>
-              <a:buFont typeface="Arial" panose="020B0604020202020204" pitchFamily="34" charset="0"/>
-              <a:buNone/>
-              <a:defRPr sz="1600" kern="1200">
-                <a:solidFill>
-                  <a:schemeClr val="tx1"/>
-                </a:solidFill>
-                <a:latin typeface="+mn-lt"/>
-                <a:ea typeface="+mn-ea"/>
-                <a:cs typeface="+mn-cs"/>
-              </a:defRPr>
-            </a:lvl6pPr>
-            <a:lvl7pPr marL="2743200" indent="0" algn="ctr" defTabSz="914400" rtl="0" eaLnBrk="1" latinLnBrk="0" hangingPunct="1">
-              <a:lnSpc>
-                <a:spcPct val="90000"/>
-              </a:lnSpc>
-              <a:spcBef>
-                <a:spcPts val="500"/>
-              </a:spcBef>
-              <a:buFont typeface="Arial" panose="020B0604020202020204" pitchFamily="34" charset="0"/>
-              <a:buNone/>
-              <a:defRPr sz="1600" kern="1200">
-                <a:solidFill>
-                  <a:schemeClr val="tx1"/>
-                </a:solidFill>
-                <a:latin typeface="+mn-lt"/>
-                <a:ea typeface="+mn-ea"/>
-                <a:cs typeface="+mn-cs"/>
-              </a:defRPr>
-            </a:lvl7pPr>
-            <a:lvl8pPr marL="3200400" indent="0" algn="ctr" defTabSz="914400" rtl="0" eaLnBrk="1" latinLnBrk="0" hangingPunct="1">
-              <a:lnSpc>
-                <a:spcPct val="90000"/>
-              </a:lnSpc>
-              <a:spcBef>
-                <a:spcPts val="500"/>
-              </a:spcBef>
-              <a:buFont typeface="Arial" panose="020B0604020202020204" pitchFamily="34" charset="0"/>
-              <a:buNone/>
-              <a:defRPr sz="1600" kern="1200">
-                <a:solidFill>
-                  <a:schemeClr val="tx1"/>
-                </a:solidFill>
-                <a:latin typeface="+mn-lt"/>
-                <a:ea typeface="+mn-ea"/>
-                <a:cs typeface="+mn-cs"/>
-              </a:defRPr>
-            </a:lvl8pPr>
-            <a:lvl9pPr marL="3657600" indent="0" algn="ctr" defTabSz="914400" rtl="0" eaLnBrk="1" latinLnBrk="0" hangingPunct="1">
-              <a:lnSpc>
-                <a:spcPct val="90000"/>
-              </a:lnSpc>
-              <a:spcBef>
-                <a:spcPts val="500"/>
-              </a:spcBef>
-              <a:buFont typeface="Arial" panose="020B0604020202020204" pitchFamily="34" charset="0"/>
-              <a:buNone/>
-              <a:defRPr sz="1600" kern="1200">
-                <a:solidFill>
-                  <a:schemeClr val="tx1"/>
-                </a:solidFill>
-                <a:latin typeface="+mn-lt"/>
-                <a:ea typeface="+mn-ea"/>
-                <a:cs typeface="+mn-cs"/>
-              </a:defRPr>
-            </a:lvl9pPr>
-          </a:lstStyle>
-          <a:p>
-            <a:endParaRPr lang="pt-BR" dirty="0"/>
-          </a:p>
-        </p:txBody>
-      </p:sp>
-      <p:pic>
-        <p:nvPicPr>
-          <p:cNvPr id="5" name="Imagem 4"/>
-          <p:cNvPicPr>
-            <a:picLocks noChangeAspect="1"/>
-          </p:cNvPicPr>
-          <p:nvPr/>
-        </p:nvPicPr>
-        <p:blipFill>
-          <a:blip r:embed="rId2"/>
-          <a:stretch>
-            <a:fillRect/>
-          </a:stretch>
-        </p:blipFill>
-        <p:spPr>
-          <a:xfrm>
-            <a:off x="4221929" y="4102362"/>
-            <a:ext cx="3429000" cy="2343150"/>
-          </a:xfrm>
-          <a:prstGeom prst="rect">
-            <a:avLst/>
-          </a:prstGeom>
-        </p:spPr>
-      </p:pic>
-      <p:sp>
-        <p:nvSpPr>
-          <p:cNvPr id="6" name="Subtítulo 2"/>
-          <p:cNvSpPr txBox="1">
-            <a:spLocks/>
-          </p:cNvSpPr>
-          <p:nvPr/>
-        </p:nvSpPr>
-        <p:spPr>
-          <a:xfrm>
-            <a:off x="210670" y="153054"/>
-            <a:ext cx="10058400" cy="1143000"/>
-          </a:xfrm>
-        </p:spPr>
-        <p:txBody>
-          <a:bodyPr>
-            <a:noAutofit/>
-          </a:bodyPr>
-          <a:lstStyle>
-            <a:lvl1pPr marL="342900" indent="-342900" algn="l" rtl="0" eaLnBrk="0" fontAlgn="base" hangingPunct="0">
-              <a:spcBef>
-                <a:spcPct val="20000"/>
-              </a:spcBef>
-              <a:spcAft>
-                <a:spcPct val="0"/>
-              </a:spcAft>
-              <a:buFont typeface="Arial" charset="0"/>
-              <a:buChar char="•"/>
-              <a:defRPr lang="pt-BR" sz="2800" kern="1200" dirty="0">
-                <a:solidFill>
-                  <a:schemeClr val="tx1"/>
-                </a:solidFill>
-                <a:latin typeface="+mn-lt"/>
-                <a:ea typeface="+mn-ea"/>
-                <a:cs typeface="+mn-cs"/>
-              </a:defRPr>
-            </a:lvl1pPr>
-            <a:lvl2pPr marL="742950" indent="-285750" algn="l" rtl="0" eaLnBrk="0" fontAlgn="base" hangingPunct="0">
-              <a:spcBef>
-                <a:spcPct val="20000"/>
-              </a:spcBef>
-              <a:spcAft>
-                <a:spcPct val="0"/>
-              </a:spcAft>
-              <a:buFont typeface="Arial" charset="0"/>
-              <a:buChar char="•"/>
-              <a:defRPr lang="pt-BR" sz="2400" kern="1200" dirty="0">
-                <a:solidFill>
-                  <a:schemeClr val="tx1"/>
-                </a:solidFill>
-                <a:latin typeface="+mn-lt"/>
-                <a:ea typeface="+mn-ea"/>
-                <a:cs typeface="+mn-cs"/>
-              </a:defRPr>
-            </a:lvl2pPr>
-            <a:lvl3pPr marL="1143000" indent="-228600" algn="l" rtl="0" eaLnBrk="0" fontAlgn="base" hangingPunct="0">
-              <a:spcBef>
-                <a:spcPct val="20000"/>
-              </a:spcBef>
-              <a:spcAft>
-                <a:spcPct val="0"/>
-              </a:spcAft>
-              <a:buFont typeface="Arial" charset="0"/>
-              <a:buChar char="•"/>
-              <a:defRPr lang="pt-BR" sz="2400" kern="1200" dirty="0">
-                <a:solidFill>
-                  <a:schemeClr val="tx1"/>
-                </a:solidFill>
-                <a:latin typeface="+mn-lt"/>
-                <a:ea typeface="+mn-ea"/>
-                <a:cs typeface="+mn-cs"/>
-              </a:defRPr>
-            </a:lvl3pPr>
-            <a:lvl4pPr marL="1600200" indent="-228600" algn="l" rtl="0" eaLnBrk="0" fontAlgn="base" hangingPunct="0">
-              <a:spcBef>
-                <a:spcPct val="20000"/>
-              </a:spcBef>
-              <a:spcAft>
-                <a:spcPct val="0"/>
-              </a:spcAft>
-              <a:buFont typeface="Arial" charset="0"/>
-              <a:buChar char="•"/>
-              <a:defRPr lang="pt-BR" sz="2000" kern="1200" dirty="0">
-                <a:solidFill>
-                  <a:schemeClr val="tx1"/>
-                </a:solidFill>
-                <a:latin typeface="+mn-lt"/>
-                <a:ea typeface="+mn-ea"/>
-                <a:cs typeface="+mn-cs"/>
-              </a:defRPr>
-            </a:lvl4pPr>
-            <a:lvl5pPr marL="2057400" indent="-228600" algn="l" rtl="0" eaLnBrk="0" fontAlgn="base" hangingPunct="0">
-              <a:spcBef>
-                <a:spcPct val="20000"/>
-              </a:spcBef>
-              <a:spcAft>
-                <a:spcPct val="0"/>
-              </a:spcAft>
-              <a:buFont typeface="Arial" charset="0"/>
-              <a:buChar char="•"/>
-              <a:defRPr lang="pt-BR" sz="2000" kern="1200" dirty="0">
-                <a:solidFill>
-                  <a:schemeClr val="tx1"/>
-                </a:solidFill>
-                <a:latin typeface="+mn-lt"/>
-                <a:ea typeface="+mn-ea"/>
-                <a:cs typeface="+mn-cs"/>
-              </a:defRPr>
-            </a:lvl5pPr>
-            <a:lvl6pPr marL="2514600" indent="-228600" algn="l" defTabSz="914400" rtl="0" eaLnBrk="1" latinLnBrk="0" hangingPunct="1">
-              <a:spcBef>
-                <a:spcPct val="20000"/>
-              </a:spcBef>
-              <a:buFont typeface="Arial" pitchFamily="34" charset="0"/>
-              <a:buChar char="•"/>
-              <a:defRPr sz="2000" kern="1200">
-                <a:solidFill>
-                  <a:schemeClr val="tx1"/>
-                </a:solidFill>
-                <a:latin typeface="+mn-lt"/>
-                <a:ea typeface="+mn-ea"/>
-                <a:cs typeface="+mn-cs"/>
-              </a:defRPr>
-            </a:lvl6pPr>
-            <a:lvl7pPr marL="2971800" indent="-228600" algn="l" defTabSz="914400" rtl="0" eaLnBrk="1" latinLnBrk="0" hangingPunct="1">
-              <a:spcBef>
-                <a:spcPct val="20000"/>
-              </a:spcBef>
-              <a:buFont typeface="Arial" pitchFamily="34" charset="0"/>
-              <a:buChar char="•"/>
-              <a:defRPr sz="2000" kern="1200">
-                <a:solidFill>
-                  <a:schemeClr val="tx1"/>
-                </a:solidFill>
-                <a:latin typeface="+mn-lt"/>
-                <a:ea typeface="+mn-ea"/>
-                <a:cs typeface="+mn-cs"/>
-              </a:defRPr>
-            </a:lvl7pPr>
-            <a:lvl8pPr marL="3429000" indent="-228600" algn="l" defTabSz="914400" rtl="0" eaLnBrk="1" latinLnBrk="0" hangingPunct="1">
-              <a:spcBef>
-                <a:spcPct val="20000"/>
-              </a:spcBef>
-              <a:buFont typeface="Arial" pitchFamily="34" charset="0"/>
-              <a:buChar char="•"/>
-              <a:defRPr sz="2000" kern="1200">
-                <a:solidFill>
-                  <a:schemeClr val="tx1"/>
-                </a:solidFill>
-                <a:latin typeface="+mn-lt"/>
-                <a:ea typeface="+mn-ea"/>
-                <a:cs typeface="+mn-cs"/>
-              </a:defRPr>
-            </a:lvl8pPr>
-            <a:lvl9pPr marL="3886200" indent="-228600" algn="l" defTabSz="914400" rtl="0" eaLnBrk="1" latinLnBrk="0" hangingPunct="1">
-              <a:spcBef>
-                <a:spcPct val="20000"/>
-              </a:spcBef>
-              <a:buFont typeface="Arial" pitchFamily="34" charset="0"/>
-              <a:buChar char="•"/>
-              <a:defRPr sz="2000" kern="1200">
-                <a:solidFill>
-                  <a:schemeClr val="tx1"/>
-                </a:solidFill>
-                <a:latin typeface="+mn-lt"/>
-                <a:ea typeface="+mn-ea"/>
-                <a:cs typeface="+mn-cs"/>
-              </a:defRPr>
-            </a:lvl9pPr>
-          </a:lstStyle>
-          <a:p>
-            <a:pPr marL="0" indent="0">
-              <a:lnSpc>
-                <a:spcPct val="150000"/>
-              </a:lnSpc>
-              <a:buFont typeface="Arial" charset="0"/>
-              <a:buNone/>
-            </a:pPr>
-            <a:r>
-              <a:rPr lang="pt-BR" sz="2400" b="1" dirty="0" smtClean="0">
-                <a:solidFill>
-                  <a:schemeClr val="accent6">
-                    <a:lumMod val="75000"/>
-                  </a:schemeClr>
-                </a:solidFill>
-                <a:latin typeface="Corbel" panose="020B0503020204020204" pitchFamily="34" charset="0"/>
-              </a:rPr>
-              <a:t>Formatação de Número</a:t>
-            </a:r>
-          </a:p>
-          <a:p>
-            <a:pPr>
-              <a:lnSpc>
-                <a:spcPct val="150000"/>
-              </a:lnSpc>
-            </a:pPr>
-            <a:endParaRPr lang="pt-BR" sz="2400" b="1" dirty="0">
-              <a:solidFill>
-                <a:schemeClr val="accent6">
-                  <a:lumMod val="75000"/>
-                </a:schemeClr>
-              </a:solidFill>
-              <a:latin typeface="Corbel" panose="020B0503020204020204" pitchFamily="34" charset="0"/>
-            </a:endParaRPr>
-          </a:p>
-        </p:txBody>
-      </p:sp>
-      <p:sp>
-        <p:nvSpPr>
-          <p:cNvPr id="7" name="Elipse 6"/>
-          <p:cNvSpPr/>
-          <p:nvPr/>
-        </p:nvSpPr>
-        <p:spPr>
-          <a:xfrm>
-            <a:off x="10682344" y="5884433"/>
-            <a:ext cx="602428" cy="516367"/>
-          </a:xfrm>
-          <a:prstGeom prst="ellipse">
-            <a:avLst/>
-          </a:prstGeom>
-        </p:spPr>
-        <p:style>
-          <a:lnRef idx="2">
-            <a:schemeClr val="accent1">
-              <a:shade val="50000"/>
-            </a:schemeClr>
-          </a:lnRef>
-          <a:fillRef idx="1">
-            <a:schemeClr val="accent1"/>
-          </a:fillRef>
-          <a:effectRef idx="0">
-            <a:schemeClr val="accent1"/>
-          </a:effectRef>
-          <a:fontRef idx="minor">
-            <a:schemeClr val="lt1"/>
-          </a:fontRef>
-        </p:style>
-        <p:txBody>
-          <a:bodyPr rtlCol="0" anchor="ctr"/>
-          <a:lstStyle/>
-          <a:p>
-            <a:pPr algn="ctr"/>
-            <a:endParaRPr lang="pt-BR"/>
-          </a:p>
-        </p:txBody>
-      </p:sp>
-    </p:spTree>
-    <p:extLst>
-      <p:ext uri="{BB962C8B-B14F-4D97-AF65-F5344CB8AC3E}">
-        <p14:creationId xmlns:p14="http://schemas.microsoft.com/office/powerpoint/2010/main" val="2533856954"/>
-      </p:ext>
-    </p:extLst>
-  </p:cSld>
-  <p:clrMapOvr>
-    <a:masterClrMapping/>
-  </p:clrMapOvr>
-  <p:timing>
-    <p:tnLst>
-      <p:par>
-        <p:cTn id="1" dur="indefinite" restart="never" nodeType="tmRoot"/>
-      </p:par>
-    </p:tnLst>
-  </p:timing>
-</p:sld>
-</file>
-
-<file path=ppt/slides/slide34.xml><?xml version="1.0" encoding="utf-8"?>
-<p:sld xmlns:a="http://schemas.openxmlformats.org/drawingml/2006/main" xmlns:r="http://schemas.openxmlformats.org/officeDocument/2006/relationships" xmlns:p="http://schemas.openxmlformats.org/presentationml/2006/main">
-  <p:cSld>
-    <p:spTree>
-      <p:nvGrpSpPr>
-        <p:cNvPr id="1" name=""/>
-        <p:cNvGrpSpPr/>
-        <p:nvPr/>
-      </p:nvGrpSpPr>
-      <p:grpSpPr>
-        <a:xfrm>
-          <a:off x="0" y="0"/>
-          <a:ext cx="0" cy="0"/>
-          <a:chOff x="0" y="0"/>
-          <a:chExt cx="0" cy="0"/>
-        </a:xfrm>
-      </p:grpSpPr>
-      <p:sp>
-        <p:nvSpPr>
-          <p:cNvPr id="3" name="Subtítulo 1"/>
-          <p:cNvSpPr>
-            <a:spLocks noGrp="1"/>
-          </p:cNvSpPr>
-          <p:nvPr>
-            <p:ph type="subTitle" idx="4294967295"/>
-          </p:nvPr>
-        </p:nvSpPr>
-        <p:spPr>
-          <a:xfrm>
-            <a:off x="0" y="1015701"/>
-            <a:ext cx="11198225" cy="1857375"/>
-          </a:xfrm>
-        </p:spPr>
-        <p:txBody>
-          <a:bodyPr>
-            <a:noAutofit/>
-          </a:bodyPr>
-          <a:lstStyle/>
-          <a:p>
-            <a:r>
-              <a:rPr lang="pt-BR" sz="2000" dirty="0" smtClean="0"/>
-              <a:t>Ao receber a tabela abaixo de entrada de estoque da filial internacional um assistente percebeu que os valores estavam em dólares. Para lançar corretamente no sistema ele precisa converter para a moeda local (Reais R$). O Dólar a ser utilizado é de 4,14. </a:t>
-            </a:r>
-          </a:p>
-          <a:p>
-            <a:r>
-              <a:rPr lang="pt-BR" sz="2000" dirty="0" smtClean="0"/>
-              <a:t>Qual o valor total de estoque que será dada a entrada no sistema (valor da célula D13)?</a:t>
-            </a:r>
-          </a:p>
-          <a:p>
-            <a:r>
-              <a:rPr lang="pt-BR" sz="2000" dirty="0" smtClean="0"/>
-              <a:t> Use formatação de moedas para diferenciar as colunas em reais e dólares, adicione cores e formatação para tornar o relatório apresentável.</a:t>
-            </a:r>
-          </a:p>
-          <a:p>
-            <a:endParaRPr lang="pt-BR" sz="2000" dirty="0" smtClean="0"/>
-          </a:p>
-          <a:p>
-            <a:endParaRPr lang="pt-BR" sz="2000" dirty="0"/>
-          </a:p>
-          <a:p>
-            <a:endParaRPr lang="pt-BR" sz="2000" dirty="0"/>
-          </a:p>
-        </p:txBody>
-      </p:sp>
-      <p:pic>
-        <p:nvPicPr>
-          <p:cNvPr id="5" name="Imagem 4"/>
-          <p:cNvPicPr>
-            <a:picLocks noChangeAspect="1"/>
-          </p:cNvPicPr>
-          <p:nvPr/>
-        </p:nvPicPr>
-        <p:blipFill>
-          <a:blip r:embed="rId2"/>
-          <a:stretch>
-            <a:fillRect/>
-          </a:stretch>
-        </p:blipFill>
-        <p:spPr>
-          <a:xfrm>
-            <a:off x="1579582" y="3238052"/>
-            <a:ext cx="5419725" cy="2933700"/>
-          </a:xfrm>
-          <a:prstGeom prst="rect">
-            <a:avLst/>
-          </a:prstGeom>
-        </p:spPr>
-      </p:pic>
-      <p:sp>
-        <p:nvSpPr>
-          <p:cNvPr id="6" name="Subtítulo 2"/>
-          <p:cNvSpPr txBox="1">
-            <a:spLocks/>
-          </p:cNvSpPr>
-          <p:nvPr/>
-        </p:nvSpPr>
-        <p:spPr>
-          <a:xfrm>
-            <a:off x="210670" y="153054"/>
-            <a:ext cx="10058400" cy="1143000"/>
-          </a:xfrm>
-        </p:spPr>
-        <p:txBody>
-          <a:bodyPr>
-            <a:noAutofit/>
-          </a:bodyPr>
-          <a:lstStyle>
-            <a:lvl1pPr marL="342900" indent="-342900" algn="l" rtl="0" eaLnBrk="0" fontAlgn="base" hangingPunct="0">
-              <a:spcBef>
-                <a:spcPct val="20000"/>
-              </a:spcBef>
-              <a:spcAft>
-                <a:spcPct val="0"/>
-              </a:spcAft>
-              <a:buFont typeface="Arial" charset="0"/>
-              <a:buChar char="•"/>
-              <a:defRPr lang="pt-BR" sz="2800" kern="1200" dirty="0">
-                <a:solidFill>
-                  <a:schemeClr val="tx1"/>
-                </a:solidFill>
-                <a:latin typeface="+mn-lt"/>
-                <a:ea typeface="+mn-ea"/>
-                <a:cs typeface="+mn-cs"/>
-              </a:defRPr>
-            </a:lvl1pPr>
-            <a:lvl2pPr marL="742950" indent="-285750" algn="l" rtl="0" eaLnBrk="0" fontAlgn="base" hangingPunct="0">
-              <a:spcBef>
-                <a:spcPct val="20000"/>
-              </a:spcBef>
-              <a:spcAft>
-                <a:spcPct val="0"/>
-              </a:spcAft>
-              <a:buFont typeface="Arial" charset="0"/>
-              <a:buChar char="•"/>
-              <a:defRPr lang="pt-BR" sz="2400" kern="1200" dirty="0">
-                <a:solidFill>
-                  <a:schemeClr val="tx1"/>
-                </a:solidFill>
-                <a:latin typeface="+mn-lt"/>
-                <a:ea typeface="+mn-ea"/>
-                <a:cs typeface="+mn-cs"/>
-              </a:defRPr>
-            </a:lvl2pPr>
-            <a:lvl3pPr marL="1143000" indent="-228600" algn="l" rtl="0" eaLnBrk="0" fontAlgn="base" hangingPunct="0">
-              <a:spcBef>
-                <a:spcPct val="20000"/>
-              </a:spcBef>
-              <a:spcAft>
-                <a:spcPct val="0"/>
-              </a:spcAft>
-              <a:buFont typeface="Arial" charset="0"/>
-              <a:buChar char="•"/>
-              <a:defRPr lang="pt-BR" sz="2400" kern="1200" dirty="0">
-                <a:solidFill>
-                  <a:schemeClr val="tx1"/>
-                </a:solidFill>
-                <a:latin typeface="+mn-lt"/>
-                <a:ea typeface="+mn-ea"/>
-                <a:cs typeface="+mn-cs"/>
-              </a:defRPr>
-            </a:lvl3pPr>
-            <a:lvl4pPr marL="1600200" indent="-228600" algn="l" rtl="0" eaLnBrk="0" fontAlgn="base" hangingPunct="0">
-              <a:spcBef>
-                <a:spcPct val="20000"/>
-              </a:spcBef>
-              <a:spcAft>
-                <a:spcPct val="0"/>
-              </a:spcAft>
-              <a:buFont typeface="Arial" charset="0"/>
-              <a:buChar char="•"/>
-              <a:defRPr lang="pt-BR" sz="2000" kern="1200" dirty="0">
-                <a:solidFill>
-                  <a:schemeClr val="tx1"/>
-                </a:solidFill>
-                <a:latin typeface="+mn-lt"/>
-                <a:ea typeface="+mn-ea"/>
-                <a:cs typeface="+mn-cs"/>
-              </a:defRPr>
-            </a:lvl4pPr>
-            <a:lvl5pPr marL="2057400" indent="-228600" algn="l" rtl="0" eaLnBrk="0" fontAlgn="base" hangingPunct="0">
-              <a:spcBef>
-                <a:spcPct val="20000"/>
-              </a:spcBef>
-              <a:spcAft>
-                <a:spcPct val="0"/>
-              </a:spcAft>
-              <a:buFont typeface="Arial" charset="0"/>
-              <a:buChar char="•"/>
-              <a:defRPr lang="pt-BR" sz="2000" kern="1200" dirty="0">
-                <a:solidFill>
-                  <a:schemeClr val="tx1"/>
-                </a:solidFill>
-                <a:latin typeface="+mn-lt"/>
-                <a:ea typeface="+mn-ea"/>
-                <a:cs typeface="+mn-cs"/>
-              </a:defRPr>
-            </a:lvl5pPr>
-            <a:lvl6pPr marL="2514600" indent="-228600" algn="l" defTabSz="914400" rtl="0" eaLnBrk="1" latinLnBrk="0" hangingPunct="1">
-              <a:spcBef>
-                <a:spcPct val="20000"/>
-              </a:spcBef>
-              <a:buFont typeface="Arial" pitchFamily="34" charset="0"/>
-              <a:buChar char="•"/>
-              <a:defRPr sz="2000" kern="1200">
-                <a:solidFill>
-                  <a:schemeClr val="tx1"/>
-                </a:solidFill>
-                <a:latin typeface="+mn-lt"/>
-                <a:ea typeface="+mn-ea"/>
-                <a:cs typeface="+mn-cs"/>
-              </a:defRPr>
-            </a:lvl6pPr>
-            <a:lvl7pPr marL="2971800" indent="-228600" algn="l" defTabSz="914400" rtl="0" eaLnBrk="1" latinLnBrk="0" hangingPunct="1">
-              <a:spcBef>
-                <a:spcPct val="20000"/>
-              </a:spcBef>
-              <a:buFont typeface="Arial" pitchFamily="34" charset="0"/>
-              <a:buChar char="•"/>
-              <a:defRPr sz="2000" kern="1200">
-                <a:solidFill>
-                  <a:schemeClr val="tx1"/>
-                </a:solidFill>
-                <a:latin typeface="+mn-lt"/>
-                <a:ea typeface="+mn-ea"/>
-                <a:cs typeface="+mn-cs"/>
-              </a:defRPr>
-            </a:lvl7pPr>
-            <a:lvl8pPr marL="3429000" indent="-228600" algn="l" defTabSz="914400" rtl="0" eaLnBrk="1" latinLnBrk="0" hangingPunct="1">
-              <a:spcBef>
-                <a:spcPct val="20000"/>
-              </a:spcBef>
-              <a:buFont typeface="Arial" pitchFamily="34" charset="0"/>
-              <a:buChar char="•"/>
-              <a:defRPr sz="2000" kern="1200">
-                <a:solidFill>
-                  <a:schemeClr val="tx1"/>
-                </a:solidFill>
-                <a:latin typeface="+mn-lt"/>
-                <a:ea typeface="+mn-ea"/>
-                <a:cs typeface="+mn-cs"/>
-              </a:defRPr>
-            </a:lvl8pPr>
-            <a:lvl9pPr marL="3886200" indent="-228600" algn="l" defTabSz="914400" rtl="0" eaLnBrk="1" latinLnBrk="0" hangingPunct="1">
-              <a:spcBef>
-                <a:spcPct val="20000"/>
-              </a:spcBef>
-              <a:buFont typeface="Arial" pitchFamily="34" charset="0"/>
-              <a:buChar char="•"/>
-              <a:defRPr sz="2000" kern="1200">
-                <a:solidFill>
-                  <a:schemeClr val="tx1"/>
-                </a:solidFill>
-                <a:latin typeface="+mn-lt"/>
-                <a:ea typeface="+mn-ea"/>
-                <a:cs typeface="+mn-cs"/>
-              </a:defRPr>
-            </a:lvl9pPr>
-          </a:lstStyle>
-          <a:p>
-            <a:pPr marL="0" indent="0">
-              <a:lnSpc>
-                <a:spcPct val="150000"/>
-              </a:lnSpc>
-              <a:buFont typeface="Arial" charset="0"/>
-              <a:buNone/>
-            </a:pPr>
-            <a:r>
-              <a:rPr lang="pt-BR" sz="2400" b="1" dirty="0" smtClean="0">
-                <a:solidFill>
-                  <a:schemeClr val="accent6">
-                    <a:lumMod val="75000"/>
-                  </a:schemeClr>
-                </a:solidFill>
-                <a:latin typeface="Corbel" panose="020B0503020204020204" pitchFamily="34" charset="0"/>
-              </a:rPr>
-              <a:t>Atividade</a:t>
-            </a:r>
-          </a:p>
-          <a:p>
-            <a:pPr>
-              <a:lnSpc>
-                <a:spcPct val="150000"/>
-              </a:lnSpc>
-            </a:pPr>
-            <a:endParaRPr lang="pt-BR" sz="2400" b="1" dirty="0">
-              <a:solidFill>
-                <a:schemeClr val="accent6">
-                  <a:lumMod val="75000"/>
-                </a:schemeClr>
-              </a:solidFill>
-              <a:latin typeface="Corbel" panose="020B0503020204020204" pitchFamily="34" charset="0"/>
-            </a:endParaRPr>
-          </a:p>
-        </p:txBody>
-      </p:sp>
-      <p:sp>
-        <p:nvSpPr>
-          <p:cNvPr id="2" name="CaixaDeTexto 1"/>
-          <p:cNvSpPr txBox="1"/>
-          <p:nvPr/>
-        </p:nvSpPr>
-        <p:spPr>
-          <a:xfrm>
-            <a:off x="8875059" y="344245"/>
-            <a:ext cx="1065007" cy="376517"/>
-          </a:xfrm>
-          <a:prstGeom prst="rect">
-            <a:avLst/>
-          </a:prstGeom>
-          <a:noFill/>
-        </p:spPr>
-        <p:txBody>
-          <a:bodyPr wrap="square" rtlCol="0">
-            <a:spAutoFit/>
-          </a:bodyPr>
-          <a:lstStyle/>
-          <a:p>
-            <a:r>
-              <a:rPr lang="pt-BR" dirty="0" smtClean="0"/>
-              <a:t>20 Min</a:t>
-            </a:r>
-            <a:endParaRPr lang="pt-BR" dirty="0"/>
-          </a:p>
-        </p:txBody>
-      </p:sp>
-    </p:spTree>
-    <p:extLst>
-      <p:ext uri="{BB962C8B-B14F-4D97-AF65-F5344CB8AC3E}">
-        <p14:creationId xmlns:p14="http://schemas.microsoft.com/office/powerpoint/2010/main" val="2092589094"/>
-      </p:ext>
-    </p:extLst>
-  </p:cSld>
-  <p:clrMapOvr>
-    <a:masterClrMapping/>
-  </p:clrMapOvr>
-  <p:timing>
-    <p:tnLst>
-      <p:par>
-        <p:cTn id="1" dur="indefinite" restart="never" nodeType="tmRoot"/>
-      </p:par>
-    </p:tnLst>
-  </p:timing>
-</p:sld>
-</file>
-
-<file path=ppt/slides/slide35.xml><?xml version="1.0" encoding="utf-8"?>
-<p:sld xmlns:a="http://schemas.openxmlformats.org/drawingml/2006/main" xmlns:r="http://schemas.openxmlformats.org/officeDocument/2006/relationships" xmlns:p="http://schemas.openxmlformats.org/presentationml/2006/main">
-  <p:cSld>
-    <p:spTree>
-      <p:nvGrpSpPr>
-        <p:cNvPr id="1" name=""/>
-        <p:cNvGrpSpPr/>
-        <p:nvPr/>
-      </p:nvGrpSpPr>
-      <p:grpSpPr>
-        <a:xfrm>
-          <a:off x="0" y="0"/>
-          <a:ext cx="0" cy="0"/>
-          <a:chOff x="0" y="0"/>
-          <a:chExt cx="0" cy="0"/>
-        </a:xfrm>
-      </p:grpSpPr>
-      <p:sp>
-        <p:nvSpPr>
-          <p:cNvPr id="3" name="Subtítulo 1"/>
-          <p:cNvSpPr>
-            <a:spLocks noGrp="1"/>
-          </p:cNvSpPr>
-          <p:nvPr>
-            <p:ph type="subTitle" idx="4294967295"/>
-          </p:nvPr>
-        </p:nvSpPr>
-        <p:spPr>
-          <a:xfrm>
-            <a:off x="720762" y="724554"/>
-            <a:ext cx="9966325" cy="5495925"/>
-          </a:xfrm>
-        </p:spPr>
-        <p:txBody>
-          <a:bodyPr>
-            <a:noAutofit/>
-          </a:bodyPr>
-          <a:lstStyle/>
-          <a:p>
-            <a:pPr>
-              <a:lnSpc>
-                <a:spcPct val="150000"/>
-              </a:lnSpc>
-            </a:pPr>
-            <a:endParaRPr lang="pt-BR" sz="2000" dirty="0"/>
-          </a:p>
-          <a:p>
-            <a:pPr marL="0" indent="0">
-              <a:lnSpc>
-                <a:spcPct val="150000"/>
-              </a:lnSpc>
-              <a:buNone/>
-            </a:pPr>
-            <a:r>
-              <a:rPr lang="pt-BR" sz="2000" dirty="0" smtClean="0"/>
-              <a:t>Similar ao uso do “post-it” &gt; permite criar pequenos textos e visualizações do tipo “pop-up”.</a:t>
-            </a:r>
-          </a:p>
-          <a:p>
-            <a:pPr marL="0" indent="0">
-              <a:lnSpc>
-                <a:spcPct val="150000"/>
-              </a:lnSpc>
-              <a:buNone/>
-            </a:pPr>
-            <a:r>
-              <a:rPr lang="pt-BR" sz="2000" dirty="0" smtClean="0"/>
-              <a:t>útil para criação de manuais e anotações.</a:t>
-            </a:r>
-          </a:p>
-          <a:p>
-            <a:pPr>
-              <a:lnSpc>
-                <a:spcPct val="150000"/>
-              </a:lnSpc>
-            </a:pPr>
-            <a:r>
-              <a:rPr lang="pt-BR" sz="2000" dirty="0" smtClean="0"/>
-              <a:t>Para Adicionar um comentário:: Acesso pela Guia Revisão, Comentários, Novo Comentário ou Botão Direito &gt; Inserir Comentário.</a:t>
-            </a:r>
-          </a:p>
-          <a:p>
-            <a:pPr>
-              <a:lnSpc>
-                <a:spcPct val="150000"/>
-              </a:lnSpc>
-            </a:pPr>
-            <a:r>
-              <a:rPr lang="pt-BR" sz="2000" dirty="0" smtClean="0"/>
-              <a:t>Para Editar:: Coloque o Cursor na célula de comentário &gt; Botão Direito do Mouse&gt;Editar Comentário.</a:t>
-            </a:r>
-          </a:p>
-          <a:p>
-            <a:pPr>
-              <a:lnSpc>
-                <a:spcPct val="150000"/>
-              </a:lnSpc>
-            </a:pPr>
-            <a:r>
-              <a:rPr lang="pt-BR" sz="2000" dirty="0" smtClean="0"/>
-              <a:t>Para Deletar:: acesse comando de Edição, Selecione o Balão e pressione Delete</a:t>
-            </a:r>
-            <a:endParaRPr lang="pt-BR" sz="2000" dirty="0"/>
-          </a:p>
-        </p:txBody>
-      </p:sp>
-      <p:sp>
-        <p:nvSpPr>
-          <p:cNvPr id="4" name="Subtítulo 2"/>
-          <p:cNvSpPr txBox="1">
-            <a:spLocks/>
-          </p:cNvSpPr>
-          <p:nvPr/>
-        </p:nvSpPr>
-        <p:spPr>
-          <a:xfrm>
-            <a:off x="210670" y="153054"/>
-            <a:ext cx="10058400" cy="1143000"/>
-          </a:xfrm>
-        </p:spPr>
-        <p:txBody>
-          <a:bodyPr>
-            <a:noAutofit/>
-          </a:bodyPr>
-          <a:lstStyle>
-            <a:lvl1pPr marL="342900" indent="-342900" algn="l" rtl="0" eaLnBrk="0" fontAlgn="base" hangingPunct="0">
-              <a:spcBef>
-                <a:spcPct val="20000"/>
-              </a:spcBef>
-              <a:spcAft>
-                <a:spcPct val="0"/>
-              </a:spcAft>
-              <a:buFont typeface="Arial" charset="0"/>
-              <a:buChar char="•"/>
-              <a:defRPr lang="pt-BR" sz="2800" kern="1200" dirty="0">
-                <a:solidFill>
-                  <a:schemeClr val="tx1"/>
-                </a:solidFill>
-                <a:latin typeface="+mn-lt"/>
-                <a:ea typeface="+mn-ea"/>
-                <a:cs typeface="+mn-cs"/>
-              </a:defRPr>
-            </a:lvl1pPr>
-            <a:lvl2pPr marL="742950" indent="-285750" algn="l" rtl="0" eaLnBrk="0" fontAlgn="base" hangingPunct="0">
-              <a:spcBef>
-                <a:spcPct val="20000"/>
-              </a:spcBef>
-              <a:spcAft>
-                <a:spcPct val="0"/>
-              </a:spcAft>
-              <a:buFont typeface="Arial" charset="0"/>
-              <a:buChar char="•"/>
-              <a:defRPr lang="pt-BR" sz="2400" kern="1200" dirty="0">
-                <a:solidFill>
-                  <a:schemeClr val="tx1"/>
-                </a:solidFill>
-                <a:latin typeface="+mn-lt"/>
-                <a:ea typeface="+mn-ea"/>
-                <a:cs typeface="+mn-cs"/>
-              </a:defRPr>
-            </a:lvl2pPr>
-            <a:lvl3pPr marL="1143000" indent="-228600" algn="l" rtl="0" eaLnBrk="0" fontAlgn="base" hangingPunct="0">
-              <a:spcBef>
-                <a:spcPct val="20000"/>
-              </a:spcBef>
-              <a:spcAft>
-                <a:spcPct val="0"/>
-              </a:spcAft>
-              <a:buFont typeface="Arial" charset="0"/>
-              <a:buChar char="•"/>
-              <a:defRPr lang="pt-BR" sz="2400" kern="1200" dirty="0">
-                <a:solidFill>
-                  <a:schemeClr val="tx1"/>
-                </a:solidFill>
-                <a:latin typeface="+mn-lt"/>
-                <a:ea typeface="+mn-ea"/>
-                <a:cs typeface="+mn-cs"/>
-              </a:defRPr>
-            </a:lvl3pPr>
-            <a:lvl4pPr marL="1600200" indent="-228600" algn="l" rtl="0" eaLnBrk="0" fontAlgn="base" hangingPunct="0">
-              <a:spcBef>
-                <a:spcPct val="20000"/>
-              </a:spcBef>
-              <a:spcAft>
-                <a:spcPct val="0"/>
-              </a:spcAft>
-              <a:buFont typeface="Arial" charset="0"/>
-              <a:buChar char="•"/>
-              <a:defRPr lang="pt-BR" sz="2000" kern="1200" dirty="0">
-                <a:solidFill>
-                  <a:schemeClr val="tx1"/>
-                </a:solidFill>
-                <a:latin typeface="+mn-lt"/>
-                <a:ea typeface="+mn-ea"/>
-                <a:cs typeface="+mn-cs"/>
-              </a:defRPr>
-            </a:lvl4pPr>
-            <a:lvl5pPr marL="2057400" indent="-228600" algn="l" rtl="0" eaLnBrk="0" fontAlgn="base" hangingPunct="0">
-              <a:spcBef>
-                <a:spcPct val="20000"/>
-              </a:spcBef>
-              <a:spcAft>
-                <a:spcPct val="0"/>
-              </a:spcAft>
-              <a:buFont typeface="Arial" charset="0"/>
-              <a:buChar char="•"/>
-              <a:defRPr lang="pt-BR" sz="2000" kern="1200" dirty="0">
-                <a:solidFill>
-                  <a:schemeClr val="tx1"/>
-                </a:solidFill>
-                <a:latin typeface="+mn-lt"/>
-                <a:ea typeface="+mn-ea"/>
-                <a:cs typeface="+mn-cs"/>
-              </a:defRPr>
-            </a:lvl5pPr>
-            <a:lvl6pPr marL="2514600" indent="-228600" algn="l" defTabSz="914400" rtl="0" eaLnBrk="1" latinLnBrk="0" hangingPunct="1">
-              <a:spcBef>
-                <a:spcPct val="20000"/>
-              </a:spcBef>
-              <a:buFont typeface="Arial" pitchFamily="34" charset="0"/>
-              <a:buChar char="•"/>
-              <a:defRPr sz="2000" kern="1200">
-                <a:solidFill>
-                  <a:schemeClr val="tx1"/>
-                </a:solidFill>
-                <a:latin typeface="+mn-lt"/>
-                <a:ea typeface="+mn-ea"/>
-                <a:cs typeface="+mn-cs"/>
-              </a:defRPr>
-            </a:lvl6pPr>
-            <a:lvl7pPr marL="2971800" indent="-228600" algn="l" defTabSz="914400" rtl="0" eaLnBrk="1" latinLnBrk="0" hangingPunct="1">
-              <a:spcBef>
-                <a:spcPct val="20000"/>
-              </a:spcBef>
-              <a:buFont typeface="Arial" pitchFamily="34" charset="0"/>
-              <a:buChar char="•"/>
-              <a:defRPr sz="2000" kern="1200">
-                <a:solidFill>
-                  <a:schemeClr val="tx1"/>
-                </a:solidFill>
-                <a:latin typeface="+mn-lt"/>
-                <a:ea typeface="+mn-ea"/>
-                <a:cs typeface="+mn-cs"/>
-              </a:defRPr>
-            </a:lvl7pPr>
-            <a:lvl8pPr marL="3429000" indent="-228600" algn="l" defTabSz="914400" rtl="0" eaLnBrk="1" latinLnBrk="0" hangingPunct="1">
-              <a:spcBef>
-                <a:spcPct val="20000"/>
-              </a:spcBef>
-              <a:buFont typeface="Arial" pitchFamily="34" charset="0"/>
-              <a:buChar char="•"/>
-              <a:defRPr sz="2000" kern="1200">
-                <a:solidFill>
-                  <a:schemeClr val="tx1"/>
-                </a:solidFill>
-                <a:latin typeface="+mn-lt"/>
-                <a:ea typeface="+mn-ea"/>
-                <a:cs typeface="+mn-cs"/>
-              </a:defRPr>
-            </a:lvl8pPr>
-            <a:lvl9pPr marL="3886200" indent="-228600" algn="l" defTabSz="914400" rtl="0" eaLnBrk="1" latinLnBrk="0" hangingPunct="1">
-              <a:spcBef>
-                <a:spcPct val="20000"/>
-              </a:spcBef>
-              <a:buFont typeface="Arial" pitchFamily="34" charset="0"/>
-              <a:buChar char="•"/>
-              <a:defRPr sz="2000" kern="1200">
-                <a:solidFill>
-                  <a:schemeClr val="tx1"/>
-                </a:solidFill>
-                <a:latin typeface="+mn-lt"/>
-                <a:ea typeface="+mn-ea"/>
-                <a:cs typeface="+mn-cs"/>
-              </a:defRPr>
-            </a:lvl9pPr>
-          </a:lstStyle>
-          <a:p>
-            <a:pPr marL="0" indent="0">
-              <a:lnSpc>
-                <a:spcPct val="150000"/>
-              </a:lnSpc>
-              <a:buFont typeface="Arial" charset="0"/>
-              <a:buNone/>
-            </a:pPr>
-            <a:r>
-              <a:rPr lang="pt-BR" sz="2400" b="1" dirty="0" smtClean="0">
-                <a:solidFill>
-                  <a:schemeClr val="accent6">
-                    <a:lumMod val="75000"/>
-                  </a:schemeClr>
-                </a:solidFill>
-                <a:latin typeface="Corbel" panose="020B0503020204020204" pitchFamily="34" charset="0"/>
-              </a:rPr>
-              <a:t>Comentários no Excel</a:t>
-            </a:r>
-          </a:p>
-          <a:p>
-            <a:pPr>
-              <a:lnSpc>
-                <a:spcPct val="150000"/>
-              </a:lnSpc>
-            </a:pPr>
-            <a:endParaRPr lang="pt-BR" sz="2400" b="1" dirty="0">
-              <a:solidFill>
-                <a:schemeClr val="accent6">
-                  <a:lumMod val="75000"/>
-                </a:schemeClr>
-              </a:solidFill>
-              <a:latin typeface="Corbel" panose="020B0503020204020204" pitchFamily="34" charset="0"/>
-            </a:endParaRPr>
-          </a:p>
-        </p:txBody>
-      </p:sp>
-      <p:sp>
-        <p:nvSpPr>
-          <p:cNvPr id="5" name="Elipse 4"/>
-          <p:cNvSpPr/>
-          <p:nvPr/>
-        </p:nvSpPr>
-        <p:spPr>
-          <a:xfrm>
-            <a:off x="10682344" y="5884433"/>
-            <a:ext cx="602428" cy="516367"/>
-          </a:xfrm>
-          <a:prstGeom prst="ellipse">
-            <a:avLst/>
-          </a:prstGeom>
-        </p:spPr>
-        <p:style>
-          <a:lnRef idx="2">
-            <a:schemeClr val="accent1">
-              <a:shade val="50000"/>
-            </a:schemeClr>
-          </a:lnRef>
-          <a:fillRef idx="1">
-            <a:schemeClr val="accent1"/>
-          </a:fillRef>
-          <a:effectRef idx="0">
-            <a:schemeClr val="accent1"/>
-          </a:effectRef>
-          <a:fontRef idx="minor">
-            <a:schemeClr val="lt1"/>
-          </a:fontRef>
-        </p:style>
-        <p:txBody>
-          <a:bodyPr rtlCol="0" anchor="ctr"/>
-          <a:lstStyle/>
-          <a:p>
-            <a:pPr algn="ctr"/>
-            <a:endParaRPr lang="pt-BR"/>
-          </a:p>
-        </p:txBody>
-      </p:sp>
-    </p:spTree>
-    <p:extLst>
-      <p:ext uri="{BB962C8B-B14F-4D97-AF65-F5344CB8AC3E}">
-        <p14:creationId xmlns:p14="http://schemas.microsoft.com/office/powerpoint/2010/main" val="1036242823"/>
-      </p:ext>
-    </p:extLst>
-  </p:cSld>
-  <p:clrMapOvr>
-    <a:masterClrMapping/>
-  </p:clrMapOvr>
-  <p:timing>
-    <p:tnLst>
-      <p:par>
-        <p:cTn id="1" dur="indefinite" restart="never" nodeType="tmRoot"/>
-      </p:par>
-    </p:tnLst>
-  </p:timing>
-</p:sld>
-</file>
-
-<file path=ppt/slides/slide36.xml><?xml version="1.0" encoding="utf-8"?>
-<p:sld xmlns:a="http://schemas.openxmlformats.org/drawingml/2006/main" xmlns:r="http://schemas.openxmlformats.org/officeDocument/2006/relationships" xmlns:p="http://schemas.openxmlformats.org/presentationml/2006/main">
-  <p:cSld>
-    <p:spTree>
-      <p:nvGrpSpPr>
-        <p:cNvPr id="1" name=""/>
-        <p:cNvGrpSpPr/>
-        <p:nvPr/>
-      </p:nvGrpSpPr>
-      <p:grpSpPr>
-        <a:xfrm>
-          <a:off x="0" y="0"/>
-          <a:ext cx="0" cy="0"/>
-          <a:chOff x="0" y="0"/>
-          <a:chExt cx="0" cy="0"/>
-        </a:xfrm>
-      </p:grpSpPr>
-      <p:sp>
-        <p:nvSpPr>
-          <p:cNvPr id="3" name="Subtítulo 1"/>
-          <p:cNvSpPr>
-            <a:spLocks noGrp="1"/>
-          </p:cNvSpPr>
-          <p:nvPr>
-            <p:ph type="subTitle" idx="4294967295"/>
-          </p:nvPr>
-        </p:nvSpPr>
-        <p:spPr>
-          <a:xfrm>
-            <a:off x="0" y="819132"/>
-            <a:ext cx="9966325" cy="5495925"/>
-          </a:xfrm>
-        </p:spPr>
-        <p:txBody>
-          <a:bodyPr>
-            <a:noAutofit/>
-          </a:bodyPr>
-          <a:lstStyle/>
-          <a:p>
-            <a:r>
-              <a:rPr lang="pt-BR" sz="2000" dirty="0" smtClean="0"/>
-              <a:t>Seu chefe foi substituído por alguém que não é do ramo logístico e pediu-lhe um relatório para entender melhor sobre as características do setor. Como forma de ajuda-lo a situar-se  você precisa inserir referências visuais no seu trabalhando demonstrando a aparência de cada Tipo de Veículo.</a:t>
-            </a:r>
-            <a:endParaRPr lang="pt-BR" sz="2000" dirty="0"/>
-          </a:p>
-        </p:txBody>
-      </p:sp>
-      <p:pic>
-        <p:nvPicPr>
-          <p:cNvPr id="1026" name="Picture 2" descr="AnuÃ¡rio transporte"/>
-          <p:cNvPicPr>
-            <a:picLocks noChangeAspect="1" noChangeArrowheads="1"/>
-          </p:cNvPicPr>
-          <p:nvPr/>
-        </p:nvPicPr>
-        <p:blipFill>
-          <a:blip r:embed="rId2">
-            <a:extLst>
-              <a:ext uri="{28A0092B-C50C-407E-A947-70E740481C1C}">
-                <a14:useLocalDpi xmlns:a14="http://schemas.microsoft.com/office/drawing/2010/main" val="0"/>
-              </a:ext>
-            </a:extLst>
-          </a:blip>
-          <a:srcRect/>
-          <a:stretch>
-            <a:fillRect/>
-          </a:stretch>
-        </p:blipFill>
-        <p:spPr bwMode="auto">
-          <a:xfrm>
-            <a:off x="497542" y="2264200"/>
-            <a:ext cx="6021592" cy="3737877"/>
-          </a:xfrm>
-          <a:prstGeom prst="rect">
-            <a:avLst/>
-          </a:prstGeom>
-          <a:noFill/>
-          <a:extLst>
-            <a:ext uri="{909E8E84-426E-40DD-AFC4-6F175D3DCCD1}">
-              <a14:hiddenFill xmlns:a14="http://schemas.microsoft.com/office/drawing/2010/main">
-                <a:solidFill>
-                  <a:srgbClr val="FFFFFF"/>
-                </a:solidFill>
-              </a14:hiddenFill>
-            </a:ext>
-          </a:extLst>
-        </p:spPr>
-      </p:pic>
-      <p:sp>
-        <p:nvSpPr>
-          <p:cNvPr id="4" name="Subtítulo 2"/>
-          <p:cNvSpPr txBox="1">
-            <a:spLocks/>
-          </p:cNvSpPr>
-          <p:nvPr/>
-        </p:nvSpPr>
-        <p:spPr>
-          <a:xfrm>
-            <a:off x="210670" y="153054"/>
-            <a:ext cx="10058400" cy="1143000"/>
-          </a:xfrm>
-        </p:spPr>
-        <p:txBody>
-          <a:bodyPr>
-            <a:noAutofit/>
-          </a:bodyPr>
-          <a:lstStyle>
-            <a:lvl1pPr marL="342900" indent="-342900" algn="l" rtl="0" eaLnBrk="0" fontAlgn="base" hangingPunct="0">
-              <a:spcBef>
-                <a:spcPct val="20000"/>
-              </a:spcBef>
-              <a:spcAft>
-                <a:spcPct val="0"/>
-              </a:spcAft>
-              <a:buFont typeface="Arial" charset="0"/>
-              <a:buChar char="•"/>
-              <a:defRPr lang="pt-BR" sz="2800" kern="1200" dirty="0">
-                <a:solidFill>
-                  <a:schemeClr val="tx1"/>
-                </a:solidFill>
-                <a:latin typeface="+mn-lt"/>
-                <a:ea typeface="+mn-ea"/>
-                <a:cs typeface="+mn-cs"/>
-              </a:defRPr>
-            </a:lvl1pPr>
-            <a:lvl2pPr marL="742950" indent="-285750" algn="l" rtl="0" eaLnBrk="0" fontAlgn="base" hangingPunct="0">
-              <a:spcBef>
-                <a:spcPct val="20000"/>
-              </a:spcBef>
-              <a:spcAft>
-                <a:spcPct val="0"/>
-              </a:spcAft>
-              <a:buFont typeface="Arial" charset="0"/>
-              <a:buChar char="•"/>
-              <a:defRPr lang="pt-BR" sz="2400" kern="1200" dirty="0">
-                <a:solidFill>
-                  <a:schemeClr val="tx1"/>
-                </a:solidFill>
-                <a:latin typeface="+mn-lt"/>
-                <a:ea typeface="+mn-ea"/>
-                <a:cs typeface="+mn-cs"/>
-              </a:defRPr>
-            </a:lvl2pPr>
-            <a:lvl3pPr marL="1143000" indent="-228600" algn="l" rtl="0" eaLnBrk="0" fontAlgn="base" hangingPunct="0">
-              <a:spcBef>
-                <a:spcPct val="20000"/>
-              </a:spcBef>
-              <a:spcAft>
-                <a:spcPct val="0"/>
-              </a:spcAft>
-              <a:buFont typeface="Arial" charset="0"/>
-              <a:buChar char="•"/>
-              <a:defRPr lang="pt-BR" sz="2400" kern="1200" dirty="0">
-                <a:solidFill>
-                  <a:schemeClr val="tx1"/>
-                </a:solidFill>
-                <a:latin typeface="+mn-lt"/>
-                <a:ea typeface="+mn-ea"/>
-                <a:cs typeface="+mn-cs"/>
-              </a:defRPr>
-            </a:lvl3pPr>
-            <a:lvl4pPr marL="1600200" indent="-228600" algn="l" rtl="0" eaLnBrk="0" fontAlgn="base" hangingPunct="0">
-              <a:spcBef>
-                <a:spcPct val="20000"/>
-              </a:spcBef>
-              <a:spcAft>
-                <a:spcPct val="0"/>
-              </a:spcAft>
-              <a:buFont typeface="Arial" charset="0"/>
-              <a:buChar char="•"/>
-              <a:defRPr lang="pt-BR" sz="2000" kern="1200" dirty="0">
-                <a:solidFill>
-                  <a:schemeClr val="tx1"/>
-                </a:solidFill>
-                <a:latin typeface="+mn-lt"/>
-                <a:ea typeface="+mn-ea"/>
-                <a:cs typeface="+mn-cs"/>
-              </a:defRPr>
-            </a:lvl4pPr>
-            <a:lvl5pPr marL="2057400" indent="-228600" algn="l" rtl="0" eaLnBrk="0" fontAlgn="base" hangingPunct="0">
-              <a:spcBef>
-                <a:spcPct val="20000"/>
-              </a:spcBef>
-              <a:spcAft>
-                <a:spcPct val="0"/>
-              </a:spcAft>
-              <a:buFont typeface="Arial" charset="0"/>
-              <a:buChar char="•"/>
-              <a:defRPr lang="pt-BR" sz="2000" kern="1200" dirty="0">
-                <a:solidFill>
-                  <a:schemeClr val="tx1"/>
-                </a:solidFill>
-                <a:latin typeface="+mn-lt"/>
-                <a:ea typeface="+mn-ea"/>
-                <a:cs typeface="+mn-cs"/>
-              </a:defRPr>
-            </a:lvl5pPr>
-            <a:lvl6pPr marL="2514600" indent="-228600" algn="l" defTabSz="914400" rtl="0" eaLnBrk="1" latinLnBrk="0" hangingPunct="1">
-              <a:spcBef>
-                <a:spcPct val="20000"/>
-              </a:spcBef>
-              <a:buFont typeface="Arial" pitchFamily="34" charset="0"/>
-              <a:buChar char="•"/>
-              <a:defRPr sz="2000" kern="1200">
-                <a:solidFill>
-                  <a:schemeClr val="tx1"/>
-                </a:solidFill>
-                <a:latin typeface="+mn-lt"/>
-                <a:ea typeface="+mn-ea"/>
-                <a:cs typeface="+mn-cs"/>
-              </a:defRPr>
-            </a:lvl6pPr>
-            <a:lvl7pPr marL="2971800" indent="-228600" algn="l" defTabSz="914400" rtl="0" eaLnBrk="1" latinLnBrk="0" hangingPunct="1">
-              <a:spcBef>
-                <a:spcPct val="20000"/>
-              </a:spcBef>
-              <a:buFont typeface="Arial" pitchFamily="34" charset="0"/>
-              <a:buChar char="•"/>
-              <a:defRPr sz="2000" kern="1200">
-                <a:solidFill>
-                  <a:schemeClr val="tx1"/>
-                </a:solidFill>
-                <a:latin typeface="+mn-lt"/>
-                <a:ea typeface="+mn-ea"/>
-                <a:cs typeface="+mn-cs"/>
-              </a:defRPr>
-            </a:lvl7pPr>
-            <a:lvl8pPr marL="3429000" indent="-228600" algn="l" defTabSz="914400" rtl="0" eaLnBrk="1" latinLnBrk="0" hangingPunct="1">
-              <a:spcBef>
-                <a:spcPct val="20000"/>
-              </a:spcBef>
-              <a:buFont typeface="Arial" pitchFamily="34" charset="0"/>
-              <a:buChar char="•"/>
-              <a:defRPr sz="2000" kern="1200">
-                <a:solidFill>
-                  <a:schemeClr val="tx1"/>
-                </a:solidFill>
-                <a:latin typeface="+mn-lt"/>
-                <a:ea typeface="+mn-ea"/>
-                <a:cs typeface="+mn-cs"/>
-              </a:defRPr>
-            </a:lvl8pPr>
-            <a:lvl9pPr marL="3886200" indent="-228600" algn="l" defTabSz="914400" rtl="0" eaLnBrk="1" latinLnBrk="0" hangingPunct="1">
-              <a:spcBef>
-                <a:spcPct val="20000"/>
-              </a:spcBef>
-              <a:buFont typeface="Arial" pitchFamily="34" charset="0"/>
-              <a:buChar char="•"/>
-              <a:defRPr sz="2000" kern="1200">
-                <a:solidFill>
-                  <a:schemeClr val="tx1"/>
-                </a:solidFill>
-                <a:latin typeface="+mn-lt"/>
-                <a:ea typeface="+mn-ea"/>
-                <a:cs typeface="+mn-cs"/>
-              </a:defRPr>
-            </a:lvl9pPr>
-          </a:lstStyle>
-          <a:p>
-            <a:pPr marL="0" indent="0">
-              <a:lnSpc>
-                <a:spcPct val="150000"/>
-              </a:lnSpc>
-              <a:buFont typeface="Arial" charset="0"/>
-              <a:buNone/>
-            </a:pPr>
-            <a:r>
-              <a:rPr lang="pt-BR" sz="2400" b="1" dirty="0" smtClean="0">
-                <a:solidFill>
-                  <a:schemeClr val="accent6">
-                    <a:lumMod val="75000"/>
-                  </a:schemeClr>
-                </a:solidFill>
-                <a:latin typeface="Corbel" panose="020B0503020204020204" pitchFamily="34" charset="0"/>
-              </a:rPr>
-              <a:t>Atividade</a:t>
-            </a:r>
-          </a:p>
-          <a:p>
-            <a:pPr>
-              <a:lnSpc>
-                <a:spcPct val="150000"/>
-              </a:lnSpc>
-            </a:pPr>
-            <a:endParaRPr lang="pt-BR" sz="2400" b="1" dirty="0">
-              <a:solidFill>
-                <a:schemeClr val="accent6">
-                  <a:lumMod val="75000"/>
-                </a:schemeClr>
-              </a:solidFill>
-              <a:latin typeface="Corbel" panose="020B0503020204020204" pitchFamily="34" charset="0"/>
-            </a:endParaRPr>
-          </a:p>
-        </p:txBody>
-      </p:sp>
-      <p:sp>
-        <p:nvSpPr>
-          <p:cNvPr id="5" name="CaixaDeTexto 4"/>
-          <p:cNvSpPr txBox="1"/>
-          <p:nvPr/>
-        </p:nvSpPr>
-        <p:spPr>
-          <a:xfrm>
-            <a:off x="8875059" y="344245"/>
-            <a:ext cx="1065007" cy="376517"/>
-          </a:xfrm>
-          <a:prstGeom prst="rect">
-            <a:avLst/>
-          </a:prstGeom>
-          <a:noFill/>
-        </p:spPr>
-        <p:txBody>
-          <a:bodyPr wrap="square" rtlCol="0">
-            <a:spAutoFit/>
-          </a:bodyPr>
-          <a:lstStyle/>
-          <a:p>
-            <a:r>
-              <a:rPr lang="pt-BR" dirty="0"/>
-              <a:t>3</a:t>
-            </a:r>
-            <a:r>
-              <a:rPr lang="pt-BR" dirty="0" smtClean="0"/>
-              <a:t>0 </a:t>
-            </a:r>
-            <a:r>
-              <a:rPr lang="pt-BR" dirty="0" smtClean="0"/>
-              <a:t>Min</a:t>
-            </a:r>
-            <a:endParaRPr lang="pt-BR" dirty="0"/>
-          </a:p>
-        </p:txBody>
-      </p:sp>
-    </p:spTree>
-    <p:extLst>
-      <p:ext uri="{BB962C8B-B14F-4D97-AF65-F5344CB8AC3E}">
-        <p14:creationId xmlns:p14="http://schemas.microsoft.com/office/powerpoint/2010/main" val="637172090"/>
-      </p:ext>
-    </p:extLst>
-  </p:cSld>
-  <p:clrMapOvr>
-    <a:masterClrMapping/>
-  </p:clrMapOvr>
-  <p:timing>
-    <p:tnLst>
-      <p:par>
-        <p:cTn id="1" dur="indefinite" restart="never" nodeType="tmRoot"/>
-      </p:par>
-    </p:tnLst>
-  </p:timing>
-</p:sld>
-</file>
-
-<file path=ppt/slides/slide37.xml><?xml version="1.0" encoding="utf-8"?>
 <p:sld xmlns:a="http://schemas.openxmlformats.org/drawingml/2006/main" xmlns:r="http://schemas.openxmlformats.org/officeDocument/2006/relationships" xmlns:p="http://schemas.openxmlformats.org/presentationml/2006/main">
   <p:cSld>
     <p:spTree>
@@ -22042,6 +20302,1680 @@
 </p:sld>
 </file>
 
+<file path=ppt/slides/slide34.xml><?xml version="1.0" encoding="utf-8"?>
+<p:sld xmlns:a="http://schemas.openxmlformats.org/drawingml/2006/main" xmlns:r="http://schemas.openxmlformats.org/officeDocument/2006/relationships" xmlns:p="http://schemas.openxmlformats.org/presentationml/2006/main">
+  <p:cSld>
+    <p:spTree>
+      <p:nvGrpSpPr>
+        <p:cNvPr id="1" name=""/>
+        <p:cNvGrpSpPr/>
+        <p:nvPr/>
+      </p:nvGrpSpPr>
+      <p:grpSpPr>
+        <a:xfrm>
+          <a:off x="0" y="0"/>
+          <a:ext cx="0" cy="0"/>
+          <a:chOff x="0" y="0"/>
+          <a:chExt cx="0" cy="0"/>
+        </a:xfrm>
+      </p:grpSpPr>
+      <p:sp>
+        <p:nvSpPr>
+          <p:cNvPr id="3" name="Subtítulo 1"/>
+          <p:cNvSpPr>
+            <a:spLocks noGrp="1"/>
+          </p:cNvSpPr>
+          <p:nvPr>
+            <p:ph type="subTitle" idx="4294967295"/>
+          </p:nvPr>
+        </p:nvSpPr>
+        <p:spPr>
+          <a:xfrm>
+            <a:off x="3048000" y="1547813"/>
+            <a:ext cx="9144000" cy="2109787"/>
+          </a:xfrm>
+        </p:spPr>
+        <p:txBody>
+          <a:bodyPr>
+            <a:noAutofit/>
+          </a:bodyPr>
+          <a:lstStyle/>
+          <a:p>
+            <a:r>
+              <a:rPr lang="pt-BR" sz="2000" dirty="0" smtClean="0"/>
+              <a:t>Números Decimais, Inteiros, fração</a:t>
+            </a:r>
+          </a:p>
+          <a:p>
+            <a:r>
+              <a:rPr lang="pt-BR" sz="2000" dirty="0" smtClean="0"/>
+              <a:t>Data: com dia da semana, mês/ano.</a:t>
+            </a:r>
+          </a:p>
+          <a:p>
+            <a:r>
+              <a:rPr lang="pt-BR" sz="2000" dirty="0" smtClean="0"/>
+              <a:t>Formatos Especiais: CEP, CPF, CNPJ, etc...</a:t>
+            </a:r>
+          </a:p>
+          <a:p>
+            <a:r>
+              <a:rPr lang="pt-BR" sz="2000" dirty="0" smtClean="0"/>
+              <a:t>E outros formatos personalizados</a:t>
+            </a:r>
+          </a:p>
+          <a:p>
+            <a:r>
+              <a:rPr lang="pt-BR" sz="2000" dirty="0" smtClean="0"/>
+              <a:t>Acesso pela guia pagina Inicial ou Menu de Contexto (botão  esquerdo)</a:t>
+            </a:r>
+          </a:p>
+          <a:p>
+            <a:endParaRPr lang="pt-BR" sz="2000" dirty="0"/>
+          </a:p>
+          <a:p>
+            <a:endParaRPr lang="pt-BR" sz="2000" dirty="0"/>
+          </a:p>
+        </p:txBody>
+      </p:sp>
+      <p:sp>
+        <p:nvSpPr>
+          <p:cNvPr id="4" name="Subtítulo 1"/>
+          <p:cNvSpPr txBox="1">
+            <a:spLocks/>
+          </p:cNvSpPr>
+          <p:nvPr/>
+        </p:nvSpPr>
+        <p:spPr>
+          <a:xfrm>
+            <a:off x="1450490" y="613204"/>
+            <a:ext cx="9144000" cy="1280142"/>
+          </a:xfrm>
+          <a:prstGeom prst="rect">
+            <a:avLst/>
+          </a:prstGeom>
+        </p:spPr>
+        <p:txBody>
+          <a:bodyPr vert="horz" lIns="91440" tIns="45720" rIns="91440" bIns="45720" rtlCol="0">
+            <a:normAutofit/>
+          </a:bodyPr>
+          <a:lstStyle>
+            <a:lvl1pPr marL="0" indent="0" algn="ctr" defTabSz="914400" rtl="0" eaLnBrk="1" latinLnBrk="0" hangingPunct="1">
+              <a:lnSpc>
+                <a:spcPct val="90000"/>
+              </a:lnSpc>
+              <a:spcBef>
+                <a:spcPts val="1000"/>
+              </a:spcBef>
+              <a:buFont typeface="Arial" panose="020B0604020202020204" pitchFamily="34" charset="0"/>
+              <a:buNone/>
+              <a:defRPr sz="2400" kern="1200">
+                <a:solidFill>
+                  <a:schemeClr val="tx1"/>
+                </a:solidFill>
+                <a:latin typeface="+mn-lt"/>
+                <a:ea typeface="+mn-ea"/>
+                <a:cs typeface="+mn-cs"/>
+              </a:defRPr>
+            </a:lvl1pPr>
+            <a:lvl2pPr marL="457200" indent="0" algn="ctr" defTabSz="914400" rtl="0" eaLnBrk="1" latinLnBrk="0" hangingPunct="1">
+              <a:lnSpc>
+                <a:spcPct val="90000"/>
+              </a:lnSpc>
+              <a:spcBef>
+                <a:spcPts val="500"/>
+              </a:spcBef>
+              <a:buFont typeface="Arial" panose="020B0604020202020204" pitchFamily="34" charset="0"/>
+              <a:buNone/>
+              <a:defRPr sz="2000" kern="1200">
+                <a:solidFill>
+                  <a:schemeClr val="tx1"/>
+                </a:solidFill>
+                <a:latin typeface="+mn-lt"/>
+                <a:ea typeface="+mn-ea"/>
+                <a:cs typeface="+mn-cs"/>
+              </a:defRPr>
+            </a:lvl2pPr>
+            <a:lvl3pPr marL="914400" indent="0" algn="ctr" defTabSz="914400" rtl="0" eaLnBrk="1" latinLnBrk="0" hangingPunct="1">
+              <a:lnSpc>
+                <a:spcPct val="90000"/>
+              </a:lnSpc>
+              <a:spcBef>
+                <a:spcPts val="500"/>
+              </a:spcBef>
+              <a:buFont typeface="Arial" panose="020B0604020202020204" pitchFamily="34" charset="0"/>
+              <a:buNone/>
+              <a:defRPr sz="1800" kern="1200">
+                <a:solidFill>
+                  <a:schemeClr val="tx1"/>
+                </a:solidFill>
+                <a:latin typeface="+mn-lt"/>
+                <a:ea typeface="+mn-ea"/>
+                <a:cs typeface="+mn-cs"/>
+              </a:defRPr>
+            </a:lvl3pPr>
+            <a:lvl4pPr marL="1371600" indent="0" algn="ctr" defTabSz="914400" rtl="0" eaLnBrk="1" latinLnBrk="0" hangingPunct="1">
+              <a:lnSpc>
+                <a:spcPct val="90000"/>
+              </a:lnSpc>
+              <a:spcBef>
+                <a:spcPts val="500"/>
+              </a:spcBef>
+              <a:buFont typeface="Arial" panose="020B0604020202020204" pitchFamily="34" charset="0"/>
+              <a:buNone/>
+              <a:defRPr sz="1600" kern="1200">
+                <a:solidFill>
+                  <a:schemeClr val="tx1"/>
+                </a:solidFill>
+                <a:latin typeface="+mn-lt"/>
+                <a:ea typeface="+mn-ea"/>
+                <a:cs typeface="+mn-cs"/>
+              </a:defRPr>
+            </a:lvl4pPr>
+            <a:lvl5pPr marL="1828800" indent="0" algn="ctr" defTabSz="914400" rtl="0" eaLnBrk="1" latinLnBrk="0" hangingPunct="1">
+              <a:lnSpc>
+                <a:spcPct val="90000"/>
+              </a:lnSpc>
+              <a:spcBef>
+                <a:spcPts val="500"/>
+              </a:spcBef>
+              <a:buFont typeface="Arial" panose="020B0604020202020204" pitchFamily="34" charset="0"/>
+              <a:buNone/>
+              <a:defRPr sz="1600" kern="1200">
+                <a:solidFill>
+                  <a:schemeClr val="tx1"/>
+                </a:solidFill>
+                <a:latin typeface="+mn-lt"/>
+                <a:ea typeface="+mn-ea"/>
+                <a:cs typeface="+mn-cs"/>
+              </a:defRPr>
+            </a:lvl5pPr>
+            <a:lvl6pPr marL="2286000" indent="0" algn="ctr" defTabSz="914400" rtl="0" eaLnBrk="1" latinLnBrk="0" hangingPunct="1">
+              <a:lnSpc>
+                <a:spcPct val="90000"/>
+              </a:lnSpc>
+              <a:spcBef>
+                <a:spcPts val="500"/>
+              </a:spcBef>
+              <a:buFont typeface="Arial" panose="020B0604020202020204" pitchFamily="34" charset="0"/>
+              <a:buNone/>
+              <a:defRPr sz="1600" kern="1200">
+                <a:solidFill>
+                  <a:schemeClr val="tx1"/>
+                </a:solidFill>
+                <a:latin typeface="+mn-lt"/>
+                <a:ea typeface="+mn-ea"/>
+                <a:cs typeface="+mn-cs"/>
+              </a:defRPr>
+            </a:lvl6pPr>
+            <a:lvl7pPr marL="2743200" indent="0" algn="ctr" defTabSz="914400" rtl="0" eaLnBrk="1" latinLnBrk="0" hangingPunct="1">
+              <a:lnSpc>
+                <a:spcPct val="90000"/>
+              </a:lnSpc>
+              <a:spcBef>
+                <a:spcPts val="500"/>
+              </a:spcBef>
+              <a:buFont typeface="Arial" panose="020B0604020202020204" pitchFamily="34" charset="0"/>
+              <a:buNone/>
+              <a:defRPr sz="1600" kern="1200">
+                <a:solidFill>
+                  <a:schemeClr val="tx1"/>
+                </a:solidFill>
+                <a:latin typeface="+mn-lt"/>
+                <a:ea typeface="+mn-ea"/>
+                <a:cs typeface="+mn-cs"/>
+              </a:defRPr>
+            </a:lvl7pPr>
+            <a:lvl8pPr marL="3200400" indent="0" algn="ctr" defTabSz="914400" rtl="0" eaLnBrk="1" latinLnBrk="0" hangingPunct="1">
+              <a:lnSpc>
+                <a:spcPct val="90000"/>
+              </a:lnSpc>
+              <a:spcBef>
+                <a:spcPts val="500"/>
+              </a:spcBef>
+              <a:buFont typeface="Arial" panose="020B0604020202020204" pitchFamily="34" charset="0"/>
+              <a:buNone/>
+              <a:defRPr sz="1600" kern="1200">
+                <a:solidFill>
+                  <a:schemeClr val="tx1"/>
+                </a:solidFill>
+                <a:latin typeface="+mn-lt"/>
+                <a:ea typeface="+mn-ea"/>
+                <a:cs typeface="+mn-cs"/>
+              </a:defRPr>
+            </a:lvl8pPr>
+            <a:lvl9pPr marL="3657600" indent="0" algn="ctr" defTabSz="914400" rtl="0" eaLnBrk="1" latinLnBrk="0" hangingPunct="1">
+              <a:lnSpc>
+                <a:spcPct val="90000"/>
+              </a:lnSpc>
+              <a:spcBef>
+                <a:spcPts val="500"/>
+              </a:spcBef>
+              <a:buFont typeface="Arial" panose="020B0604020202020204" pitchFamily="34" charset="0"/>
+              <a:buNone/>
+              <a:defRPr sz="1600" kern="1200">
+                <a:solidFill>
+                  <a:schemeClr val="tx1"/>
+                </a:solidFill>
+                <a:latin typeface="+mn-lt"/>
+                <a:ea typeface="+mn-ea"/>
+                <a:cs typeface="+mn-cs"/>
+              </a:defRPr>
+            </a:lvl9pPr>
+          </a:lstStyle>
+          <a:p>
+            <a:endParaRPr lang="pt-BR" dirty="0"/>
+          </a:p>
+        </p:txBody>
+      </p:sp>
+      <p:pic>
+        <p:nvPicPr>
+          <p:cNvPr id="5" name="Imagem 4"/>
+          <p:cNvPicPr>
+            <a:picLocks noChangeAspect="1"/>
+          </p:cNvPicPr>
+          <p:nvPr/>
+        </p:nvPicPr>
+        <p:blipFill>
+          <a:blip r:embed="rId2"/>
+          <a:stretch>
+            <a:fillRect/>
+          </a:stretch>
+        </p:blipFill>
+        <p:spPr>
+          <a:xfrm>
+            <a:off x="4221929" y="4102362"/>
+            <a:ext cx="3429000" cy="2343150"/>
+          </a:xfrm>
+          <a:prstGeom prst="rect">
+            <a:avLst/>
+          </a:prstGeom>
+        </p:spPr>
+      </p:pic>
+      <p:sp>
+        <p:nvSpPr>
+          <p:cNvPr id="6" name="Subtítulo 2"/>
+          <p:cNvSpPr txBox="1">
+            <a:spLocks/>
+          </p:cNvSpPr>
+          <p:nvPr/>
+        </p:nvSpPr>
+        <p:spPr>
+          <a:xfrm>
+            <a:off x="210670" y="153054"/>
+            <a:ext cx="10058400" cy="1143000"/>
+          </a:xfrm>
+        </p:spPr>
+        <p:txBody>
+          <a:bodyPr>
+            <a:noAutofit/>
+          </a:bodyPr>
+          <a:lstStyle>
+            <a:lvl1pPr marL="342900" indent="-342900" algn="l" rtl="0" eaLnBrk="0" fontAlgn="base" hangingPunct="0">
+              <a:spcBef>
+                <a:spcPct val="20000"/>
+              </a:spcBef>
+              <a:spcAft>
+                <a:spcPct val="0"/>
+              </a:spcAft>
+              <a:buFont typeface="Arial" charset="0"/>
+              <a:buChar char="•"/>
+              <a:defRPr lang="pt-BR" sz="2800" kern="1200" dirty="0">
+                <a:solidFill>
+                  <a:schemeClr val="tx1"/>
+                </a:solidFill>
+                <a:latin typeface="+mn-lt"/>
+                <a:ea typeface="+mn-ea"/>
+                <a:cs typeface="+mn-cs"/>
+              </a:defRPr>
+            </a:lvl1pPr>
+            <a:lvl2pPr marL="742950" indent="-285750" algn="l" rtl="0" eaLnBrk="0" fontAlgn="base" hangingPunct="0">
+              <a:spcBef>
+                <a:spcPct val="20000"/>
+              </a:spcBef>
+              <a:spcAft>
+                <a:spcPct val="0"/>
+              </a:spcAft>
+              <a:buFont typeface="Arial" charset="0"/>
+              <a:buChar char="•"/>
+              <a:defRPr lang="pt-BR" sz="2400" kern="1200" dirty="0">
+                <a:solidFill>
+                  <a:schemeClr val="tx1"/>
+                </a:solidFill>
+                <a:latin typeface="+mn-lt"/>
+                <a:ea typeface="+mn-ea"/>
+                <a:cs typeface="+mn-cs"/>
+              </a:defRPr>
+            </a:lvl2pPr>
+            <a:lvl3pPr marL="1143000" indent="-228600" algn="l" rtl="0" eaLnBrk="0" fontAlgn="base" hangingPunct="0">
+              <a:spcBef>
+                <a:spcPct val="20000"/>
+              </a:spcBef>
+              <a:spcAft>
+                <a:spcPct val="0"/>
+              </a:spcAft>
+              <a:buFont typeface="Arial" charset="0"/>
+              <a:buChar char="•"/>
+              <a:defRPr lang="pt-BR" sz="2400" kern="1200" dirty="0">
+                <a:solidFill>
+                  <a:schemeClr val="tx1"/>
+                </a:solidFill>
+                <a:latin typeface="+mn-lt"/>
+                <a:ea typeface="+mn-ea"/>
+                <a:cs typeface="+mn-cs"/>
+              </a:defRPr>
+            </a:lvl3pPr>
+            <a:lvl4pPr marL="1600200" indent="-228600" algn="l" rtl="0" eaLnBrk="0" fontAlgn="base" hangingPunct="0">
+              <a:spcBef>
+                <a:spcPct val="20000"/>
+              </a:spcBef>
+              <a:spcAft>
+                <a:spcPct val="0"/>
+              </a:spcAft>
+              <a:buFont typeface="Arial" charset="0"/>
+              <a:buChar char="•"/>
+              <a:defRPr lang="pt-BR" sz="2000" kern="1200" dirty="0">
+                <a:solidFill>
+                  <a:schemeClr val="tx1"/>
+                </a:solidFill>
+                <a:latin typeface="+mn-lt"/>
+                <a:ea typeface="+mn-ea"/>
+                <a:cs typeface="+mn-cs"/>
+              </a:defRPr>
+            </a:lvl4pPr>
+            <a:lvl5pPr marL="2057400" indent="-228600" algn="l" rtl="0" eaLnBrk="0" fontAlgn="base" hangingPunct="0">
+              <a:spcBef>
+                <a:spcPct val="20000"/>
+              </a:spcBef>
+              <a:spcAft>
+                <a:spcPct val="0"/>
+              </a:spcAft>
+              <a:buFont typeface="Arial" charset="0"/>
+              <a:buChar char="•"/>
+              <a:defRPr lang="pt-BR" sz="2000" kern="1200" dirty="0">
+                <a:solidFill>
+                  <a:schemeClr val="tx1"/>
+                </a:solidFill>
+                <a:latin typeface="+mn-lt"/>
+                <a:ea typeface="+mn-ea"/>
+                <a:cs typeface="+mn-cs"/>
+              </a:defRPr>
+            </a:lvl5pPr>
+            <a:lvl6pPr marL="2514600" indent="-228600" algn="l" defTabSz="914400" rtl="0" eaLnBrk="1" latinLnBrk="0" hangingPunct="1">
+              <a:spcBef>
+                <a:spcPct val="20000"/>
+              </a:spcBef>
+              <a:buFont typeface="Arial" pitchFamily="34" charset="0"/>
+              <a:buChar char="•"/>
+              <a:defRPr sz="2000" kern="1200">
+                <a:solidFill>
+                  <a:schemeClr val="tx1"/>
+                </a:solidFill>
+                <a:latin typeface="+mn-lt"/>
+                <a:ea typeface="+mn-ea"/>
+                <a:cs typeface="+mn-cs"/>
+              </a:defRPr>
+            </a:lvl6pPr>
+            <a:lvl7pPr marL="2971800" indent="-228600" algn="l" defTabSz="914400" rtl="0" eaLnBrk="1" latinLnBrk="0" hangingPunct="1">
+              <a:spcBef>
+                <a:spcPct val="20000"/>
+              </a:spcBef>
+              <a:buFont typeface="Arial" pitchFamily="34" charset="0"/>
+              <a:buChar char="•"/>
+              <a:defRPr sz="2000" kern="1200">
+                <a:solidFill>
+                  <a:schemeClr val="tx1"/>
+                </a:solidFill>
+                <a:latin typeface="+mn-lt"/>
+                <a:ea typeface="+mn-ea"/>
+                <a:cs typeface="+mn-cs"/>
+              </a:defRPr>
+            </a:lvl7pPr>
+            <a:lvl8pPr marL="3429000" indent="-228600" algn="l" defTabSz="914400" rtl="0" eaLnBrk="1" latinLnBrk="0" hangingPunct="1">
+              <a:spcBef>
+                <a:spcPct val="20000"/>
+              </a:spcBef>
+              <a:buFont typeface="Arial" pitchFamily="34" charset="0"/>
+              <a:buChar char="•"/>
+              <a:defRPr sz="2000" kern="1200">
+                <a:solidFill>
+                  <a:schemeClr val="tx1"/>
+                </a:solidFill>
+                <a:latin typeface="+mn-lt"/>
+                <a:ea typeface="+mn-ea"/>
+                <a:cs typeface="+mn-cs"/>
+              </a:defRPr>
+            </a:lvl8pPr>
+            <a:lvl9pPr marL="3886200" indent="-228600" algn="l" defTabSz="914400" rtl="0" eaLnBrk="1" latinLnBrk="0" hangingPunct="1">
+              <a:spcBef>
+                <a:spcPct val="20000"/>
+              </a:spcBef>
+              <a:buFont typeface="Arial" pitchFamily="34" charset="0"/>
+              <a:buChar char="•"/>
+              <a:defRPr sz="2000" kern="1200">
+                <a:solidFill>
+                  <a:schemeClr val="tx1"/>
+                </a:solidFill>
+                <a:latin typeface="+mn-lt"/>
+                <a:ea typeface="+mn-ea"/>
+                <a:cs typeface="+mn-cs"/>
+              </a:defRPr>
+            </a:lvl9pPr>
+          </a:lstStyle>
+          <a:p>
+            <a:pPr marL="0" indent="0">
+              <a:lnSpc>
+                <a:spcPct val="150000"/>
+              </a:lnSpc>
+              <a:buFont typeface="Arial" charset="0"/>
+              <a:buNone/>
+            </a:pPr>
+            <a:r>
+              <a:rPr lang="pt-BR" sz="2400" b="1" dirty="0" smtClean="0">
+                <a:solidFill>
+                  <a:schemeClr val="accent6">
+                    <a:lumMod val="75000"/>
+                  </a:schemeClr>
+                </a:solidFill>
+                <a:latin typeface="Corbel" panose="020B0503020204020204" pitchFamily="34" charset="0"/>
+              </a:rPr>
+              <a:t>Formatação de Número</a:t>
+            </a:r>
+          </a:p>
+          <a:p>
+            <a:pPr>
+              <a:lnSpc>
+                <a:spcPct val="150000"/>
+              </a:lnSpc>
+            </a:pPr>
+            <a:endParaRPr lang="pt-BR" sz="2400" b="1" dirty="0">
+              <a:solidFill>
+                <a:schemeClr val="accent6">
+                  <a:lumMod val="75000"/>
+                </a:schemeClr>
+              </a:solidFill>
+              <a:latin typeface="Corbel" panose="020B0503020204020204" pitchFamily="34" charset="0"/>
+            </a:endParaRPr>
+          </a:p>
+        </p:txBody>
+      </p:sp>
+      <p:sp>
+        <p:nvSpPr>
+          <p:cNvPr id="7" name="Elipse 6"/>
+          <p:cNvSpPr/>
+          <p:nvPr/>
+        </p:nvSpPr>
+        <p:spPr>
+          <a:xfrm>
+            <a:off x="10682344" y="5884433"/>
+            <a:ext cx="602428" cy="516367"/>
+          </a:xfrm>
+          <a:prstGeom prst="ellipse">
+            <a:avLst/>
+          </a:prstGeom>
+        </p:spPr>
+        <p:style>
+          <a:lnRef idx="2">
+            <a:schemeClr val="accent1">
+              <a:shade val="50000"/>
+            </a:schemeClr>
+          </a:lnRef>
+          <a:fillRef idx="1">
+            <a:schemeClr val="accent1"/>
+          </a:fillRef>
+          <a:effectRef idx="0">
+            <a:schemeClr val="accent1"/>
+          </a:effectRef>
+          <a:fontRef idx="minor">
+            <a:schemeClr val="lt1"/>
+          </a:fontRef>
+        </p:style>
+        <p:txBody>
+          <a:bodyPr rtlCol="0" anchor="ctr"/>
+          <a:lstStyle/>
+          <a:p>
+            <a:pPr algn="ctr"/>
+            <a:endParaRPr lang="pt-BR"/>
+          </a:p>
+        </p:txBody>
+      </p:sp>
+      <p:sp>
+        <p:nvSpPr>
+          <p:cNvPr id="8" name="Elipse 7"/>
+          <p:cNvSpPr/>
+          <p:nvPr/>
+        </p:nvSpPr>
+        <p:spPr>
+          <a:xfrm>
+            <a:off x="1450489" y="2820296"/>
+            <a:ext cx="1798319" cy="1493520"/>
+          </a:xfrm>
+          <a:prstGeom prst="ellipse">
+            <a:avLst/>
+          </a:prstGeom>
+          <a:solidFill>
+            <a:schemeClr val="accent2"/>
+          </a:solidFill>
+        </p:spPr>
+        <p:style>
+          <a:lnRef idx="2">
+            <a:schemeClr val="accent1">
+              <a:shade val="50000"/>
+            </a:schemeClr>
+          </a:lnRef>
+          <a:fillRef idx="1">
+            <a:schemeClr val="accent1"/>
+          </a:fillRef>
+          <a:effectRef idx="0">
+            <a:schemeClr val="accent1"/>
+          </a:effectRef>
+          <a:fontRef idx="minor">
+            <a:schemeClr val="lt1"/>
+          </a:fontRef>
+        </p:style>
+        <p:txBody>
+          <a:bodyPr rtlCol="0" anchor="ctr"/>
+          <a:lstStyle/>
+          <a:p>
+            <a:pPr algn="ctr"/>
+            <a:r>
+              <a:rPr lang="pt-BR" dirty="0" smtClean="0"/>
+              <a:t>Paramos aqui</a:t>
+            </a:r>
+            <a:endParaRPr lang="pt-BR" dirty="0"/>
+          </a:p>
+        </p:txBody>
+      </p:sp>
+    </p:spTree>
+    <p:extLst>
+      <p:ext uri="{BB962C8B-B14F-4D97-AF65-F5344CB8AC3E}">
+        <p14:creationId xmlns:p14="http://schemas.microsoft.com/office/powerpoint/2010/main" val="2533856954"/>
+      </p:ext>
+    </p:extLst>
+  </p:cSld>
+  <p:clrMapOvr>
+    <a:masterClrMapping/>
+  </p:clrMapOvr>
+  <p:timing>
+    <p:tnLst>
+      <p:par>
+        <p:cTn id="1" dur="indefinite" restart="never" nodeType="tmRoot"/>
+      </p:par>
+    </p:tnLst>
+  </p:timing>
+</p:sld>
+</file>
+
+<file path=ppt/slides/slide35.xml><?xml version="1.0" encoding="utf-8"?>
+<p:sld xmlns:a="http://schemas.openxmlformats.org/drawingml/2006/main" xmlns:r="http://schemas.openxmlformats.org/officeDocument/2006/relationships" xmlns:p="http://schemas.openxmlformats.org/presentationml/2006/main">
+  <p:cSld>
+    <p:spTree>
+      <p:nvGrpSpPr>
+        <p:cNvPr id="1" name=""/>
+        <p:cNvGrpSpPr/>
+        <p:nvPr/>
+      </p:nvGrpSpPr>
+      <p:grpSpPr>
+        <a:xfrm>
+          <a:off x="0" y="0"/>
+          <a:ext cx="0" cy="0"/>
+          <a:chOff x="0" y="0"/>
+          <a:chExt cx="0" cy="0"/>
+        </a:xfrm>
+      </p:grpSpPr>
+      <p:sp>
+        <p:nvSpPr>
+          <p:cNvPr id="3" name="Subtítulo 1"/>
+          <p:cNvSpPr>
+            <a:spLocks noGrp="1"/>
+          </p:cNvSpPr>
+          <p:nvPr>
+            <p:ph type="subTitle" idx="4294967295"/>
+          </p:nvPr>
+        </p:nvSpPr>
+        <p:spPr>
+          <a:xfrm>
+            <a:off x="0" y="1015701"/>
+            <a:ext cx="11198225" cy="1857375"/>
+          </a:xfrm>
+        </p:spPr>
+        <p:txBody>
+          <a:bodyPr>
+            <a:noAutofit/>
+          </a:bodyPr>
+          <a:lstStyle/>
+          <a:p>
+            <a:r>
+              <a:rPr lang="pt-BR" sz="2000" dirty="0" smtClean="0"/>
+              <a:t>Ao receber a tabela abaixo de entrada de estoque da filial internacional um assistente percebeu que os valores estavam em dólares. Para lançar corretamente no sistema ele precisa converter para a moeda local (Reais R$). O Dólar a ser utilizado é de 4,14. </a:t>
+            </a:r>
+          </a:p>
+          <a:p>
+            <a:r>
+              <a:rPr lang="pt-BR" sz="2000" dirty="0" smtClean="0"/>
+              <a:t>Qual o valor total de estoque que será dada a entrada no sistema (valor da célula D13)?</a:t>
+            </a:r>
+          </a:p>
+          <a:p>
+            <a:r>
+              <a:rPr lang="pt-BR" sz="2000" dirty="0" smtClean="0"/>
+              <a:t> Use formatação de moedas para diferenciar as colunas em reais e dólares, adicione cores e formatação para tornar o relatório apresentável.</a:t>
+            </a:r>
+          </a:p>
+          <a:p>
+            <a:endParaRPr lang="pt-BR" sz="2000" dirty="0" smtClean="0"/>
+          </a:p>
+          <a:p>
+            <a:endParaRPr lang="pt-BR" sz="2000" dirty="0"/>
+          </a:p>
+          <a:p>
+            <a:endParaRPr lang="pt-BR" sz="2000" dirty="0"/>
+          </a:p>
+        </p:txBody>
+      </p:sp>
+      <p:pic>
+        <p:nvPicPr>
+          <p:cNvPr id="5" name="Imagem 4"/>
+          <p:cNvPicPr>
+            <a:picLocks noChangeAspect="1"/>
+          </p:cNvPicPr>
+          <p:nvPr/>
+        </p:nvPicPr>
+        <p:blipFill>
+          <a:blip r:embed="rId2"/>
+          <a:stretch>
+            <a:fillRect/>
+          </a:stretch>
+        </p:blipFill>
+        <p:spPr>
+          <a:xfrm>
+            <a:off x="1579582" y="3238052"/>
+            <a:ext cx="5419725" cy="2933700"/>
+          </a:xfrm>
+          <a:prstGeom prst="rect">
+            <a:avLst/>
+          </a:prstGeom>
+        </p:spPr>
+      </p:pic>
+      <p:sp>
+        <p:nvSpPr>
+          <p:cNvPr id="6" name="Subtítulo 2"/>
+          <p:cNvSpPr txBox="1">
+            <a:spLocks/>
+          </p:cNvSpPr>
+          <p:nvPr/>
+        </p:nvSpPr>
+        <p:spPr>
+          <a:xfrm>
+            <a:off x="210670" y="153054"/>
+            <a:ext cx="10058400" cy="1143000"/>
+          </a:xfrm>
+        </p:spPr>
+        <p:txBody>
+          <a:bodyPr>
+            <a:noAutofit/>
+          </a:bodyPr>
+          <a:lstStyle>
+            <a:lvl1pPr marL="342900" indent="-342900" algn="l" rtl="0" eaLnBrk="0" fontAlgn="base" hangingPunct="0">
+              <a:spcBef>
+                <a:spcPct val="20000"/>
+              </a:spcBef>
+              <a:spcAft>
+                <a:spcPct val="0"/>
+              </a:spcAft>
+              <a:buFont typeface="Arial" charset="0"/>
+              <a:buChar char="•"/>
+              <a:defRPr lang="pt-BR" sz="2800" kern="1200" dirty="0">
+                <a:solidFill>
+                  <a:schemeClr val="tx1"/>
+                </a:solidFill>
+                <a:latin typeface="+mn-lt"/>
+                <a:ea typeface="+mn-ea"/>
+                <a:cs typeface="+mn-cs"/>
+              </a:defRPr>
+            </a:lvl1pPr>
+            <a:lvl2pPr marL="742950" indent="-285750" algn="l" rtl="0" eaLnBrk="0" fontAlgn="base" hangingPunct="0">
+              <a:spcBef>
+                <a:spcPct val="20000"/>
+              </a:spcBef>
+              <a:spcAft>
+                <a:spcPct val="0"/>
+              </a:spcAft>
+              <a:buFont typeface="Arial" charset="0"/>
+              <a:buChar char="•"/>
+              <a:defRPr lang="pt-BR" sz="2400" kern="1200" dirty="0">
+                <a:solidFill>
+                  <a:schemeClr val="tx1"/>
+                </a:solidFill>
+                <a:latin typeface="+mn-lt"/>
+                <a:ea typeface="+mn-ea"/>
+                <a:cs typeface="+mn-cs"/>
+              </a:defRPr>
+            </a:lvl2pPr>
+            <a:lvl3pPr marL="1143000" indent="-228600" algn="l" rtl="0" eaLnBrk="0" fontAlgn="base" hangingPunct="0">
+              <a:spcBef>
+                <a:spcPct val="20000"/>
+              </a:spcBef>
+              <a:spcAft>
+                <a:spcPct val="0"/>
+              </a:spcAft>
+              <a:buFont typeface="Arial" charset="0"/>
+              <a:buChar char="•"/>
+              <a:defRPr lang="pt-BR" sz="2400" kern="1200" dirty="0">
+                <a:solidFill>
+                  <a:schemeClr val="tx1"/>
+                </a:solidFill>
+                <a:latin typeface="+mn-lt"/>
+                <a:ea typeface="+mn-ea"/>
+                <a:cs typeface="+mn-cs"/>
+              </a:defRPr>
+            </a:lvl3pPr>
+            <a:lvl4pPr marL="1600200" indent="-228600" algn="l" rtl="0" eaLnBrk="0" fontAlgn="base" hangingPunct="0">
+              <a:spcBef>
+                <a:spcPct val="20000"/>
+              </a:spcBef>
+              <a:spcAft>
+                <a:spcPct val="0"/>
+              </a:spcAft>
+              <a:buFont typeface="Arial" charset="0"/>
+              <a:buChar char="•"/>
+              <a:defRPr lang="pt-BR" sz="2000" kern="1200" dirty="0">
+                <a:solidFill>
+                  <a:schemeClr val="tx1"/>
+                </a:solidFill>
+                <a:latin typeface="+mn-lt"/>
+                <a:ea typeface="+mn-ea"/>
+                <a:cs typeface="+mn-cs"/>
+              </a:defRPr>
+            </a:lvl4pPr>
+            <a:lvl5pPr marL="2057400" indent="-228600" algn="l" rtl="0" eaLnBrk="0" fontAlgn="base" hangingPunct="0">
+              <a:spcBef>
+                <a:spcPct val="20000"/>
+              </a:spcBef>
+              <a:spcAft>
+                <a:spcPct val="0"/>
+              </a:spcAft>
+              <a:buFont typeface="Arial" charset="0"/>
+              <a:buChar char="•"/>
+              <a:defRPr lang="pt-BR" sz="2000" kern="1200" dirty="0">
+                <a:solidFill>
+                  <a:schemeClr val="tx1"/>
+                </a:solidFill>
+                <a:latin typeface="+mn-lt"/>
+                <a:ea typeface="+mn-ea"/>
+                <a:cs typeface="+mn-cs"/>
+              </a:defRPr>
+            </a:lvl5pPr>
+            <a:lvl6pPr marL="2514600" indent="-228600" algn="l" defTabSz="914400" rtl="0" eaLnBrk="1" latinLnBrk="0" hangingPunct="1">
+              <a:spcBef>
+                <a:spcPct val="20000"/>
+              </a:spcBef>
+              <a:buFont typeface="Arial" pitchFamily="34" charset="0"/>
+              <a:buChar char="•"/>
+              <a:defRPr sz="2000" kern="1200">
+                <a:solidFill>
+                  <a:schemeClr val="tx1"/>
+                </a:solidFill>
+                <a:latin typeface="+mn-lt"/>
+                <a:ea typeface="+mn-ea"/>
+                <a:cs typeface="+mn-cs"/>
+              </a:defRPr>
+            </a:lvl6pPr>
+            <a:lvl7pPr marL="2971800" indent="-228600" algn="l" defTabSz="914400" rtl="0" eaLnBrk="1" latinLnBrk="0" hangingPunct="1">
+              <a:spcBef>
+                <a:spcPct val="20000"/>
+              </a:spcBef>
+              <a:buFont typeface="Arial" pitchFamily="34" charset="0"/>
+              <a:buChar char="•"/>
+              <a:defRPr sz="2000" kern="1200">
+                <a:solidFill>
+                  <a:schemeClr val="tx1"/>
+                </a:solidFill>
+                <a:latin typeface="+mn-lt"/>
+                <a:ea typeface="+mn-ea"/>
+                <a:cs typeface="+mn-cs"/>
+              </a:defRPr>
+            </a:lvl7pPr>
+            <a:lvl8pPr marL="3429000" indent="-228600" algn="l" defTabSz="914400" rtl="0" eaLnBrk="1" latinLnBrk="0" hangingPunct="1">
+              <a:spcBef>
+                <a:spcPct val="20000"/>
+              </a:spcBef>
+              <a:buFont typeface="Arial" pitchFamily="34" charset="0"/>
+              <a:buChar char="•"/>
+              <a:defRPr sz="2000" kern="1200">
+                <a:solidFill>
+                  <a:schemeClr val="tx1"/>
+                </a:solidFill>
+                <a:latin typeface="+mn-lt"/>
+                <a:ea typeface="+mn-ea"/>
+                <a:cs typeface="+mn-cs"/>
+              </a:defRPr>
+            </a:lvl8pPr>
+            <a:lvl9pPr marL="3886200" indent="-228600" algn="l" defTabSz="914400" rtl="0" eaLnBrk="1" latinLnBrk="0" hangingPunct="1">
+              <a:spcBef>
+                <a:spcPct val="20000"/>
+              </a:spcBef>
+              <a:buFont typeface="Arial" pitchFamily="34" charset="0"/>
+              <a:buChar char="•"/>
+              <a:defRPr sz="2000" kern="1200">
+                <a:solidFill>
+                  <a:schemeClr val="tx1"/>
+                </a:solidFill>
+                <a:latin typeface="+mn-lt"/>
+                <a:ea typeface="+mn-ea"/>
+                <a:cs typeface="+mn-cs"/>
+              </a:defRPr>
+            </a:lvl9pPr>
+          </a:lstStyle>
+          <a:p>
+            <a:pPr marL="0" indent="0">
+              <a:lnSpc>
+                <a:spcPct val="150000"/>
+              </a:lnSpc>
+              <a:buFont typeface="Arial" charset="0"/>
+              <a:buNone/>
+            </a:pPr>
+            <a:r>
+              <a:rPr lang="pt-BR" sz="2400" b="1" dirty="0" smtClean="0">
+                <a:solidFill>
+                  <a:schemeClr val="accent6">
+                    <a:lumMod val="75000"/>
+                  </a:schemeClr>
+                </a:solidFill>
+                <a:latin typeface="Corbel" panose="020B0503020204020204" pitchFamily="34" charset="0"/>
+              </a:rPr>
+              <a:t>Atividade</a:t>
+            </a:r>
+          </a:p>
+          <a:p>
+            <a:pPr>
+              <a:lnSpc>
+                <a:spcPct val="150000"/>
+              </a:lnSpc>
+            </a:pPr>
+            <a:endParaRPr lang="pt-BR" sz="2400" b="1" dirty="0">
+              <a:solidFill>
+                <a:schemeClr val="accent6">
+                  <a:lumMod val="75000"/>
+                </a:schemeClr>
+              </a:solidFill>
+              <a:latin typeface="Corbel" panose="020B0503020204020204" pitchFamily="34" charset="0"/>
+            </a:endParaRPr>
+          </a:p>
+        </p:txBody>
+      </p:sp>
+      <p:sp>
+        <p:nvSpPr>
+          <p:cNvPr id="2" name="CaixaDeTexto 1"/>
+          <p:cNvSpPr txBox="1"/>
+          <p:nvPr/>
+        </p:nvSpPr>
+        <p:spPr>
+          <a:xfrm>
+            <a:off x="8875059" y="344245"/>
+            <a:ext cx="1065007" cy="376517"/>
+          </a:xfrm>
+          <a:prstGeom prst="rect">
+            <a:avLst/>
+          </a:prstGeom>
+          <a:noFill/>
+        </p:spPr>
+        <p:txBody>
+          <a:bodyPr wrap="square" rtlCol="0">
+            <a:spAutoFit/>
+          </a:bodyPr>
+          <a:lstStyle/>
+          <a:p>
+            <a:r>
+              <a:rPr lang="pt-BR" dirty="0" smtClean="0"/>
+              <a:t>20 Min</a:t>
+            </a:r>
+            <a:endParaRPr lang="pt-BR" dirty="0"/>
+          </a:p>
+        </p:txBody>
+      </p:sp>
+    </p:spTree>
+    <p:extLst>
+      <p:ext uri="{BB962C8B-B14F-4D97-AF65-F5344CB8AC3E}">
+        <p14:creationId xmlns:p14="http://schemas.microsoft.com/office/powerpoint/2010/main" val="2092589094"/>
+      </p:ext>
+    </p:extLst>
+  </p:cSld>
+  <p:clrMapOvr>
+    <a:masterClrMapping/>
+  </p:clrMapOvr>
+  <p:timing>
+    <p:tnLst>
+      <p:par>
+        <p:cTn id="1" dur="indefinite" restart="never" nodeType="tmRoot"/>
+      </p:par>
+    </p:tnLst>
+  </p:timing>
+</p:sld>
+</file>
+
+<file path=ppt/slides/slide36.xml><?xml version="1.0" encoding="utf-8"?>
+<p:sld xmlns:a="http://schemas.openxmlformats.org/drawingml/2006/main" xmlns:r="http://schemas.openxmlformats.org/officeDocument/2006/relationships" xmlns:p="http://schemas.openxmlformats.org/presentationml/2006/main">
+  <p:cSld>
+    <p:spTree>
+      <p:nvGrpSpPr>
+        <p:cNvPr id="1" name=""/>
+        <p:cNvGrpSpPr/>
+        <p:nvPr/>
+      </p:nvGrpSpPr>
+      <p:grpSpPr>
+        <a:xfrm>
+          <a:off x="0" y="0"/>
+          <a:ext cx="0" cy="0"/>
+          <a:chOff x="0" y="0"/>
+          <a:chExt cx="0" cy="0"/>
+        </a:xfrm>
+      </p:grpSpPr>
+      <p:sp>
+        <p:nvSpPr>
+          <p:cNvPr id="3" name="Subtítulo 1"/>
+          <p:cNvSpPr>
+            <a:spLocks noGrp="1"/>
+          </p:cNvSpPr>
+          <p:nvPr>
+            <p:ph type="subTitle" idx="4294967295"/>
+          </p:nvPr>
+        </p:nvSpPr>
+        <p:spPr>
+          <a:xfrm>
+            <a:off x="720762" y="724554"/>
+            <a:ext cx="9966325" cy="5495925"/>
+          </a:xfrm>
+        </p:spPr>
+        <p:txBody>
+          <a:bodyPr>
+            <a:noAutofit/>
+          </a:bodyPr>
+          <a:lstStyle/>
+          <a:p>
+            <a:pPr>
+              <a:lnSpc>
+                <a:spcPct val="150000"/>
+              </a:lnSpc>
+            </a:pPr>
+            <a:endParaRPr lang="pt-BR" sz="2000" dirty="0"/>
+          </a:p>
+          <a:p>
+            <a:pPr marL="0" indent="0">
+              <a:lnSpc>
+                <a:spcPct val="150000"/>
+              </a:lnSpc>
+              <a:buNone/>
+            </a:pPr>
+            <a:r>
+              <a:rPr lang="pt-BR" sz="2000" dirty="0" smtClean="0"/>
+              <a:t>Similar ao uso do “post-it” &gt; permite criar pequenos textos e visualizações do tipo “pop-up”.</a:t>
+            </a:r>
+          </a:p>
+          <a:p>
+            <a:pPr marL="0" indent="0">
+              <a:lnSpc>
+                <a:spcPct val="150000"/>
+              </a:lnSpc>
+              <a:buNone/>
+            </a:pPr>
+            <a:r>
+              <a:rPr lang="pt-BR" sz="2000" dirty="0" smtClean="0"/>
+              <a:t>útil para criação de manuais e anotações.</a:t>
+            </a:r>
+          </a:p>
+          <a:p>
+            <a:pPr>
+              <a:lnSpc>
+                <a:spcPct val="150000"/>
+              </a:lnSpc>
+            </a:pPr>
+            <a:r>
+              <a:rPr lang="pt-BR" sz="2000" dirty="0" smtClean="0"/>
+              <a:t>Para Adicionar um comentário:: Acesso pela Guia Revisão, Comentários, Novo Comentário ou Botão Direito &gt; Inserir Comentário.</a:t>
+            </a:r>
+          </a:p>
+          <a:p>
+            <a:pPr>
+              <a:lnSpc>
+                <a:spcPct val="150000"/>
+              </a:lnSpc>
+            </a:pPr>
+            <a:r>
+              <a:rPr lang="pt-BR" sz="2000" dirty="0" smtClean="0"/>
+              <a:t>Para Editar:: Coloque o Cursor na célula de comentário &gt; Botão Direito do Mouse&gt;Editar Comentário.</a:t>
+            </a:r>
+          </a:p>
+          <a:p>
+            <a:pPr>
+              <a:lnSpc>
+                <a:spcPct val="150000"/>
+              </a:lnSpc>
+            </a:pPr>
+            <a:r>
+              <a:rPr lang="pt-BR" sz="2000" dirty="0" smtClean="0"/>
+              <a:t>Para Deletar:: acesse comando de Edição, Selecione o Balão e pressione Delete</a:t>
+            </a:r>
+            <a:endParaRPr lang="pt-BR" sz="2000" dirty="0"/>
+          </a:p>
+        </p:txBody>
+      </p:sp>
+      <p:sp>
+        <p:nvSpPr>
+          <p:cNvPr id="4" name="Subtítulo 2"/>
+          <p:cNvSpPr txBox="1">
+            <a:spLocks/>
+          </p:cNvSpPr>
+          <p:nvPr/>
+        </p:nvSpPr>
+        <p:spPr>
+          <a:xfrm>
+            <a:off x="210670" y="153054"/>
+            <a:ext cx="10058400" cy="1143000"/>
+          </a:xfrm>
+        </p:spPr>
+        <p:txBody>
+          <a:bodyPr>
+            <a:noAutofit/>
+          </a:bodyPr>
+          <a:lstStyle>
+            <a:lvl1pPr marL="342900" indent="-342900" algn="l" rtl="0" eaLnBrk="0" fontAlgn="base" hangingPunct="0">
+              <a:spcBef>
+                <a:spcPct val="20000"/>
+              </a:spcBef>
+              <a:spcAft>
+                <a:spcPct val="0"/>
+              </a:spcAft>
+              <a:buFont typeface="Arial" charset="0"/>
+              <a:buChar char="•"/>
+              <a:defRPr lang="pt-BR" sz="2800" kern="1200" dirty="0">
+                <a:solidFill>
+                  <a:schemeClr val="tx1"/>
+                </a:solidFill>
+                <a:latin typeface="+mn-lt"/>
+                <a:ea typeface="+mn-ea"/>
+                <a:cs typeface="+mn-cs"/>
+              </a:defRPr>
+            </a:lvl1pPr>
+            <a:lvl2pPr marL="742950" indent="-285750" algn="l" rtl="0" eaLnBrk="0" fontAlgn="base" hangingPunct="0">
+              <a:spcBef>
+                <a:spcPct val="20000"/>
+              </a:spcBef>
+              <a:spcAft>
+                <a:spcPct val="0"/>
+              </a:spcAft>
+              <a:buFont typeface="Arial" charset="0"/>
+              <a:buChar char="•"/>
+              <a:defRPr lang="pt-BR" sz="2400" kern="1200" dirty="0">
+                <a:solidFill>
+                  <a:schemeClr val="tx1"/>
+                </a:solidFill>
+                <a:latin typeface="+mn-lt"/>
+                <a:ea typeface="+mn-ea"/>
+                <a:cs typeface="+mn-cs"/>
+              </a:defRPr>
+            </a:lvl2pPr>
+            <a:lvl3pPr marL="1143000" indent="-228600" algn="l" rtl="0" eaLnBrk="0" fontAlgn="base" hangingPunct="0">
+              <a:spcBef>
+                <a:spcPct val="20000"/>
+              </a:spcBef>
+              <a:spcAft>
+                <a:spcPct val="0"/>
+              </a:spcAft>
+              <a:buFont typeface="Arial" charset="0"/>
+              <a:buChar char="•"/>
+              <a:defRPr lang="pt-BR" sz="2400" kern="1200" dirty="0">
+                <a:solidFill>
+                  <a:schemeClr val="tx1"/>
+                </a:solidFill>
+                <a:latin typeface="+mn-lt"/>
+                <a:ea typeface="+mn-ea"/>
+                <a:cs typeface="+mn-cs"/>
+              </a:defRPr>
+            </a:lvl3pPr>
+            <a:lvl4pPr marL="1600200" indent="-228600" algn="l" rtl="0" eaLnBrk="0" fontAlgn="base" hangingPunct="0">
+              <a:spcBef>
+                <a:spcPct val="20000"/>
+              </a:spcBef>
+              <a:spcAft>
+                <a:spcPct val="0"/>
+              </a:spcAft>
+              <a:buFont typeface="Arial" charset="0"/>
+              <a:buChar char="•"/>
+              <a:defRPr lang="pt-BR" sz="2000" kern="1200" dirty="0">
+                <a:solidFill>
+                  <a:schemeClr val="tx1"/>
+                </a:solidFill>
+                <a:latin typeface="+mn-lt"/>
+                <a:ea typeface="+mn-ea"/>
+                <a:cs typeface="+mn-cs"/>
+              </a:defRPr>
+            </a:lvl4pPr>
+            <a:lvl5pPr marL="2057400" indent="-228600" algn="l" rtl="0" eaLnBrk="0" fontAlgn="base" hangingPunct="0">
+              <a:spcBef>
+                <a:spcPct val="20000"/>
+              </a:spcBef>
+              <a:spcAft>
+                <a:spcPct val="0"/>
+              </a:spcAft>
+              <a:buFont typeface="Arial" charset="0"/>
+              <a:buChar char="•"/>
+              <a:defRPr lang="pt-BR" sz="2000" kern="1200" dirty="0">
+                <a:solidFill>
+                  <a:schemeClr val="tx1"/>
+                </a:solidFill>
+                <a:latin typeface="+mn-lt"/>
+                <a:ea typeface="+mn-ea"/>
+                <a:cs typeface="+mn-cs"/>
+              </a:defRPr>
+            </a:lvl5pPr>
+            <a:lvl6pPr marL="2514600" indent="-228600" algn="l" defTabSz="914400" rtl="0" eaLnBrk="1" latinLnBrk="0" hangingPunct="1">
+              <a:spcBef>
+                <a:spcPct val="20000"/>
+              </a:spcBef>
+              <a:buFont typeface="Arial" pitchFamily="34" charset="0"/>
+              <a:buChar char="•"/>
+              <a:defRPr sz="2000" kern="1200">
+                <a:solidFill>
+                  <a:schemeClr val="tx1"/>
+                </a:solidFill>
+                <a:latin typeface="+mn-lt"/>
+                <a:ea typeface="+mn-ea"/>
+                <a:cs typeface="+mn-cs"/>
+              </a:defRPr>
+            </a:lvl6pPr>
+            <a:lvl7pPr marL="2971800" indent="-228600" algn="l" defTabSz="914400" rtl="0" eaLnBrk="1" latinLnBrk="0" hangingPunct="1">
+              <a:spcBef>
+                <a:spcPct val="20000"/>
+              </a:spcBef>
+              <a:buFont typeface="Arial" pitchFamily="34" charset="0"/>
+              <a:buChar char="•"/>
+              <a:defRPr sz="2000" kern="1200">
+                <a:solidFill>
+                  <a:schemeClr val="tx1"/>
+                </a:solidFill>
+                <a:latin typeface="+mn-lt"/>
+                <a:ea typeface="+mn-ea"/>
+                <a:cs typeface="+mn-cs"/>
+              </a:defRPr>
+            </a:lvl7pPr>
+            <a:lvl8pPr marL="3429000" indent="-228600" algn="l" defTabSz="914400" rtl="0" eaLnBrk="1" latinLnBrk="0" hangingPunct="1">
+              <a:spcBef>
+                <a:spcPct val="20000"/>
+              </a:spcBef>
+              <a:buFont typeface="Arial" pitchFamily="34" charset="0"/>
+              <a:buChar char="•"/>
+              <a:defRPr sz="2000" kern="1200">
+                <a:solidFill>
+                  <a:schemeClr val="tx1"/>
+                </a:solidFill>
+                <a:latin typeface="+mn-lt"/>
+                <a:ea typeface="+mn-ea"/>
+                <a:cs typeface="+mn-cs"/>
+              </a:defRPr>
+            </a:lvl8pPr>
+            <a:lvl9pPr marL="3886200" indent="-228600" algn="l" defTabSz="914400" rtl="0" eaLnBrk="1" latinLnBrk="0" hangingPunct="1">
+              <a:spcBef>
+                <a:spcPct val="20000"/>
+              </a:spcBef>
+              <a:buFont typeface="Arial" pitchFamily="34" charset="0"/>
+              <a:buChar char="•"/>
+              <a:defRPr sz="2000" kern="1200">
+                <a:solidFill>
+                  <a:schemeClr val="tx1"/>
+                </a:solidFill>
+                <a:latin typeface="+mn-lt"/>
+                <a:ea typeface="+mn-ea"/>
+                <a:cs typeface="+mn-cs"/>
+              </a:defRPr>
+            </a:lvl9pPr>
+          </a:lstStyle>
+          <a:p>
+            <a:pPr marL="0" indent="0">
+              <a:lnSpc>
+                <a:spcPct val="150000"/>
+              </a:lnSpc>
+              <a:buFont typeface="Arial" charset="0"/>
+              <a:buNone/>
+            </a:pPr>
+            <a:r>
+              <a:rPr lang="pt-BR" sz="2400" b="1" dirty="0" smtClean="0">
+                <a:solidFill>
+                  <a:schemeClr val="accent6">
+                    <a:lumMod val="75000"/>
+                  </a:schemeClr>
+                </a:solidFill>
+                <a:latin typeface="Corbel" panose="020B0503020204020204" pitchFamily="34" charset="0"/>
+              </a:rPr>
+              <a:t>Comentários no Excel</a:t>
+            </a:r>
+          </a:p>
+          <a:p>
+            <a:pPr>
+              <a:lnSpc>
+                <a:spcPct val="150000"/>
+              </a:lnSpc>
+            </a:pPr>
+            <a:endParaRPr lang="pt-BR" sz="2400" b="1" dirty="0">
+              <a:solidFill>
+                <a:schemeClr val="accent6">
+                  <a:lumMod val="75000"/>
+                </a:schemeClr>
+              </a:solidFill>
+              <a:latin typeface="Corbel" panose="020B0503020204020204" pitchFamily="34" charset="0"/>
+            </a:endParaRPr>
+          </a:p>
+        </p:txBody>
+      </p:sp>
+      <p:sp>
+        <p:nvSpPr>
+          <p:cNvPr id="5" name="Elipse 4"/>
+          <p:cNvSpPr/>
+          <p:nvPr/>
+        </p:nvSpPr>
+        <p:spPr>
+          <a:xfrm>
+            <a:off x="10682344" y="5884433"/>
+            <a:ext cx="602428" cy="516367"/>
+          </a:xfrm>
+          <a:prstGeom prst="ellipse">
+            <a:avLst/>
+          </a:prstGeom>
+        </p:spPr>
+        <p:style>
+          <a:lnRef idx="2">
+            <a:schemeClr val="accent1">
+              <a:shade val="50000"/>
+            </a:schemeClr>
+          </a:lnRef>
+          <a:fillRef idx="1">
+            <a:schemeClr val="accent1"/>
+          </a:fillRef>
+          <a:effectRef idx="0">
+            <a:schemeClr val="accent1"/>
+          </a:effectRef>
+          <a:fontRef idx="minor">
+            <a:schemeClr val="lt1"/>
+          </a:fontRef>
+        </p:style>
+        <p:txBody>
+          <a:bodyPr rtlCol="0" anchor="ctr"/>
+          <a:lstStyle/>
+          <a:p>
+            <a:pPr algn="ctr"/>
+            <a:endParaRPr lang="pt-BR"/>
+          </a:p>
+        </p:txBody>
+      </p:sp>
+    </p:spTree>
+    <p:extLst>
+      <p:ext uri="{BB962C8B-B14F-4D97-AF65-F5344CB8AC3E}">
+        <p14:creationId xmlns:p14="http://schemas.microsoft.com/office/powerpoint/2010/main" val="1036242823"/>
+      </p:ext>
+    </p:extLst>
+  </p:cSld>
+  <p:clrMapOvr>
+    <a:masterClrMapping/>
+  </p:clrMapOvr>
+  <p:timing>
+    <p:tnLst>
+      <p:par>
+        <p:cTn id="1" dur="indefinite" restart="never" nodeType="tmRoot"/>
+      </p:par>
+    </p:tnLst>
+  </p:timing>
+</p:sld>
+</file>
+
+<file path=ppt/slides/slide37.xml><?xml version="1.0" encoding="utf-8"?>
+<p:sld xmlns:a="http://schemas.openxmlformats.org/drawingml/2006/main" xmlns:r="http://schemas.openxmlformats.org/officeDocument/2006/relationships" xmlns:p="http://schemas.openxmlformats.org/presentationml/2006/main">
+  <p:cSld>
+    <p:spTree>
+      <p:nvGrpSpPr>
+        <p:cNvPr id="1" name=""/>
+        <p:cNvGrpSpPr/>
+        <p:nvPr/>
+      </p:nvGrpSpPr>
+      <p:grpSpPr>
+        <a:xfrm>
+          <a:off x="0" y="0"/>
+          <a:ext cx="0" cy="0"/>
+          <a:chOff x="0" y="0"/>
+          <a:chExt cx="0" cy="0"/>
+        </a:xfrm>
+      </p:grpSpPr>
+      <p:sp>
+        <p:nvSpPr>
+          <p:cNvPr id="3" name="Subtítulo 1"/>
+          <p:cNvSpPr>
+            <a:spLocks noGrp="1"/>
+          </p:cNvSpPr>
+          <p:nvPr>
+            <p:ph type="subTitle" idx="4294967295"/>
+          </p:nvPr>
+        </p:nvSpPr>
+        <p:spPr>
+          <a:xfrm>
+            <a:off x="0" y="819132"/>
+            <a:ext cx="9966325" cy="5495925"/>
+          </a:xfrm>
+        </p:spPr>
+        <p:txBody>
+          <a:bodyPr>
+            <a:noAutofit/>
+          </a:bodyPr>
+          <a:lstStyle/>
+          <a:p>
+            <a:r>
+              <a:rPr lang="pt-BR" sz="2000" dirty="0" smtClean="0"/>
+              <a:t>Seu chefe foi substituído por alguém que não é do ramo logístico e pediu-lhe um relatório para entender melhor sobre as características do setor. Como forma de ajuda-lo a situar-se  você precisa inserir referências visuais no seu trabalhando demonstrando a aparência de cada Tipo de Veículo.</a:t>
+            </a:r>
+            <a:endParaRPr lang="pt-BR" sz="2000" dirty="0"/>
+          </a:p>
+        </p:txBody>
+      </p:sp>
+      <p:pic>
+        <p:nvPicPr>
+          <p:cNvPr id="1026" name="Picture 2" descr="AnuÃ¡rio transporte"/>
+          <p:cNvPicPr>
+            <a:picLocks noChangeAspect="1" noChangeArrowheads="1"/>
+          </p:cNvPicPr>
+          <p:nvPr/>
+        </p:nvPicPr>
+        <p:blipFill>
+          <a:blip r:embed="rId2">
+            <a:extLst>
+              <a:ext uri="{28A0092B-C50C-407E-A947-70E740481C1C}">
+                <a14:useLocalDpi xmlns:a14="http://schemas.microsoft.com/office/drawing/2010/main" val="0"/>
+              </a:ext>
+            </a:extLst>
+          </a:blip>
+          <a:srcRect/>
+          <a:stretch>
+            <a:fillRect/>
+          </a:stretch>
+        </p:blipFill>
+        <p:spPr bwMode="auto">
+          <a:xfrm>
+            <a:off x="497542" y="2264200"/>
+            <a:ext cx="6021592" cy="3737877"/>
+          </a:xfrm>
+          <a:prstGeom prst="rect">
+            <a:avLst/>
+          </a:prstGeom>
+          <a:noFill/>
+          <a:extLst>
+            <a:ext uri="{909E8E84-426E-40DD-AFC4-6F175D3DCCD1}">
+              <a14:hiddenFill xmlns:a14="http://schemas.microsoft.com/office/drawing/2010/main">
+                <a:solidFill>
+                  <a:srgbClr val="FFFFFF"/>
+                </a:solidFill>
+              </a14:hiddenFill>
+            </a:ext>
+          </a:extLst>
+        </p:spPr>
+      </p:pic>
+      <p:sp>
+        <p:nvSpPr>
+          <p:cNvPr id="4" name="Subtítulo 2"/>
+          <p:cNvSpPr txBox="1">
+            <a:spLocks/>
+          </p:cNvSpPr>
+          <p:nvPr/>
+        </p:nvSpPr>
+        <p:spPr>
+          <a:xfrm>
+            <a:off x="210670" y="153054"/>
+            <a:ext cx="10058400" cy="1143000"/>
+          </a:xfrm>
+        </p:spPr>
+        <p:txBody>
+          <a:bodyPr>
+            <a:noAutofit/>
+          </a:bodyPr>
+          <a:lstStyle>
+            <a:lvl1pPr marL="342900" indent="-342900" algn="l" rtl="0" eaLnBrk="0" fontAlgn="base" hangingPunct="0">
+              <a:spcBef>
+                <a:spcPct val="20000"/>
+              </a:spcBef>
+              <a:spcAft>
+                <a:spcPct val="0"/>
+              </a:spcAft>
+              <a:buFont typeface="Arial" charset="0"/>
+              <a:buChar char="•"/>
+              <a:defRPr lang="pt-BR" sz="2800" kern="1200" dirty="0">
+                <a:solidFill>
+                  <a:schemeClr val="tx1"/>
+                </a:solidFill>
+                <a:latin typeface="+mn-lt"/>
+                <a:ea typeface="+mn-ea"/>
+                <a:cs typeface="+mn-cs"/>
+              </a:defRPr>
+            </a:lvl1pPr>
+            <a:lvl2pPr marL="742950" indent="-285750" algn="l" rtl="0" eaLnBrk="0" fontAlgn="base" hangingPunct="0">
+              <a:spcBef>
+                <a:spcPct val="20000"/>
+              </a:spcBef>
+              <a:spcAft>
+                <a:spcPct val="0"/>
+              </a:spcAft>
+              <a:buFont typeface="Arial" charset="0"/>
+              <a:buChar char="•"/>
+              <a:defRPr lang="pt-BR" sz="2400" kern="1200" dirty="0">
+                <a:solidFill>
+                  <a:schemeClr val="tx1"/>
+                </a:solidFill>
+                <a:latin typeface="+mn-lt"/>
+                <a:ea typeface="+mn-ea"/>
+                <a:cs typeface="+mn-cs"/>
+              </a:defRPr>
+            </a:lvl2pPr>
+            <a:lvl3pPr marL="1143000" indent="-228600" algn="l" rtl="0" eaLnBrk="0" fontAlgn="base" hangingPunct="0">
+              <a:spcBef>
+                <a:spcPct val="20000"/>
+              </a:spcBef>
+              <a:spcAft>
+                <a:spcPct val="0"/>
+              </a:spcAft>
+              <a:buFont typeface="Arial" charset="0"/>
+              <a:buChar char="•"/>
+              <a:defRPr lang="pt-BR" sz="2400" kern="1200" dirty="0">
+                <a:solidFill>
+                  <a:schemeClr val="tx1"/>
+                </a:solidFill>
+                <a:latin typeface="+mn-lt"/>
+                <a:ea typeface="+mn-ea"/>
+                <a:cs typeface="+mn-cs"/>
+              </a:defRPr>
+            </a:lvl3pPr>
+            <a:lvl4pPr marL="1600200" indent="-228600" algn="l" rtl="0" eaLnBrk="0" fontAlgn="base" hangingPunct="0">
+              <a:spcBef>
+                <a:spcPct val="20000"/>
+              </a:spcBef>
+              <a:spcAft>
+                <a:spcPct val="0"/>
+              </a:spcAft>
+              <a:buFont typeface="Arial" charset="0"/>
+              <a:buChar char="•"/>
+              <a:defRPr lang="pt-BR" sz="2000" kern="1200" dirty="0">
+                <a:solidFill>
+                  <a:schemeClr val="tx1"/>
+                </a:solidFill>
+                <a:latin typeface="+mn-lt"/>
+                <a:ea typeface="+mn-ea"/>
+                <a:cs typeface="+mn-cs"/>
+              </a:defRPr>
+            </a:lvl4pPr>
+            <a:lvl5pPr marL="2057400" indent="-228600" algn="l" rtl="0" eaLnBrk="0" fontAlgn="base" hangingPunct="0">
+              <a:spcBef>
+                <a:spcPct val="20000"/>
+              </a:spcBef>
+              <a:spcAft>
+                <a:spcPct val="0"/>
+              </a:spcAft>
+              <a:buFont typeface="Arial" charset="0"/>
+              <a:buChar char="•"/>
+              <a:defRPr lang="pt-BR" sz="2000" kern="1200" dirty="0">
+                <a:solidFill>
+                  <a:schemeClr val="tx1"/>
+                </a:solidFill>
+                <a:latin typeface="+mn-lt"/>
+                <a:ea typeface="+mn-ea"/>
+                <a:cs typeface="+mn-cs"/>
+              </a:defRPr>
+            </a:lvl5pPr>
+            <a:lvl6pPr marL="2514600" indent="-228600" algn="l" defTabSz="914400" rtl="0" eaLnBrk="1" latinLnBrk="0" hangingPunct="1">
+              <a:spcBef>
+                <a:spcPct val="20000"/>
+              </a:spcBef>
+              <a:buFont typeface="Arial" pitchFamily="34" charset="0"/>
+              <a:buChar char="•"/>
+              <a:defRPr sz="2000" kern="1200">
+                <a:solidFill>
+                  <a:schemeClr val="tx1"/>
+                </a:solidFill>
+                <a:latin typeface="+mn-lt"/>
+                <a:ea typeface="+mn-ea"/>
+                <a:cs typeface="+mn-cs"/>
+              </a:defRPr>
+            </a:lvl6pPr>
+            <a:lvl7pPr marL="2971800" indent="-228600" algn="l" defTabSz="914400" rtl="0" eaLnBrk="1" latinLnBrk="0" hangingPunct="1">
+              <a:spcBef>
+                <a:spcPct val="20000"/>
+              </a:spcBef>
+              <a:buFont typeface="Arial" pitchFamily="34" charset="0"/>
+              <a:buChar char="•"/>
+              <a:defRPr sz="2000" kern="1200">
+                <a:solidFill>
+                  <a:schemeClr val="tx1"/>
+                </a:solidFill>
+                <a:latin typeface="+mn-lt"/>
+                <a:ea typeface="+mn-ea"/>
+                <a:cs typeface="+mn-cs"/>
+              </a:defRPr>
+            </a:lvl7pPr>
+            <a:lvl8pPr marL="3429000" indent="-228600" algn="l" defTabSz="914400" rtl="0" eaLnBrk="1" latinLnBrk="0" hangingPunct="1">
+              <a:spcBef>
+                <a:spcPct val="20000"/>
+              </a:spcBef>
+              <a:buFont typeface="Arial" pitchFamily="34" charset="0"/>
+              <a:buChar char="•"/>
+              <a:defRPr sz="2000" kern="1200">
+                <a:solidFill>
+                  <a:schemeClr val="tx1"/>
+                </a:solidFill>
+                <a:latin typeface="+mn-lt"/>
+                <a:ea typeface="+mn-ea"/>
+                <a:cs typeface="+mn-cs"/>
+              </a:defRPr>
+            </a:lvl8pPr>
+            <a:lvl9pPr marL="3886200" indent="-228600" algn="l" defTabSz="914400" rtl="0" eaLnBrk="1" latinLnBrk="0" hangingPunct="1">
+              <a:spcBef>
+                <a:spcPct val="20000"/>
+              </a:spcBef>
+              <a:buFont typeface="Arial" pitchFamily="34" charset="0"/>
+              <a:buChar char="•"/>
+              <a:defRPr sz="2000" kern="1200">
+                <a:solidFill>
+                  <a:schemeClr val="tx1"/>
+                </a:solidFill>
+                <a:latin typeface="+mn-lt"/>
+                <a:ea typeface="+mn-ea"/>
+                <a:cs typeface="+mn-cs"/>
+              </a:defRPr>
+            </a:lvl9pPr>
+          </a:lstStyle>
+          <a:p>
+            <a:pPr marL="0" indent="0">
+              <a:lnSpc>
+                <a:spcPct val="150000"/>
+              </a:lnSpc>
+              <a:buFont typeface="Arial" charset="0"/>
+              <a:buNone/>
+            </a:pPr>
+            <a:r>
+              <a:rPr lang="pt-BR" sz="2400" b="1" dirty="0" smtClean="0">
+                <a:solidFill>
+                  <a:schemeClr val="accent6">
+                    <a:lumMod val="75000"/>
+                  </a:schemeClr>
+                </a:solidFill>
+                <a:latin typeface="Corbel" panose="020B0503020204020204" pitchFamily="34" charset="0"/>
+              </a:rPr>
+              <a:t>Atividade</a:t>
+            </a:r>
+          </a:p>
+          <a:p>
+            <a:pPr>
+              <a:lnSpc>
+                <a:spcPct val="150000"/>
+              </a:lnSpc>
+            </a:pPr>
+            <a:endParaRPr lang="pt-BR" sz="2400" b="1" dirty="0">
+              <a:solidFill>
+                <a:schemeClr val="accent6">
+                  <a:lumMod val="75000"/>
+                </a:schemeClr>
+              </a:solidFill>
+              <a:latin typeface="Corbel" panose="020B0503020204020204" pitchFamily="34" charset="0"/>
+            </a:endParaRPr>
+          </a:p>
+        </p:txBody>
+      </p:sp>
+      <p:sp>
+        <p:nvSpPr>
+          <p:cNvPr id="5" name="CaixaDeTexto 4"/>
+          <p:cNvSpPr txBox="1"/>
+          <p:nvPr/>
+        </p:nvSpPr>
+        <p:spPr>
+          <a:xfrm>
+            <a:off x="8875059" y="344245"/>
+            <a:ext cx="1065007" cy="376517"/>
+          </a:xfrm>
+          <a:prstGeom prst="rect">
+            <a:avLst/>
+          </a:prstGeom>
+          <a:noFill/>
+        </p:spPr>
+        <p:txBody>
+          <a:bodyPr wrap="square" rtlCol="0">
+            <a:spAutoFit/>
+          </a:bodyPr>
+          <a:lstStyle/>
+          <a:p>
+            <a:r>
+              <a:rPr lang="pt-BR" dirty="0"/>
+              <a:t>3</a:t>
+            </a:r>
+            <a:r>
+              <a:rPr lang="pt-BR" dirty="0" smtClean="0"/>
+              <a:t>0 Min</a:t>
+            </a:r>
+            <a:endParaRPr lang="pt-BR" dirty="0"/>
+          </a:p>
+        </p:txBody>
+      </p:sp>
+    </p:spTree>
+    <p:extLst>
+      <p:ext uri="{BB962C8B-B14F-4D97-AF65-F5344CB8AC3E}">
+        <p14:creationId xmlns:p14="http://schemas.microsoft.com/office/powerpoint/2010/main" val="637172090"/>
+      </p:ext>
+    </p:extLst>
+  </p:cSld>
+  <p:clrMapOvr>
+    <a:masterClrMapping/>
+  </p:clrMapOvr>
+  <p:timing>
+    <p:tnLst>
+      <p:par>
+        <p:cTn id="1" dur="indefinite" restart="never" nodeType="tmRoot"/>
+      </p:par>
+    </p:tnLst>
+  </p:timing>
+</p:sld>
+</file>
+
 <file path=ppt/slides/slide38.xml><?xml version="1.0" encoding="utf-8"?>
 <p:sld xmlns:a="http://schemas.openxmlformats.org/drawingml/2006/main" xmlns:r="http://schemas.openxmlformats.org/officeDocument/2006/relationships" xmlns:p="http://schemas.openxmlformats.org/presentationml/2006/main">
   <p:cSld>
@@ -24529,11 +24463,7 @@
             <a:pPr algn="just"/>
             <a:r>
               <a:rPr lang="pt-BR" sz="1800" dirty="0" smtClean="0"/>
-              <a:t>Com o resultado do exercício anterior, demonstre em uma única tabela por conta e filial como está a </a:t>
-            </a:r>
-            <a:r>
-              <a:rPr lang="pt-BR" sz="1800" dirty="0" smtClean="0"/>
-              <a:t>Despesa consolidada e a distribuição percentual por Filia. Depois, do Grupo TOTAL, como esta a distribuição por Conta?</a:t>
+              <a:t>Com o resultado do exercício anterior, demonstre em uma única tabela por conta e filial como está a Despesa consolidada e a distribuição percentual por Filia. Depois, do Grupo TOTAL, como esta a distribuição por Conta?</a:t>
             </a:r>
             <a:endParaRPr lang="pt-BR" sz="1800" dirty="0"/>
           </a:p>
@@ -24775,13 +24705,8 @@
           <a:p>
             <a:r>
               <a:rPr lang="pt-BR" sz="1800" dirty="0" smtClean="0"/>
-              <a:t>Apresente como seria a grade de rateio por </a:t>
-            </a:r>
-            <a:r>
-              <a:rPr lang="pt-BR" sz="1800" dirty="0" smtClean="0"/>
-              <a:t>Conta de Cada Filial. </a:t>
-            </a:r>
-            <a:endParaRPr lang="pt-BR" sz="1800" dirty="0" smtClean="0"/>
+              <a:t>Apresente como seria a grade de rateio por Conta de Cada Filial. </a:t>
+            </a:r>
           </a:p>
           <a:p>
             <a:endParaRPr lang="pt-BR" sz="1800" dirty="0"/>
@@ -25115,13 +25040,8 @@
             <a:pPr algn="just"/>
             <a:r>
               <a:rPr lang="pt-BR" sz="1800" dirty="0" smtClean="0"/>
-              <a:t>3) Após distribuir as despesas por conta, ele fará a divisão por filial e matriz usando </a:t>
-            </a:r>
-            <a:r>
-              <a:rPr lang="pt-BR" sz="1800" dirty="0" smtClean="0"/>
-              <a:t>proporção ente as filiais por conta.</a:t>
-            </a:r>
-            <a:endParaRPr lang="pt-BR" sz="1800" dirty="0" smtClean="0"/>
+              <a:t>3) Após distribuir as despesas por conta, ele fará a divisão por filial e matriz usando proporção ente as filiais por conta.</a:t>
+            </a:r>
           </a:p>
           <a:p>
             <a:pPr algn="just"/>
@@ -25619,6 +25539,485 @@
 </file>
 
 <file path=ppt/slides/slide45.xml><?xml version="1.0" encoding="utf-8"?>
+<p:sld xmlns:a="http://schemas.openxmlformats.org/drawingml/2006/main" xmlns:r="http://schemas.openxmlformats.org/officeDocument/2006/relationships" xmlns:p="http://schemas.openxmlformats.org/presentationml/2006/main">
+  <p:cSld>
+    <p:spTree>
+      <p:nvGrpSpPr>
+        <p:cNvPr id="1" name=""/>
+        <p:cNvGrpSpPr/>
+        <p:nvPr/>
+      </p:nvGrpSpPr>
+      <p:grpSpPr>
+        <a:xfrm>
+          <a:off x="0" y="0"/>
+          <a:ext cx="0" cy="0"/>
+          <a:chOff x="0" y="0"/>
+          <a:chExt cx="0" cy="0"/>
+        </a:xfrm>
+      </p:grpSpPr>
+      <p:sp>
+        <p:nvSpPr>
+          <p:cNvPr id="6" name="Subtítulo 2"/>
+          <p:cNvSpPr txBox="1">
+            <a:spLocks/>
+          </p:cNvSpPr>
+          <p:nvPr/>
+        </p:nvSpPr>
+        <p:spPr>
+          <a:xfrm>
+            <a:off x="210670" y="153054"/>
+            <a:ext cx="10058400" cy="718315"/>
+          </a:xfrm>
+        </p:spPr>
+        <p:txBody>
+          <a:bodyPr>
+            <a:noAutofit/>
+          </a:bodyPr>
+          <a:lstStyle>
+            <a:lvl1pPr marL="342900" indent="-342900" algn="l" rtl="0" eaLnBrk="0" fontAlgn="base" hangingPunct="0">
+              <a:spcBef>
+                <a:spcPct val="20000"/>
+              </a:spcBef>
+              <a:spcAft>
+                <a:spcPct val="0"/>
+              </a:spcAft>
+              <a:buFont typeface="Arial" charset="0"/>
+              <a:buChar char="•"/>
+              <a:defRPr lang="pt-BR" sz="2800" kern="1200" dirty="0">
+                <a:solidFill>
+                  <a:schemeClr val="tx1"/>
+                </a:solidFill>
+                <a:latin typeface="+mn-lt"/>
+                <a:ea typeface="+mn-ea"/>
+                <a:cs typeface="+mn-cs"/>
+              </a:defRPr>
+            </a:lvl1pPr>
+            <a:lvl2pPr marL="742950" indent="-285750" algn="l" rtl="0" eaLnBrk="0" fontAlgn="base" hangingPunct="0">
+              <a:spcBef>
+                <a:spcPct val="20000"/>
+              </a:spcBef>
+              <a:spcAft>
+                <a:spcPct val="0"/>
+              </a:spcAft>
+              <a:buFont typeface="Arial" charset="0"/>
+              <a:buChar char="•"/>
+              <a:defRPr lang="pt-BR" sz="2400" kern="1200" dirty="0">
+                <a:solidFill>
+                  <a:schemeClr val="tx1"/>
+                </a:solidFill>
+                <a:latin typeface="+mn-lt"/>
+                <a:ea typeface="+mn-ea"/>
+                <a:cs typeface="+mn-cs"/>
+              </a:defRPr>
+            </a:lvl2pPr>
+            <a:lvl3pPr marL="1143000" indent="-228600" algn="l" rtl="0" eaLnBrk="0" fontAlgn="base" hangingPunct="0">
+              <a:spcBef>
+                <a:spcPct val="20000"/>
+              </a:spcBef>
+              <a:spcAft>
+                <a:spcPct val="0"/>
+              </a:spcAft>
+              <a:buFont typeface="Arial" charset="0"/>
+              <a:buChar char="•"/>
+              <a:defRPr lang="pt-BR" sz="2400" kern="1200" dirty="0">
+                <a:solidFill>
+                  <a:schemeClr val="tx1"/>
+                </a:solidFill>
+                <a:latin typeface="+mn-lt"/>
+                <a:ea typeface="+mn-ea"/>
+                <a:cs typeface="+mn-cs"/>
+              </a:defRPr>
+            </a:lvl3pPr>
+            <a:lvl4pPr marL="1600200" indent="-228600" algn="l" rtl="0" eaLnBrk="0" fontAlgn="base" hangingPunct="0">
+              <a:spcBef>
+                <a:spcPct val="20000"/>
+              </a:spcBef>
+              <a:spcAft>
+                <a:spcPct val="0"/>
+              </a:spcAft>
+              <a:buFont typeface="Arial" charset="0"/>
+              <a:buChar char="•"/>
+              <a:defRPr lang="pt-BR" sz="2000" kern="1200" dirty="0">
+                <a:solidFill>
+                  <a:schemeClr val="tx1"/>
+                </a:solidFill>
+                <a:latin typeface="+mn-lt"/>
+                <a:ea typeface="+mn-ea"/>
+                <a:cs typeface="+mn-cs"/>
+              </a:defRPr>
+            </a:lvl4pPr>
+            <a:lvl5pPr marL="2057400" indent="-228600" algn="l" rtl="0" eaLnBrk="0" fontAlgn="base" hangingPunct="0">
+              <a:spcBef>
+                <a:spcPct val="20000"/>
+              </a:spcBef>
+              <a:spcAft>
+                <a:spcPct val="0"/>
+              </a:spcAft>
+              <a:buFont typeface="Arial" charset="0"/>
+              <a:buChar char="•"/>
+              <a:defRPr lang="pt-BR" sz="2000" kern="1200" dirty="0">
+                <a:solidFill>
+                  <a:schemeClr val="tx1"/>
+                </a:solidFill>
+                <a:latin typeface="+mn-lt"/>
+                <a:ea typeface="+mn-ea"/>
+                <a:cs typeface="+mn-cs"/>
+              </a:defRPr>
+            </a:lvl5pPr>
+            <a:lvl6pPr marL="2514600" indent="-228600" algn="l" defTabSz="914400" rtl="0" eaLnBrk="1" latinLnBrk="0" hangingPunct="1">
+              <a:spcBef>
+                <a:spcPct val="20000"/>
+              </a:spcBef>
+              <a:buFont typeface="Arial" pitchFamily="34" charset="0"/>
+              <a:buChar char="•"/>
+              <a:defRPr sz="2000" kern="1200">
+                <a:solidFill>
+                  <a:schemeClr val="tx1"/>
+                </a:solidFill>
+                <a:latin typeface="+mn-lt"/>
+                <a:ea typeface="+mn-ea"/>
+                <a:cs typeface="+mn-cs"/>
+              </a:defRPr>
+            </a:lvl6pPr>
+            <a:lvl7pPr marL="2971800" indent="-228600" algn="l" defTabSz="914400" rtl="0" eaLnBrk="1" latinLnBrk="0" hangingPunct="1">
+              <a:spcBef>
+                <a:spcPct val="20000"/>
+              </a:spcBef>
+              <a:buFont typeface="Arial" pitchFamily="34" charset="0"/>
+              <a:buChar char="•"/>
+              <a:defRPr sz="2000" kern="1200">
+                <a:solidFill>
+                  <a:schemeClr val="tx1"/>
+                </a:solidFill>
+                <a:latin typeface="+mn-lt"/>
+                <a:ea typeface="+mn-ea"/>
+                <a:cs typeface="+mn-cs"/>
+              </a:defRPr>
+            </a:lvl7pPr>
+            <a:lvl8pPr marL="3429000" indent="-228600" algn="l" defTabSz="914400" rtl="0" eaLnBrk="1" latinLnBrk="0" hangingPunct="1">
+              <a:spcBef>
+                <a:spcPct val="20000"/>
+              </a:spcBef>
+              <a:buFont typeface="Arial" pitchFamily="34" charset="0"/>
+              <a:buChar char="•"/>
+              <a:defRPr sz="2000" kern="1200">
+                <a:solidFill>
+                  <a:schemeClr val="tx1"/>
+                </a:solidFill>
+                <a:latin typeface="+mn-lt"/>
+                <a:ea typeface="+mn-ea"/>
+                <a:cs typeface="+mn-cs"/>
+              </a:defRPr>
+            </a:lvl8pPr>
+            <a:lvl9pPr marL="3886200" indent="-228600" algn="l" defTabSz="914400" rtl="0" eaLnBrk="1" latinLnBrk="0" hangingPunct="1">
+              <a:spcBef>
+                <a:spcPct val="20000"/>
+              </a:spcBef>
+              <a:buFont typeface="Arial" pitchFamily="34" charset="0"/>
+              <a:buChar char="•"/>
+              <a:defRPr sz="2000" kern="1200">
+                <a:solidFill>
+                  <a:schemeClr val="tx1"/>
+                </a:solidFill>
+                <a:latin typeface="+mn-lt"/>
+                <a:ea typeface="+mn-ea"/>
+                <a:cs typeface="+mn-cs"/>
+              </a:defRPr>
+            </a:lvl9pPr>
+          </a:lstStyle>
+          <a:p>
+            <a:pPr marL="0" indent="0">
+              <a:lnSpc>
+                <a:spcPct val="150000"/>
+              </a:lnSpc>
+              <a:buFont typeface="Arial" charset="0"/>
+              <a:buNone/>
+            </a:pPr>
+            <a:r>
+              <a:rPr lang="pt-BR" sz="2400" b="1" dirty="0" smtClean="0">
+                <a:solidFill>
+                  <a:schemeClr val="accent6">
+                    <a:lumMod val="75000"/>
+                  </a:schemeClr>
+                </a:solidFill>
+                <a:latin typeface="Corbel" panose="020B0503020204020204" pitchFamily="34" charset="0"/>
+              </a:rPr>
+              <a:t>Comandos com Listas</a:t>
+            </a:r>
+          </a:p>
+        </p:txBody>
+      </p:sp>
+      <p:sp>
+        <p:nvSpPr>
+          <p:cNvPr id="11" name="Subtítulo 1"/>
+          <p:cNvSpPr txBox="1">
+            <a:spLocks/>
+          </p:cNvSpPr>
+          <p:nvPr/>
+        </p:nvSpPr>
+        <p:spPr>
+          <a:xfrm>
+            <a:off x="692971" y="1913794"/>
+            <a:ext cx="10896600" cy="2817812"/>
+          </a:xfrm>
+        </p:spPr>
+        <p:txBody>
+          <a:bodyPr>
+            <a:noAutofit/>
+          </a:bodyPr>
+          <a:lstStyle>
+            <a:lvl1pPr marL="342900" indent="-342900" algn="l" rtl="0" eaLnBrk="0" fontAlgn="base" hangingPunct="0">
+              <a:spcBef>
+                <a:spcPct val="20000"/>
+              </a:spcBef>
+              <a:spcAft>
+                <a:spcPct val="0"/>
+              </a:spcAft>
+              <a:buFont typeface="Arial" charset="0"/>
+              <a:buChar char="•"/>
+              <a:defRPr lang="pt-BR" sz="2800" kern="1200" dirty="0">
+                <a:solidFill>
+                  <a:schemeClr val="tx1"/>
+                </a:solidFill>
+                <a:latin typeface="+mn-lt"/>
+                <a:ea typeface="+mn-ea"/>
+                <a:cs typeface="+mn-cs"/>
+              </a:defRPr>
+            </a:lvl1pPr>
+            <a:lvl2pPr marL="742950" indent="-285750" algn="l" rtl="0" eaLnBrk="0" fontAlgn="base" hangingPunct="0">
+              <a:spcBef>
+                <a:spcPct val="20000"/>
+              </a:spcBef>
+              <a:spcAft>
+                <a:spcPct val="0"/>
+              </a:spcAft>
+              <a:buFont typeface="Arial" charset="0"/>
+              <a:buChar char="•"/>
+              <a:defRPr lang="pt-BR" sz="2400" kern="1200" dirty="0">
+                <a:solidFill>
+                  <a:schemeClr val="tx1"/>
+                </a:solidFill>
+                <a:latin typeface="+mn-lt"/>
+                <a:ea typeface="+mn-ea"/>
+                <a:cs typeface="+mn-cs"/>
+              </a:defRPr>
+            </a:lvl2pPr>
+            <a:lvl3pPr marL="1143000" indent="-228600" algn="l" rtl="0" eaLnBrk="0" fontAlgn="base" hangingPunct="0">
+              <a:spcBef>
+                <a:spcPct val="20000"/>
+              </a:spcBef>
+              <a:spcAft>
+                <a:spcPct val="0"/>
+              </a:spcAft>
+              <a:buFont typeface="Arial" charset="0"/>
+              <a:buChar char="•"/>
+              <a:defRPr lang="pt-BR" sz="2400" kern="1200" dirty="0">
+                <a:solidFill>
+                  <a:schemeClr val="tx1"/>
+                </a:solidFill>
+                <a:latin typeface="+mn-lt"/>
+                <a:ea typeface="+mn-ea"/>
+                <a:cs typeface="+mn-cs"/>
+              </a:defRPr>
+            </a:lvl3pPr>
+            <a:lvl4pPr marL="1600200" indent="-228600" algn="l" rtl="0" eaLnBrk="0" fontAlgn="base" hangingPunct="0">
+              <a:spcBef>
+                <a:spcPct val="20000"/>
+              </a:spcBef>
+              <a:spcAft>
+                <a:spcPct val="0"/>
+              </a:spcAft>
+              <a:buFont typeface="Arial" charset="0"/>
+              <a:buChar char="•"/>
+              <a:defRPr lang="pt-BR" sz="2000" kern="1200" dirty="0">
+                <a:solidFill>
+                  <a:schemeClr val="tx1"/>
+                </a:solidFill>
+                <a:latin typeface="+mn-lt"/>
+                <a:ea typeface="+mn-ea"/>
+                <a:cs typeface="+mn-cs"/>
+              </a:defRPr>
+            </a:lvl4pPr>
+            <a:lvl5pPr marL="2057400" indent="-228600" algn="l" rtl="0" eaLnBrk="0" fontAlgn="base" hangingPunct="0">
+              <a:spcBef>
+                <a:spcPct val="20000"/>
+              </a:spcBef>
+              <a:spcAft>
+                <a:spcPct val="0"/>
+              </a:spcAft>
+              <a:buFont typeface="Arial" charset="0"/>
+              <a:buChar char="•"/>
+              <a:defRPr lang="pt-BR" sz="2000" kern="1200" dirty="0">
+                <a:solidFill>
+                  <a:schemeClr val="tx1"/>
+                </a:solidFill>
+                <a:latin typeface="+mn-lt"/>
+                <a:ea typeface="+mn-ea"/>
+                <a:cs typeface="+mn-cs"/>
+              </a:defRPr>
+            </a:lvl5pPr>
+            <a:lvl6pPr marL="2514600" indent="-228600" algn="l" defTabSz="914400" rtl="0" eaLnBrk="1" latinLnBrk="0" hangingPunct="1">
+              <a:spcBef>
+                <a:spcPct val="20000"/>
+              </a:spcBef>
+              <a:buFont typeface="Arial" pitchFamily="34" charset="0"/>
+              <a:buChar char="•"/>
+              <a:defRPr sz="2000" kern="1200">
+                <a:solidFill>
+                  <a:schemeClr val="tx1"/>
+                </a:solidFill>
+                <a:latin typeface="+mn-lt"/>
+                <a:ea typeface="+mn-ea"/>
+                <a:cs typeface="+mn-cs"/>
+              </a:defRPr>
+            </a:lvl6pPr>
+            <a:lvl7pPr marL="2971800" indent="-228600" algn="l" defTabSz="914400" rtl="0" eaLnBrk="1" latinLnBrk="0" hangingPunct="1">
+              <a:spcBef>
+                <a:spcPct val="20000"/>
+              </a:spcBef>
+              <a:buFont typeface="Arial" pitchFamily="34" charset="0"/>
+              <a:buChar char="•"/>
+              <a:defRPr sz="2000" kern="1200">
+                <a:solidFill>
+                  <a:schemeClr val="tx1"/>
+                </a:solidFill>
+                <a:latin typeface="+mn-lt"/>
+                <a:ea typeface="+mn-ea"/>
+                <a:cs typeface="+mn-cs"/>
+              </a:defRPr>
+            </a:lvl7pPr>
+            <a:lvl8pPr marL="3429000" indent="-228600" algn="l" defTabSz="914400" rtl="0" eaLnBrk="1" latinLnBrk="0" hangingPunct="1">
+              <a:spcBef>
+                <a:spcPct val="20000"/>
+              </a:spcBef>
+              <a:buFont typeface="Arial" pitchFamily="34" charset="0"/>
+              <a:buChar char="•"/>
+              <a:defRPr sz="2000" kern="1200">
+                <a:solidFill>
+                  <a:schemeClr val="tx1"/>
+                </a:solidFill>
+                <a:latin typeface="+mn-lt"/>
+                <a:ea typeface="+mn-ea"/>
+                <a:cs typeface="+mn-cs"/>
+              </a:defRPr>
+            </a:lvl8pPr>
+            <a:lvl9pPr marL="3886200" indent="-228600" algn="l" defTabSz="914400" rtl="0" eaLnBrk="1" latinLnBrk="0" hangingPunct="1">
+              <a:spcBef>
+                <a:spcPct val="20000"/>
+              </a:spcBef>
+              <a:buFont typeface="Arial" pitchFamily="34" charset="0"/>
+              <a:buChar char="•"/>
+              <a:defRPr sz="2000" kern="1200">
+                <a:solidFill>
+                  <a:schemeClr val="tx1"/>
+                </a:solidFill>
+                <a:latin typeface="+mn-lt"/>
+                <a:ea typeface="+mn-ea"/>
+                <a:cs typeface="+mn-cs"/>
+              </a:defRPr>
+            </a:lvl9pPr>
+          </a:lstStyle>
+          <a:p>
+            <a:pPr marL="0" indent="0">
+              <a:buFont typeface="Arial" charset="0"/>
+              <a:buNone/>
+            </a:pPr>
+            <a:r>
+              <a:rPr lang="pt-BR" sz="1800" dirty="0" smtClean="0">
+                <a:latin typeface="Corbel" panose="020B0503020204020204" pitchFamily="34" charset="0"/>
+              </a:rPr>
+              <a:t>O Excel Permite Classificar as listas automaticamente de acordo com regras pré-estabelecidas (ordem numérica ou ordem alfabética) ou ainda baseada nas lista nativas e personalizadas.</a:t>
+            </a:r>
+          </a:p>
+          <a:p>
+            <a:pPr marL="0" indent="0">
+              <a:buFont typeface="Arial" charset="0"/>
+              <a:buNone/>
+            </a:pPr>
+            <a:endParaRPr lang="pt-BR" sz="1800" dirty="0">
+              <a:latin typeface="Corbel" panose="020B0503020204020204" pitchFamily="34" charset="0"/>
+            </a:endParaRPr>
+          </a:p>
+          <a:p>
+            <a:pPr marL="0" indent="0">
+              <a:buFont typeface="Arial" charset="0"/>
+              <a:buNone/>
+            </a:pPr>
+            <a:r>
+              <a:rPr lang="pt-BR" sz="1800" dirty="0" smtClean="0">
+                <a:latin typeface="Corbel" panose="020B0503020204020204" pitchFamily="34" charset="0"/>
+              </a:rPr>
+              <a:t>Listas nativas do Excel são aquelas já instaladas com o programa : dias da semana, nome do mês</a:t>
+            </a:r>
+          </a:p>
+          <a:p>
+            <a:pPr marL="0" indent="0">
+              <a:buFont typeface="Arial" charset="0"/>
+              <a:buNone/>
+            </a:pPr>
+            <a:r>
+              <a:rPr lang="pt-BR" sz="1800" dirty="0" smtClean="0">
+                <a:latin typeface="Corbel" panose="020B0503020204020204" pitchFamily="34" charset="0"/>
+              </a:rPr>
+              <a:t>Listas personalizadas: qualquer uma criada pelo próprio usuário.</a:t>
+            </a:r>
+          </a:p>
+          <a:p>
+            <a:pPr marL="0" indent="0">
+              <a:buFont typeface="Arial" charset="0"/>
+              <a:buNone/>
+            </a:pPr>
+            <a:endParaRPr lang="pt-BR" sz="1800" dirty="0">
+              <a:latin typeface="Corbel" panose="020B0503020204020204" pitchFamily="34" charset="0"/>
+            </a:endParaRPr>
+          </a:p>
+          <a:p>
+            <a:pPr marL="0" indent="0">
+              <a:buFont typeface="Arial" charset="0"/>
+              <a:buNone/>
+            </a:pPr>
+            <a:r>
+              <a:rPr lang="pt-BR" sz="1800" dirty="0" smtClean="0">
+                <a:latin typeface="Corbel" panose="020B0503020204020204" pitchFamily="34" charset="0"/>
+              </a:rPr>
+              <a:t>Fazer ordenação: Guia Dados, grupo classificar e Filtrar, comando classificar</a:t>
+            </a:r>
+          </a:p>
+          <a:p>
+            <a:pPr marL="0" indent="0">
+              <a:buFont typeface="Arial" charset="0"/>
+              <a:buNone/>
+            </a:pPr>
+            <a:r>
+              <a:rPr lang="pt-BR" sz="1800" dirty="0" smtClean="0">
+                <a:latin typeface="Corbel" panose="020B0503020204020204" pitchFamily="34" charset="0"/>
+              </a:rPr>
+              <a:t>Criar lista personalizada: guia Arquivo , Opções, Avançado, Geral, Editar lista Personalizada</a:t>
+            </a:r>
+          </a:p>
+        </p:txBody>
+      </p:sp>
+    </p:spTree>
+    <p:extLst>
+      <p:ext uri="{BB962C8B-B14F-4D97-AF65-F5344CB8AC3E}">
+        <p14:creationId xmlns:p14="http://schemas.microsoft.com/office/powerpoint/2010/main" val="1929754879"/>
+      </p:ext>
+    </p:extLst>
+  </p:cSld>
+  <p:clrMapOvr>
+    <a:masterClrMapping/>
+  </p:clrMapOvr>
+  <p:timing>
+    <p:tnLst>
+      <p:par>
+        <p:cTn id="1" dur="indefinite" restart="never" nodeType="tmRoot"/>
+      </p:par>
+    </p:tnLst>
+  </p:timing>
+</p:sld>
+</file>
+
+<file path=ppt/slides/slide46.xml><?xml version="1.0" encoding="utf-8"?>
 <p:sld xmlns:a="http://schemas.openxmlformats.org/drawingml/2006/main" xmlns:r="http://schemas.openxmlformats.org/officeDocument/2006/relationships" xmlns:p="http://schemas.openxmlformats.org/presentationml/2006/main">
   <p:cSld>
     <p:spTree>
@@ -26331,417 +26730,6 @@
 </p:sld>
 </file>
 
-<file path=ppt/slides/slide46.xml><?xml version="1.0" encoding="utf-8"?>
-<p:sld xmlns:a="http://schemas.openxmlformats.org/drawingml/2006/main" xmlns:r="http://schemas.openxmlformats.org/officeDocument/2006/relationships" xmlns:p="http://schemas.openxmlformats.org/presentationml/2006/main">
-  <p:cSld>
-    <p:spTree>
-      <p:nvGrpSpPr>
-        <p:cNvPr id="1" name=""/>
-        <p:cNvGrpSpPr/>
-        <p:nvPr/>
-      </p:nvGrpSpPr>
-      <p:grpSpPr>
-        <a:xfrm>
-          <a:off x="0" y="0"/>
-          <a:ext cx="0" cy="0"/>
-          <a:chOff x="0" y="0"/>
-          <a:chExt cx="0" cy="0"/>
-        </a:xfrm>
-      </p:grpSpPr>
-      <p:sp>
-        <p:nvSpPr>
-          <p:cNvPr id="6" name="Subtítulo 2"/>
-          <p:cNvSpPr txBox="1">
-            <a:spLocks/>
-          </p:cNvSpPr>
-          <p:nvPr/>
-        </p:nvSpPr>
-        <p:spPr>
-          <a:xfrm>
-            <a:off x="210670" y="153054"/>
-            <a:ext cx="10058400" cy="718315"/>
-          </a:xfrm>
-        </p:spPr>
-        <p:txBody>
-          <a:bodyPr>
-            <a:noAutofit/>
-          </a:bodyPr>
-          <a:lstStyle>
-            <a:lvl1pPr marL="342900" indent="-342900" algn="l" rtl="0" eaLnBrk="0" fontAlgn="base" hangingPunct="0">
-              <a:spcBef>
-                <a:spcPct val="20000"/>
-              </a:spcBef>
-              <a:spcAft>
-                <a:spcPct val="0"/>
-              </a:spcAft>
-              <a:buFont typeface="Arial" charset="0"/>
-              <a:buChar char="•"/>
-              <a:defRPr lang="pt-BR" sz="2800" kern="1200" dirty="0">
-                <a:solidFill>
-                  <a:schemeClr val="tx1"/>
-                </a:solidFill>
-                <a:latin typeface="+mn-lt"/>
-                <a:ea typeface="+mn-ea"/>
-                <a:cs typeface="+mn-cs"/>
-              </a:defRPr>
-            </a:lvl1pPr>
-            <a:lvl2pPr marL="742950" indent="-285750" algn="l" rtl="0" eaLnBrk="0" fontAlgn="base" hangingPunct="0">
-              <a:spcBef>
-                <a:spcPct val="20000"/>
-              </a:spcBef>
-              <a:spcAft>
-                <a:spcPct val="0"/>
-              </a:spcAft>
-              <a:buFont typeface="Arial" charset="0"/>
-              <a:buChar char="•"/>
-              <a:defRPr lang="pt-BR" sz="2400" kern="1200" dirty="0">
-                <a:solidFill>
-                  <a:schemeClr val="tx1"/>
-                </a:solidFill>
-                <a:latin typeface="+mn-lt"/>
-                <a:ea typeface="+mn-ea"/>
-                <a:cs typeface="+mn-cs"/>
-              </a:defRPr>
-            </a:lvl2pPr>
-            <a:lvl3pPr marL="1143000" indent="-228600" algn="l" rtl="0" eaLnBrk="0" fontAlgn="base" hangingPunct="0">
-              <a:spcBef>
-                <a:spcPct val="20000"/>
-              </a:spcBef>
-              <a:spcAft>
-                <a:spcPct val="0"/>
-              </a:spcAft>
-              <a:buFont typeface="Arial" charset="0"/>
-              <a:buChar char="•"/>
-              <a:defRPr lang="pt-BR" sz="2400" kern="1200" dirty="0">
-                <a:solidFill>
-                  <a:schemeClr val="tx1"/>
-                </a:solidFill>
-                <a:latin typeface="+mn-lt"/>
-                <a:ea typeface="+mn-ea"/>
-                <a:cs typeface="+mn-cs"/>
-              </a:defRPr>
-            </a:lvl3pPr>
-            <a:lvl4pPr marL="1600200" indent="-228600" algn="l" rtl="0" eaLnBrk="0" fontAlgn="base" hangingPunct="0">
-              <a:spcBef>
-                <a:spcPct val="20000"/>
-              </a:spcBef>
-              <a:spcAft>
-                <a:spcPct val="0"/>
-              </a:spcAft>
-              <a:buFont typeface="Arial" charset="0"/>
-              <a:buChar char="•"/>
-              <a:defRPr lang="pt-BR" sz="2000" kern="1200" dirty="0">
-                <a:solidFill>
-                  <a:schemeClr val="tx1"/>
-                </a:solidFill>
-                <a:latin typeface="+mn-lt"/>
-                <a:ea typeface="+mn-ea"/>
-                <a:cs typeface="+mn-cs"/>
-              </a:defRPr>
-            </a:lvl4pPr>
-            <a:lvl5pPr marL="2057400" indent="-228600" algn="l" rtl="0" eaLnBrk="0" fontAlgn="base" hangingPunct="0">
-              <a:spcBef>
-                <a:spcPct val="20000"/>
-              </a:spcBef>
-              <a:spcAft>
-                <a:spcPct val="0"/>
-              </a:spcAft>
-              <a:buFont typeface="Arial" charset="0"/>
-              <a:buChar char="•"/>
-              <a:defRPr lang="pt-BR" sz="2000" kern="1200" dirty="0">
-                <a:solidFill>
-                  <a:schemeClr val="tx1"/>
-                </a:solidFill>
-                <a:latin typeface="+mn-lt"/>
-                <a:ea typeface="+mn-ea"/>
-                <a:cs typeface="+mn-cs"/>
-              </a:defRPr>
-            </a:lvl5pPr>
-            <a:lvl6pPr marL="2514600" indent="-228600" algn="l" defTabSz="914400" rtl="0" eaLnBrk="1" latinLnBrk="0" hangingPunct="1">
-              <a:spcBef>
-                <a:spcPct val="20000"/>
-              </a:spcBef>
-              <a:buFont typeface="Arial" pitchFamily="34" charset="0"/>
-              <a:buChar char="•"/>
-              <a:defRPr sz="2000" kern="1200">
-                <a:solidFill>
-                  <a:schemeClr val="tx1"/>
-                </a:solidFill>
-                <a:latin typeface="+mn-lt"/>
-                <a:ea typeface="+mn-ea"/>
-                <a:cs typeface="+mn-cs"/>
-              </a:defRPr>
-            </a:lvl6pPr>
-            <a:lvl7pPr marL="2971800" indent="-228600" algn="l" defTabSz="914400" rtl="0" eaLnBrk="1" latinLnBrk="0" hangingPunct="1">
-              <a:spcBef>
-                <a:spcPct val="20000"/>
-              </a:spcBef>
-              <a:buFont typeface="Arial" pitchFamily="34" charset="0"/>
-              <a:buChar char="•"/>
-              <a:defRPr sz="2000" kern="1200">
-                <a:solidFill>
-                  <a:schemeClr val="tx1"/>
-                </a:solidFill>
-                <a:latin typeface="+mn-lt"/>
-                <a:ea typeface="+mn-ea"/>
-                <a:cs typeface="+mn-cs"/>
-              </a:defRPr>
-            </a:lvl7pPr>
-            <a:lvl8pPr marL="3429000" indent="-228600" algn="l" defTabSz="914400" rtl="0" eaLnBrk="1" latinLnBrk="0" hangingPunct="1">
-              <a:spcBef>
-                <a:spcPct val="20000"/>
-              </a:spcBef>
-              <a:buFont typeface="Arial" pitchFamily="34" charset="0"/>
-              <a:buChar char="•"/>
-              <a:defRPr sz="2000" kern="1200">
-                <a:solidFill>
-                  <a:schemeClr val="tx1"/>
-                </a:solidFill>
-                <a:latin typeface="+mn-lt"/>
-                <a:ea typeface="+mn-ea"/>
-                <a:cs typeface="+mn-cs"/>
-              </a:defRPr>
-            </a:lvl8pPr>
-            <a:lvl9pPr marL="3886200" indent="-228600" algn="l" defTabSz="914400" rtl="0" eaLnBrk="1" latinLnBrk="0" hangingPunct="1">
-              <a:spcBef>
-                <a:spcPct val="20000"/>
-              </a:spcBef>
-              <a:buFont typeface="Arial" pitchFamily="34" charset="0"/>
-              <a:buChar char="•"/>
-              <a:defRPr sz="2000" kern="1200">
-                <a:solidFill>
-                  <a:schemeClr val="tx1"/>
-                </a:solidFill>
-                <a:latin typeface="+mn-lt"/>
-                <a:ea typeface="+mn-ea"/>
-                <a:cs typeface="+mn-cs"/>
-              </a:defRPr>
-            </a:lvl9pPr>
-          </a:lstStyle>
-          <a:p>
-            <a:pPr marL="0" indent="0">
-              <a:lnSpc>
-                <a:spcPct val="150000"/>
-              </a:lnSpc>
-              <a:buFont typeface="Arial" charset="0"/>
-              <a:buNone/>
-            </a:pPr>
-            <a:r>
-              <a:rPr lang="pt-BR" sz="2400" b="1" dirty="0" smtClean="0">
-                <a:solidFill>
-                  <a:schemeClr val="accent6">
-                    <a:lumMod val="75000"/>
-                  </a:schemeClr>
-                </a:solidFill>
-                <a:latin typeface="Corbel" panose="020B0503020204020204" pitchFamily="34" charset="0"/>
-              </a:rPr>
-              <a:t>Atividade</a:t>
-            </a:r>
-          </a:p>
-        </p:txBody>
-      </p:sp>
-      <p:sp>
-        <p:nvSpPr>
-          <p:cNvPr id="11" name="Subtítulo 1"/>
-          <p:cNvSpPr txBox="1">
-            <a:spLocks/>
-          </p:cNvSpPr>
-          <p:nvPr/>
-        </p:nvSpPr>
-        <p:spPr>
-          <a:xfrm>
-            <a:off x="692971" y="1913794"/>
-            <a:ext cx="10896600" cy="2817812"/>
-          </a:xfrm>
-        </p:spPr>
-        <p:txBody>
-          <a:bodyPr>
-            <a:noAutofit/>
-          </a:bodyPr>
-          <a:lstStyle>
-            <a:lvl1pPr marL="342900" indent="-342900" algn="l" rtl="0" eaLnBrk="0" fontAlgn="base" hangingPunct="0">
-              <a:spcBef>
-                <a:spcPct val="20000"/>
-              </a:spcBef>
-              <a:spcAft>
-                <a:spcPct val="0"/>
-              </a:spcAft>
-              <a:buFont typeface="Arial" charset="0"/>
-              <a:buChar char="•"/>
-              <a:defRPr lang="pt-BR" sz="2800" kern="1200" dirty="0">
-                <a:solidFill>
-                  <a:schemeClr val="tx1"/>
-                </a:solidFill>
-                <a:latin typeface="+mn-lt"/>
-                <a:ea typeface="+mn-ea"/>
-                <a:cs typeface="+mn-cs"/>
-              </a:defRPr>
-            </a:lvl1pPr>
-            <a:lvl2pPr marL="742950" indent="-285750" algn="l" rtl="0" eaLnBrk="0" fontAlgn="base" hangingPunct="0">
-              <a:spcBef>
-                <a:spcPct val="20000"/>
-              </a:spcBef>
-              <a:spcAft>
-                <a:spcPct val="0"/>
-              </a:spcAft>
-              <a:buFont typeface="Arial" charset="0"/>
-              <a:buChar char="•"/>
-              <a:defRPr lang="pt-BR" sz="2400" kern="1200" dirty="0">
-                <a:solidFill>
-                  <a:schemeClr val="tx1"/>
-                </a:solidFill>
-                <a:latin typeface="+mn-lt"/>
-                <a:ea typeface="+mn-ea"/>
-                <a:cs typeface="+mn-cs"/>
-              </a:defRPr>
-            </a:lvl2pPr>
-            <a:lvl3pPr marL="1143000" indent="-228600" algn="l" rtl="0" eaLnBrk="0" fontAlgn="base" hangingPunct="0">
-              <a:spcBef>
-                <a:spcPct val="20000"/>
-              </a:spcBef>
-              <a:spcAft>
-                <a:spcPct val="0"/>
-              </a:spcAft>
-              <a:buFont typeface="Arial" charset="0"/>
-              <a:buChar char="•"/>
-              <a:defRPr lang="pt-BR" sz="2400" kern="1200" dirty="0">
-                <a:solidFill>
-                  <a:schemeClr val="tx1"/>
-                </a:solidFill>
-                <a:latin typeface="+mn-lt"/>
-                <a:ea typeface="+mn-ea"/>
-                <a:cs typeface="+mn-cs"/>
-              </a:defRPr>
-            </a:lvl3pPr>
-            <a:lvl4pPr marL="1600200" indent="-228600" algn="l" rtl="0" eaLnBrk="0" fontAlgn="base" hangingPunct="0">
-              <a:spcBef>
-                <a:spcPct val="20000"/>
-              </a:spcBef>
-              <a:spcAft>
-                <a:spcPct val="0"/>
-              </a:spcAft>
-              <a:buFont typeface="Arial" charset="0"/>
-              <a:buChar char="•"/>
-              <a:defRPr lang="pt-BR" sz="2000" kern="1200" dirty="0">
-                <a:solidFill>
-                  <a:schemeClr val="tx1"/>
-                </a:solidFill>
-                <a:latin typeface="+mn-lt"/>
-                <a:ea typeface="+mn-ea"/>
-                <a:cs typeface="+mn-cs"/>
-              </a:defRPr>
-            </a:lvl4pPr>
-            <a:lvl5pPr marL="2057400" indent="-228600" algn="l" rtl="0" eaLnBrk="0" fontAlgn="base" hangingPunct="0">
-              <a:spcBef>
-                <a:spcPct val="20000"/>
-              </a:spcBef>
-              <a:spcAft>
-                <a:spcPct val="0"/>
-              </a:spcAft>
-              <a:buFont typeface="Arial" charset="0"/>
-              <a:buChar char="•"/>
-              <a:defRPr lang="pt-BR" sz="2000" kern="1200" dirty="0">
-                <a:solidFill>
-                  <a:schemeClr val="tx1"/>
-                </a:solidFill>
-                <a:latin typeface="+mn-lt"/>
-                <a:ea typeface="+mn-ea"/>
-                <a:cs typeface="+mn-cs"/>
-              </a:defRPr>
-            </a:lvl5pPr>
-            <a:lvl6pPr marL="2514600" indent="-228600" algn="l" defTabSz="914400" rtl="0" eaLnBrk="1" latinLnBrk="0" hangingPunct="1">
-              <a:spcBef>
-                <a:spcPct val="20000"/>
-              </a:spcBef>
-              <a:buFont typeface="Arial" pitchFamily="34" charset="0"/>
-              <a:buChar char="•"/>
-              <a:defRPr sz="2000" kern="1200">
-                <a:solidFill>
-                  <a:schemeClr val="tx1"/>
-                </a:solidFill>
-                <a:latin typeface="+mn-lt"/>
-                <a:ea typeface="+mn-ea"/>
-                <a:cs typeface="+mn-cs"/>
-              </a:defRPr>
-            </a:lvl6pPr>
-            <a:lvl7pPr marL="2971800" indent="-228600" algn="l" defTabSz="914400" rtl="0" eaLnBrk="1" latinLnBrk="0" hangingPunct="1">
-              <a:spcBef>
-                <a:spcPct val="20000"/>
-              </a:spcBef>
-              <a:buFont typeface="Arial" pitchFamily="34" charset="0"/>
-              <a:buChar char="•"/>
-              <a:defRPr sz="2000" kern="1200">
-                <a:solidFill>
-                  <a:schemeClr val="tx1"/>
-                </a:solidFill>
-                <a:latin typeface="+mn-lt"/>
-                <a:ea typeface="+mn-ea"/>
-                <a:cs typeface="+mn-cs"/>
-              </a:defRPr>
-            </a:lvl7pPr>
-            <a:lvl8pPr marL="3429000" indent="-228600" algn="l" defTabSz="914400" rtl="0" eaLnBrk="1" latinLnBrk="0" hangingPunct="1">
-              <a:spcBef>
-                <a:spcPct val="20000"/>
-              </a:spcBef>
-              <a:buFont typeface="Arial" pitchFamily="34" charset="0"/>
-              <a:buChar char="•"/>
-              <a:defRPr sz="2000" kern="1200">
-                <a:solidFill>
-                  <a:schemeClr val="tx1"/>
-                </a:solidFill>
-                <a:latin typeface="+mn-lt"/>
-                <a:ea typeface="+mn-ea"/>
-                <a:cs typeface="+mn-cs"/>
-              </a:defRPr>
-            </a:lvl8pPr>
-            <a:lvl9pPr marL="3886200" indent="-228600" algn="l" defTabSz="914400" rtl="0" eaLnBrk="1" latinLnBrk="0" hangingPunct="1">
-              <a:spcBef>
-                <a:spcPct val="20000"/>
-              </a:spcBef>
-              <a:buFont typeface="Arial" pitchFamily="34" charset="0"/>
-              <a:buChar char="•"/>
-              <a:defRPr sz="2000" kern="1200">
-                <a:solidFill>
-                  <a:schemeClr val="tx1"/>
-                </a:solidFill>
-                <a:latin typeface="+mn-lt"/>
-                <a:ea typeface="+mn-ea"/>
-                <a:cs typeface="+mn-cs"/>
-              </a:defRPr>
-            </a:lvl9pPr>
-          </a:lstStyle>
-          <a:p>
-            <a:pPr marL="0" indent="0">
-              <a:buFont typeface="Arial" charset="0"/>
-              <a:buNone/>
-            </a:pPr>
-            <a:r>
-              <a:rPr lang="pt-BR" sz="1800" dirty="0" smtClean="0"/>
-              <a:t>Usar material PROCV PROCH</a:t>
-            </a:r>
-          </a:p>
-        </p:txBody>
-      </p:sp>
-    </p:spTree>
-    <p:extLst>
-      <p:ext uri="{BB962C8B-B14F-4D97-AF65-F5344CB8AC3E}">
-        <p14:creationId xmlns:p14="http://schemas.microsoft.com/office/powerpoint/2010/main" val="1602921918"/>
-      </p:ext>
-    </p:extLst>
-  </p:cSld>
-  <p:clrMapOvr>
-    <a:masterClrMapping/>
-  </p:clrMapOvr>
-  <p:timing>
-    <p:tnLst>
-      <p:par>
-        <p:cTn id="1" dur="indefinite" restart="never" nodeType="tmRoot"/>
-      </p:par>
-    </p:tnLst>
-  </p:timing>
-</p:sld>
-</file>
-
 <file path=ppt/slides/slide47.xml><?xml version="1.0" encoding="utf-8"?>
 <p:sld xmlns:a="http://schemas.openxmlformats.org/drawingml/2006/main" xmlns:r="http://schemas.openxmlformats.org/officeDocument/2006/relationships" xmlns:p="http://schemas.openxmlformats.org/presentationml/2006/main">
   <p:cSld>
@@ -26946,7 +26934,7 @@
                 </a:solidFill>
                 <a:latin typeface="Corbel" panose="020B0503020204020204" pitchFamily="34" charset="0"/>
               </a:rPr>
-              <a:t>Comandos com Listas</a:t>
+              <a:t>Atividade</a:t>
             </a:r>
           </a:p>
         </p:txBody>
@@ -27127,76 +27115,8 @@
               <a:buNone/>
             </a:pPr>
             <a:r>
-              <a:rPr lang="pt-BR" sz="1800" dirty="0" smtClean="0">
-                <a:latin typeface="Corbel" panose="020B0503020204020204" pitchFamily="34" charset="0"/>
-              </a:rPr>
-              <a:t>O Excel Permite Classificar as listas automaticamente de acordo com regras pré-estabelecidas (ordem numérica ou ordem alfabética) ou ainda baseada nas lista nativas e personalizadas.</a:t>
-            </a:r>
-          </a:p>
-          <a:p>
-            <a:pPr marL="0" indent="0">
-              <a:buFont typeface="Arial" charset="0"/>
-              <a:buNone/>
-            </a:pPr>
-            <a:endParaRPr lang="pt-BR" sz="1800" dirty="0">
-              <a:latin typeface="Corbel" panose="020B0503020204020204" pitchFamily="34" charset="0"/>
-            </a:endParaRPr>
-          </a:p>
-          <a:p>
-            <a:pPr marL="0" indent="0">
-              <a:buFont typeface="Arial" charset="0"/>
-              <a:buNone/>
-            </a:pPr>
-            <a:r>
-              <a:rPr lang="pt-BR" sz="1800" dirty="0" smtClean="0">
-                <a:latin typeface="Corbel" panose="020B0503020204020204" pitchFamily="34" charset="0"/>
-              </a:rPr>
-              <a:t>Listas nativas do Excel são aquelas já instaladas com o programa : dias da semana, nome do mês</a:t>
-            </a:r>
-          </a:p>
-          <a:p>
-            <a:pPr marL="0" indent="0">
-              <a:buFont typeface="Arial" charset="0"/>
-              <a:buNone/>
-            </a:pPr>
-            <a:r>
-              <a:rPr lang="pt-BR" sz="1800" dirty="0" smtClean="0">
-                <a:latin typeface="Corbel" panose="020B0503020204020204" pitchFamily="34" charset="0"/>
-              </a:rPr>
-              <a:t>Listas personalizadas: qualquer uma criada pelo próprio usuário.</a:t>
-            </a:r>
-          </a:p>
-          <a:p>
-            <a:pPr marL="0" indent="0">
-              <a:buFont typeface="Arial" charset="0"/>
-              <a:buNone/>
-            </a:pPr>
-            <a:endParaRPr lang="pt-BR" sz="1800" dirty="0">
-              <a:latin typeface="Corbel" panose="020B0503020204020204" pitchFamily="34" charset="0"/>
-            </a:endParaRPr>
-          </a:p>
-          <a:p>
-            <a:pPr marL="0" indent="0">
-              <a:buFont typeface="Arial" charset="0"/>
-              <a:buNone/>
-            </a:pPr>
-            <a:r>
-              <a:rPr lang="pt-BR" sz="1800" dirty="0" smtClean="0">
-                <a:latin typeface="Corbel" panose="020B0503020204020204" pitchFamily="34" charset="0"/>
-              </a:rPr>
-              <a:t>Fazer ordenação: Guia Dados, grupo classificar e Filtrar, comando classificar</a:t>
-            </a:r>
-          </a:p>
-          <a:p>
-            <a:pPr marL="0" indent="0">
-              <a:buFont typeface="Arial" charset="0"/>
-              <a:buNone/>
-            </a:pPr>
-            <a:r>
-              <a:rPr lang="pt-BR" sz="1800" dirty="0" smtClean="0">
-                <a:latin typeface="Corbel" panose="020B0503020204020204" pitchFamily="34" charset="0"/>
-              </a:rPr>
-              <a:t>Criar lista personalizada: guia Arquivo , Opções, Avançado, Geral, Editar lista Personalizada</a:t>
+              <a:rPr lang="pt-BR" sz="1800" dirty="0" smtClean="0"/>
+              <a:t>Usar material PROCV PROCH</a:t>
             </a:r>
           </a:p>
         </p:txBody>
@@ -27204,7 +27124,7 @@
     </p:spTree>
     <p:extLst>
       <p:ext uri="{BB962C8B-B14F-4D97-AF65-F5344CB8AC3E}">
-        <p14:creationId xmlns:p14="http://schemas.microsoft.com/office/powerpoint/2010/main" val="1929754879"/>
+        <p14:creationId xmlns:p14="http://schemas.microsoft.com/office/powerpoint/2010/main" val="1602921918"/>
       </p:ext>
     </p:extLst>
   </p:cSld>
@@ -29662,29 +29582,7 @@
                 </a:solidFill>
                 <a:latin typeface="Corbel" panose="020B0503020204020204" pitchFamily="34" charset="0"/>
               </a:rPr>
-              <a:t>Estrutura do Curso – </a:t>
-            </a:r>
-            <a:r>
-              <a:rPr lang="pt-BR" sz="2400" b="1" dirty="0" smtClean="0">
-                <a:solidFill>
-                  <a:schemeClr val="accent6">
-                    <a:lumMod val="75000"/>
-                  </a:schemeClr>
-                </a:solidFill>
-                <a:latin typeface="Corbel" panose="020B0503020204020204" pitchFamily="34" charset="0"/>
-              </a:rPr>
-              <a:t>Estágios </a:t>
-            </a:r>
-            <a:r>
-              <a:rPr lang="pt-BR" sz="2400" b="1" dirty="0" smtClean="0">
-                <a:solidFill>
-                  <a:schemeClr val="accent6">
-                    <a:lumMod val="75000"/>
-                  </a:schemeClr>
-                </a:solidFill>
-                <a:latin typeface="Corbel" panose="020B0503020204020204" pitchFamily="34" charset="0"/>
-              </a:rPr>
-              <a:t>do Ciclo de Aprendizagem PNL</a:t>
+              <a:t>Estrutura do Curso – Estágios do Ciclo de Aprendizagem PNL</a:t>
             </a:r>
           </a:p>
           <a:p>
@@ -30308,19 +30206,7 @@
               <a:rPr lang="pt-BR" dirty="0" smtClean="0">
                 <a:latin typeface="Corbel" panose="020B0503020204020204" pitchFamily="34" charset="0"/>
               </a:rPr>
-              <a:t>Intervalo </a:t>
-            </a:r>
-            <a:r>
-              <a:rPr lang="pt-BR" dirty="0" smtClean="0">
-                <a:latin typeface="Corbel" panose="020B0503020204020204" pitchFamily="34" charset="0"/>
-              </a:rPr>
-              <a:t>10 </a:t>
-            </a:r>
-            <a:r>
-              <a:rPr lang="pt-BR" dirty="0" smtClean="0">
-                <a:latin typeface="Corbel" panose="020B0503020204020204" pitchFamily="34" charset="0"/>
-              </a:rPr>
-              <a:t>minutos todos juntos?</a:t>
+              <a:t>Intervalo 10 minutos todos juntos?</a:t>
             </a:r>
           </a:p>
           <a:p>
@@ -30350,17 +30236,8 @@
               <a:rPr lang="pt-BR" dirty="0" smtClean="0">
                 <a:latin typeface="Corbel" panose="020B0503020204020204" pitchFamily="34" charset="0"/>
               </a:rPr>
-              <a:t>Tempo para </a:t>
-            </a:r>
-            <a:r>
-              <a:rPr lang="pt-BR" dirty="0" smtClean="0">
-                <a:latin typeface="Corbel" panose="020B0503020204020204" pitchFamily="34" charset="0"/>
-              </a:rPr>
-              <a:t>Exercício, ~30:  mas negociável</a:t>
-            </a:r>
-            <a:endParaRPr lang="pt-BR" dirty="0" smtClean="0">
-              <a:latin typeface="Corbel" panose="020B0503020204020204" pitchFamily="34" charset="0"/>
-            </a:endParaRPr>
+              <a:t>Tempo para Exercício, ~30:  mas negociável</a:t>
+            </a:r>
           </a:p>
           <a:p>
             <a:pPr>
